--- a/Docs/manuel utilisateur WQ.pptx
+++ b/Docs/manuel utilisateur WQ.pptx
@@ -4,15 +4,19 @@
   <p:sldMasterIdLst>
     <p:sldMasterId id="2147483704" r:id="rId1"/>
   </p:sldMasterIdLst>
+  <p:notesMasterIdLst>
+    <p:notesMasterId r:id="rId11"/>
+  </p:notesMasterIdLst>
   <p:sldIdLst>
     <p:sldId id="256" r:id="rId2"/>
     <p:sldId id="257" r:id="rId3"/>
     <p:sldId id="258" r:id="rId4"/>
     <p:sldId id="259" r:id="rId5"/>
     <p:sldId id="260" r:id="rId6"/>
-    <p:sldId id="261" r:id="rId7"/>
-    <p:sldId id="262" r:id="rId8"/>
-    <p:sldId id="263" r:id="rId9"/>
+    <p:sldId id="264" r:id="rId7"/>
+    <p:sldId id="261" r:id="rId8"/>
+    <p:sldId id="262" r:id="rId9"/>
+    <p:sldId id="263" r:id="rId10"/>
   </p:sldIdLst>
   <p:sldSz cx="6858000" cy="9144000" type="screen4x3"/>
   <p:notesSz cx="6858000" cy="9144000"/>
@@ -112,6 +116,356 @@
     </a:lvl9pPr>
   </p:defaultTextStyle>
 </p:presentation>
+</file>
+
+<file path=ppt/notesMasters/notesMaster1.xml><?xml version="1.0" encoding="utf-8"?>
+<p:notesMaster xmlns:a="http://schemas.openxmlformats.org/drawingml/2006/main" xmlns:r="http://schemas.openxmlformats.org/officeDocument/2006/relationships" xmlns:p="http://schemas.openxmlformats.org/presentationml/2006/main">
+  <p:cSld>
+    <p:bg>
+      <p:bgRef idx="1001">
+        <a:schemeClr val="bg1"/>
+      </p:bgRef>
+    </p:bg>
+    <p:spTree>
+      <p:nvGrpSpPr>
+        <p:cNvPr id="1" name=""/>
+        <p:cNvGrpSpPr/>
+        <p:nvPr/>
+      </p:nvGrpSpPr>
+      <p:grpSpPr>
+        <a:xfrm>
+          <a:off x="0" y="0"/>
+          <a:ext cx="0" cy="0"/>
+          <a:chOff x="0" y="0"/>
+          <a:chExt cx="0" cy="0"/>
+        </a:xfrm>
+      </p:grpSpPr>
+      <p:sp>
+        <p:nvSpPr>
+          <p:cNvPr id="2" name="Espace réservé de l'en-tête 1"/>
+          <p:cNvSpPr>
+            <a:spLocks noGrp="1"/>
+          </p:cNvSpPr>
+          <p:nvPr>
+            <p:ph type="hdr" sz="quarter"/>
+          </p:nvPr>
+        </p:nvSpPr>
+        <p:spPr>
+          <a:xfrm>
+            <a:off x="0" y="0"/>
+            <a:ext cx="2971800" cy="457200"/>
+          </a:xfrm>
+          <a:prstGeom prst="rect">
+            <a:avLst/>
+          </a:prstGeom>
+        </p:spPr>
+        <p:txBody>
+          <a:bodyPr vert="horz" lIns="91440" tIns="45720" rIns="91440" bIns="45720" rtlCol="0"/>
+          <a:lstStyle>
+            <a:lvl1pPr algn="l">
+              <a:defRPr sz="1200"/>
+            </a:lvl1pPr>
+          </a:lstStyle>
+          <a:p>
+            <a:endParaRPr lang="fr-FR"/>
+          </a:p>
+        </p:txBody>
+      </p:sp>
+      <p:sp>
+        <p:nvSpPr>
+          <p:cNvPr id="3" name="Espace réservé de la date 2"/>
+          <p:cNvSpPr>
+            <a:spLocks noGrp="1"/>
+          </p:cNvSpPr>
+          <p:nvPr>
+            <p:ph type="dt" idx="1"/>
+          </p:nvPr>
+        </p:nvSpPr>
+        <p:spPr>
+          <a:xfrm>
+            <a:off x="3884613" y="0"/>
+            <a:ext cx="2971800" cy="457200"/>
+          </a:xfrm>
+          <a:prstGeom prst="rect">
+            <a:avLst/>
+          </a:prstGeom>
+        </p:spPr>
+        <p:txBody>
+          <a:bodyPr vert="horz" lIns="91440" tIns="45720" rIns="91440" bIns="45720" rtlCol="0"/>
+          <a:lstStyle>
+            <a:lvl1pPr algn="r">
+              <a:defRPr sz="1200"/>
+            </a:lvl1pPr>
+          </a:lstStyle>
+          <a:p>
+            <a:fld id="{D46F5D7E-4940-462E-9A8F-F4473C2CBC40}" type="datetimeFigureOut">
+              <a:rPr lang="fr-FR" smtClean="0"/>
+              <a:t>18/05/2014</a:t>
+            </a:fld>
+            <a:endParaRPr lang="fr-FR"/>
+          </a:p>
+        </p:txBody>
+      </p:sp>
+      <p:sp>
+        <p:nvSpPr>
+          <p:cNvPr id="4" name="Espace réservé de l'image des diapositives 3"/>
+          <p:cNvSpPr>
+            <a:spLocks noGrp="1" noRot="1" noChangeAspect="1"/>
+          </p:cNvSpPr>
+          <p:nvPr>
+            <p:ph type="sldImg" idx="2"/>
+          </p:nvPr>
+        </p:nvSpPr>
+        <p:spPr>
+          <a:xfrm>
+            <a:off x="2143125" y="685800"/>
+            <a:ext cx="2571750" cy="3429000"/>
+          </a:xfrm>
+          <a:prstGeom prst="rect">
+            <a:avLst/>
+          </a:prstGeom>
+          <a:noFill/>
+          <a:ln w="12700">
+            <a:solidFill>
+              <a:prstClr val="black"/>
+            </a:solidFill>
+          </a:ln>
+        </p:spPr>
+        <p:txBody>
+          <a:bodyPr vert="horz" lIns="91440" tIns="45720" rIns="91440" bIns="45720" rtlCol="0" anchor="ctr"/>
+          <a:lstStyle/>
+          <a:p>
+            <a:endParaRPr lang="fr-FR"/>
+          </a:p>
+        </p:txBody>
+      </p:sp>
+      <p:sp>
+        <p:nvSpPr>
+          <p:cNvPr id="5" name="Espace réservé des commentaires 4"/>
+          <p:cNvSpPr>
+            <a:spLocks noGrp="1"/>
+          </p:cNvSpPr>
+          <p:nvPr>
+            <p:ph type="body" sz="quarter" idx="3"/>
+          </p:nvPr>
+        </p:nvSpPr>
+        <p:spPr>
+          <a:xfrm>
+            <a:off x="685800" y="4343400"/>
+            <a:ext cx="5486400" cy="4114800"/>
+          </a:xfrm>
+          <a:prstGeom prst="rect">
+            <a:avLst/>
+          </a:prstGeom>
+        </p:spPr>
+        <p:txBody>
+          <a:bodyPr vert="horz" lIns="91440" tIns="45720" rIns="91440" bIns="45720" rtlCol="0"/>
+          <a:lstStyle/>
+          <a:p>
+            <a:pPr lvl="0"/>
+            <a:r>
+              <a:rPr lang="fr-FR" smtClean="0"/>
+              <a:t>Modifiez les styles du texte du masque</a:t>
+            </a:r>
+          </a:p>
+          <a:p>
+            <a:pPr lvl="1"/>
+            <a:r>
+              <a:rPr lang="fr-FR" smtClean="0"/>
+              <a:t>Deuxième niveau</a:t>
+            </a:r>
+          </a:p>
+          <a:p>
+            <a:pPr lvl="2"/>
+            <a:r>
+              <a:rPr lang="fr-FR" smtClean="0"/>
+              <a:t>Troisième niveau</a:t>
+            </a:r>
+          </a:p>
+          <a:p>
+            <a:pPr lvl="3"/>
+            <a:r>
+              <a:rPr lang="fr-FR" smtClean="0"/>
+              <a:t>Quatrième niveau</a:t>
+            </a:r>
+          </a:p>
+          <a:p>
+            <a:pPr lvl="4"/>
+            <a:r>
+              <a:rPr lang="fr-FR" smtClean="0"/>
+              <a:t>Cinquième niveau</a:t>
+            </a:r>
+            <a:endParaRPr lang="fr-FR"/>
+          </a:p>
+        </p:txBody>
+      </p:sp>
+      <p:sp>
+        <p:nvSpPr>
+          <p:cNvPr id="6" name="Espace réservé du pied de page 5"/>
+          <p:cNvSpPr>
+            <a:spLocks noGrp="1"/>
+          </p:cNvSpPr>
+          <p:nvPr>
+            <p:ph type="ftr" sz="quarter" idx="4"/>
+          </p:nvPr>
+        </p:nvSpPr>
+        <p:spPr>
+          <a:xfrm>
+            <a:off x="0" y="8685213"/>
+            <a:ext cx="2971800" cy="457200"/>
+          </a:xfrm>
+          <a:prstGeom prst="rect">
+            <a:avLst/>
+          </a:prstGeom>
+        </p:spPr>
+        <p:txBody>
+          <a:bodyPr vert="horz" lIns="91440" tIns="45720" rIns="91440" bIns="45720" rtlCol="0" anchor="b"/>
+          <a:lstStyle>
+            <a:lvl1pPr algn="l">
+              <a:defRPr sz="1200"/>
+            </a:lvl1pPr>
+          </a:lstStyle>
+          <a:p>
+            <a:endParaRPr lang="fr-FR"/>
+          </a:p>
+        </p:txBody>
+      </p:sp>
+      <p:sp>
+        <p:nvSpPr>
+          <p:cNvPr id="7" name="Espace réservé du numéro de diapositive 6"/>
+          <p:cNvSpPr>
+            <a:spLocks noGrp="1"/>
+          </p:cNvSpPr>
+          <p:nvPr>
+            <p:ph type="sldNum" sz="quarter" idx="5"/>
+          </p:nvPr>
+        </p:nvSpPr>
+        <p:spPr>
+          <a:xfrm>
+            <a:off x="3884613" y="8685213"/>
+            <a:ext cx="2971800" cy="457200"/>
+          </a:xfrm>
+          <a:prstGeom prst="rect">
+            <a:avLst/>
+          </a:prstGeom>
+        </p:spPr>
+        <p:txBody>
+          <a:bodyPr vert="horz" lIns="91440" tIns="45720" rIns="91440" bIns="45720" rtlCol="0" anchor="b"/>
+          <a:lstStyle>
+            <a:lvl1pPr algn="r">
+              <a:defRPr sz="1200"/>
+            </a:lvl1pPr>
+          </a:lstStyle>
+          <a:p>
+            <a:fld id="{B811CE1A-2F1A-46A9-A6A1-64CE8EB1BDA2}" type="slidenum">
+              <a:rPr lang="fr-FR" smtClean="0"/>
+              <a:t>‹N°›</a:t>
+            </a:fld>
+            <a:endParaRPr lang="fr-FR"/>
+          </a:p>
+        </p:txBody>
+      </p:sp>
+    </p:spTree>
+    <p:extLst>
+      <p:ext uri="{BB962C8B-B14F-4D97-AF65-F5344CB8AC3E}">
+        <p14:creationId xmlns:p14="http://schemas.microsoft.com/office/powerpoint/2010/main" val="2717087826"/>
+      </p:ext>
+    </p:extLst>
+  </p:cSld>
+  <p:clrMap bg1="lt1" tx1="dk1" bg2="lt2" tx2="dk2" accent1="accent1" accent2="accent2" accent3="accent3" accent4="accent4" accent5="accent5" accent6="accent6" hlink="hlink" folHlink="folHlink"/>
+  <p:notesStyle>
+    <a:lvl1pPr marL="0" algn="l" defTabSz="914400" rtl="0" eaLnBrk="1" latinLnBrk="0" hangingPunct="1">
+      <a:defRPr sz="1200" kern="1200">
+        <a:solidFill>
+          <a:schemeClr val="tx1"/>
+        </a:solidFill>
+        <a:latin typeface="+mn-lt"/>
+        <a:ea typeface="+mn-ea"/>
+        <a:cs typeface="+mn-cs"/>
+      </a:defRPr>
+    </a:lvl1pPr>
+    <a:lvl2pPr marL="457200" algn="l" defTabSz="914400" rtl="0" eaLnBrk="1" latinLnBrk="0" hangingPunct="1">
+      <a:defRPr sz="1200" kern="1200">
+        <a:solidFill>
+          <a:schemeClr val="tx1"/>
+        </a:solidFill>
+        <a:latin typeface="+mn-lt"/>
+        <a:ea typeface="+mn-ea"/>
+        <a:cs typeface="+mn-cs"/>
+      </a:defRPr>
+    </a:lvl2pPr>
+    <a:lvl3pPr marL="914400" algn="l" defTabSz="914400" rtl="0" eaLnBrk="1" latinLnBrk="0" hangingPunct="1">
+      <a:defRPr sz="1200" kern="1200">
+        <a:solidFill>
+          <a:schemeClr val="tx1"/>
+        </a:solidFill>
+        <a:latin typeface="+mn-lt"/>
+        <a:ea typeface="+mn-ea"/>
+        <a:cs typeface="+mn-cs"/>
+      </a:defRPr>
+    </a:lvl3pPr>
+    <a:lvl4pPr marL="1371600" algn="l" defTabSz="914400" rtl="0" eaLnBrk="1" latinLnBrk="0" hangingPunct="1">
+      <a:defRPr sz="1200" kern="1200">
+        <a:solidFill>
+          <a:schemeClr val="tx1"/>
+        </a:solidFill>
+        <a:latin typeface="+mn-lt"/>
+        <a:ea typeface="+mn-ea"/>
+        <a:cs typeface="+mn-cs"/>
+      </a:defRPr>
+    </a:lvl4pPr>
+    <a:lvl5pPr marL="1828800" algn="l" defTabSz="914400" rtl="0" eaLnBrk="1" latinLnBrk="0" hangingPunct="1">
+      <a:defRPr sz="1200" kern="1200">
+        <a:solidFill>
+          <a:schemeClr val="tx1"/>
+        </a:solidFill>
+        <a:latin typeface="+mn-lt"/>
+        <a:ea typeface="+mn-ea"/>
+        <a:cs typeface="+mn-cs"/>
+      </a:defRPr>
+    </a:lvl5pPr>
+    <a:lvl6pPr marL="2286000" algn="l" defTabSz="914400" rtl="0" eaLnBrk="1" latinLnBrk="0" hangingPunct="1">
+      <a:defRPr sz="1200" kern="1200">
+        <a:solidFill>
+          <a:schemeClr val="tx1"/>
+        </a:solidFill>
+        <a:latin typeface="+mn-lt"/>
+        <a:ea typeface="+mn-ea"/>
+        <a:cs typeface="+mn-cs"/>
+      </a:defRPr>
+    </a:lvl6pPr>
+    <a:lvl7pPr marL="2743200" algn="l" defTabSz="914400" rtl="0" eaLnBrk="1" latinLnBrk="0" hangingPunct="1">
+      <a:defRPr sz="1200" kern="1200">
+        <a:solidFill>
+          <a:schemeClr val="tx1"/>
+        </a:solidFill>
+        <a:latin typeface="+mn-lt"/>
+        <a:ea typeface="+mn-ea"/>
+        <a:cs typeface="+mn-cs"/>
+      </a:defRPr>
+    </a:lvl7pPr>
+    <a:lvl8pPr marL="3200400" algn="l" defTabSz="914400" rtl="0" eaLnBrk="1" latinLnBrk="0" hangingPunct="1">
+      <a:defRPr sz="1200" kern="1200">
+        <a:solidFill>
+          <a:schemeClr val="tx1"/>
+        </a:solidFill>
+        <a:latin typeface="+mn-lt"/>
+        <a:ea typeface="+mn-ea"/>
+        <a:cs typeface="+mn-cs"/>
+      </a:defRPr>
+    </a:lvl8pPr>
+    <a:lvl9pPr marL="3657600" algn="l" defTabSz="914400" rtl="0" eaLnBrk="1" latinLnBrk="0" hangingPunct="1">
+      <a:defRPr sz="1200" kern="1200">
+        <a:solidFill>
+          <a:schemeClr val="tx1"/>
+        </a:solidFill>
+        <a:latin typeface="+mn-lt"/>
+        <a:ea typeface="+mn-ea"/>
+        <a:cs typeface="+mn-cs"/>
+      </a:defRPr>
+    </a:lvl9pPr>
+  </p:notesStyle>
+</p:notesMaster>
 </file>
 
 <file path=ppt/slideLayouts/slideLayout1.xml><?xml version="1.0" encoding="utf-8"?>
@@ -870,7 +1224,7 @@
           <a:p>
             <a:fld id="{3129A72F-686B-4727-899E-1B6AF7604176}" type="datetimeFigureOut">
               <a:rPr lang="fr-FR" smtClean="0"/>
-              <a:t>16/05/2014</a:t>
+              <a:t>18/05/2014</a:t>
             </a:fld>
             <a:endParaRPr lang="fr-FR"/>
           </a:p>
@@ -1075,7 +1429,7 @@
           <a:p>
             <a:fld id="{3129A72F-686B-4727-899E-1B6AF7604176}" type="datetimeFigureOut">
               <a:rPr lang="fr-FR" smtClean="0"/>
-              <a:t>16/05/2014</a:t>
+              <a:t>18/05/2014</a:t>
             </a:fld>
             <a:endParaRPr lang="fr-FR"/>
           </a:p>
@@ -1290,7 +1644,7 @@
           <a:p>
             <a:fld id="{3129A72F-686B-4727-899E-1B6AF7604176}" type="datetimeFigureOut">
               <a:rPr lang="fr-FR" smtClean="0"/>
-              <a:t>16/05/2014</a:t>
+              <a:t>18/05/2014</a:t>
             </a:fld>
             <a:endParaRPr lang="fr-FR"/>
           </a:p>
@@ -1495,7 +1849,7 @@
           <a:p>
             <a:fld id="{3129A72F-686B-4727-899E-1B6AF7604176}" type="datetimeFigureOut">
               <a:rPr lang="fr-FR" smtClean="0"/>
-              <a:t>16/05/2014</a:t>
+              <a:t>18/05/2014</a:t>
             </a:fld>
             <a:endParaRPr lang="fr-FR"/>
           </a:p>
@@ -1765,7 +2119,7 @@
           <a:p>
             <a:fld id="{3129A72F-686B-4727-899E-1B6AF7604176}" type="datetimeFigureOut">
               <a:rPr lang="fr-FR" smtClean="0"/>
-              <a:t>16/05/2014</a:t>
+              <a:t>18/05/2014</a:t>
             </a:fld>
             <a:endParaRPr lang="fr-FR"/>
           </a:p>
@@ -2250,7 +2604,7 @@
           <a:p>
             <a:fld id="{3129A72F-686B-4727-899E-1B6AF7604176}" type="datetimeFigureOut">
               <a:rPr lang="fr-FR" smtClean="0"/>
-              <a:t>16/05/2014</a:t>
+              <a:t>18/05/2014</a:t>
             </a:fld>
             <a:endParaRPr lang="fr-FR"/>
           </a:p>
@@ -2718,7 +3072,7 @@
           <a:p>
             <a:fld id="{3129A72F-686B-4727-899E-1B6AF7604176}" type="datetimeFigureOut">
               <a:rPr lang="fr-FR" smtClean="0"/>
-              <a:t>16/05/2014</a:t>
+              <a:t>18/05/2014</a:t>
             </a:fld>
             <a:endParaRPr lang="fr-FR"/>
           </a:p>
@@ -2855,7 +3209,7 @@
           <a:p>
             <a:fld id="{3129A72F-686B-4727-899E-1B6AF7604176}" type="datetimeFigureOut">
               <a:rPr lang="fr-FR" smtClean="0"/>
-              <a:t>16/05/2014</a:t>
+              <a:t>18/05/2014</a:t>
             </a:fld>
             <a:endParaRPr lang="fr-FR"/>
           </a:p>
@@ -2969,7 +3323,7 @@
           <a:p>
             <a:fld id="{3129A72F-686B-4727-899E-1B6AF7604176}" type="datetimeFigureOut">
               <a:rPr lang="fr-FR" smtClean="0"/>
-              <a:t>16/05/2014</a:t>
+              <a:t>18/05/2014</a:t>
             </a:fld>
             <a:endParaRPr lang="fr-FR"/>
           </a:p>
@@ -3275,7 +3629,7 @@
           <a:p>
             <a:fld id="{3129A72F-686B-4727-899E-1B6AF7604176}" type="datetimeFigureOut">
               <a:rPr lang="fr-FR" smtClean="0"/>
-              <a:t>16/05/2014</a:t>
+              <a:t>18/05/2014</a:t>
             </a:fld>
             <a:endParaRPr lang="fr-FR"/>
           </a:p>
@@ -3570,7 +3924,7 @@
           <a:p>
             <a:fld id="{3129A72F-686B-4727-899E-1B6AF7604176}" type="datetimeFigureOut">
               <a:rPr lang="fr-FR" smtClean="0"/>
-              <a:t>16/05/2014</a:t>
+              <a:t>18/05/2014</a:t>
             </a:fld>
             <a:endParaRPr lang="fr-FR"/>
           </a:p>
@@ -4199,7 +4553,7 @@
           <a:p>
             <a:fld id="{3129A72F-686B-4727-899E-1B6AF7604176}" type="datetimeFigureOut">
               <a:rPr lang="fr-FR" smtClean="0"/>
-              <a:t>16/05/2014</a:t>
+              <a:t>18/05/2014</a:t>
             </a:fld>
             <a:endParaRPr lang="fr-FR"/>
           </a:p>
@@ -5678,11 +6032,7 @@
           <a:p>
             <a:r>
               <a:rPr lang="fr-FR" sz="2800" dirty="0" smtClean="0"/>
-              <a:t>I / </a:t>
-            </a:r>
-            <a:r>
-              <a:rPr lang="fr-FR" sz="2800" dirty="0" smtClean="0"/>
-              <a:t>Connexion</a:t>
+              <a:t>I / Connexion</a:t>
             </a:r>
             <a:endParaRPr lang="fr-FR" sz="2800" dirty="0"/>
           </a:p>
@@ -6158,7 +6508,7 @@
         <p:spPr>
           <a:xfrm>
             <a:off x="3653195" y="1842661"/>
-            <a:ext cx="3204805" cy="2585323"/>
+            <a:ext cx="3204805" cy="3139321"/>
           </a:xfrm>
           <a:prstGeom prst="rect">
             <a:avLst/>
@@ -6197,12 +6547,16 @@
             </a:r>
             <a:r>
               <a:rPr lang="fr-FR" dirty="0"/>
-              <a:t> : Redirection sur l’accueil.</a:t>
-            </a:r>
-          </a:p>
-          <a:p>
-            <a:r>
-              <a:rPr lang="fr-FR" dirty="0">
+              <a:t> : Redirection sur l’accueil</a:t>
+            </a:r>
+            <a:r>
+              <a:rPr lang="fr-FR" dirty="0" smtClean="0"/>
+              <a:t>.</a:t>
+            </a:r>
+          </a:p>
+          <a:p>
+            <a:r>
+              <a:rPr lang="fr-FR" dirty="0" smtClean="0">
                 <a:solidFill>
                   <a:srgbClr val="00B050"/>
                 </a:solidFill>
@@ -6210,18 +6564,33 @@
               <a:t>2</a:t>
             </a:r>
             <a:r>
-              <a:rPr lang="fr-FR" dirty="0"/>
-              <a:t> : Options de l’application.</a:t>
-            </a:r>
-          </a:p>
-          <a:p>
-            <a:r>
-              <a:rPr lang="fr-FR" dirty="0">
+              <a:rPr lang="fr-FR" dirty="0" smtClean="0"/>
+              <a:t> : Votre nom d’utilisateur et statut</a:t>
+            </a:r>
+            <a:endParaRPr lang="fr-FR" dirty="0"/>
+          </a:p>
+          <a:p>
+            <a:r>
+              <a:rPr lang="fr-FR" dirty="0" smtClean="0">
                 <a:solidFill>
                   <a:srgbClr val="00B050"/>
                 </a:solidFill>
               </a:rPr>
               <a:t>3</a:t>
+            </a:r>
+            <a:r>
+              <a:rPr lang="fr-FR" dirty="0"/>
+              <a:t> : Options de l’application.</a:t>
+            </a:r>
+          </a:p>
+          <a:p>
+            <a:r>
+              <a:rPr lang="fr-FR" dirty="0" smtClean="0">
+                <a:solidFill>
+                  <a:srgbClr val="00B050"/>
+                </a:solidFill>
+              </a:rPr>
+              <a:t>4</a:t>
             </a:r>
             <a:r>
               <a:rPr lang="fr-FR" dirty="0"/>
@@ -6281,7 +6650,7 @@
         </p:nvSpPr>
         <p:spPr>
           <a:xfrm>
-            <a:off x="3212976" y="2051720"/>
+            <a:off x="2709442" y="2082931"/>
             <a:ext cx="256802" cy="261610"/>
           </a:xfrm>
           <a:prstGeom prst="rect">
@@ -6319,7 +6688,7 @@
         </p:nvSpPr>
         <p:spPr>
           <a:xfrm>
-            <a:off x="3429000" y="2051720"/>
+            <a:off x="3212976" y="2051720"/>
             <a:ext cx="256802" cy="261610"/>
           </a:xfrm>
           <a:prstGeom prst="rect">
@@ -6752,13 +7121,8 @@
             </a:r>
             <a:r>
               <a:rPr lang="fr-FR" dirty="0" smtClean="0"/>
-              <a:t> : Jouer à un </a:t>
-            </a:r>
-            <a:r>
-              <a:rPr lang="fr-FR" dirty="0" smtClean="0"/>
-              <a:t>quiz.</a:t>
-            </a:r>
-            <a:endParaRPr lang="fr-FR" dirty="0" smtClean="0"/>
+              <a:t> : Jouer à un quiz.</a:t>
+            </a:r>
           </a:p>
           <a:p>
             <a:r>
@@ -6771,13 +7135,8 @@
             </a:r>
             <a:r>
               <a:rPr lang="fr-FR" dirty="0" smtClean="0"/>
-              <a:t> : Voir les </a:t>
-            </a:r>
-            <a:r>
-              <a:rPr lang="fr-FR" dirty="0" smtClean="0"/>
-              <a:t>statistiques.</a:t>
-            </a:r>
-            <a:endParaRPr lang="fr-FR" dirty="0" smtClean="0"/>
+              <a:t> : Voir les statistiques.</a:t>
+            </a:r>
           </a:p>
           <a:p>
             <a:r>
@@ -6790,13 +7149,8 @@
             </a:r>
             <a:r>
               <a:rPr lang="fr-FR" dirty="0" smtClean="0"/>
-              <a:t> : Voir les </a:t>
-            </a:r>
-            <a:r>
-              <a:rPr lang="fr-FR" dirty="0" smtClean="0"/>
-              <a:t>crédits.</a:t>
-            </a:r>
-            <a:endParaRPr lang="fr-FR" dirty="0" smtClean="0"/>
+              <a:t> : Voir les crédits.</a:t>
+            </a:r>
           </a:p>
           <a:p>
             <a:r>
@@ -6809,11 +7163,7 @@
             </a:r>
             <a:r>
               <a:rPr lang="fr-FR" dirty="0" smtClean="0"/>
-              <a:t> : Quitter </a:t>
-            </a:r>
-            <a:r>
-              <a:rPr lang="fr-FR" dirty="0" smtClean="0"/>
-              <a:t>l’application.</a:t>
+              <a:t> : Quitter l’application.</a:t>
             </a:r>
             <a:endParaRPr lang="fr-FR" dirty="0"/>
           </a:p>
@@ -6828,7 +7178,7 @@
         <p:spPr>
           <a:xfrm>
             <a:off x="476672" y="421958"/>
-            <a:ext cx="1710725" cy="523220"/>
+            <a:ext cx="2181238" cy="523220"/>
           </a:xfrm>
           <a:prstGeom prst="rect">
             <a:avLst/>
@@ -6843,7 +7193,11 @@
           <a:p>
             <a:r>
               <a:rPr lang="fr-FR" sz="2800" dirty="0" smtClean="0"/>
-              <a:t>II / Accueil</a:t>
+              <a:t>II / </a:t>
+            </a:r>
+            <a:r>
+              <a:rPr lang="fr-FR" sz="2800" dirty="0" smtClean="0"/>
+              <a:t>Utilisateur</a:t>
             </a:r>
             <a:endParaRPr lang="fr-FR" sz="2800" dirty="0"/>
           </a:p>
@@ -6873,11 +7227,7 @@
           <a:p>
             <a:r>
               <a:rPr lang="fr-FR" sz="2800" dirty="0" smtClean="0"/>
-              <a:t>Le header </a:t>
-            </a:r>
-            <a:r>
-              <a:rPr lang="fr-FR" sz="2800" dirty="0" smtClean="0"/>
-              <a:t>:</a:t>
+              <a:t>Le header :</a:t>
             </a:r>
             <a:endParaRPr lang="fr-FR" sz="2800" dirty="0"/>
           </a:p>
@@ -6907,13 +7257,93 @@
           <a:p>
             <a:r>
               <a:rPr lang="fr-FR" sz="2800" dirty="0" smtClean="0"/>
-              <a:t>Les boutons </a:t>
-            </a:r>
-            <a:r>
-              <a:rPr lang="fr-FR" sz="2800" dirty="0" smtClean="0"/>
-              <a:t>:</a:t>
+              <a:t>Les boutons :</a:t>
             </a:r>
             <a:endParaRPr lang="fr-FR" sz="2800" dirty="0"/>
+          </a:p>
+        </p:txBody>
+      </p:sp>
+      <p:sp>
+        <p:nvSpPr>
+          <p:cNvPr id="28" name="Rectangle 27"/>
+          <p:cNvSpPr/>
+          <p:nvPr/>
+        </p:nvSpPr>
+        <p:spPr>
+          <a:xfrm>
+            <a:off x="1995392" y="1969980"/>
+            <a:ext cx="1001560" cy="146820"/>
+          </a:xfrm>
+          <a:prstGeom prst="rect">
+            <a:avLst/>
+          </a:prstGeom>
+          <a:noFill/>
+          <a:ln>
+            <a:solidFill>
+              <a:srgbClr val="00B050"/>
+            </a:solidFill>
+          </a:ln>
+        </p:spPr>
+        <p:style>
+          <a:lnRef idx="2">
+            <a:schemeClr val="accent1">
+              <a:shade val="50000"/>
+            </a:schemeClr>
+          </a:lnRef>
+          <a:fillRef idx="1">
+            <a:schemeClr val="accent1"/>
+          </a:fillRef>
+          <a:effectRef idx="0">
+            <a:schemeClr val="accent1"/>
+          </a:effectRef>
+          <a:fontRef idx="minor">
+            <a:schemeClr val="lt1"/>
+          </a:fontRef>
+        </p:style>
+        <p:txBody>
+          <a:bodyPr rtlCol="0" anchor="ctr"/>
+          <a:lstStyle/>
+          <a:p>
+            <a:pPr algn="ctr"/>
+            <a:endParaRPr lang="fr-FR" sz="2800"/>
+          </a:p>
+        </p:txBody>
+      </p:sp>
+      <p:sp>
+        <p:nvSpPr>
+          <p:cNvPr id="29" name="ZoneTexte 28"/>
+          <p:cNvSpPr txBox="1"/>
+          <p:nvPr/>
+        </p:nvSpPr>
+        <p:spPr>
+          <a:xfrm>
+            <a:off x="3388222" y="2051720"/>
+            <a:ext cx="256802" cy="261610"/>
+          </a:xfrm>
+          <a:prstGeom prst="rect">
+            <a:avLst/>
+          </a:prstGeom>
+          <a:noFill/>
+        </p:spPr>
+        <p:txBody>
+          <a:bodyPr wrap="none" rtlCol="0">
+            <a:spAutoFit/>
+          </a:bodyPr>
+          <a:lstStyle/>
+          <a:p>
+            <a:r>
+              <a:rPr lang="fr-FR" sz="1100" dirty="0" smtClean="0">
+                <a:solidFill>
+                  <a:srgbClr val="00B050"/>
+                </a:solidFill>
+              </a:rPr>
+              <a:t>4</a:t>
+            </a:r>
+            <a:endParaRPr lang="fr-FR" sz="1100" dirty="0">
+              <a:solidFill>
+                <a:srgbClr val="00B050"/>
+              </a:solidFill>
+            </a:endParaRPr>
           </a:p>
         </p:txBody>
       </p:sp>
@@ -6966,6 +7396,36 @@
           <a:chExt cx="0" cy="0"/>
         </a:xfrm>
       </p:grpSpPr>
+      <p:pic>
+        <p:nvPicPr>
+          <p:cNvPr id="6" name="Image 5" descr="(&gt; o _ o )&gt;          --[__W  A  R___Q  U  I  Z__]--          &lt;[ x _ x &lt;]"/>
+          <p:cNvPicPr>
+            <a:picLocks noChangeAspect="1"/>
+          </p:cNvPicPr>
+          <p:nvPr/>
+        </p:nvPicPr>
+        <p:blipFill>
+          <a:blip r:embed="rId2" cstate="print">
+            <a:extLst>
+              <a:ext uri="{28A0092B-C50C-407E-A947-70E740481C1C}">
+                <a14:useLocalDpi xmlns:a14="http://schemas.microsoft.com/office/drawing/2010/main" val="0"/>
+              </a:ext>
+            </a:extLst>
+          </a:blip>
+          <a:stretch>
+            <a:fillRect/>
+          </a:stretch>
+        </p:blipFill>
+        <p:spPr>
+          <a:xfrm>
+            <a:off x="562032" y="5580112"/>
+            <a:ext cx="3111739" cy="2404800"/>
+          </a:xfrm>
+          <a:prstGeom prst="rect">
+            <a:avLst/>
+          </a:prstGeom>
+        </p:spPr>
+      </p:pic>
       <p:sp>
         <p:nvSpPr>
           <p:cNvPr id="10" name="ZoneTexte 9"/>
@@ -6997,14 +7457,149 @@
       </p:sp>
       <p:sp>
         <p:nvSpPr>
-          <p:cNvPr id="15" name="Rectangle 14"/>
+          <p:cNvPr id="24" name="ZoneTexte 23"/>
+          <p:cNvSpPr txBox="1"/>
+          <p:nvPr/>
+        </p:nvSpPr>
+        <p:spPr>
+          <a:xfrm>
+            <a:off x="3672408" y="5508104"/>
+            <a:ext cx="2852936" cy="3416320"/>
+          </a:xfrm>
+          <a:prstGeom prst="rect">
+            <a:avLst/>
+          </a:prstGeom>
+          <a:noFill/>
+        </p:spPr>
+        <p:txBody>
+          <a:bodyPr wrap="square" rtlCol="0">
+            <a:spAutoFit/>
+          </a:bodyPr>
+          <a:lstStyle/>
+          <a:p>
+            <a:r>
+              <a:rPr lang="fr-FR" dirty="0" smtClean="0"/>
+              <a:t>La partie Statistiques vous permet d’obtenir des informations sur vos parties jouées.</a:t>
+            </a:r>
+          </a:p>
+          <a:p>
+            <a:r>
+              <a:rPr lang="fr-FR" dirty="0" smtClean="0">
+                <a:solidFill>
+                  <a:srgbClr val="FF0000"/>
+                </a:solidFill>
+              </a:rPr>
+              <a:t>1</a:t>
+            </a:r>
+            <a:r>
+              <a:rPr lang="fr-FR" dirty="0" smtClean="0"/>
+              <a:t> : Consultez les statistiques généraux de vos parties.</a:t>
+            </a:r>
+          </a:p>
+          <a:p>
+            <a:r>
+              <a:rPr lang="fr-FR" dirty="0" smtClean="0">
+                <a:solidFill>
+                  <a:srgbClr val="FF0000"/>
+                </a:solidFill>
+              </a:rPr>
+              <a:t>2</a:t>
+            </a:r>
+            <a:r>
+              <a:rPr lang="fr-FR" dirty="0" smtClean="0"/>
+              <a:t> : Filtrez vos quiz selon vos préférences de difficulté.</a:t>
+            </a:r>
+          </a:p>
+          <a:p>
+            <a:r>
+              <a:rPr lang="fr-FR" dirty="0" smtClean="0">
+                <a:solidFill>
+                  <a:srgbClr val="FF0000"/>
+                </a:solidFill>
+              </a:rPr>
+              <a:t>3</a:t>
+            </a:r>
+            <a:r>
+              <a:rPr lang="fr-FR" dirty="0" smtClean="0"/>
+              <a:t> : Une fois un quiz sélectionné dans la liste, consultez les statistiques ce celui-ci.</a:t>
+            </a:r>
+          </a:p>
+        </p:txBody>
+      </p:sp>
+      <p:sp>
+        <p:nvSpPr>
+          <p:cNvPr id="25" name="ZoneTexte 24"/>
+          <p:cNvSpPr txBox="1"/>
+          <p:nvPr/>
+        </p:nvSpPr>
+        <p:spPr>
+          <a:xfrm>
+            <a:off x="476672" y="421958"/>
+            <a:ext cx="2181238" cy="523220"/>
+          </a:xfrm>
+          <a:prstGeom prst="rect">
+            <a:avLst/>
+          </a:prstGeom>
+          <a:noFill/>
+        </p:spPr>
+        <p:txBody>
+          <a:bodyPr wrap="none" rtlCol="0">
+            <a:spAutoFit/>
+          </a:bodyPr>
+          <a:lstStyle/>
+          <a:p>
+            <a:r>
+              <a:rPr lang="fr-FR" sz="2800" dirty="0" smtClean="0"/>
+              <a:t>II / </a:t>
+            </a:r>
+            <a:r>
+              <a:rPr lang="fr-FR" sz="2800" dirty="0" smtClean="0"/>
+              <a:t>Utilisateur</a:t>
+            </a:r>
+            <a:endParaRPr lang="fr-FR" sz="2800" dirty="0"/>
+          </a:p>
+        </p:txBody>
+      </p:sp>
+      <p:pic>
+        <p:nvPicPr>
+          <p:cNvPr id="2" name="Image 1" descr="(&gt; o _ o )&gt;          --[__W  A  R___Q  U  I  Z__]--          &lt;[ x _ x &lt;]"/>
+          <p:cNvPicPr>
+            <a:picLocks noChangeAspect="1"/>
+          </p:cNvPicPr>
+          <p:nvPr/>
+        </p:nvPicPr>
+        <p:blipFill>
+          <a:blip r:embed="rId3" cstate="print">
+            <a:extLst>
+              <a:ext uri="{28A0092B-C50C-407E-A947-70E740481C1C}">
+                <a14:useLocalDpi xmlns:a14="http://schemas.microsoft.com/office/drawing/2010/main" val="0"/>
+              </a:ext>
+            </a:extLst>
+          </a:blip>
+          <a:stretch>
+            <a:fillRect/>
+          </a:stretch>
+        </p:blipFill>
+        <p:spPr>
+          <a:xfrm>
+            <a:off x="548762" y="1907704"/>
+            <a:ext cx="3094438" cy="2391430"/>
+          </a:xfrm>
+          <a:prstGeom prst="rect">
+            <a:avLst/>
+          </a:prstGeom>
+        </p:spPr>
+      </p:pic>
+      <p:sp>
+        <p:nvSpPr>
+          <p:cNvPr id="4" name="Rectangle 3"/>
           <p:cNvSpPr/>
           <p:nvPr/>
         </p:nvSpPr>
         <p:spPr>
           <a:xfrm>
-            <a:off x="957600" y="6444000"/>
-            <a:ext cx="1051200" cy="216024"/>
+            <a:off x="1004400" y="6552012"/>
+            <a:ext cx="1422000" cy="728405"/>
           </a:xfrm>
           <a:prstGeom prst="rect">
             <a:avLst/>
@@ -7043,14 +7638,14 @@
       </p:sp>
       <p:sp>
         <p:nvSpPr>
-          <p:cNvPr id="16" name="Rectangle 15"/>
+          <p:cNvPr id="5" name="Rectangle 4"/>
           <p:cNvSpPr/>
           <p:nvPr/>
         </p:nvSpPr>
         <p:spPr>
           <a:xfrm>
-            <a:off x="957600" y="6742800"/>
-            <a:ext cx="1051200" cy="216024"/>
+            <a:off x="1052736" y="7308304"/>
+            <a:ext cx="956064" cy="576064"/>
           </a:xfrm>
           <a:prstGeom prst="rect">
             <a:avLst/>
@@ -7089,14 +7684,90 @@
       </p:sp>
       <p:sp>
         <p:nvSpPr>
-          <p:cNvPr id="18" name="Rectangle 17"/>
+          <p:cNvPr id="26" name="ZoneTexte 25"/>
+          <p:cNvSpPr txBox="1"/>
+          <p:nvPr/>
+        </p:nvSpPr>
+        <p:spPr>
+          <a:xfrm>
+            <a:off x="1778668" y="6313403"/>
+            <a:ext cx="256802" cy="261610"/>
+          </a:xfrm>
+          <a:prstGeom prst="rect">
+            <a:avLst/>
+          </a:prstGeom>
+          <a:noFill/>
+        </p:spPr>
+        <p:txBody>
+          <a:bodyPr wrap="none" rtlCol="0">
+            <a:spAutoFit/>
+          </a:bodyPr>
+          <a:lstStyle/>
+          <a:p>
+            <a:r>
+              <a:rPr lang="fr-FR" sz="1100" dirty="0" smtClean="0">
+                <a:solidFill>
+                  <a:srgbClr val="FF0000"/>
+                </a:solidFill>
+              </a:rPr>
+              <a:t>1</a:t>
+            </a:r>
+            <a:endParaRPr lang="fr-FR" sz="1100" dirty="0">
+              <a:solidFill>
+                <a:srgbClr val="FF0000"/>
+              </a:solidFill>
+            </a:endParaRPr>
+          </a:p>
+        </p:txBody>
+      </p:sp>
+      <p:sp>
+        <p:nvSpPr>
+          <p:cNvPr id="27" name="ZoneTexte 26"/>
+          <p:cNvSpPr txBox="1"/>
+          <p:nvPr/>
+        </p:nvSpPr>
+        <p:spPr>
+          <a:xfrm>
+            <a:off x="2141240" y="7002436"/>
+            <a:ext cx="256802" cy="261610"/>
+          </a:xfrm>
+          <a:prstGeom prst="rect">
+            <a:avLst/>
+          </a:prstGeom>
+          <a:noFill/>
+        </p:spPr>
+        <p:txBody>
+          <a:bodyPr wrap="none" rtlCol="0">
+            <a:spAutoFit/>
+          </a:bodyPr>
+          <a:lstStyle/>
+          <a:p>
+            <a:r>
+              <a:rPr lang="fr-FR" sz="1100" dirty="0" smtClean="0">
+                <a:solidFill>
+                  <a:srgbClr val="FF0000"/>
+                </a:solidFill>
+              </a:rPr>
+              <a:t>2</a:t>
+            </a:r>
+            <a:endParaRPr lang="fr-FR" sz="1100" dirty="0">
+              <a:solidFill>
+                <a:srgbClr val="FF0000"/>
+              </a:solidFill>
+            </a:endParaRPr>
+          </a:p>
+        </p:txBody>
+      </p:sp>
+      <p:sp>
+        <p:nvSpPr>
+          <p:cNvPr id="28" name="Rectangle 27"/>
           <p:cNvSpPr/>
           <p:nvPr/>
         </p:nvSpPr>
         <p:spPr>
           <a:xfrm>
-            <a:off x="957600" y="7358400"/>
-            <a:ext cx="1051200" cy="216024"/>
+            <a:off x="1052736" y="6372200"/>
+            <a:ext cx="966746" cy="144016"/>
           </a:xfrm>
           <a:prstGeom prst="rect">
             <a:avLst/>
@@ -7135,135 +7806,13 @@
       </p:sp>
       <p:sp>
         <p:nvSpPr>
-          <p:cNvPr id="19" name="Rectangle 18"/>
-          <p:cNvSpPr/>
-          <p:nvPr/>
-        </p:nvSpPr>
-        <p:spPr>
-          <a:xfrm>
-            <a:off x="957600" y="7041600"/>
-            <a:ext cx="1051200" cy="216024"/>
-          </a:xfrm>
-          <a:prstGeom prst="rect">
-            <a:avLst/>
-          </a:prstGeom>
-          <a:noFill/>
-          <a:ln>
-            <a:solidFill>
-              <a:srgbClr val="FF0000"/>
-            </a:solidFill>
-          </a:ln>
-        </p:spPr>
-        <p:style>
-          <a:lnRef idx="2">
-            <a:schemeClr val="accent1">
-              <a:shade val="50000"/>
-            </a:schemeClr>
-          </a:lnRef>
-          <a:fillRef idx="1">
-            <a:schemeClr val="accent1"/>
-          </a:fillRef>
-          <a:effectRef idx="0">
-            <a:schemeClr val="accent1"/>
-          </a:effectRef>
-          <a:fontRef idx="minor">
-            <a:schemeClr val="lt1"/>
-          </a:fontRef>
-        </p:style>
-        <p:txBody>
-          <a:bodyPr rtlCol="0" anchor="ctr"/>
-          <a:lstStyle/>
-          <a:p>
-            <a:pPr algn="ctr"/>
-            <a:endParaRPr lang="fr-FR" sz="2800"/>
-          </a:p>
-        </p:txBody>
-      </p:sp>
-      <p:sp>
-        <p:nvSpPr>
-          <p:cNvPr id="20" name="ZoneTexte 19"/>
+          <p:cNvPr id="29" name="ZoneTexte 28"/>
           <p:cNvSpPr txBox="1"/>
           <p:nvPr/>
         </p:nvSpPr>
         <p:spPr>
           <a:xfrm>
-            <a:off x="1988840" y="6421207"/>
-            <a:ext cx="256802" cy="261610"/>
-          </a:xfrm>
-          <a:prstGeom prst="rect">
-            <a:avLst/>
-          </a:prstGeom>
-          <a:noFill/>
-        </p:spPr>
-        <p:txBody>
-          <a:bodyPr wrap="none" rtlCol="0">
-            <a:spAutoFit/>
-          </a:bodyPr>
-          <a:lstStyle/>
-          <a:p>
-            <a:r>
-              <a:rPr lang="fr-FR" sz="1100" dirty="0" smtClean="0">
-                <a:solidFill>
-                  <a:srgbClr val="FF0000"/>
-                </a:solidFill>
-              </a:rPr>
-              <a:t>1</a:t>
-            </a:r>
-            <a:endParaRPr lang="fr-FR" sz="1100" dirty="0">
-              <a:solidFill>
-                <a:srgbClr val="FF0000"/>
-              </a:solidFill>
-            </a:endParaRPr>
-          </a:p>
-        </p:txBody>
-      </p:sp>
-      <p:sp>
-        <p:nvSpPr>
-          <p:cNvPr id="21" name="ZoneTexte 20"/>
-          <p:cNvSpPr txBox="1"/>
-          <p:nvPr/>
-        </p:nvSpPr>
-        <p:spPr>
-          <a:xfrm>
-            <a:off x="2012839" y="6720007"/>
-            <a:ext cx="256802" cy="261610"/>
-          </a:xfrm>
-          <a:prstGeom prst="rect">
-            <a:avLst/>
-          </a:prstGeom>
-          <a:noFill/>
-        </p:spPr>
-        <p:txBody>
-          <a:bodyPr wrap="none" rtlCol="0">
-            <a:spAutoFit/>
-          </a:bodyPr>
-          <a:lstStyle/>
-          <a:p>
-            <a:r>
-              <a:rPr lang="fr-FR" sz="1100" dirty="0" smtClean="0">
-                <a:solidFill>
-                  <a:srgbClr val="FF0000"/>
-                </a:solidFill>
-              </a:rPr>
-              <a:t>2</a:t>
-            </a:r>
-            <a:endParaRPr lang="fr-FR" sz="1100" dirty="0">
-              <a:solidFill>
-                <a:srgbClr val="FF0000"/>
-              </a:solidFill>
-            </a:endParaRPr>
-          </a:p>
-        </p:txBody>
-      </p:sp>
-      <p:sp>
-        <p:nvSpPr>
-          <p:cNvPr id="22" name="ZoneTexte 21"/>
-          <p:cNvSpPr txBox="1"/>
-          <p:nvPr/>
-        </p:nvSpPr>
-        <p:spPr>
-          <a:xfrm>
-            <a:off x="2014409" y="7018807"/>
+            <a:off x="1792420" y="7380312"/>
             <a:ext cx="256802" cy="261610"/>
           </a:xfrm>
           <a:prstGeom prst="rect">
@@ -7295,14 +7844,14 @@
       </p:sp>
       <p:sp>
         <p:nvSpPr>
-          <p:cNvPr id="23" name="ZoneTexte 22"/>
+          <p:cNvPr id="30" name="ZoneTexte 29"/>
           <p:cNvSpPr txBox="1"/>
           <p:nvPr/>
         </p:nvSpPr>
         <p:spPr>
           <a:xfrm>
-            <a:off x="2019482" y="7335607"/>
-            <a:ext cx="256802" cy="261610"/>
+            <a:off x="977229" y="1384484"/>
+            <a:ext cx="1896738" cy="523220"/>
           </a:xfrm>
           <a:prstGeom prst="rect">
             <a:avLst/>
@@ -7316,482 +7865,8 @@
           <a:lstStyle/>
           <a:p>
             <a:r>
-              <a:rPr lang="fr-FR" sz="1100" dirty="0" smtClean="0">
-                <a:solidFill>
-                  <a:srgbClr val="FF0000"/>
-                </a:solidFill>
-              </a:rPr>
-              <a:t>4</a:t>
-            </a:r>
-            <a:endParaRPr lang="fr-FR" sz="1100" dirty="0">
-              <a:solidFill>
-                <a:srgbClr val="FF0000"/>
-              </a:solidFill>
-            </a:endParaRPr>
-          </a:p>
-        </p:txBody>
-      </p:sp>
-      <p:sp>
-        <p:nvSpPr>
-          <p:cNvPr id="24" name="ZoneTexte 23"/>
-          <p:cNvSpPr txBox="1"/>
-          <p:nvPr/>
-        </p:nvSpPr>
-        <p:spPr>
-          <a:xfrm>
-            <a:off x="3672408" y="5508104"/>
-            <a:ext cx="2852936" cy="3416320"/>
-          </a:xfrm>
-          <a:prstGeom prst="rect">
-            <a:avLst/>
-          </a:prstGeom>
-          <a:noFill/>
-        </p:spPr>
-        <p:txBody>
-          <a:bodyPr wrap="square" rtlCol="0">
-            <a:spAutoFit/>
-          </a:bodyPr>
-          <a:lstStyle/>
-          <a:p>
-            <a:r>
-              <a:rPr lang="fr-FR" dirty="0" smtClean="0"/>
-              <a:t>La partie Statistiques vous permet d’obtenir des informations sur vos parties jouées.</a:t>
-            </a:r>
-          </a:p>
-          <a:p>
-            <a:r>
-              <a:rPr lang="fr-FR" dirty="0" smtClean="0">
-                <a:solidFill>
-                  <a:srgbClr val="FF0000"/>
-                </a:solidFill>
-              </a:rPr>
-              <a:t>1</a:t>
-            </a:r>
-            <a:r>
-              <a:rPr lang="fr-FR" dirty="0" smtClean="0"/>
-              <a:t> : Consultez les statistiques généraux de vos parties.</a:t>
-            </a:r>
-            <a:endParaRPr lang="fr-FR" dirty="0" smtClean="0"/>
-          </a:p>
-          <a:p>
-            <a:r>
-              <a:rPr lang="fr-FR" dirty="0" smtClean="0">
-                <a:solidFill>
-                  <a:srgbClr val="FF0000"/>
-                </a:solidFill>
-              </a:rPr>
-              <a:t>2</a:t>
-            </a:r>
-            <a:r>
-              <a:rPr lang="fr-FR" dirty="0" smtClean="0"/>
-              <a:t> </a:t>
-            </a:r>
-            <a:r>
-              <a:rPr lang="fr-FR" dirty="0" smtClean="0"/>
-              <a:t>: </a:t>
-            </a:r>
-            <a:r>
-              <a:rPr lang="fr-FR" dirty="0" smtClean="0"/>
-              <a:t>Filtrez vos quiz selon vos préférences de difficulté.</a:t>
-            </a:r>
-            <a:endParaRPr lang="fr-FR" dirty="0" smtClean="0"/>
-          </a:p>
-          <a:p>
-            <a:r>
-              <a:rPr lang="fr-FR" dirty="0" smtClean="0">
-                <a:solidFill>
-                  <a:srgbClr val="FF0000"/>
-                </a:solidFill>
-              </a:rPr>
-              <a:t>3</a:t>
-            </a:r>
-            <a:r>
-              <a:rPr lang="fr-FR" dirty="0" smtClean="0"/>
-              <a:t> </a:t>
-            </a:r>
-            <a:r>
-              <a:rPr lang="fr-FR" dirty="0" smtClean="0"/>
-              <a:t>: </a:t>
-            </a:r>
-            <a:r>
-              <a:rPr lang="fr-FR" dirty="0" smtClean="0"/>
-              <a:t>Une fois un quiz sélectionné dans la liste, consultez les statistiques ce celui-ci.</a:t>
-            </a:r>
-            <a:endParaRPr lang="fr-FR" dirty="0" smtClean="0"/>
-          </a:p>
-        </p:txBody>
-      </p:sp>
-      <p:sp>
-        <p:nvSpPr>
-          <p:cNvPr id="25" name="ZoneTexte 24"/>
-          <p:cNvSpPr txBox="1"/>
-          <p:nvPr/>
-        </p:nvSpPr>
-        <p:spPr>
-          <a:xfrm>
-            <a:off x="476672" y="421958"/>
-            <a:ext cx="1710725" cy="523220"/>
-          </a:xfrm>
-          <a:prstGeom prst="rect">
-            <a:avLst/>
-          </a:prstGeom>
-          <a:noFill/>
-        </p:spPr>
-        <p:txBody>
-          <a:bodyPr wrap="none" rtlCol="0">
-            <a:spAutoFit/>
-          </a:bodyPr>
-          <a:lstStyle/>
-          <a:p>
-            <a:r>
               <a:rPr lang="fr-FR" sz="2800" dirty="0" smtClean="0"/>
-              <a:t>II / Accueil</a:t>
-            </a:r>
-            <a:endParaRPr lang="fr-FR" sz="2800" dirty="0"/>
-          </a:p>
-        </p:txBody>
-      </p:sp>
-      <p:pic>
-        <p:nvPicPr>
-          <p:cNvPr id="2" name="Image 1" descr="(&gt; o _ o )&gt;          --[__W  A  R___Q  U  I  Z__]--          &lt;[ x _ x &lt;]"/>
-          <p:cNvPicPr>
-            <a:picLocks noChangeAspect="1"/>
-          </p:cNvPicPr>
-          <p:nvPr/>
-        </p:nvPicPr>
-        <p:blipFill>
-          <a:blip r:embed="rId2" cstate="print">
-            <a:extLst>
-              <a:ext uri="{28A0092B-C50C-407E-A947-70E740481C1C}">
-                <a14:useLocalDpi xmlns:a14="http://schemas.microsoft.com/office/drawing/2010/main" val="0"/>
-              </a:ext>
-            </a:extLst>
-          </a:blip>
-          <a:stretch>
-            <a:fillRect/>
-          </a:stretch>
-        </p:blipFill>
-        <p:spPr>
-          <a:xfrm>
-            <a:off x="548762" y="1907704"/>
-            <a:ext cx="3094438" cy="2391430"/>
-          </a:xfrm>
-          <a:prstGeom prst="rect">
-            <a:avLst/>
-          </a:prstGeom>
-        </p:spPr>
-      </p:pic>
-      <p:pic>
-        <p:nvPicPr>
-          <p:cNvPr id="3" name="Image 2" descr="(&gt; o _ o )&gt;          --[__W  A  R___Q  U  I  Z__]--          &lt;[ x _ x &lt;]"/>
-          <p:cNvPicPr>
-            <a:picLocks noChangeAspect="1"/>
-          </p:cNvPicPr>
-          <p:nvPr/>
-        </p:nvPicPr>
-        <p:blipFill>
-          <a:blip r:embed="rId3" cstate="print">
-            <a:extLst>
-              <a:ext uri="{28A0092B-C50C-407E-A947-70E740481C1C}">
-                <a14:useLocalDpi xmlns:a14="http://schemas.microsoft.com/office/drawing/2010/main" val="0"/>
-              </a:ext>
-            </a:extLst>
-          </a:blip>
-          <a:stretch>
-            <a:fillRect/>
-          </a:stretch>
-        </p:blipFill>
-        <p:spPr>
-          <a:xfrm>
-            <a:off x="561600" y="5580112"/>
-            <a:ext cx="3110808" cy="2404081"/>
-          </a:xfrm>
-          <a:prstGeom prst="rect">
-            <a:avLst/>
-          </a:prstGeom>
-        </p:spPr>
-      </p:pic>
-      <p:sp>
-        <p:nvSpPr>
-          <p:cNvPr id="4" name="Rectangle 3"/>
-          <p:cNvSpPr/>
-          <p:nvPr/>
-        </p:nvSpPr>
-        <p:spPr>
-          <a:xfrm>
-            <a:off x="1004400" y="6552012"/>
-            <a:ext cx="1422000" cy="728405"/>
-          </a:xfrm>
-          <a:prstGeom prst="rect">
-            <a:avLst/>
-          </a:prstGeom>
-          <a:noFill/>
-          <a:ln>
-            <a:solidFill>
-              <a:srgbClr val="FF0000"/>
-            </a:solidFill>
-          </a:ln>
-        </p:spPr>
-        <p:style>
-          <a:lnRef idx="2">
-            <a:schemeClr val="accent1">
-              <a:shade val="50000"/>
-            </a:schemeClr>
-          </a:lnRef>
-          <a:fillRef idx="1">
-            <a:schemeClr val="accent1"/>
-          </a:fillRef>
-          <a:effectRef idx="0">
-            <a:schemeClr val="accent1"/>
-          </a:effectRef>
-          <a:fontRef idx="minor">
-            <a:schemeClr val="lt1"/>
-          </a:fontRef>
-        </p:style>
-        <p:txBody>
-          <a:bodyPr rtlCol="0" anchor="ctr"/>
-          <a:lstStyle/>
-          <a:p>
-            <a:pPr algn="ctr"/>
-            <a:endParaRPr lang="fr-FR" sz="2800"/>
-          </a:p>
-        </p:txBody>
-      </p:sp>
-      <p:sp>
-        <p:nvSpPr>
-          <p:cNvPr id="5" name="Rectangle 4"/>
-          <p:cNvSpPr/>
-          <p:nvPr/>
-        </p:nvSpPr>
-        <p:spPr>
-          <a:xfrm>
-            <a:off x="1052736" y="7466412"/>
-            <a:ext cx="956064" cy="273940"/>
-          </a:xfrm>
-          <a:prstGeom prst="rect">
-            <a:avLst/>
-          </a:prstGeom>
-          <a:noFill/>
-          <a:ln>
-            <a:solidFill>
-              <a:srgbClr val="FF0000"/>
-            </a:solidFill>
-          </a:ln>
-        </p:spPr>
-        <p:style>
-          <a:lnRef idx="2">
-            <a:schemeClr val="accent1">
-              <a:shade val="50000"/>
-            </a:schemeClr>
-          </a:lnRef>
-          <a:fillRef idx="1">
-            <a:schemeClr val="accent1"/>
-          </a:fillRef>
-          <a:effectRef idx="0">
-            <a:schemeClr val="accent1"/>
-          </a:effectRef>
-          <a:fontRef idx="minor">
-            <a:schemeClr val="lt1"/>
-          </a:fontRef>
-        </p:style>
-        <p:txBody>
-          <a:bodyPr rtlCol="0" anchor="ctr"/>
-          <a:lstStyle/>
-          <a:p>
-            <a:pPr algn="ctr"/>
-            <a:endParaRPr lang="fr-FR" sz="2800"/>
-          </a:p>
-        </p:txBody>
-      </p:sp>
-      <p:sp>
-        <p:nvSpPr>
-          <p:cNvPr id="26" name="ZoneTexte 25"/>
-          <p:cNvSpPr txBox="1"/>
-          <p:nvPr/>
-        </p:nvSpPr>
-        <p:spPr>
-          <a:xfrm>
-            <a:off x="1778668" y="6313403"/>
-            <a:ext cx="256802" cy="261610"/>
-          </a:xfrm>
-          <a:prstGeom prst="rect">
-            <a:avLst/>
-          </a:prstGeom>
-          <a:noFill/>
-        </p:spPr>
-        <p:txBody>
-          <a:bodyPr wrap="none" rtlCol="0">
-            <a:spAutoFit/>
-          </a:bodyPr>
-          <a:lstStyle/>
-          <a:p>
-            <a:r>
-              <a:rPr lang="fr-FR" sz="1100" dirty="0" smtClean="0">
-                <a:solidFill>
-                  <a:srgbClr val="FF0000"/>
-                </a:solidFill>
-              </a:rPr>
-              <a:t>1</a:t>
-            </a:r>
-            <a:endParaRPr lang="fr-FR" sz="1100" dirty="0">
-              <a:solidFill>
-                <a:srgbClr val="FF0000"/>
-              </a:solidFill>
-            </a:endParaRPr>
-          </a:p>
-        </p:txBody>
-      </p:sp>
-      <p:sp>
-        <p:nvSpPr>
-          <p:cNvPr id="27" name="ZoneTexte 26"/>
-          <p:cNvSpPr txBox="1"/>
-          <p:nvPr/>
-        </p:nvSpPr>
-        <p:spPr>
-          <a:xfrm>
-            <a:off x="2141240" y="7002436"/>
-            <a:ext cx="256802" cy="261610"/>
-          </a:xfrm>
-          <a:prstGeom prst="rect">
-            <a:avLst/>
-          </a:prstGeom>
-          <a:noFill/>
-        </p:spPr>
-        <p:txBody>
-          <a:bodyPr wrap="none" rtlCol="0">
-            <a:spAutoFit/>
-          </a:bodyPr>
-          <a:lstStyle/>
-          <a:p>
-            <a:r>
-              <a:rPr lang="fr-FR" sz="1100" dirty="0" smtClean="0">
-                <a:solidFill>
-                  <a:srgbClr val="FF0000"/>
-                </a:solidFill>
-              </a:rPr>
-              <a:t>2</a:t>
-            </a:r>
-            <a:endParaRPr lang="fr-FR" sz="1100" dirty="0">
-              <a:solidFill>
-                <a:srgbClr val="FF0000"/>
-              </a:solidFill>
-            </a:endParaRPr>
-          </a:p>
-        </p:txBody>
-      </p:sp>
-      <p:sp>
-        <p:nvSpPr>
-          <p:cNvPr id="28" name="Rectangle 27"/>
-          <p:cNvSpPr/>
-          <p:nvPr/>
-        </p:nvSpPr>
-        <p:spPr>
-          <a:xfrm>
-            <a:off x="1052736" y="6372200"/>
-            <a:ext cx="966746" cy="144016"/>
-          </a:xfrm>
-          <a:prstGeom prst="rect">
-            <a:avLst/>
-          </a:prstGeom>
-          <a:noFill/>
-          <a:ln>
-            <a:solidFill>
-              <a:srgbClr val="FF0000"/>
-            </a:solidFill>
-          </a:ln>
-        </p:spPr>
-        <p:style>
-          <a:lnRef idx="2">
-            <a:schemeClr val="accent1">
-              <a:shade val="50000"/>
-            </a:schemeClr>
-          </a:lnRef>
-          <a:fillRef idx="1">
-            <a:schemeClr val="accent1"/>
-          </a:fillRef>
-          <a:effectRef idx="0">
-            <a:schemeClr val="accent1"/>
-          </a:effectRef>
-          <a:fontRef idx="minor">
-            <a:schemeClr val="lt1"/>
-          </a:fontRef>
-        </p:style>
-        <p:txBody>
-          <a:bodyPr rtlCol="0" anchor="ctr"/>
-          <a:lstStyle/>
-          <a:p>
-            <a:pPr algn="ctr"/>
-            <a:endParaRPr lang="fr-FR" sz="2800"/>
-          </a:p>
-        </p:txBody>
-      </p:sp>
-      <p:sp>
-        <p:nvSpPr>
-          <p:cNvPr id="29" name="ZoneTexte 28"/>
-          <p:cNvSpPr txBox="1"/>
-          <p:nvPr/>
-        </p:nvSpPr>
-        <p:spPr>
-          <a:xfrm>
-            <a:off x="1743971" y="7472577"/>
-            <a:ext cx="256802" cy="261610"/>
-          </a:xfrm>
-          <a:prstGeom prst="rect">
-            <a:avLst/>
-          </a:prstGeom>
-          <a:noFill/>
-        </p:spPr>
-        <p:txBody>
-          <a:bodyPr wrap="none" rtlCol="0">
-            <a:spAutoFit/>
-          </a:bodyPr>
-          <a:lstStyle/>
-          <a:p>
-            <a:r>
-              <a:rPr lang="fr-FR" sz="1100" dirty="0" smtClean="0">
-                <a:solidFill>
-                  <a:srgbClr val="FF0000"/>
-                </a:solidFill>
-              </a:rPr>
-              <a:t>3</a:t>
-            </a:r>
-            <a:endParaRPr lang="fr-FR" sz="1100" dirty="0">
-              <a:solidFill>
-                <a:srgbClr val="FF0000"/>
-              </a:solidFill>
-            </a:endParaRPr>
-          </a:p>
-        </p:txBody>
-      </p:sp>
-      <p:sp>
-        <p:nvSpPr>
-          <p:cNvPr id="30" name="ZoneTexte 29"/>
-          <p:cNvSpPr txBox="1"/>
-          <p:nvPr/>
-        </p:nvSpPr>
-        <p:spPr>
-          <a:xfrm>
-            <a:off x="977229" y="1384484"/>
-            <a:ext cx="1896738" cy="523220"/>
-          </a:xfrm>
-          <a:prstGeom prst="rect">
-            <a:avLst/>
-          </a:prstGeom>
-          <a:noFill/>
-        </p:spPr>
-        <p:txBody>
-          <a:bodyPr wrap="none" rtlCol="0">
-            <a:spAutoFit/>
-          </a:bodyPr>
-          <a:lstStyle/>
-          <a:p>
-            <a:r>
-              <a:rPr lang="fr-FR" sz="2800" dirty="0" smtClean="0"/>
-              <a:t>Les crédits </a:t>
-            </a:r>
-            <a:r>
-              <a:rPr lang="fr-FR" sz="2800" dirty="0" smtClean="0"/>
-              <a:t>:</a:t>
+              <a:t>Les crédits :</a:t>
             </a:r>
             <a:endParaRPr lang="fr-FR" sz="2800" dirty="0"/>
           </a:p>
@@ -7982,10 +8057,155 @@
           </a:p>
         </p:txBody>
       </p:sp>
+      <p:sp>
+        <p:nvSpPr>
+          <p:cNvPr id="24" name="ZoneTexte 23"/>
+          <p:cNvSpPr txBox="1"/>
+          <p:nvPr/>
+        </p:nvSpPr>
+        <p:spPr>
+          <a:xfrm>
+            <a:off x="3672408" y="5487193"/>
+            <a:ext cx="2852936" cy="2446824"/>
+          </a:xfrm>
+          <a:prstGeom prst="rect">
+            <a:avLst/>
+          </a:prstGeom>
+          <a:noFill/>
+        </p:spPr>
+        <p:txBody>
+          <a:bodyPr wrap="square" rtlCol="0">
+            <a:spAutoFit/>
+          </a:bodyPr>
+          <a:lstStyle/>
+          <a:p>
+            <a:r>
+              <a:rPr lang="fr-FR" sz="1700" dirty="0" smtClean="0"/>
+              <a:t>Quand vous commencer la partie, vous avez le temps imparti pour répondre au questions et valider le quiz.</a:t>
+            </a:r>
+            <a:endParaRPr lang="fr-FR" sz="1700" dirty="0" smtClean="0"/>
+          </a:p>
+          <a:p>
+            <a:r>
+              <a:rPr lang="fr-FR" sz="1700" dirty="0" smtClean="0">
+                <a:solidFill>
+                  <a:srgbClr val="FF0000"/>
+                </a:solidFill>
+              </a:rPr>
+              <a:t>1</a:t>
+            </a:r>
+            <a:r>
+              <a:rPr lang="fr-FR" sz="1700" dirty="0" smtClean="0"/>
+              <a:t> : </a:t>
+            </a:r>
+            <a:r>
+              <a:rPr lang="fr-FR" sz="1700" dirty="0" smtClean="0"/>
+              <a:t>changer de questions comme vous voulez. Si le cadre est vert c’est que vous avez répondu sinon il est gris. Le bleu signifie que vous ne</a:t>
+            </a:r>
+            <a:endParaRPr lang="fr-FR" sz="1700" dirty="0"/>
+          </a:p>
+        </p:txBody>
+      </p:sp>
+      <p:sp>
+        <p:nvSpPr>
+          <p:cNvPr id="25" name="ZoneTexte 24"/>
+          <p:cNvSpPr txBox="1"/>
+          <p:nvPr/>
+        </p:nvSpPr>
+        <p:spPr>
+          <a:xfrm>
+            <a:off x="476672" y="421958"/>
+            <a:ext cx="3137397" cy="523220"/>
+          </a:xfrm>
+          <a:prstGeom prst="rect">
+            <a:avLst/>
+          </a:prstGeom>
+          <a:noFill/>
+        </p:spPr>
+        <p:txBody>
+          <a:bodyPr wrap="none" rtlCol="0">
+            <a:spAutoFit/>
+          </a:bodyPr>
+          <a:lstStyle/>
+          <a:p>
+            <a:r>
+              <a:rPr lang="fr-FR" sz="2800" dirty="0" smtClean="0"/>
+              <a:t>III </a:t>
+            </a:r>
+            <a:r>
+              <a:rPr lang="fr-FR" sz="2800" dirty="0" smtClean="0"/>
+              <a:t>/ Jouer une partie</a:t>
+            </a:r>
+            <a:endParaRPr lang="fr-FR" sz="2800" dirty="0"/>
+          </a:p>
+        </p:txBody>
+      </p:sp>
+      <p:sp>
+        <p:nvSpPr>
+          <p:cNvPr id="26" name="ZoneTexte 25"/>
+          <p:cNvSpPr txBox="1"/>
+          <p:nvPr/>
+        </p:nvSpPr>
+        <p:spPr>
+          <a:xfrm>
+            <a:off x="977229" y="1384484"/>
+            <a:ext cx="2759089" cy="523220"/>
+          </a:xfrm>
+          <a:prstGeom prst="rect">
+            <a:avLst/>
+          </a:prstGeom>
+          <a:noFill/>
+        </p:spPr>
+        <p:txBody>
+          <a:bodyPr wrap="none" rtlCol="0">
+            <a:spAutoFit/>
+          </a:bodyPr>
+          <a:lstStyle/>
+          <a:p>
+            <a:r>
+              <a:rPr lang="fr-FR" sz="2800" dirty="0" smtClean="0"/>
+              <a:t>Sélection du quiz:</a:t>
+            </a:r>
+            <a:endParaRPr lang="fr-FR" sz="2800" dirty="0"/>
+          </a:p>
+        </p:txBody>
+      </p:sp>
+      <p:sp>
+        <p:nvSpPr>
+          <p:cNvPr id="27" name="ZoneTexte 26"/>
+          <p:cNvSpPr txBox="1"/>
+          <p:nvPr/>
+        </p:nvSpPr>
+        <p:spPr>
+          <a:xfrm>
+            <a:off x="977229" y="5056892"/>
+            <a:ext cx="2282997" cy="523220"/>
+          </a:xfrm>
+          <a:prstGeom prst="rect">
+            <a:avLst/>
+          </a:prstGeom>
+          <a:noFill/>
+        </p:spPr>
+        <p:txBody>
+          <a:bodyPr wrap="none" rtlCol="0">
+            <a:spAutoFit/>
+          </a:bodyPr>
+          <a:lstStyle/>
+          <a:p>
+            <a:r>
+              <a:rPr lang="fr-FR" sz="2800" dirty="0" smtClean="0"/>
+              <a:t>Jouer au quiz :</a:t>
+            </a:r>
+            <a:endParaRPr lang="fr-FR" sz="2800" dirty="0"/>
+          </a:p>
+        </p:txBody>
+      </p:sp>
       <p:pic>
         <p:nvPicPr>
-          <p:cNvPr id="14" name="Image 13"/>
-          <p:cNvPicPr/>
+          <p:cNvPr id="2" name="Image 1" descr="(&gt; o _ o )&gt;          --[__W  A  R___Q  U  I  Z__]--          &lt;[ x _ x &lt;]"/>
+          <p:cNvPicPr>
+            <a:picLocks noChangeAspect="1"/>
+          </p:cNvPicPr>
           <p:nvPr/>
         </p:nvPicPr>
         <p:blipFill>
@@ -8002,25 +8222,24 @@
         </p:blipFill>
         <p:spPr>
           <a:xfrm>
-            <a:off x="561600" y="5580112"/>
-            <a:ext cx="3104515" cy="2399030"/>
-          </a:xfrm>
-          <a:prstGeom prst="rect">
-            <a:avLst/>
-          </a:prstGeom>
-          <a:effectLst/>
+            <a:off x="548679" y="1907704"/>
+            <a:ext cx="3104515" cy="2399217"/>
+          </a:xfrm>
+          <a:prstGeom prst="rect">
+            <a:avLst/>
+          </a:prstGeom>
         </p:spPr>
       </p:pic>
       <p:sp>
         <p:nvSpPr>
-          <p:cNvPr id="15" name="Rectangle 14"/>
+          <p:cNvPr id="3" name="Rectangle 2"/>
           <p:cNvSpPr/>
           <p:nvPr/>
         </p:nvSpPr>
         <p:spPr>
           <a:xfrm>
-            <a:off x="957600" y="6444000"/>
-            <a:ext cx="1051200" cy="216024"/>
+            <a:off x="727200" y="2822400"/>
+            <a:ext cx="1501200" cy="1090800"/>
           </a:xfrm>
           <a:prstGeom prst="rect">
             <a:avLst/>
@@ -8059,14 +8278,14 @@
       </p:sp>
       <p:sp>
         <p:nvSpPr>
-          <p:cNvPr id="16" name="Rectangle 15"/>
+          <p:cNvPr id="7" name="Rectangle 6"/>
           <p:cNvSpPr/>
           <p:nvPr/>
         </p:nvSpPr>
         <p:spPr>
           <a:xfrm>
-            <a:off x="957600" y="6742800"/>
-            <a:ext cx="1051200" cy="216024"/>
+            <a:off x="3114000" y="3477600"/>
+            <a:ext cx="385200" cy="133200"/>
           </a:xfrm>
           <a:prstGeom prst="rect">
             <a:avLst/>
@@ -8105,14 +8324,120 @@
       </p:sp>
       <p:sp>
         <p:nvSpPr>
-          <p:cNvPr id="18" name="Rectangle 17"/>
+          <p:cNvPr id="28" name="ZoneTexte 27"/>
+          <p:cNvSpPr txBox="1"/>
+          <p:nvPr/>
+        </p:nvSpPr>
+        <p:spPr>
+          <a:xfrm>
+            <a:off x="1961873" y="3651590"/>
+            <a:ext cx="256802" cy="261610"/>
+          </a:xfrm>
+          <a:prstGeom prst="rect">
+            <a:avLst/>
+          </a:prstGeom>
+          <a:noFill/>
+        </p:spPr>
+        <p:txBody>
+          <a:bodyPr wrap="none" rtlCol="0">
+            <a:spAutoFit/>
+          </a:bodyPr>
+          <a:lstStyle/>
+          <a:p>
+            <a:r>
+              <a:rPr lang="fr-FR" sz="1100" dirty="0" smtClean="0">
+                <a:solidFill>
+                  <a:srgbClr val="FF0000"/>
+                </a:solidFill>
+              </a:rPr>
+              <a:t>1</a:t>
+            </a:r>
+            <a:endParaRPr lang="fr-FR" sz="1100" dirty="0">
+              <a:solidFill>
+                <a:srgbClr val="FF0000"/>
+              </a:solidFill>
+            </a:endParaRPr>
+          </a:p>
+        </p:txBody>
+      </p:sp>
+      <p:sp>
+        <p:nvSpPr>
+          <p:cNvPr id="29" name="ZoneTexte 28"/>
+          <p:cNvSpPr txBox="1"/>
+          <p:nvPr/>
+        </p:nvSpPr>
+        <p:spPr>
+          <a:xfrm>
+            <a:off x="3306600" y="3413395"/>
+            <a:ext cx="256802" cy="261610"/>
+          </a:xfrm>
+          <a:prstGeom prst="rect">
+            <a:avLst/>
+          </a:prstGeom>
+          <a:noFill/>
+        </p:spPr>
+        <p:txBody>
+          <a:bodyPr wrap="none" rtlCol="0">
+            <a:spAutoFit/>
+          </a:bodyPr>
+          <a:lstStyle/>
+          <a:p>
+            <a:r>
+              <a:rPr lang="fr-FR" sz="1100" dirty="0" smtClean="0">
+                <a:solidFill>
+                  <a:srgbClr val="FF0000"/>
+                </a:solidFill>
+              </a:rPr>
+              <a:t>2</a:t>
+            </a:r>
+            <a:endParaRPr lang="fr-FR" sz="1100" dirty="0">
+              <a:solidFill>
+                <a:srgbClr val="FF0000"/>
+              </a:solidFill>
+            </a:endParaRPr>
+          </a:p>
+        </p:txBody>
+      </p:sp>
+      <p:pic>
+        <p:nvPicPr>
+          <p:cNvPr id="4" name="Image 3" descr="(&gt; o _ o )&gt;          --[__W  A  R___Q  U  I  Z__]--          &lt;[ x _ x &lt;]"/>
+          <p:cNvPicPr>
+            <a:picLocks noChangeAspect="1"/>
+          </p:cNvPicPr>
+          <p:nvPr/>
+        </p:nvPicPr>
+        <p:blipFill>
+          <a:blip r:embed="rId3" cstate="print">
+            <a:extLst>
+              <a:ext uri="{28A0092B-C50C-407E-A947-70E740481C1C}">
+                <a14:useLocalDpi xmlns:a14="http://schemas.microsoft.com/office/drawing/2010/main" val="0"/>
+              </a:ext>
+            </a:extLst>
+          </a:blip>
+          <a:stretch>
+            <a:fillRect/>
+          </a:stretch>
+        </p:blipFill>
+        <p:spPr>
+          <a:xfrm>
+            <a:off x="548680" y="5555723"/>
+            <a:ext cx="3106372" cy="2400653"/>
+          </a:xfrm>
+          <a:prstGeom prst="rect">
+            <a:avLst/>
+          </a:prstGeom>
+        </p:spPr>
+      </p:pic>
+      <p:sp>
+        <p:nvSpPr>
+          <p:cNvPr id="5" name="Rectangle 4"/>
           <p:cNvSpPr/>
           <p:nvPr/>
         </p:nvSpPr>
         <p:spPr>
           <a:xfrm>
-            <a:off x="957600" y="7358400"/>
-            <a:ext cx="1051200" cy="216024"/>
+            <a:off x="1998000" y="5799600"/>
+            <a:ext cx="1224000" cy="90000"/>
           </a:xfrm>
           <a:prstGeom prst="rect">
             <a:avLst/>
@@ -8151,14 +8476,14 @@
       </p:sp>
       <p:sp>
         <p:nvSpPr>
-          <p:cNvPr id="19" name="Rectangle 18"/>
+          <p:cNvPr id="6" name="Rectangle 5"/>
           <p:cNvSpPr/>
           <p:nvPr/>
         </p:nvSpPr>
         <p:spPr>
           <a:xfrm>
-            <a:off x="957600" y="7041600"/>
-            <a:ext cx="1051200" cy="216024"/>
+            <a:off x="620688" y="6372200"/>
+            <a:ext cx="1800200" cy="1512168"/>
           </a:xfrm>
           <a:prstGeom prst="rect">
             <a:avLst/>
@@ -8197,395 +8522,14 @@
       </p:sp>
       <p:sp>
         <p:nvSpPr>
-          <p:cNvPr id="20" name="ZoneTexte 19"/>
-          <p:cNvSpPr txBox="1"/>
-          <p:nvPr/>
-        </p:nvSpPr>
-        <p:spPr>
-          <a:xfrm>
-            <a:off x="1988840" y="6421207"/>
-            <a:ext cx="256802" cy="261610"/>
-          </a:xfrm>
-          <a:prstGeom prst="rect">
-            <a:avLst/>
-          </a:prstGeom>
-          <a:noFill/>
-        </p:spPr>
-        <p:txBody>
-          <a:bodyPr wrap="none" rtlCol="0">
-            <a:spAutoFit/>
-          </a:bodyPr>
-          <a:lstStyle/>
-          <a:p>
-            <a:r>
-              <a:rPr lang="fr-FR" sz="1100" dirty="0" smtClean="0">
-                <a:solidFill>
-                  <a:srgbClr val="FF0000"/>
-                </a:solidFill>
-              </a:rPr>
-              <a:t>1</a:t>
-            </a:r>
-            <a:endParaRPr lang="fr-FR" sz="1100" dirty="0">
-              <a:solidFill>
-                <a:srgbClr val="FF0000"/>
-              </a:solidFill>
-            </a:endParaRPr>
-          </a:p>
-        </p:txBody>
-      </p:sp>
-      <p:sp>
-        <p:nvSpPr>
-          <p:cNvPr id="21" name="ZoneTexte 20"/>
-          <p:cNvSpPr txBox="1"/>
-          <p:nvPr/>
-        </p:nvSpPr>
-        <p:spPr>
-          <a:xfrm>
-            <a:off x="2012839" y="6720007"/>
-            <a:ext cx="256802" cy="261610"/>
-          </a:xfrm>
-          <a:prstGeom prst="rect">
-            <a:avLst/>
-          </a:prstGeom>
-          <a:noFill/>
-        </p:spPr>
-        <p:txBody>
-          <a:bodyPr wrap="none" rtlCol="0">
-            <a:spAutoFit/>
-          </a:bodyPr>
-          <a:lstStyle/>
-          <a:p>
-            <a:r>
-              <a:rPr lang="fr-FR" sz="1100" dirty="0" smtClean="0">
-                <a:solidFill>
-                  <a:srgbClr val="FF0000"/>
-                </a:solidFill>
-              </a:rPr>
-              <a:t>2</a:t>
-            </a:r>
-            <a:endParaRPr lang="fr-FR" sz="1100" dirty="0">
-              <a:solidFill>
-                <a:srgbClr val="FF0000"/>
-              </a:solidFill>
-            </a:endParaRPr>
-          </a:p>
-        </p:txBody>
-      </p:sp>
-      <p:sp>
-        <p:nvSpPr>
-          <p:cNvPr id="22" name="ZoneTexte 21"/>
-          <p:cNvSpPr txBox="1"/>
-          <p:nvPr/>
-        </p:nvSpPr>
-        <p:spPr>
-          <a:xfrm>
-            <a:off x="2014409" y="7018807"/>
-            <a:ext cx="256802" cy="261610"/>
-          </a:xfrm>
-          <a:prstGeom prst="rect">
-            <a:avLst/>
-          </a:prstGeom>
-          <a:noFill/>
-        </p:spPr>
-        <p:txBody>
-          <a:bodyPr wrap="none" rtlCol="0">
-            <a:spAutoFit/>
-          </a:bodyPr>
-          <a:lstStyle/>
-          <a:p>
-            <a:r>
-              <a:rPr lang="fr-FR" sz="1100" dirty="0" smtClean="0">
-                <a:solidFill>
-                  <a:srgbClr val="FF0000"/>
-                </a:solidFill>
-              </a:rPr>
-              <a:t>3</a:t>
-            </a:r>
-            <a:endParaRPr lang="fr-FR" sz="1100" dirty="0">
-              <a:solidFill>
-                <a:srgbClr val="FF0000"/>
-              </a:solidFill>
-            </a:endParaRPr>
-          </a:p>
-        </p:txBody>
-      </p:sp>
-      <p:sp>
-        <p:nvSpPr>
-          <p:cNvPr id="23" name="ZoneTexte 22"/>
-          <p:cNvSpPr txBox="1"/>
-          <p:nvPr/>
-        </p:nvSpPr>
-        <p:spPr>
-          <a:xfrm>
-            <a:off x="2019482" y="7335607"/>
-            <a:ext cx="256802" cy="261610"/>
-          </a:xfrm>
-          <a:prstGeom prst="rect">
-            <a:avLst/>
-          </a:prstGeom>
-          <a:noFill/>
-        </p:spPr>
-        <p:txBody>
-          <a:bodyPr wrap="none" rtlCol="0">
-            <a:spAutoFit/>
-          </a:bodyPr>
-          <a:lstStyle/>
-          <a:p>
-            <a:r>
-              <a:rPr lang="fr-FR" sz="1100" dirty="0" smtClean="0">
-                <a:solidFill>
-                  <a:srgbClr val="FF0000"/>
-                </a:solidFill>
-              </a:rPr>
-              <a:t>4</a:t>
-            </a:r>
-            <a:endParaRPr lang="fr-FR" sz="1100" dirty="0">
-              <a:solidFill>
-                <a:srgbClr val="FF0000"/>
-              </a:solidFill>
-            </a:endParaRPr>
-          </a:p>
-        </p:txBody>
-      </p:sp>
-      <p:sp>
-        <p:nvSpPr>
-          <p:cNvPr id="24" name="ZoneTexte 23"/>
-          <p:cNvSpPr txBox="1"/>
-          <p:nvPr/>
-        </p:nvSpPr>
-        <p:spPr>
-          <a:xfrm>
-            <a:off x="3672408" y="5709027"/>
-            <a:ext cx="2852936" cy="2031325"/>
-          </a:xfrm>
-          <a:prstGeom prst="rect">
-            <a:avLst/>
-          </a:prstGeom>
-          <a:noFill/>
-        </p:spPr>
-        <p:txBody>
-          <a:bodyPr wrap="square" rtlCol="0">
-            <a:spAutoFit/>
-          </a:bodyPr>
-          <a:lstStyle/>
-          <a:p>
-            <a:r>
-              <a:rPr lang="fr-FR" dirty="0" smtClean="0"/>
-              <a:t>Afin de naviguer dans l’application, vous avez le choix entre quatre boutons.</a:t>
-            </a:r>
-          </a:p>
-          <a:p>
-            <a:r>
-              <a:rPr lang="fr-FR" dirty="0" smtClean="0">
-                <a:solidFill>
-                  <a:srgbClr val="FF0000"/>
-                </a:solidFill>
-              </a:rPr>
-              <a:t>1</a:t>
-            </a:r>
-            <a:r>
-              <a:rPr lang="fr-FR" dirty="0" smtClean="0"/>
-              <a:t> : Jouer à un </a:t>
-            </a:r>
-            <a:r>
-              <a:rPr lang="fr-FR" dirty="0" smtClean="0"/>
-              <a:t>quiz.</a:t>
-            </a:r>
-            <a:endParaRPr lang="fr-FR" dirty="0" smtClean="0"/>
-          </a:p>
-          <a:p>
-            <a:r>
-              <a:rPr lang="fr-FR" dirty="0" smtClean="0">
-                <a:solidFill>
-                  <a:srgbClr val="FF0000"/>
-                </a:solidFill>
-              </a:rPr>
-              <a:t>2</a:t>
-            </a:r>
-            <a:r>
-              <a:rPr lang="fr-FR" dirty="0" smtClean="0"/>
-              <a:t> : Voir les </a:t>
-            </a:r>
-            <a:r>
-              <a:rPr lang="fr-FR" dirty="0" smtClean="0"/>
-              <a:t>statistiques.</a:t>
-            </a:r>
-            <a:endParaRPr lang="fr-FR" dirty="0" smtClean="0"/>
-          </a:p>
-          <a:p>
-            <a:r>
-              <a:rPr lang="fr-FR" dirty="0" smtClean="0">
-                <a:solidFill>
-                  <a:srgbClr val="FF0000"/>
-                </a:solidFill>
-              </a:rPr>
-              <a:t>3</a:t>
-            </a:r>
-            <a:r>
-              <a:rPr lang="fr-FR" dirty="0" smtClean="0"/>
-              <a:t> : Voir les </a:t>
-            </a:r>
-            <a:r>
-              <a:rPr lang="fr-FR" dirty="0" smtClean="0"/>
-              <a:t>crédits.</a:t>
-            </a:r>
-            <a:endParaRPr lang="fr-FR" dirty="0" smtClean="0"/>
-          </a:p>
-          <a:p>
-            <a:r>
-              <a:rPr lang="fr-FR" dirty="0" smtClean="0">
-                <a:solidFill>
-                  <a:srgbClr val="FF0000"/>
-                </a:solidFill>
-              </a:rPr>
-              <a:t>4</a:t>
-            </a:r>
-            <a:r>
-              <a:rPr lang="fr-FR" dirty="0" smtClean="0"/>
-              <a:t> : Quitter </a:t>
-            </a:r>
-            <a:r>
-              <a:rPr lang="fr-FR" dirty="0" smtClean="0"/>
-              <a:t>l’application.</a:t>
-            </a:r>
-            <a:endParaRPr lang="fr-FR" dirty="0"/>
-          </a:p>
-        </p:txBody>
-      </p:sp>
-      <p:sp>
-        <p:nvSpPr>
-          <p:cNvPr id="25" name="ZoneTexte 24"/>
-          <p:cNvSpPr txBox="1"/>
-          <p:nvPr/>
-        </p:nvSpPr>
-        <p:spPr>
-          <a:xfrm>
-            <a:off x="476672" y="421958"/>
-            <a:ext cx="3047629" cy="523220"/>
-          </a:xfrm>
-          <a:prstGeom prst="rect">
-            <a:avLst/>
-          </a:prstGeom>
-          <a:noFill/>
-        </p:spPr>
-        <p:txBody>
-          <a:bodyPr wrap="none" rtlCol="0">
-            <a:spAutoFit/>
-          </a:bodyPr>
-          <a:lstStyle/>
-          <a:p>
-            <a:r>
-              <a:rPr lang="fr-FR" sz="2800" dirty="0" smtClean="0"/>
-              <a:t>II / </a:t>
-            </a:r>
-            <a:r>
-              <a:rPr lang="fr-FR" sz="2800" dirty="0" smtClean="0"/>
-              <a:t>Jouer une partie</a:t>
-            </a:r>
-            <a:endParaRPr lang="fr-FR" sz="2800" dirty="0"/>
-          </a:p>
-        </p:txBody>
-      </p:sp>
-      <p:sp>
-        <p:nvSpPr>
-          <p:cNvPr id="26" name="ZoneTexte 25"/>
-          <p:cNvSpPr txBox="1"/>
-          <p:nvPr/>
-        </p:nvSpPr>
-        <p:spPr>
-          <a:xfrm>
-            <a:off x="977229" y="1384484"/>
-            <a:ext cx="2759089" cy="523220"/>
-          </a:xfrm>
-          <a:prstGeom prst="rect">
-            <a:avLst/>
-          </a:prstGeom>
-          <a:noFill/>
-        </p:spPr>
-        <p:txBody>
-          <a:bodyPr wrap="none" rtlCol="0">
-            <a:spAutoFit/>
-          </a:bodyPr>
-          <a:lstStyle/>
-          <a:p>
-            <a:r>
-              <a:rPr lang="fr-FR" sz="2800" dirty="0" smtClean="0"/>
-              <a:t>Sélection du quiz:</a:t>
-            </a:r>
-            <a:endParaRPr lang="fr-FR" sz="2800" dirty="0"/>
-          </a:p>
-        </p:txBody>
-      </p:sp>
-      <p:sp>
-        <p:nvSpPr>
-          <p:cNvPr id="27" name="ZoneTexte 26"/>
-          <p:cNvSpPr txBox="1"/>
-          <p:nvPr/>
-        </p:nvSpPr>
-        <p:spPr>
-          <a:xfrm>
-            <a:off x="977229" y="5056892"/>
-            <a:ext cx="1384418" cy="523220"/>
-          </a:xfrm>
-          <a:prstGeom prst="rect">
-            <a:avLst/>
-          </a:prstGeom>
-          <a:noFill/>
-        </p:spPr>
-        <p:txBody>
-          <a:bodyPr wrap="none" rtlCol="0">
-            <a:spAutoFit/>
-          </a:bodyPr>
-          <a:lstStyle/>
-          <a:p>
-            <a:r>
-              <a:rPr lang="fr-FR" sz="2800" dirty="0" smtClean="0"/>
-              <a:t>A FAIRE:</a:t>
-            </a:r>
-            <a:endParaRPr lang="fr-FR" sz="2800" dirty="0"/>
-          </a:p>
-        </p:txBody>
-      </p:sp>
-      <p:pic>
-        <p:nvPicPr>
-          <p:cNvPr id="2" name="Image 1" descr="(&gt; o _ o )&gt;          --[__W  A  R___Q  U  I  Z__]--          &lt;[ x _ x &lt;]"/>
-          <p:cNvPicPr>
-            <a:picLocks noChangeAspect="1"/>
-          </p:cNvPicPr>
-          <p:nvPr/>
-        </p:nvPicPr>
-        <p:blipFill>
-          <a:blip r:embed="rId3" cstate="print">
-            <a:extLst>
-              <a:ext uri="{28A0092B-C50C-407E-A947-70E740481C1C}">
-                <a14:useLocalDpi xmlns:a14="http://schemas.microsoft.com/office/drawing/2010/main" val="0"/>
-              </a:ext>
-            </a:extLst>
-          </a:blip>
-          <a:stretch>
-            <a:fillRect/>
-          </a:stretch>
-        </p:blipFill>
-        <p:spPr>
-          <a:xfrm>
-            <a:off x="548679" y="1907704"/>
-            <a:ext cx="3104515" cy="2399217"/>
-          </a:xfrm>
-          <a:prstGeom prst="rect">
-            <a:avLst/>
-          </a:prstGeom>
-        </p:spPr>
-      </p:pic>
-      <p:sp>
-        <p:nvSpPr>
-          <p:cNvPr id="3" name="Rectangle 2"/>
+          <p:cNvPr id="8" name="Rectangle 7"/>
           <p:cNvSpPr/>
           <p:nvPr/>
         </p:nvSpPr>
         <p:spPr>
           <a:xfrm>
-            <a:off x="727200" y="2822400"/>
-            <a:ext cx="1501200" cy="1090800"/>
+            <a:off x="764704" y="6174000"/>
+            <a:ext cx="750600" cy="144016"/>
           </a:xfrm>
           <a:prstGeom prst="rect">
             <a:avLst/>
@@ -8624,14 +8568,14 @@
       </p:sp>
       <p:sp>
         <p:nvSpPr>
-          <p:cNvPr id="7" name="Rectangle 6"/>
+          <p:cNvPr id="9" name="Rectangle 8"/>
           <p:cNvSpPr/>
           <p:nvPr/>
         </p:nvSpPr>
         <p:spPr>
           <a:xfrm>
-            <a:off x="3114000" y="3477600"/>
-            <a:ext cx="385200" cy="133200"/>
+            <a:off x="2286573" y="5940152"/>
+            <a:ext cx="1142427" cy="360040"/>
           </a:xfrm>
           <a:prstGeom prst="rect">
             <a:avLst/>
@@ -8670,13 +8614,189 @@
       </p:sp>
       <p:sp>
         <p:nvSpPr>
-          <p:cNvPr id="28" name="ZoneTexte 27"/>
+          <p:cNvPr id="12" name="Rectangle 11"/>
+          <p:cNvSpPr/>
+          <p:nvPr/>
+        </p:nvSpPr>
+        <p:spPr>
+          <a:xfrm>
+            <a:off x="3110400" y="7826400"/>
+            <a:ext cx="539194" cy="133200"/>
+          </a:xfrm>
+          <a:prstGeom prst="rect">
+            <a:avLst/>
+          </a:prstGeom>
+          <a:noFill/>
+          <a:ln>
+            <a:solidFill>
+              <a:srgbClr val="FF0000"/>
+            </a:solidFill>
+          </a:ln>
+        </p:spPr>
+        <p:style>
+          <a:lnRef idx="2">
+            <a:schemeClr val="accent1">
+              <a:shade val="50000"/>
+            </a:schemeClr>
+          </a:lnRef>
+          <a:fillRef idx="1">
+            <a:schemeClr val="accent1"/>
+          </a:fillRef>
+          <a:effectRef idx="0">
+            <a:schemeClr val="accent1"/>
+          </a:effectRef>
+          <a:fontRef idx="minor">
+            <a:schemeClr val="lt1"/>
+          </a:fontRef>
+        </p:style>
+        <p:txBody>
+          <a:bodyPr rtlCol="0" anchor="ctr"/>
+          <a:lstStyle/>
+          <a:p>
+            <a:pPr algn="ctr"/>
+            <a:endParaRPr lang="fr-FR" sz="2800"/>
+          </a:p>
+        </p:txBody>
+      </p:sp>
+      <p:sp>
+        <p:nvSpPr>
+          <p:cNvPr id="13" name="Rectangle 12"/>
+          <p:cNvSpPr/>
+          <p:nvPr/>
+        </p:nvSpPr>
+        <p:spPr>
+          <a:xfrm>
+            <a:off x="2996952" y="7092280"/>
+            <a:ext cx="527349" cy="144016"/>
+          </a:xfrm>
+          <a:prstGeom prst="rect">
+            <a:avLst/>
+          </a:prstGeom>
+          <a:noFill/>
+          <a:ln>
+            <a:solidFill>
+              <a:srgbClr val="FF0000"/>
+            </a:solidFill>
+          </a:ln>
+        </p:spPr>
+        <p:style>
+          <a:lnRef idx="2">
+            <a:schemeClr val="accent1">
+              <a:shade val="50000"/>
+            </a:schemeClr>
+          </a:lnRef>
+          <a:fillRef idx="1">
+            <a:schemeClr val="accent1"/>
+          </a:fillRef>
+          <a:effectRef idx="0">
+            <a:schemeClr val="accent1"/>
+          </a:effectRef>
+          <a:fontRef idx="minor">
+            <a:schemeClr val="lt1"/>
+          </a:fontRef>
+        </p:style>
+        <p:txBody>
+          <a:bodyPr rtlCol="0" anchor="ctr"/>
+          <a:lstStyle/>
+          <a:p>
+            <a:pPr algn="ctr"/>
+            <a:endParaRPr lang="fr-FR" sz="2800"/>
+          </a:p>
+        </p:txBody>
+      </p:sp>
+      <p:sp>
+        <p:nvSpPr>
+          <p:cNvPr id="17" name="Rectangle 16"/>
+          <p:cNvSpPr/>
+          <p:nvPr/>
+        </p:nvSpPr>
+        <p:spPr>
+          <a:xfrm>
+            <a:off x="3096000" y="7344000"/>
+            <a:ext cx="504000" cy="136800"/>
+          </a:xfrm>
+          <a:prstGeom prst="rect">
+            <a:avLst/>
+          </a:prstGeom>
+          <a:noFill/>
+          <a:ln>
+            <a:solidFill>
+              <a:srgbClr val="FF0000"/>
+            </a:solidFill>
+          </a:ln>
+        </p:spPr>
+        <p:style>
+          <a:lnRef idx="2">
+            <a:schemeClr val="accent1">
+              <a:shade val="50000"/>
+            </a:schemeClr>
+          </a:lnRef>
+          <a:fillRef idx="1">
+            <a:schemeClr val="accent1"/>
+          </a:fillRef>
+          <a:effectRef idx="0">
+            <a:schemeClr val="accent1"/>
+          </a:effectRef>
+          <a:fontRef idx="minor">
+            <a:schemeClr val="lt1"/>
+          </a:fontRef>
+        </p:style>
+        <p:txBody>
+          <a:bodyPr rtlCol="0" anchor="ctr"/>
+          <a:lstStyle/>
+          <a:p>
+            <a:pPr algn="ctr"/>
+            <a:endParaRPr lang="fr-FR" sz="2800"/>
+          </a:p>
+        </p:txBody>
+      </p:sp>
+      <p:sp>
+        <p:nvSpPr>
+          <p:cNvPr id="31" name="ZoneTexte 30"/>
           <p:cNvSpPr txBox="1"/>
           <p:nvPr/>
         </p:nvSpPr>
         <p:spPr>
           <a:xfrm>
-            <a:off x="1961873" y="3651590"/>
+            <a:off x="1516135" y="6115203"/>
+            <a:ext cx="256802" cy="261610"/>
+          </a:xfrm>
+          <a:prstGeom prst="rect">
+            <a:avLst/>
+          </a:prstGeom>
+          <a:noFill/>
+        </p:spPr>
+        <p:txBody>
+          <a:bodyPr wrap="none" rtlCol="0">
+            <a:spAutoFit/>
+          </a:bodyPr>
+          <a:lstStyle/>
+          <a:p>
+            <a:r>
+              <a:rPr lang="fr-FR" sz="1100" dirty="0" smtClean="0">
+                <a:solidFill>
+                  <a:srgbClr val="FF0000"/>
+                </a:solidFill>
+              </a:rPr>
+              <a:t>3</a:t>
+            </a:r>
+            <a:endParaRPr lang="fr-FR" sz="1100" dirty="0">
+              <a:solidFill>
+                <a:srgbClr val="FF0000"/>
+              </a:solidFill>
+            </a:endParaRPr>
+          </a:p>
+        </p:txBody>
+      </p:sp>
+      <p:sp>
+        <p:nvSpPr>
+          <p:cNvPr id="32" name="ZoneTexte 31"/>
+          <p:cNvSpPr txBox="1"/>
+          <p:nvPr/>
+        </p:nvSpPr>
+        <p:spPr>
+          <a:xfrm>
+            <a:off x="3239256" y="5713795"/>
             <a:ext cx="256802" cy="261610"/>
           </a:xfrm>
           <a:prstGeom prst="rect">
@@ -8708,13 +8828,51 @@
       </p:sp>
       <p:sp>
         <p:nvSpPr>
-          <p:cNvPr id="29" name="ZoneTexte 28"/>
+          <p:cNvPr id="33" name="ZoneTexte 32"/>
           <p:cNvSpPr txBox="1"/>
           <p:nvPr/>
         </p:nvSpPr>
         <p:spPr>
           <a:xfrm>
-            <a:off x="3306600" y="3413395"/>
+            <a:off x="2158172" y="7609547"/>
+            <a:ext cx="256802" cy="261610"/>
+          </a:xfrm>
+          <a:prstGeom prst="rect">
+            <a:avLst/>
+          </a:prstGeom>
+          <a:noFill/>
+        </p:spPr>
+        <p:txBody>
+          <a:bodyPr wrap="none" rtlCol="0">
+            <a:spAutoFit/>
+          </a:bodyPr>
+          <a:lstStyle/>
+          <a:p>
+            <a:r>
+              <a:rPr lang="fr-FR" sz="1100" dirty="0" smtClean="0">
+                <a:solidFill>
+                  <a:srgbClr val="FF0000"/>
+                </a:solidFill>
+              </a:rPr>
+              <a:t>4</a:t>
+            </a:r>
+            <a:endParaRPr lang="fr-FR" sz="1100" dirty="0">
+              <a:solidFill>
+                <a:srgbClr val="FF0000"/>
+              </a:solidFill>
+            </a:endParaRPr>
+          </a:p>
+        </p:txBody>
+      </p:sp>
+      <p:sp>
+        <p:nvSpPr>
+          <p:cNvPr id="34" name="ZoneTexte 33"/>
+          <p:cNvSpPr txBox="1"/>
+          <p:nvPr/>
+        </p:nvSpPr>
+        <p:spPr>
+          <a:xfrm>
+            <a:off x="3172198" y="5948297"/>
             <a:ext cx="256802" cy="261610"/>
           </a:xfrm>
           <a:prstGeom prst="rect">
@@ -8741,6 +8899,187 @@
                 <a:srgbClr val="FF0000"/>
               </a:solidFill>
             </a:endParaRPr>
+          </a:p>
+        </p:txBody>
+      </p:sp>
+      <p:sp>
+        <p:nvSpPr>
+          <p:cNvPr id="35" name="ZoneTexte 34"/>
+          <p:cNvSpPr txBox="1"/>
+          <p:nvPr/>
+        </p:nvSpPr>
+        <p:spPr>
+          <a:xfrm>
+            <a:off x="2745391" y="7033483"/>
+            <a:ext cx="256802" cy="261610"/>
+          </a:xfrm>
+          <a:prstGeom prst="rect">
+            <a:avLst/>
+          </a:prstGeom>
+          <a:noFill/>
+        </p:spPr>
+        <p:txBody>
+          <a:bodyPr wrap="none" rtlCol="0">
+            <a:spAutoFit/>
+          </a:bodyPr>
+          <a:lstStyle/>
+          <a:p>
+            <a:r>
+              <a:rPr lang="fr-FR" sz="1100" dirty="0" smtClean="0">
+                <a:solidFill>
+                  <a:srgbClr val="FF0000"/>
+                </a:solidFill>
+              </a:rPr>
+              <a:t>5</a:t>
+            </a:r>
+            <a:endParaRPr lang="fr-FR" sz="1100" dirty="0">
+              <a:solidFill>
+                <a:srgbClr val="FF0000"/>
+              </a:solidFill>
+            </a:endParaRPr>
+          </a:p>
+        </p:txBody>
+      </p:sp>
+      <p:sp>
+        <p:nvSpPr>
+          <p:cNvPr id="36" name="ZoneTexte 35"/>
+          <p:cNvSpPr txBox="1"/>
+          <p:nvPr/>
+        </p:nvSpPr>
+        <p:spPr>
+          <a:xfrm>
+            <a:off x="2839198" y="7281595"/>
+            <a:ext cx="256802" cy="261610"/>
+          </a:xfrm>
+          <a:prstGeom prst="rect">
+            <a:avLst/>
+          </a:prstGeom>
+          <a:noFill/>
+        </p:spPr>
+        <p:txBody>
+          <a:bodyPr wrap="none" rtlCol="0">
+            <a:spAutoFit/>
+          </a:bodyPr>
+          <a:lstStyle/>
+          <a:p>
+            <a:r>
+              <a:rPr lang="fr-FR" sz="1100" dirty="0" smtClean="0">
+                <a:solidFill>
+                  <a:srgbClr val="FF0000"/>
+                </a:solidFill>
+              </a:rPr>
+              <a:t>6</a:t>
+            </a:r>
+            <a:endParaRPr lang="fr-FR" sz="1100" dirty="0">
+              <a:solidFill>
+                <a:srgbClr val="FF0000"/>
+              </a:solidFill>
+            </a:endParaRPr>
+          </a:p>
+        </p:txBody>
+      </p:sp>
+      <p:sp>
+        <p:nvSpPr>
+          <p:cNvPr id="37" name="ZoneTexte 36"/>
+          <p:cNvSpPr txBox="1"/>
+          <p:nvPr/>
+        </p:nvSpPr>
+        <p:spPr>
+          <a:xfrm>
+            <a:off x="2857786" y="7762195"/>
+            <a:ext cx="256802" cy="261610"/>
+          </a:xfrm>
+          <a:prstGeom prst="rect">
+            <a:avLst/>
+          </a:prstGeom>
+          <a:noFill/>
+        </p:spPr>
+        <p:txBody>
+          <a:bodyPr wrap="none" rtlCol="0">
+            <a:spAutoFit/>
+          </a:bodyPr>
+          <a:lstStyle/>
+          <a:p>
+            <a:r>
+              <a:rPr lang="fr-FR" sz="1100" dirty="0" smtClean="0">
+                <a:solidFill>
+                  <a:srgbClr val="FF0000"/>
+                </a:solidFill>
+              </a:rPr>
+              <a:t>7</a:t>
+            </a:r>
+            <a:endParaRPr lang="fr-FR" sz="1100" dirty="0">
+              <a:solidFill>
+                <a:srgbClr val="FF0000"/>
+              </a:solidFill>
+            </a:endParaRPr>
+          </a:p>
+        </p:txBody>
+      </p:sp>
+      <p:sp>
+        <p:nvSpPr>
+          <p:cNvPr id="38" name="ZoneTexte 37"/>
+          <p:cNvSpPr txBox="1"/>
+          <p:nvPr/>
+        </p:nvSpPr>
+        <p:spPr>
+          <a:xfrm>
+            <a:off x="491130" y="8020186"/>
+            <a:ext cx="5962206" cy="1138773"/>
+          </a:xfrm>
+          <a:prstGeom prst="rect">
+            <a:avLst/>
+          </a:prstGeom>
+          <a:noFill/>
+        </p:spPr>
+        <p:txBody>
+          <a:bodyPr wrap="square" rtlCol="0">
+            <a:spAutoFit/>
+          </a:bodyPr>
+          <a:lstStyle/>
+          <a:p>
+            <a:r>
+              <a:rPr lang="fr-FR" sz="1700" dirty="0"/>
+              <a:t>l’avez pas consulté.</a:t>
+            </a:r>
+          </a:p>
+          <a:p>
+            <a:r>
+              <a:rPr lang="fr-FR" sz="1700" dirty="0">
+                <a:solidFill>
+                  <a:srgbClr val="FF0000"/>
+                </a:solidFill>
+              </a:rPr>
+              <a:t>2</a:t>
+            </a:r>
+            <a:r>
+              <a:rPr lang="fr-FR" sz="1700" dirty="0"/>
+              <a:t> : </a:t>
+            </a:r>
+            <a:r>
+              <a:rPr lang="fr-FR" sz="1700" dirty="0" smtClean="0"/>
+              <a:t>Le titre du quiz et sa difficulté.</a:t>
+            </a:r>
+            <a:endParaRPr lang="fr-FR" sz="1700" dirty="0"/>
+          </a:p>
+          <a:p>
+            <a:r>
+              <a:rPr lang="fr-FR" sz="1700" dirty="0">
+                <a:solidFill>
+                  <a:srgbClr val="FF0000"/>
+                </a:solidFill>
+              </a:rPr>
+              <a:t>3</a:t>
+            </a:r>
+            <a:r>
+              <a:rPr lang="fr-FR" sz="1700" dirty="0"/>
+              <a:t> : </a:t>
+            </a:r>
+            <a:r>
+              <a:rPr lang="fr-FR" sz="1700" dirty="0" smtClean="0"/>
+              <a:t>Le numéro de la question en cours avec des boutons pour passer à la suivante ou revenir à la précédente</a:t>
+            </a:r>
+            <a:endParaRPr lang="fr-FR" sz="1700" dirty="0"/>
           </a:p>
         </p:txBody>
       </p:sp>
@@ -8793,16 +9132,46 @@
           <a:chExt cx="0" cy="0"/>
         </a:xfrm>
       </p:grpSpPr>
-      <p:sp>
-        <p:nvSpPr>
-          <p:cNvPr id="10" name="ZoneTexte 9"/>
+      <p:pic>
+        <p:nvPicPr>
+          <p:cNvPr id="4" name="Image 3" descr="Temps Ã©coulÃ© !"/>
+          <p:cNvPicPr>
+            <a:picLocks noChangeAspect="1"/>
+          </p:cNvPicPr>
+          <p:nvPr/>
+        </p:nvPicPr>
+        <p:blipFill>
+          <a:blip r:embed="rId2">
+            <a:extLst>
+              <a:ext uri="{28A0092B-C50C-407E-A947-70E740481C1C}">
+                <a14:useLocalDpi xmlns:a14="http://schemas.microsoft.com/office/drawing/2010/main" val="0"/>
+              </a:ext>
+            </a:extLst>
+          </a:blip>
+          <a:stretch>
+            <a:fillRect/>
+          </a:stretch>
+        </p:blipFill>
+        <p:spPr>
+          <a:xfrm>
+            <a:off x="2545094" y="3262197"/>
+            <a:ext cx="1906830" cy="792275"/>
+          </a:xfrm>
+          <a:prstGeom prst="rect">
+            <a:avLst/>
+          </a:prstGeom>
+        </p:spPr>
+      </p:pic>
+      <p:sp>
+        <p:nvSpPr>
+          <p:cNvPr id="5" name="ZoneTexte 4"/>
           <p:cNvSpPr txBox="1"/>
           <p:nvPr/>
         </p:nvSpPr>
         <p:spPr>
           <a:xfrm>
-            <a:off x="3653195" y="1835696"/>
-            <a:ext cx="3204805" cy="2585323"/>
+            <a:off x="620688" y="179511"/>
+            <a:ext cx="5256584" cy="3662541"/>
           </a:xfrm>
           <a:prstGeom prst="rect">
             <a:avLst/>
@@ -8816,42 +9185,128 @@
           <a:lstStyle/>
           <a:p>
             <a:r>
-              <a:rPr lang="fr-FR" dirty="0" smtClean="0"/>
-              <a:t>Lorsque vous êtes connecté en administrateur, vous ne pouvez pas jouer, cependant, vous pouvez accéder à la gestion des quiz.</a:t>
-            </a:r>
-            <a:endParaRPr lang="fr-FR" dirty="0"/>
-          </a:p>
-          <a:p>
-            <a:r>
-              <a:rPr lang="fr-FR" dirty="0">
+              <a:rPr lang="fr-FR" sz="1700" dirty="0">
                 <a:solidFill>
                   <a:srgbClr val="FF0000"/>
                 </a:solidFill>
               </a:rPr>
-              <a:t>1</a:t>
-            </a:r>
-            <a:r>
-              <a:rPr lang="fr-FR" dirty="0"/>
-              <a:t> : </a:t>
-            </a:r>
-            <a:r>
-              <a:rPr lang="fr-FR" dirty="0" smtClean="0"/>
-              <a:t>Le bouton gérer vous permet d’accéder à la partie qui permet la création, modification et suppression d’un quiz.</a:t>
-            </a:r>
-            <a:endParaRPr lang="fr-FR" dirty="0"/>
-          </a:p>
-        </p:txBody>
-      </p:sp>
-      <p:sp>
-        <p:nvSpPr>
-          <p:cNvPr id="11" name="ZoneTexte 10"/>
+              <a:t>4</a:t>
+            </a:r>
+            <a:r>
+              <a:rPr lang="fr-FR" sz="1700" dirty="0"/>
+              <a:t> : </a:t>
+            </a:r>
+            <a:r>
+              <a:rPr lang="fr-FR" sz="1700" dirty="0" smtClean="0"/>
+              <a:t> Cochez les bonnes réponses à la question en cours.</a:t>
+            </a:r>
+          </a:p>
+          <a:p>
+            <a:r>
+              <a:rPr lang="fr-FR" sz="1700" dirty="0" smtClean="0">
+                <a:solidFill>
+                  <a:srgbClr val="FF0000"/>
+                </a:solidFill>
+              </a:rPr>
+              <a:t>5</a:t>
+            </a:r>
+            <a:r>
+              <a:rPr lang="fr-FR" sz="1700" dirty="0" smtClean="0"/>
+              <a:t> : Validez votre quiz.</a:t>
+            </a:r>
+          </a:p>
+          <a:p>
+            <a:r>
+              <a:rPr lang="fr-FR" sz="1700" dirty="0" smtClean="0">
+                <a:solidFill>
+                  <a:srgbClr val="FF0000"/>
+                </a:solidFill>
+              </a:rPr>
+              <a:t>6</a:t>
+            </a:r>
+            <a:r>
+              <a:rPr lang="fr-FR" sz="1700" dirty="0" smtClean="0"/>
+              <a:t> : Quittez la partie en cours et revenez à la sélection des quiz.</a:t>
+            </a:r>
+          </a:p>
+          <a:p>
+            <a:r>
+              <a:rPr lang="fr-FR" sz="1700" dirty="0" smtClean="0">
+                <a:solidFill>
+                  <a:srgbClr val="FF0000"/>
+                </a:solidFill>
+              </a:rPr>
+              <a:t>7</a:t>
+            </a:r>
+            <a:r>
+              <a:rPr lang="fr-FR" sz="1700" dirty="0" smtClean="0"/>
+              <a:t> : Le chronomètre défini le temps que vous avez pour répondre à toutes les questions et valider le quiz.</a:t>
+            </a:r>
+          </a:p>
+          <a:p>
+            <a:r>
+              <a:rPr lang="fr-FR" sz="1700" dirty="0" smtClean="0"/>
+              <a:t>Si le fond du chronomètre devient rouge, pensez à valider, car il ne vous reste plus beaucoup de temps.</a:t>
+            </a:r>
+          </a:p>
+          <a:p>
+            <a:r>
+              <a:rPr lang="fr-FR" sz="1700" dirty="0" smtClean="0"/>
+              <a:t>Quand le temps arrive à 0, une nouvelle fenêtre vous propose d’aller voir la correction ou non.</a:t>
+            </a:r>
+          </a:p>
+          <a:p>
+            <a:r>
+              <a:rPr lang="fr-FR" sz="1700" dirty="0" smtClean="0"/>
+              <a:t>Cliquez sur OK pour aller la consulter et sur Annuler pour revenir à l’accueil.</a:t>
+            </a:r>
+            <a:endParaRPr lang="fr-FR" sz="1700" dirty="0"/>
+          </a:p>
+          <a:p>
+            <a:endParaRPr lang="fr-FR" sz="2800" dirty="0"/>
+          </a:p>
+        </p:txBody>
+      </p:sp>
+      <p:pic>
+        <p:nvPicPr>
+          <p:cNvPr id="6" name="Image 5" descr="(&gt; o _ o )&gt;          --[__W  A  R___Q  U  I  Z__]--          &lt;[ x _ x &lt;]"/>
+          <p:cNvPicPr>
+            <a:picLocks noChangeAspect="1"/>
+          </p:cNvPicPr>
+          <p:nvPr/>
+        </p:nvPicPr>
+        <p:blipFill>
+          <a:blip r:embed="rId3" cstate="print">
+            <a:extLst>
+              <a:ext uri="{28A0092B-C50C-407E-A947-70E740481C1C}">
+                <a14:useLocalDpi xmlns:a14="http://schemas.microsoft.com/office/drawing/2010/main" val="0"/>
+              </a:ext>
+            </a:extLst>
+          </a:blip>
+          <a:stretch>
+            <a:fillRect/>
+          </a:stretch>
+        </p:blipFill>
+        <p:spPr>
+          <a:xfrm>
+            <a:off x="547200" y="5554800"/>
+            <a:ext cx="3107079" cy="2401200"/>
+          </a:xfrm>
+          <a:prstGeom prst="rect">
+            <a:avLst/>
+          </a:prstGeom>
+        </p:spPr>
+      </p:pic>
+      <p:sp>
+        <p:nvSpPr>
+          <p:cNvPr id="7" name="ZoneTexte 6"/>
           <p:cNvSpPr txBox="1"/>
           <p:nvPr/>
         </p:nvSpPr>
         <p:spPr>
           <a:xfrm>
-            <a:off x="1588022" y="1934126"/>
-            <a:ext cx="256802" cy="261610"/>
+            <a:off x="977229" y="5056892"/>
+            <a:ext cx="3041282" cy="523220"/>
           </a:xfrm>
           <a:prstGeom prst="rect">
             <a:avLst/>
@@ -8865,31 +9320,23 @@
           <a:lstStyle/>
           <a:p>
             <a:r>
-              <a:rPr lang="fr-FR" sz="1100" dirty="0" smtClean="0">
-                <a:solidFill>
-                  <a:srgbClr val="00B050"/>
-                </a:solidFill>
-              </a:rPr>
-              <a:t>1</a:t>
-            </a:r>
-            <a:endParaRPr lang="fr-FR" sz="1100" dirty="0">
-              <a:solidFill>
-                <a:srgbClr val="00B050"/>
-              </a:solidFill>
-            </a:endParaRPr>
-          </a:p>
-        </p:txBody>
-      </p:sp>
-      <p:sp>
-        <p:nvSpPr>
-          <p:cNvPr id="15" name="Rectangle 14"/>
+              <a:rPr lang="fr-FR" sz="2800" dirty="0" smtClean="0"/>
+              <a:t>Correction du quiz :</a:t>
+            </a:r>
+            <a:endParaRPr lang="fr-FR" sz="2800" dirty="0"/>
+          </a:p>
+        </p:txBody>
+      </p:sp>
+      <p:sp>
+        <p:nvSpPr>
+          <p:cNvPr id="8" name="Rectangle 7"/>
           <p:cNvSpPr/>
           <p:nvPr/>
         </p:nvSpPr>
         <p:spPr>
           <a:xfrm>
-            <a:off x="957600" y="6444000"/>
-            <a:ext cx="1051200" cy="216024"/>
+            <a:off x="3106800" y="7128000"/>
+            <a:ext cx="396000" cy="126000"/>
           </a:xfrm>
           <a:prstGeom prst="rect">
             <a:avLst/>
@@ -8928,14 +9375,14 @@
       </p:sp>
       <p:sp>
         <p:nvSpPr>
-          <p:cNvPr id="16" name="Rectangle 15"/>
+          <p:cNvPr id="9" name="Rectangle 8"/>
           <p:cNvSpPr/>
           <p:nvPr/>
         </p:nvSpPr>
         <p:spPr>
           <a:xfrm>
-            <a:off x="957600" y="6742800"/>
-            <a:ext cx="1051200" cy="216024"/>
+            <a:off x="1987200" y="5796000"/>
+            <a:ext cx="1238400" cy="86400"/>
           </a:xfrm>
           <a:prstGeom prst="rect">
             <a:avLst/>
@@ -8974,14 +9421,14 @@
       </p:sp>
       <p:sp>
         <p:nvSpPr>
-          <p:cNvPr id="18" name="Rectangle 17"/>
+          <p:cNvPr id="10" name="Rectangle 9"/>
           <p:cNvSpPr/>
           <p:nvPr/>
         </p:nvSpPr>
         <p:spPr>
           <a:xfrm>
-            <a:off x="957600" y="7358400"/>
-            <a:ext cx="1051200" cy="216024"/>
+            <a:off x="620688" y="6516216"/>
+            <a:ext cx="1656184" cy="1368152"/>
           </a:xfrm>
           <a:prstGeom prst="rect">
             <a:avLst/>
@@ -9020,59 +9467,51 @@
       </p:sp>
       <p:sp>
         <p:nvSpPr>
-          <p:cNvPr id="19" name="Rectangle 18"/>
-          <p:cNvSpPr/>
-          <p:nvPr/>
-        </p:nvSpPr>
-        <p:spPr>
-          <a:xfrm>
-            <a:off x="957600" y="7041600"/>
-            <a:ext cx="1051200" cy="216024"/>
-          </a:xfrm>
-          <a:prstGeom prst="rect">
-            <a:avLst/>
-          </a:prstGeom>
-          <a:noFill/>
-          <a:ln>
-            <a:solidFill>
-              <a:srgbClr val="FF0000"/>
-            </a:solidFill>
-          </a:ln>
-        </p:spPr>
-        <p:style>
-          <a:lnRef idx="2">
-            <a:schemeClr val="accent1">
-              <a:shade val="50000"/>
-            </a:schemeClr>
-          </a:lnRef>
-          <a:fillRef idx="1">
-            <a:schemeClr val="accent1"/>
-          </a:fillRef>
-          <a:effectRef idx="0">
-            <a:schemeClr val="accent1"/>
-          </a:effectRef>
-          <a:fontRef idx="minor">
-            <a:schemeClr val="lt1"/>
-          </a:fontRef>
-        </p:style>
-        <p:txBody>
-          <a:bodyPr rtlCol="0" anchor="ctr"/>
-          <a:lstStyle/>
-          <a:p>
-            <a:pPr algn="ctr"/>
-            <a:endParaRPr lang="fr-FR" sz="2800"/>
-          </a:p>
-        </p:txBody>
-      </p:sp>
-      <p:sp>
-        <p:nvSpPr>
-          <p:cNvPr id="20" name="ZoneTexte 19"/>
+          <p:cNvPr id="12" name="ZoneTexte 11"/>
           <p:cNvSpPr txBox="1"/>
           <p:nvPr/>
         </p:nvSpPr>
         <p:spPr>
           <a:xfrm>
-            <a:off x="1988840" y="6421207"/>
+            <a:off x="1987200" y="7596336"/>
+            <a:ext cx="256802" cy="261610"/>
+          </a:xfrm>
+          <a:prstGeom prst="rect">
+            <a:avLst/>
+          </a:prstGeom>
+          <a:noFill/>
+        </p:spPr>
+        <p:txBody>
+          <a:bodyPr wrap="none" rtlCol="0">
+            <a:spAutoFit/>
+          </a:bodyPr>
+          <a:lstStyle/>
+          <a:p>
+            <a:r>
+              <a:rPr lang="fr-FR" sz="1100" dirty="0" smtClean="0">
+                <a:solidFill>
+                  <a:srgbClr val="FF0000"/>
+                </a:solidFill>
+              </a:rPr>
+              <a:t>2</a:t>
+            </a:r>
+            <a:endParaRPr lang="fr-FR" sz="1100" dirty="0">
+              <a:solidFill>
+                <a:srgbClr val="FF0000"/>
+              </a:solidFill>
+            </a:endParaRPr>
+          </a:p>
+        </p:txBody>
+      </p:sp>
+      <p:sp>
+        <p:nvSpPr>
+          <p:cNvPr id="13" name="ZoneTexte 12"/>
+          <p:cNvSpPr txBox="1"/>
+          <p:nvPr/>
+        </p:nvSpPr>
+        <p:spPr>
+          <a:xfrm>
+            <a:off x="3240692" y="5708395"/>
             <a:ext cx="256802" cy="261610"/>
           </a:xfrm>
           <a:prstGeom prst="rect">
@@ -9104,51 +9543,13 @@
       </p:sp>
       <p:sp>
         <p:nvSpPr>
-          <p:cNvPr id="21" name="ZoneTexte 20"/>
+          <p:cNvPr id="14" name="ZoneTexte 13"/>
           <p:cNvSpPr txBox="1"/>
           <p:nvPr/>
         </p:nvSpPr>
         <p:spPr>
           <a:xfrm>
-            <a:off x="2012839" y="6720007"/>
-            <a:ext cx="256802" cy="261610"/>
-          </a:xfrm>
-          <a:prstGeom prst="rect">
-            <a:avLst/>
-          </a:prstGeom>
-          <a:noFill/>
-        </p:spPr>
-        <p:txBody>
-          <a:bodyPr wrap="none" rtlCol="0">
-            <a:spAutoFit/>
-          </a:bodyPr>
-          <a:lstStyle/>
-          <a:p>
-            <a:r>
-              <a:rPr lang="fr-FR" sz="1100" dirty="0" smtClean="0">
-                <a:solidFill>
-                  <a:srgbClr val="FF0000"/>
-                </a:solidFill>
-              </a:rPr>
-              <a:t>2</a:t>
-            </a:r>
-            <a:endParaRPr lang="fr-FR" sz="1100" dirty="0">
-              <a:solidFill>
-                <a:srgbClr val="FF0000"/>
-              </a:solidFill>
-            </a:endParaRPr>
-          </a:p>
-        </p:txBody>
-      </p:sp>
-      <p:sp>
-        <p:nvSpPr>
-          <p:cNvPr id="22" name="ZoneTexte 21"/>
-          <p:cNvSpPr txBox="1"/>
-          <p:nvPr/>
-        </p:nvSpPr>
-        <p:spPr>
-          <a:xfrm>
-            <a:off x="2014409" y="7018807"/>
+            <a:off x="2849998" y="7069487"/>
             <a:ext cx="256802" cy="261610"/>
           </a:xfrm>
           <a:prstGeom prst="rect">
@@ -9180,52 +9581,14 @@
       </p:sp>
       <p:sp>
         <p:nvSpPr>
-          <p:cNvPr id="23" name="ZoneTexte 22"/>
+          <p:cNvPr id="15" name="ZoneTexte 14"/>
           <p:cNvSpPr txBox="1"/>
           <p:nvPr/>
         </p:nvSpPr>
         <p:spPr>
           <a:xfrm>
-            <a:off x="2019482" y="7335607"/>
-            <a:ext cx="256802" cy="261610"/>
-          </a:xfrm>
-          <a:prstGeom prst="rect">
-            <a:avLst/>
-          </a:prstGeom>
-          <a:noFill/>
-        </p:spPr>
-        <p:txBody>
-          <a:bodyPr wrap="none" rtlCol="0">
-            <a:spAutoFit/>
-          </a:bodyPr>
-          <a:lstStyle/>
-          <a:p>
-            <a:r>
-              <a:rPr lang="fr-FR" sz="1100" dirty="0" smtClean="0">
-                <a:solidFill>
-                  <a:srgbClr val="FF0000"/>
-                </a:solidFill>
-              </a:rPr>
-              <a:t>4</a:t>
-            </a:r>
-            <a:endParaRPr lang="fr-FR" sz="1100" dirty="0">
-              <a:solidFill>
-                <a:srgbClr val="FF0000"/>
-              </a:solidFill>
-            </a:endParaRPr>
-          </a:p>
-        </p:txBody>
-      </p:sp>
-      <p:sp>
-        <p:nvSpPr>
-          <p:cNvPr id="24" name="ZoneTexte 23"/>
-          <p:cNvSpPr txBox="1"/>
-          <p:nvPr/>
-        </p:nvSpPr>
-        <p:spPr>
-          <a:xfrm>
-            <a:off x="3672408" y="5508104"/>
-            <a:ext cx="2852936" cy="2862322"/>
+            <a:off x="3717032" y="5436096"/>
+            <a:ext cx="2880320" cy="2585323"/>
           </a:xfrm>
           <a:prstGeom prst="rect">
             <a:avLst/>
@@ -9240,9 +9603,8 @@
           <a:p>
             <a:r>
               <a:rPr lang="fr-FR" dirty="0" smtClean="0"/>
-              <a:t>Après avoir cliqué sur GERER, vous devez choisir un quiz pour le modifier ou le supprimer. Vous pouvez aussi en créer un nouveau. </a:t>
-            </a:r>
-            <a:endParaRPr lang="fr-FR" dirty="0" smtClean="0"/>
+              <a:t>La correction vous permet de consulter les bonnes réponses au quiz que vous venez de jouer.</a:t>
+            </a:r>
           </a:p>
           <a:p>
             <a:r>
@@ -9255,613 +9617,68 @@
             </a:r>
             <a:r>
               <a:rPr lang="fr-FR" dirty="0" smtClean="0"/>
-              <a:t> : </a:t>
-            </a:r>
-            <a:r>
-              <a:rPr lang="fr-FR" dirty="0" smtClean="0"/>
-              <a:t>Sélectionnez le quiz à modifier ou supprimer</a:t>
-            </a:r>
-            <a:endParaRPr lang="fr-FR" dirty="0" smtClean="0"/>
-          </a:p>
-          <a:p>
-            <a:r>
-              <a:rPr lang="fr-FR" dirty="0" smtClean="0">
-                <a:solidFill>
-                  <a:srgbClr val="00B050"/>
-                </a:solidFill>
-              </a:rPr>
-              <a:t>2</a:t>
-            </a:r>
-            <a:r>
-              <a:rPr lang="fr-FR" dirty="0" smtClean="0"/>
-              <a:t> : </a:t>
-            </a:r>
-            <a:r>
-              <a:rPr lang="fr-FR" dirty="0" smtClean="0"/>
-              <a:t>Créer un quiz ou sélectionnez un quiz puis éditez ou supprimez le.</a:t>
-            </a:r>
-            <a:endParaRPr lang="fr-FR" dirty="0" smtClean="0"/>
-          </a:p>
-        </p:txBody>
-      </p:sp>
-      <p:sp>
-        <p:nvSpPr>
-          <p:cNvPr id="25" name="ZoneTexte 24"/>
+              <a:t> : Vous changez de question comme vous voulez. Le gris signifie que vous avez déjà consulté la réponse sinon le bouton est bleu.</a:t>
+            </a:r>
+            <a:endParaRPr lang="fr-FR" dirty="0"/>
+          </a:p>
+        </p:txBody>
+      </p:sp>
+      <p:sp>
+        <p:nvSpPr>
+          <p:cNvPr id="16" name="ZoneTexte 15"/>
           <p:cNvSpPr txBox="1"/>
           <p:nvPr/>
         </p:nvSpPr>
         <p:spPr>
           <a:xfrm>
-            <a:off x="476672" y="421958"/>
-            <a:ext cx="2855910" cy="523220"/>
-          </a:xfrm>
-          <a:prstGeom prst="rect">
-            <a:avLst/>
-          </a:prstGeom>
-          <a:noFill/>
-        </p:spPr>
-        <p:txBody>
-          <a:bodyPr wrap="none" rtlCol="0">
+            <a:off x="547200" y="8100392"/>
+            <a:ext cx="5546096" cy="923330"/>
+          </a:xfrm>
+          <a:prstGeom prst="rect">
+            <a:avLst/>
+          </a:prstGeom>
+          <a:noFill/>
+        </p:spPr>
+        <p:txBody>
+          <a:bodyPr wrap="square" rtlCol="0">
             <a:spAutoFit/>
           </a:bodyPr>
           <a:lstStyle/>
           <a:p>
             <a:r>
-              <a:rPr lang="fr-FR" sz="2800" dirty="0" smtClean="0"/>
-              <a:t>II / </a:t>
-            </a:r>
-            <a:r>
-              <a:rPr lang="fr-FR" sz="2800" dirty="0" smtClean="0"/>
-              <a:t>Administrateur</a:t>
-            </a:r>
-            <a:endParaRPr lang="fr-FR" sz="2800" dirty="0"/>
-          </a:p>
-        </p:txBody>
-      </p:sp>
-      <p:sp>
-        <p:nvSpPr>
-          <p:cNvPr id="26" name="ZoneTexte 25"/>
-          <p:cNvSpPr txBox="1"/>
-          <p:nvPr/>
-        </p:nvSpPr>
-        <p:spPr>
-          <a:xfrm>
-            <a:off x="977229" y="1384484"/>
-            <a:ext cx="1228221" cy="523220"/>
-          </a:xfrm>
-          <a:prstGeom prst="rect">
-            <a:avLst/>
-          </a:prstGeom>
-          <a:noFill/>
-        </p:spPr>
-        <p:txBody>
-          <a:bodyPr wrap="none" rtlCol="0">
-            <a:spAutoFit/>
-          </a:bodyPr>
-          <a:lstStyle/>
-          <a:p>
-            <a:r>
-              <a:rPr lang="fr-FR" sz="2800" dirty="0" smtClean="0"/>
-              <a:t>Accueil</a:t>
-            </a:r>
-            <a:endParaRPr lang="fr-FR" sz="2800" dirty="0"/>
-          </a:p>
-        </p:txBody>
-      </p:sp>
-      <p:sp>
-        <p:nvSpPr>
-          <p:cNvPr id="27" name="ZoneTexte 26"/>
-          <p:cNvSpPr txBox="1"/>
-          <p:nvPr/>
-        </p:nvSpPr>
-        <p:spPr>
-          <a:xfrm>
-            <a:off x="977229" y="5056892"/>
-            <a:ext cx="3332964" cy="523220"/>
-          </a:xfrm>
-          <a:prstGeom prst="rect">
-            <a:avLst/>
-          </a:prstGeom>
-          <a:noFill/>
-        </p:spPr>
-        <p:txBody>
-          <a:bodyPr wrap="none" rtlCol="0">
-            <a:spAutoFit/>
-          </a:bodyPr>
-          <a:lstStyle/>
-          <a:p>
-            <a:r>
-              <a:rPr lang="fr-FR" sz="2800" dirty="0" smtClean="0"/>
-              <a:t>Sélectionner un quiz :</a:t>
-            </a:r>
-            <a:endParaRPr lang="fr-FR" sz="2800" dirty="0"/>
-          </a:p>
-        </p:txBody>
-      </p:sp>
-      <p:sp>
-        <p:nvSpPr>
-          <p:cNvPr id="3" name="Rectangle 2"/>
-          <p:cNvSpPr/>
-          <p:nvPr/>
-        </p:nvSpPr>
-        <p:spPr>
-          <a:xfrm>
-            <a:off x="727200" y="2822400"/>
-            <a:ext cx="1501200" cy="1090800"/>
-          </a:xfrm>
-          <a:prstGeom prst="rect">
-            <a:avLst/>
-          </a:prstGeom>
-          <a:noFill/>
-          <a:ln>
-            <a:solidFill>
-              <a:srgbClr val="FF0000"/>
-            </a:solidFill>
-          </a:ln>
-        </p:spPr>
-        <p:style>
-          <a:lnRef idx="2">
-            <a:schemeClr val="accent1">
-              <a:shade val="50000"/>
-            </a:schemeClr>
-          </a:lnRef>
-          <a:fillRef idx="1">
-            <a:schemeClr val="accent1"/>
-          </a:fillRef>
-          <a:effectRef idx="0">
-            <a:schemeClr val="accent1"/>
-          </a:effectRef>
-          <a:fontRef idx="minor">
-            <a:schemeClr val="lt1"/>
-          </a:fontRef>
-        </p:style>
-        <p:txBody>
-          <a:bodyPr rtlCol="0" anchor="ctr"/>
-          <a:lstStyle/>
-          <a:p>
-            <a:pPr algn="ctr"/>
-            <a:endParaRPr lang="fr-FR" sz="2800"/>
-          </a:p>
-        </p:txBody>
-      </p:sp>
-      <p:sp>
-        <p:nvSpPr>
-          <p:cNvPr id="7" name="Rectangle 6"/>
-          <p:cNvSpPr/>
-          <p:nvPr/>
-        </p:nvSpPr>
-        <p:spPr>
-          <a:xfrm>
-            <a:off x="3114000" y="3477600"/>
-            <a:ext cx="385200" cy="133200"/>
-          </a:xfrm>
-          <a:prstGeom prst="rect">
-            <a:avLst/>
-          </a:prstGeom>
-          <a:noFill/>
-          <a:ln>
-            <a:solidFill>
-              <a:srgbClr val="FF0000"/>
-            </a:solidFill>
-          </a:ln>
-        </p:spPr>
-        <p:style>
-          <a:lnRef idx="2">
-            <a:schemeClr val="accent1">
-              <a:shade val="50000"/>
-            </a:schemeClr>
-          </a:lnRef>
-          <a:fillRef idx="1">
-            <a:schemeClr val="accent1"/>
-          </a:fillRef>
-          <a:effectRef idx="0">
-            <a:schemeClr val="accent1"/>
-          </a:effectRef>
-          <a:fontRef idx="minor">
-            <a:schemeClr val="lt1"/>
-          </a:fontRef>
-        </p:style>
-        <p:txBody>
-          <a:bodyPr rtlCol="0" anchor="ctr"/>
-          <a:lstStyle/>
-          <a:p>
-            <a:pPr algn="ctr"/>
-            <a:endParaRPr lang="fr-FR" sz="2800"/>
-          </a:p>
-        </p:txBody>
-      </p:sp>
-      <p:sp>
-        <p:nvSpPr>
-          <p:cNvPr id="28" name="ZoneTexte 27"/>
-          <p:cNvSpPr txBox="1"/>
-          <p:nvPr/>
-        </p:nvSpPr>
-        <p:spPr>
-          <a:xfrm>
-            <a:off x="1961873" y="3651590"/>
-            <a:ext cx="256802" cy="261610"/>
-          </a:xfrm>
-          <a:prstGeom prst="rect">
-            <a:avLst/>
-          </a:prstGeom>
-          <a:noFill/>
-        </p:spPr>
-        <p:txBody>
-          <a:bodyPr wrap="none" rtlCol="0">
-            <a:spAutoFit/>
-          </a:bodyPr>
-          <a:lstStyle/>
-          <a:p>
-            <a:r>
-              <a:rPr lang="fr-FR" sz="1100" dirty="0" smtClean="0">
-                <a:solidFill>
-                  <a:srgbClr val="FF0000"/>
-                </a:solidFill>
-              </a:rPr>
-              <a:t>1</a:t>
-            </a:r>
-            <a:endParaRPr lang="fr-FR" sz="1100" dirty="0">
-              <a:solidFill>
-                <a:srgbClr val="FF0000"/>
-              </a:solidFill>
-            </a:endParaRPr>
-          </a:p>
-        </p:txBody>
-      </p:sp>
-      <p:sp>
-        <p:nvSpPr>
-          <p:cNvPr id="29" name="ZoneTexte 28"/>
-          <p:cNvSpPr txBox="1"/>
-          <p:nvPr/>
-        </p:nvSpPr>
-        <p:spPr>
-          <a:xfrm>
-            <a:off x="3306600" y="3413395"/>
-            <a:ext cx="256802" cy="261610"/>
-          </a:xfrm>
-          <a:prstGeom prst="rect">
-            <a:avLst/>
-          </a:prstGeom>
-          <a:noFill/>
-        </p:spPr>
-        <p:txBody>
-          <a:bodyPr wrap="none" rtlCol="0">
-            <a:spAutoFit/>
-          </a:bodyPr>
-          <a:lstStyle/>
-          <a:p>
-            <a:r>
-              <a:rPr lang="fr-FR" sz="1100" dirty="0" smtClean="0">
+              <a:rPr lang="fr-FR" dirty="0" smtClean="0">
                 <a:solidFill>
                   <a:srgbClr val="FF0000"/>
                 </a:solidFill>
               </a:rPr>
               <a:t>2</a:t>
             </a:r>
-            <a:endParaRPr lang="fr-FR" sz="1100" dirty="0">
-              <a:solidFill>
-                <a:srgbClr val="FF0000"/>
-              </a:solidFill>
-            </a:endParaRPr>
-          </a:p>
-        </p:txBody>
-      </p:sp>
-      <p:pic>
-        <p:nvPicPr>
-          <p:cNvPr id="4" name="Image 3" descr="(&gt; o _ o )&gt;          --[__W  A  R___Q  U  I  Z__]--          &lt;[ x _ x &lt;]"/>
-          <p:cNvPicPr>
-            <a:picLocks noChangeAspect="1"/>
-          </p:cNvPicPr>
-          <p:nvPr/>
-        </p:nvPicPr>
-        <p:blipFill>
-          <a:blip r:embed="rId2" cstate="print">
-            <a:extLst>
-              <a:ext uri="{28A0092B-C50C-407E-A947-70E740481C1C}">
-                <a14:useLocalDpi xmlns:a14="http://schemas.microsoft.com/office/drawing/2010/main" val="0"/>
-              </a:ext>
-            </a:extLst>
-          </a:blip>
-          <a:stretch>
-            <a:fillRect/>
-          </a:stretch>
-        </p:blipFill>
-        <p:spPr>
-          <a:xfrm>
-            <a:off x="543052" y="1907704"/>
-            <a:ext cx="3101972" cy="2397252"/>
-          </a:xfrm>
-          <a:prstGeom prst="rect">
-            <a:avLst/>
-          </a:prstGeom>
-        </p:spPr>
-      </p:pic>
-      <p:sp>
-        <p:nvSpPr>
-          <p:cNvPr id="5" name="Rectangle 4"/>
-          <p:cNvSpPr/>
-          <p:nvPr/>
-        </p:nvSpPr>
-        <p:spPr>
-          <a:xfrm>
-            <a:off x="908720" y="2771800"/>
-            <a:ext cx="1110762" cy="216024"/>
-          </a:xfrm>
-          <a:prstGeom prst="rect">
-            <a:avLst/>
-          </a:prstGeom>
-          <a:noFill/>
-          <a:ln>
-            <a:solidFill>
-              <a:srgbClr val="FF0000"/>
-            </a:solidFill>
-          </a:ln>
-        </p:spPr>
-        <p:style>
-          <a:lnRef idx="2">
-            <a:schemeClr val="accent1">
-              <a:shade val="50000"/>
-            </a:schemeClr>
-          </a:lnRef>
-          <a:fillRef idx="1">
-            <a:schemeClr val="accent1"/>
-          </a:fillRef>
-          <a:effectRef idx="0">
-            <a:schemeClr val="accent1"/>
-          </a:effectRef>
-          <a:fontRef idx="minor">
-            <a:schemeClr val="lt1"/>
-          </a:fontRef>
-        </p:style>
-        <p:txBody>
-          <a:bodyPr rtlCol="0" anchor="ctr"/>
-          <a:lstStyle/>
-          <a:p>
-            <a:pPr algn="ctr"/>
-            <a:endParaRPr lang="fr-FR" sz="2800"/>
-          </a:p>
-        </p:txBody>
-      </p:sp>
-      <p:sp>
-        <p:nvSpPr>
-          <p:cNvPr id="30" name="ZoneTexte 29"/>
-          <p:cNvSpPr txBox="1"/>
-          <p:nvPr/>
-        </p:nvSpPr>
-        <p:spPr>
-          <a:xfrm>
-            <a:off x="2019482" y="2749007"/>
-            <a:ext cx="256802" cy="261610"/>
-          </a:xfrm>
-          <a:prstGeom prst="rect">
-            <a:avLst/>
-          </a:prstGeom>
-          <a:noFill/>
-        </p:spPr>
-        <p:txBody>
-          <a:bodyPr wrap="none" rtlCol="0">
-            <a:spAutoFit/>
-          </a:bodyPr>
-          <a:lstStyle/>
-          <a:p>
-            <a:r>
-              <a:rPr lang="fr-FR" sz="1100" dirty="0" smtClean="0">
+            <a:r>
+              <a:rPr lang="fr-FR" dirty="0" smtClean="0"/>
+              <a:t> : Consultez en vert la bonne réponse et en rouge les mauvaises.</a:t>
+            </a:r>
+          </a:p>
+          <a:p>
+            <a:r>
+              <a:rPr lang="fr-FR" dirty="0" smtClean="0">
                 <a:solidFill>
                   <a:srgbClr val="FF0000"/>
                 </a:solidFill>
               </a:rPr>
-              <a:t>1</a:t>
-            </a:r>
-            <a:endParaRPr lang="fr-FR" sz="1100" dirty="0">
-              <a:solidFill>
-                <a:srgbClr val="FF0000"/>
-              </a:solidFill>
-            </a:endParaRPr>
-          </a:p>
-        </p:txBody>
-      </p:sp>
-      <p:pic>
-        <p:nvPicPr>
-          <p:cNvPr id="6" name="Image 5" descr="(&gt; o _ o )&gt;          --[__W  A  R___Q  U  I  Z__]--          &lt;[ x _ x &lt;]"/>
-          <p:cNvPicPr>
-            <a:picLocks noChangeAspect="1"/>
-          </p:cNvPicPr>
-          <p:nvPr/>
-        </p:nvPicPr>
-        <p:blipFill>
-          <a:blip r:embed="rId3" cstate="print">
-            <a:extLst>
-              <a:ext uri="{28A0092B-C50C-407E-A947-70E740481C1C}">
-                <a14:useLocalDpi xmlns:a14="http://schemas.microsoft.com/office/drawing/2010/main" val="0"/>
-              </a:ext>
-            </a:extLst>
-          </a:blip>
-          <a:stretch>
-            <a:fillRect/>
-          </a:stretch>
-        </p:blipFill>
-        <p:spPr>
-          <a:xfrm>
-            <a:off x="561600" y="5580112"/>
-            <a:ext cx="3110808" cy="2404081"/>
-          </a:xfrm>
-          <a:prstGeom prst="rect">
-            <a:avLst/>
-          </a:prstGeom>
-        </p:spPr>
-      </p:pic>
-      <p:sp>
-        <p:nvSpPr>
-          <p:cNvPr id="8" name="Rectangle 7"/>
-          <p:cNvSpPr/>
-          <p:nvPr/>
-        </p:nvSpPr>
-        <p:spPr>
-          <a:xfrm>
-            <a:off x="813600" y="6480000"/>
-            <a:ext cx="1368000" cy="1242000"/>
-          </a:xfrm>
-          <a:prstGeom prst="rect">
-            <a:avLst/>
-          </a:prstGeom>
-          <a:noFill/>
-          <a:ln>
-            <a:solidFill>
-              <a:srgbClr val="FF0000"/>
-            </a:solidFill>
-          </a:ln>
-        </p:spPr>
-        <p:style>
-          <a:lnRef idx="2">
-            <a:schemeClr val="accent1">
-              <a:shade val="50000"/>
-            </a:schemeClr>
-          </a:lnRef>
-          <a:fillRef idx="1">
-            <a:schemeClr val="accent1"/>
-          </a:fillRef>
-          <a:effectRef idx="0">
-            <a:schemeClr val="accent1"/>
-          </a:effectRef>
-          <a:fontRef idx="minor">
-            <a:schemeClr val="lt1"/>
-          </a:fontRef>
-        </p:style>
-        <p:txBody>
-          <a:bodyPr rtlCol="0" anchor="ctr"/>
-          <a:lstStyle/>
-          <a:p>
-            <a:pPr algn="ctr"/>
-            <a:endParaRPr lang="fr-FR" sz="2800"/>
-          </a:p>
-        </p:txBody>
-      </p:sp>
-      <p:sp>
-        <p:nvSpPr>
-          <p:cNvPr id="31" name="Rectangle 30"/>
-          <p:cNvSpPr/>
-          <p:nvPr/>
-        </p:nvSpPr>
-        <p:spPr>
-          <a:xfrm>
-            <a:off x="3139200" y="6786000"/>
-            <a:ext cx="388800" cy="406800"/>
-          </a:xfrm>
-          <a:prstGeom prst="rect">
-            <a:avLst/>
-          </a:prstGeom>
-          <a:noFill/>
-          <a:ln>
-            <a:solidFill>
-              <a:srgbClr val="00B050"/>
-            </a:solidFill>
-          </a:ln>
-        </p:spPr>
-        <p:style>
-          <a:lnRef idx="2">
-            <a:schemeClr val="accent1">
-              <a:shade val="50000"/>
-            </a:schemeClr>
-          </a:lnRef>
-          <a:fillRef idx="1">
-            <a:schemeClr val="accent1"/>
-          </a:fillRef>
-          <a:effectRef idx="0">
-            <a:schemeClr val="accent1"/>
-          </a:effectRef>
-          <a:fontRef idx="minor">
-            <a:schemeClr val="lt1"/>
-          </a:fontRef>
-        </p:style>
-        <p:txBody>
-          <a:bodyPr rtlCol="0" anchor="ctr"/>
-          <a:lstStyle/>
-          <a:p>
-            <a:pPr algn="ctr"/>
-            <a:endParaRPr lang="fr-FR" sz="2800"/>
-          </a:p>
-        </p:txBody>
-      </p:sp>
-      <p:sp>
-        <p:nvSpPr>
-          <p:cNvPr id="32" name="ZoneTexte 31"/>
-          <p:cNvSpPr txBox="1"/>
-          <p:nvPr/>
-        </p:nvSpPr>
-        <p:spPr>
-          <a:xfrm>
-            <a:off x="1904627" y="7460390"/>
-            <a:ext cx="256802" cy="261610"/>
-          </a:xfrm>
-          <a:prstGeom prst="rect">
-            <a:avLst/>
-          </a:prstGeom>
-          <a:noFill/>
-        </p:spPr>
-        <p:txBody>
-          <a:bodyPr wrap="none" rtlCol="0">
-            <a:spAutoFit/>
-          </a:bodyPr>
-          <a:lstStyle/>
-          <a:p>
-            <a:r>
-              <a:rPr lang="fr-FR" sz="1100" dirty="0" smtClean="0">
-                <a:solidFill>
-                  <a:srgbClr val="FF0000"/>
-                </a:solidFill>
-              </a:rPr>
-              <a:t>1</a:t>
-            </a:r>
-            <a:endParaRPr lang="fr-FR" sz="1100" dirty="0">
-              <a:solidFill>
-                <a:srgbClr val="FF0000"/>
-              </a:solidFill>
-            </a:endParaRPr>
-          </a:p>
-        </p:txBody>
-      </p:sp>
-      <p:sp>
-        <p:nvSpPr>
-          <p:cNvPr id="33" name="ZoneTexte 32"/>
-          <p:cNvSpPr txBox="1"/>
-          <p:nvPr/>
-        </p:nvSpPr>
-        <p:spPr>
-          <a:xfrm>
-            <a:off x="3205199" y="7215044"/>
-            <a:ext cx="256802" cy="261610"/>
-          </a:xfrm>
-          <a:prstGeom prst="rect">
-            <a:avLst/>
-          </a:prstGeom>
-          <a:noFill/>
-        </p:spPr>
-        <p:txBody>
-          <a:bodyPr wrap="none" rtlCol="0">
-            <a:spAutoFit/>
-          </a:bodyPr>
-          <a:lstStyle/>
-          <a:p>
-            <a:r>
-              <a:rPr lang="fr-FR" sz="1100" dirty="0" smtClean="0">
-                <a:solidFill>
-                  <a:srgbClr val="00B050"/>
-                </a:solidFill>
-              </a:rPr>
-              <a:t>2</a:t>
-            </a:r>
-            <a:endParaRPr lang="fr-FR" sz="1100" dirty="0">
-              <a:solidFill>
-                <a:srgbClr val="00B050"/>
-              </a:solidFill>
-            </a:endParaRPr>
+              <a:t>3</a:t>
+            </a:r>
+            <a:r>
+              <a:rPr lang="fr-FR" dirty="0" smtClean="0"/>
+              <a:t> : Revenez à l’accueil.</a:t>
+            </a:r>
+            <a:endParaRPr lang="fr-FR" dirty="0"/>
           </a:p>
         </p:txBody>
       </p:sp>
     </p:spTree>
     <p:extLst>
       <p:ext uri="{BB962C8B-B14F-4D97-AF65-F5344CB8AC3E}">
-        <p14:creationId xmlns:p14="http://schemas.microsoft.com/office/powerpoint/2010/main" val="2246658219"/>
+        <p14:creationId xmlns:p14="http://schemas.microsoft.com/office/powerpoint/2010/main" val="1241285108"/>
       </p:ext>
     </p:extLst>
   </p:cSld>
@@ -9915,8 +9732,8 @@
         </p:nvSpPr>
         <p:spPr>
           <a:xfrm>
-            <a:off x="3653195" y="2108627"/>
-            <a:ext cx="3204805" cy="2031325"/>
+            <a:off x="3653195" y="1835696"/>
+            <a:ext cx="3204805" cy="2585323"/>
           </a:xfrm>
           <a:prstGeom prst="rect">
             <a:avLst/>
@@ -9931,13 +9748,26 @@
           <a:p>
             <a:r>
               <a:rPr lang="fr-FR" dirty="0" smtClean="0"/>
-              <a:t>En cliquant sur Créer, une nouvelle fenêtre apparaitra pour que vous renseigniez le nom de votre futur quiz.</a:t>
-            </a:r>
-          </a:p>
-          <a:p>
+              <a:t>Lorsque vous êtes connecté en administrateur, vous ne pouvez pas jouer, cependant, vous pouvez accéder à la gestion des quiz.</a:t>
+            </a:r>
+            <a:endParaRPr lang="fr-FR" dirty="0"/>
+          </a:p>
+          <a:p>
+            <a:r>
+              <a:rPr lang="fr-FR" dirty="0">
+                <a:solidFill>
+                  <a:srgbClr val="FF0000"/>
+                </a:solidFill>
+              </a:rPr>
+              <a:t>1</a:t>
+            </a:r>
+            <a:r>
+              <a:rPr lang="fr-FR" dirty="0"/>
+              <a:t> : </a:t>
+            </a:r>
             <a:r>
               <a:rPr lang="fr-FR" dirty="0" smtClean="0"/>
-              <a:t>Appuyez sur OK pour continuer la création et accéder à l’ajout de réponses.</a:t>
+              <a:t>Le bouton gérer vous permet d’accéder à la partie qui permet la création, modification et suppression d’un quiz.</a:t>
             </a:r>
             <a:endParaRPr lang="fr-FR" dirty="0"/>
           </a:p>
@@ -9983,148 +9813,14 @@
       </p:sp>
       <p:sp>
         <p:nvSpPr>
-          <p:cNvPr id="24" name="ZoneTexte 23"/>
-          <p:cNvSpPr txBox="1"/>
-          <p:nvPr/>
-        </p:nvSpPr>
-        <p:spPr>
-          <a:xfrm>
-            <a:off x="3672408" y="5508104"/>
-            <a:ext cx="2852936" cy="2308324"/>
-          </a:xfrm>
-          <a:prstGeom prst="rect">
-            <a:avLst/>
-          </a:prstGeom>
-          <a:noFill/>
-        </p:spPr>
-        <p:txBody>
-          <a:bodyPr wrap="square" rtlCol="0">
-            <a:spAutoFit/>
-          </a:bodyPr>
-          <a:lstStyle/>
-          <a:p>
-            <a:r>
-              <a:rPr lang="fr-FR" dirty="0" smtClean="0"/>
-              <a:t>Une fois votre quiz créé, vous accédez à la partie qui vous permet d’ajouter des questions et des réponses.</a:t>
-            </a:r>
-          </a:p>
-          <a:p>
-            <a:r>
-              <a:rPr lang="fr-FR" dirty="0" smtClean="0"/>
-              <a:t>De base, un quiz à 0 question. Il vous faut donc les créer ainsi que leurs réponses respectives.</a:t>
-            </a:r>
-            <a:endParaRPr lang="fr-FR" dirty="0" smtClean="0"/>
-          </a:p>
-        </p:txBody>
-      </p:sp>
-      <p:sp>
-        <p:nvSpPr>
-          <p:cNvPr id="25" name="ZoneTexte 24"/>
-          <p:cNvSpPr txBox="1"/>
-          <p:nvPr/>
-        </p:nvSpPr>
-        <p:spPr>
-          <a:xfrm>
-            <a:off x="476672" y="421958"/>
-            <a:ext cx="2855910" cy="523220"/>
-          </a:xfrm>
-          <a:prstGeom prst="rect">
-            <a:avLst/>
-          </a:prstGeom>
-          <a:noFill/>
-        </p:spPr>
-        <p:txBody>
-          <a:bodyPr wrap="none" rtlCol="0">
-            <a:spAutoFit/>
-          </a:bodyPr>
-          <a:lstStyle/>
-          <a:p>
-            <a:r>
-              <a:rPr lang="fr-FR" sz="2800" dirty="0" smtClean="0"/>
-              <a:t>II / </a:t>
-            </a:r>
-            <a:r>
-              <a:rPr lang="fr-FR" sz="2800" dirty="0" smtClean="0"/>
-              <a:t>Administrateur</a:t>
-            </a:r>
-            <a:endParaRPr lang="fr-FR" sz="2800" dirty="0"/>
-          </a:p>
-        </p:txBody>
-      </p:sp>
-      <p:sp>
-        <p:nvSpPr>
-          <p:cNvPr id="26" name="ZoneTexte 25"/>
-          <p:cNvSpPr txBox="1"/>
-          <p:nvPr/>
-        </p:nvSpPr>
-        <p:spPr>
-          <a:xfrm>
-            <a:off x="977229" y="1384484"/>
-            <a:ext cx="2297488" cy="523220"/>
-          </a:xfrm>
-          <a:prstGeom prst="rect">
-            <a:avLst/>
-          </a:prstGeom>
-          <a:noFill/>
-        </p:spPr>
-        <p:txBody>
-          <a:bodyPr wrap="none" rtlCol="0">
-            <a:spAutoFit/>
-          </a:bodyPr>
-          <a:lstStyle/>
-          <a:p>
-            <a:r>
-              <a:rPr lang="fr-FR" sz="2800" dirty="0" smtClean="0"/>
-              <a:t>Créer un quiz :</a:t>
-            </a:r>
-            <a:endParaRPr lang="fr-FR" sz="2800" dirty="0"/>
-          </a:p>
-        </p:txBody>
-      </p:sp>
-      <p:sp>
-        <p:nvSpPr>
-          <p:cNvPr id="27" name="ZoneTexte 26"/>
-          <p:cNvSpPr txBox="1"/>
-          <p:nvPr/>
-        </p:nvSpPr>
-        <p:spPr>
-          <a:xfrm>
-            <a:off x="977229" y="5056892"/>
-            <a:ext cx="1872692" cy="523220"/>
-          </a:xfrm>
-          <a:prstGeom prst="rect">
-            <a:avLst/>
-          </a:prstGeom>
-          <a:noFill/>
-        </p:spPr>
-        <p:txBody>
-          <a:bodyPr wrap="none" rtlCol="0">
-            <a:spAutoFit/>
-          </a:bodyPr>
-          <a:lstStyle/>
-          <a:p>
-            <a:r>
-              <a:rPr lang="fr-FR" sz="2800" dirty="0" smtClean="0"/>
-              <a:t>Gérer</a:t>
-            </a:r>
-            <a:r>
-              <a:rPr lang="fr-FR" sz="2800" dirty="0" smtClean="0"/>
-              <a:t> quiz :</a:t>
-            </a:r>
-            <a:endParaRPr lang="fr-FR" sz="2800" dirty="0"/>
-          </a:p>
-        </p:txBody>
-      </p:sp>
-      <p:sp>
-        <p:nvSpPr>
-          <p:cNvPr id="3" name="Rectangle 2"/>
+          <p:cNvPr id="15" name="Rectangle 14"/>
           <p:cNvSpPr/>
           <p:nvPr/>
         </p:nvSpPr>
         <p:spPr>
           <a:xfrm>
-            <a:off x="727200" y="2822400"/>
-            <a:ext cx="1501200" cy="1090800"/>
+            <a:off x="957600" y="6444000"/>
+            <a:ext cx="1051200" cy="216024"/>
           </a:xfrm>
           <a:prstGeom prst="rect">
             <a:avLst/>
@@ -10163,14 +9859,14 @@
       </p:sp>
       <p:sp>
         <p:nvSpPr>
-          <p:cNvPr id="7" name="Rectangle 6"/>
+          <p:cNvPr id="16" name="Rectangle 15"/>
           <p:cNvSpPr/>
           <p:nvPr/>
         </p:nvSpPr>
         <p:spPr>
           <a:xfrm>
-            <a:off x="3114000" y="3477600"/>
-            <a:ext cx="385200" cy="133200"/>
+            <a:off x="957600" y="6742800"/>
+            <a:ext cx="1051200" cy="216024"/>
           </a:xfrm>
           <a:prstGeom prst="rect">
             <a:avLst/>
@@ -10209,180 +9905,14 @@
       </p:sp>
       <p:sp>
         <p:nvSpPr>
-          <p:cNvPr id="28" name="ZoneTexte 27"/>
-          <p:cNvSpPr txBox="1"/>
-          <p:nvPr/>
-        </p:nvSpPr>
-        <p:spPr>
-          <a:xfrm>
-            <a:off x="1961873" y="3651590"/>
-            <a:ext cx="256802" cy="261610"/>
-          </a:xfrm>
-          <a:prstGeom prst="rect">
-            <a:avLst/>
-          </a:prstGeom>
-          <a:noFill/>
-        </p:spPr>
-        <p:txBody>
-          <a:bodyPr wrap="none" rtlCol="0">
-            <a:spAutoFit/>
-          </a:bodyPr>
-          <a:lstStyle/>
-          <a:p>
-            <a:r>
-              <a:rPr lang="fr-FR" sz="1100" dirty="0" smtClean="0">
-                <a:solidFill>
-                  <a:srgbClr val="FF0000"/>
-                </a:solidFill>
-              </a:rPr>
-              <a:t>1</a:t>
-            </a:r>
-            <a:endParaRPr lang="fr-FR" sz="1100" dirty="0">
-              <a:solidFill>
-                <a:srgbClr val="FF0000"/>
-              </a:solidFill>
-            </a:endParaRPr>
-          </a:p>
-        </p:txBody>
-      </p:sp>
-      <p:sp>
-        <p:nvSpPr>
-          <p:cNvPr id="29" name="ZoneTexte 28"/>
-          <p:cNvSpPr txBox="1"/>
-          <p:nvPr/>
-        </p:nvSpPr>
-        <p:spPr>
-          <a:xfrm>
-            <a:off x="3306600" y="3413395"/>
-            <a:ext cx="256802" cy="261610"/>
-          </a:xfrm>
-          <a:prstGeom prst="rect">
-            <a:avLst/>
-          </a:prstGeom>
-          <a:noFill/>
-        </p:spPr>
-        <p:txBody>
-          <a:bodyPr wrap="none" rtlCol="0">
-            <a:spAutoFit/>
-          </a:bodyPr>
-          <a:lstStyle/>
-          <a:p>
-            <a:r>
-              <a:rPr lang="fr-FR" sz="1100" dirty="0" smtClean="0">
-                <a:solidFill>
-                  <a:srgbClr val="FF0000"/>
-                </a:solidFill>
-              </a:rPr>
-              <a:t>2</a:t>
-            </a:r>
-            <a:endParaRPr lang="fr-FR" sz="1100" dirty="0">
-              <a:solidFill>
-                <a:srgbClr val="FF0000"/>
-              </a:solidFill>
-            </a:endParaRPr>
-          </a:p>
-        </p:txBody>
-      </p:sp>
-      <p:pic>
-        <p:nvPicPr>
-          <p:cNvPr id="6" name="Image 5" descr="(&gt; o _ o )&gt;          --[__W  A  R___Q  U  I  Z__]--          &lt;[ x _ x &lt;]"/>
-          <p:cNvPicPr>
-            <a:picLocks noChangeAspect="1"/>
-          </p:cNvPicPr>
-          <p:nvPr/>
-        </p:nvPicPr>
-        <p:blipFill>
-          <a:blip r:embed="rId2" cstate="print">
-            <a:extLst>
-              <a:ext uri="{28A0092B-C50C-407E-A947-70E740481C1C}">
-                <a14:useLocalDpi xmlns:a14="http://schemas.microsoft.com/office/drawing/2010/main" val="0"/>
-              </a:ext>
-            </a:extLst>
-          </a:blip>
-          <a:stretch>
-            <a:fillRect/>
-          </a:stretch>
-        </p:blipFill>
-        <p:spPr>
-          <a:xfrm>
-            <a:off x="534186" y="1907704"/>
-            <a:ext cx="3110808" cy="2404081"/>
-          </a:xfrm>
-          <a:prstGeom prst="rect">
-            <a:avLst/>
-          </a:prstGeom>
-        </p:spPr>
-      </p:pic>
-      <p:pic>
-        <p:nvPicPr>
-          <p:cNvPr id="9" name="Image 8" descr="Creation Quiz"/>
-          <p:cNvPicPr>
-            <a:picLocks noChangeAspect="1"/>
-          </p:cNvPicPr>
-          <p:nvPr/>
-        </p:nvPicPr>
-        <p:blipFill>
-          <a:blip r:embed="rId3">
-            <a:extLst>
-              <a:ext uri="{28A0092B-C50C-407E-A947-70E740481C1C}">
-                <a14:useLocalDpi xmlns:a14="http://schemas.microsoft.com/office/drawing/2010/main" val="0"/>
-              </a:ext>
-            </a:extLst>
-          </a:blip>
-          <a:stretch>
-            <a:fillRect/>
-          </a:stretch>
-        </p:blipFill>
-        <p:spPr>
-          <a:xfrm>
-            <a:off x="836219" y="2539796"/>
-            <a:ext cx="2497381" cy="1042678"/>
-          </a:xfrm>
-          <a:prstGeom prst="rect">
-            <a:avLst/>
-          </a:prstGeom>
-        </p:spPr>
-      </p:pic>
-      <p:pic>
-        <p:nvPicPr>
-          <p:cNvPr id="12" name="Image 11" descr="(&gt; o _ o )&gt;          --[__W  A  R___Q  U  I  Z__]--          &lt;[ x _ x &lt;]"/>
-          <p:cNvPicPr>
-            <a:picLocks noChangeAspect="1"/>
-          </p:cNvPicPr>
-          <p:nvPr/>
-        </p:nvPicPr>
-        <p:blipFill>
-          <a:blip r:embed="rId4" cstate="print">
-            <a:extLst>
-              <a:ext uri="{28A0092B-C50C-407E-A947-70E740481C1C}">
-                <a14:useLocalDpi xmlns:a14="http://schemas.microsoft.com/office/drawing/2010/main" val="0"/>
-              </a:ext>
-            </a:extLst>
-          </a:blip>
-          <a:stretch>
-            <a:fillRect/>
-          </a:stretch>
-        </p:blipFill>
-        <p:spPr>
-          <a:xfrm>
-            <a:off x="561600" y="5580112"/>
-            <a:ext cx="3109775" cy="2403282"/>
-          </a:xfrm>
-          <a:prstGeom prst="rect">
-            <a:avLst/>
-          </a:prstGeom>
-        </p:spPr>
-      </p:pic>
-      <p:sp>
-        <p:nvSpPr>
-          <p:cNvPr id="14" name="Rectangle 13"/>
+          <p:cNvPr id="18" name="Rectangle 17"/>
           <p:cNvSpPr/>
           <p:nvPr/>
         </p:nvSpPr>
         <p:spPr>
           <a:xfrm>
-            <a:off x="3153600" y="7362000"/>
-            <a:ext cx="435600" cy="144000"/>
+            <a:off x="957600" y="7358400"/>
+            <a:ext cx="1051200" cy="216024"/>
           </a:xfrm>
           <a:prstGeom prst="rect">
             <a:avLst/>
@@ -10421,14 +9951,14 @@
       </p:sp>
       <p:sp>
         <p:nvSpPr>
-          <p:cNvPr id="34" name="Rectangle 33"/>
+          <p:cNvPr id="19" name="Rectangle 18"/>
           <p:cNvSpPr/>
           <p:nvPr/>
         </p:nvSpPr>
         <p:spPr>
           <a:xfrm>
-            <a:off x="2732400" y="6480000"/>
-            <a:ext cx="327600" cy="136800"/>
+            <a:off x="957600" y="7041600"/>
+            <a:ext cx="1051200" cy="216024"/>
           </a:xfrm>
           <a:prstGeom prst="rect">
             <a:avLst/>
@@ -10467,14 +9997,166 @@
       </p:sp>
       <p:sp>
         <p:nvSpPr>
-          <p:cNvPr id="36" name="ZoneTexte 35"/>
+          <p:cNvPr id="20" name="ZoneTexte 19"/>
           <p:cNvSpPr txBox="1"/>
           <p:nvPr/>
         </p:nvSpPr>
         <p:spPr>
           <a:xfrm>
-            <a:off x="489592" y="7956376"/>
-            <a:ext cx="5963744" cy="646331"/>
+            <a:off x="1988840" y="6421207"/>
+            <a:ext cx="256802" cy="261610"/>
+          </a:xfrm>
+          <a:prstGeom prst="rect">
+            <a:avLst/>
+          </a:prstGeom>
+          <a:noFill/>
+        </p:spPr>
+        <p:txBody>
+          <a:bodyPr wrap="none" rtlCol="0">
+            <a:spAutoFit/>
+          </a:bodyPr>
+          <a:lstStyle/>
+          <a:p>
+            <a:r>
+              <a:rPr lang="fr-FR" sz="1100" dirty="0" smtClean="0">
+                <a:solidFill>
+                  <a:srgbClr val="FF0000"/>
+                </a:solidFill>
+              </a:rPr>
+              <a:t>1</a:t>
+            </a:r>
+            <a:endParaRPr lang="fr-FR" sz="1100" dirty="0">
+              <a:solidFill>
+                <a:srgbClr val="FF0000"/>
+              </a:solidFill>
+            </a:endParaRPr>
+          </a:p>
+        </p:txBody>
+      </p:sp>
+      <p:sp>
+        <p:nvSpPr>
+          <p:cNvPr id="21" name="ZoneTexte 20"/>
+          <p:cNvSpPr txBox="1"/>
+          <p:nvPr/>
+        </p:nvSpPr>
+        <p:spPr>
+          <a:xfrm>
+            <a:off x="2012839" y="6720007"/>
+            <a:ext cx="256802" cy="261610"/>
+          </a:xfrm>
+          <a:prstGeom prst="rect">
+            <a:avLst/>
+          </a:prstGeom>
+          <a:noFill/>
+        </p:spPr>
+        <p:txBody>
+          <a:bodyPr wrap="none" rtlCol="0">
+            <a:spAutoFit/>
+          </a:bodyPr>
+          <a:lstStyle/>
+          <a:p>
+            <a:r>
+              <a:rPr lang="fr-FR" sz="1100" dirty="0" smtClean="0">
+                <a:solidFill>
+                  <a:srgbClr val="FF0000"/>
+                </a:solidFill>
+              </a:rPr>
+              <a:t>2</a:t>
+            </a:r>
+            <a:endParaRPr lang="fr-FR" sz="1100" dirty="0">
+              <a:solidFill>
+                <a:srgbClr val="FF0000"/>
+              </a:solidFill>
+            </a:endParaRPr>
+          </a:p>
+        </p:txBody>
+      </p:sp>
+      <p:sp>
+        <p:nvSpPr>
+          <p:cNvPr id="22" name="ZoneTexte 21"/>
+          <p:cNvSpPr txBox="1"/>
+          <p:nvPr/>
+        </p:nvSpPr>
+        <p:spPr>
+          <a:xfrm>
+            <a:off x="2014409" y="7018807"/>
+            <a:ext cx="256802" cy="261610"/>
+          </a:xfrm>
+          <a:prstGeom prst="rect">
+            <a:avLst/>
+          </a:prstGeom>
+          <a:noFill/>
+        </p:spPr>
+        <p:txBody>
+          <a:bodyPr wrap="none" rtlCol="0">
+            <a:spAutoFit/>
+          </a:bodyPr>
+          <a:lstStyle/>
+          <a:p>
+            <a:r>
+              <a:rPr lang="fr-FR" sz="1100" dirty="0" smtClean="0">
+                <a:solidFill>
+                  <a:srgbClr val="FF0000"/>
+                </a:solidFill>
+              </a:rPr>
+              <a:t>3</a:t>
+            </a:r>
+            <a:endParaRPr lang="fr-FR" sz="1100" dirty="0">
+              <a:solidFill>
+                <a:srgbClr val="FF0000"/>
+              </a:solidFill>
+            </a:endParaRPr>
+          </a:p>
+        </p:txBody>
+      </p:sp>
+      <p:sp>
+        <p:nvSpPr>
+          <p:cNvPr id="23" name="ZoneTexte 22"/>
+          <p:cNvSpPr txBox="1"/>
+          <p:nvPr/>
+        </p:nvSpPr>
+        <p:spPr>
+          <a:xfrm>
+            <a:off x="2019482" y="7335607"/>
+            <a:ext cx="256802" cy="261610"/>
+          </a:xfrm>
+          <a:prstGeom prst="rect">
+            <a:avLst/>
+          </a:prstGeom>
+          <a:noFill/>
+        </p:spPr>
+        <p:txBody>
+          <a:bodyPr wrap="none" rtlCol="0">
+            <a:spAutoFit/>
+          </a:bodyPr>
+          <a:lstStyle/>
+          <a:p>
+            <a:r>
+              <a:rPr lang="fr-FR" sz="1100" dirty="0" smtClean="0">
+                <a:solidFill>
+                  <a:srgbClr val="FF0000"/>
+                </a:solidFill>
+              </a:rPr>
+              <a:t>4</a:t>
+            </a:r>
+            <a:endParaRPr lang="fr-FR" sz="1100" dirty="0">
+              <a:solidFill>
+                <a:srgbClr val="FF0000"/>
+              </a:solidFill>
+            </a:endParaRPr>
+          </a:p>
+        </p:txBody>
+      </p:sp>
+      <p:sp>
+        <p:nvSpPr>
+          <p:cNvPr id="24" name="ZoneTexte 23"/>
+          <p:cNvSpPr txBox="1"/>
+          <p:nvPr/>
+        </p:nvSpPr>
+        <p:spPr>
+          <a:xfrm>
+            <a:off x="3672408" y="5508104"/>
+            <a:ext cx="2852936" cy="2862322"/>
           </a:xfrm>
           <a:prstGeom prst="rect">
             <a:avLst/>
@@ -10489,40 +10171,617 @@
           <a:p>
             <a:r>
               <a:rPr lang="fr-FR" dirty="0" smtClean="0"/>
-              <a:t>Chaque quiz possède un difficulté </a:t>
-            </a:r>
+              <a:t>Après avoir cliqué sur GERER, vous devez choisir un quiz pour le modifier ou le supprimer. Vous pouvez aussi en créer un nouveau. </a:t>
+            </a:r>
+          </a:p>
+          <a:p>
             <a:r>
               <a:rPr lang="fr-FR" dirty="0" smtClean="0">
                 <a:solidFill>
                   <a:srgbClr val="FF0000"/>
                 </a:solidFill>
               </a:rPr>
-              <a:t>(1)</a:t>
+              <a:t>1</a:t>
             </a:r>
             <a:r>
               <a:rPr lang="fr-FR" dirty="0" smtClean="0"/>
-              <a:t>. Une fois que vous avez terminé, validez </a:t>
-            </a:r>
+              <a:t> : Sélectionnez le quiz à modifier ou supprimer</a:t>
+            </a:r>
+          </a:p>
+          <a:p>
             <a:r>
               <a:rPr lang="fr-FR" dirty="0" smtClean="0">
+                <a:solidFill>
+                  <a:srgbClr val="00B050"/>
+                </a:solidFill>
+              </a:rPr>
+              <a:t>2</a:t>
+            </a:r>
+            <a:r>
+              <a:rPr lang="fr-FR" dirty="0" smtClean="0"/>
+              <a:t> : Créer un quiz ou sélectionnez un quiz puis éditez ou supprimez le.</a:t>
+            </a:r>
+          </a:p>
+        </p:txBody>
+      </p:sp>
+      <p:sp>
+        <p:nvSpPr>
+          <p:cNvPr id="25" name="ZoneTexte 24"/>
+          <p:cNvSpPr txBox="1"/>
+          <p:nvPr/>
+        </p:nvSpPr>
+        <p:spPr>
+          <a:xfrm>
+            <a:off x="476672" y="421958"/>
+            <a:ext cx="2969724" cy="523220"/>
+          </a:xfrm>
+          <a:prstGeom prst="rect">
+            <a:avLst/>
+          </a:prstGeom>
+          <a:noFill/>
+        </p:spPr>
+        <p:txBody>
+          <a:bodyPr wrap="none" rtlCol="0">
+            <a:spAutoFit/>
+          </a:bodyPr>
+          <a:lstStyle/>
+          <a:p>
+            <a:r>
+              <a:rPr lang="fr-FR" sz="2800" dirty="0" smtClean="0"/>
+              <a:t>IV </a:t>
+            </a:r>
+            <a:r>
+              <a:rPr lang="fr-FR" sz="2800" dirty="0" smtClean="0"/>
+              <a:t>/ Administrateur</a:t>
+            </a:r>
+            <a:endParaRPr lang="fr-FR" sz="2800" dirty="0"/>
+          </a:p>
+        </p:txBody>
+      </p:sp>
+      <p:sp>
+        <p:nvSpPr>
+          <p:cNvPr id="26" name="ZoneTexte 25"/>
+          <p:cNvSpPr txBox="1"/>
+          <p:nvPr/>
+        </p:nvSpPr>
+        <p:spPr>
+          <a:xfrm>
+            <a:off x="977229" y="1384484"/>
+            <a:ext cx="1228221" cy="523220"/>
+          </a:xfrm>
+          <a:prstGeom prst="rect">
+            <a:avLst/>
+          </a:prstGeom>
+          <a:noFill/>
+        </p:spPr>
+        <p:txBody>
+          <a:bodyPr wrap="none" rtlCol="0">
+            <a:spAutoFit/>
+          </a:bodyPr>
+          <a:lstStyle/>
+          <a:p>
+            <a:r>
+              <a:rPr lang="fr-FR" sz="2800" dirty="0" smtClean="0"/>
+              <a:t>Accueil</a:t>
+            </a:r>
+            <a:endParaRPr lang="fr-FR" sz="2800" dirty="0"/>
+          </a:p>
+        </p:txBody>
+      </p:sp>
+      <p:sp>
+        <p:nvSpPr>
+          <p:cNvPr id="27" name="ZoneTexte 26"/>
+          <p:cNvSpPr txBox="1"/>
+          <p:nvPr/>
+        </p:nvSpPr>
+        <p:spPr>
+          <a:xfrm>
+            <a:off x="977229" y="5056892"/>
+            <a:ext cx="3332964" cy="523220"/>
+          </a:xfrm>
+          <a:prstGeom prst="rect">
+            <a:avLst/>
+          </a:prstGeom>
+          <a:noFill/>
+        </p:spPr>
+        <p:txBody>
+          <a:bodyPr wrap="none" rtlCol="0">
+            <a:spAutoFit/>
+          </a:bodyPr>
+          <a:lstStyle/>
+          <a:p>
+            <a:r>
+              <a:rPr lang="fr-FR" sz="2800" dirty="0" smtClean="0"/>
+              <a:t>Sélectionner un quiz :</a:t>
+            </a:r>
+            <a:endParaRPr lang="fr-FR" sz="2800" dirty="0"/>
+          </a:p>
+        </p:txBody>
+      </p:sp>
+      <p:sp>
+        <p:nvSpPr>
+          <p:cNvPr id="3" name="Rectangle 2"/>
+          <p:cNvSpPr/>
+          <p:nvPr/>
+        </p:nvSpPr>
+        <p:spPr>
+          <a:xfrm>
+            <a:off x="727200" y="2822400"/>
+            <a:ext cx="1501200" cy="1090800"/>
+          </a:xfrm>
+          <a:prstGeom prst="rect">
+            <a:avLst/>
+          </a:prstGeom>
+          <a:noFill/>
+          <a:ln>
+            <a:solidFill>
+              <a:srgbClr val="FF0000"/>
+            </a:solidFill>
+          </a:ln>
+        </p:spPr>
+        <p:style>
+          <a:lnRef idx="2">
+            <a:schemeClr val="accent1">
+              <a:shade val="50000"/>
+            </a:schemeClr>
+          </a:lnRef>
+          <a:fillRef idx="1">
+            <a:schemeClr val="accent1"/>
+          </a:fillRef>
+          <a:effectRef idx="0">
+            <a:schemeClr val="accent1"/>
+          </a:effectRef>
+          <a:fontRef idx="minor">
+            <a:schemeClr val="lt1"/>
+          </a:fontRef>
+        </p:style>
+        <p:txBody>
+          <a:bodyPr rtlCol="0" anchor="ctr"/>
+          <a:lstStyle/>
+          <a:p>
+            <a:pPr algn="ctr"/>
+            <a:endParaRPr lang="fr-FR" sz="2800"/>
+          </a:p>
+        </p:txBody>
+      </p:sp>
+      <p:sp>
+        <p:nvSpPr>
+          <p:cNvPr id="7" name="Rectangle 6"/>
+          <p:cNvSpPr/>
+          <p:nvPr/>
+        </p:nvSpPr>
+        <p:spPr>
+          <a:xfrm>
+            <a:off x="3114000" y="3477600"/>
+            <a:ext cx="385200" cy="133200"/>
+          </a:xfrm>
+          <a:prstGeom prst="rect">
+            <a:avLst/>
+          </a:prstGeom>
+          <a:noFill/>
+          <a:ln>
+            <a:solidFill>
+              <a:srgbClr val="FF0000"/>
+            </a:solidFill>
+          </a:ln>
+        </p:spPr>
+        <p:style>
+          <a:lnRef idx="2">
+            <a:schemeClr val="accent1">
+              <a:shade val="50000"/>
+            </a:schemeClr>
+          </a:lnRef>
+          <a:fillRef idx="1">
+            <a:schemeClr val="accent1"/>
+          </a:fillRef>
+          <a:effectRef idx="0">
+            <a:schemeClr val="accent1"/>
+          </a:effectRef>
+          <a:fontRef idx="minor">
+            <a:schemeClr val="lt1"/>
+          </a:fontRef>
+        </p:style>
+        <p:txBody>
+          <a:bodyPr rtlCol="0" anchor="ctr"/>
+          <a:lstStyle/>
+          <a:p>
+            <a:pPr algn="ctr"/>
+            <a:endParaRPr lang="fr-FR" sz="2800"/>
+          </a:p>
+        </p:txBody>
+      </p:sp>
+      <p:sp>
+        <p:nvSpPr>
+          <p:cNvPr id="28" name="ZoneTexte 27"/>
+          <p:cNvSpPr txBox="1"/>
+          <p:nvPr/>
+        </p:nvSpPr>
+        <p:spPr>
+          <a:xfrm>
+            <a:off x="1961873" y="3651590"/>
+            <a:ext cx="256802" cy="261610"/>
+          </a:xfrm>
+          <a:prstGeom prst="rect">
+            <a:avLst/>
+          </a:prstGeom>
+          <a:noFill/>
+        </p:spPr>
+        <p:txBody>
+          <a:bodyPr wrap="none" rtlCol="0">
+            <a:spAutoFit/>
+          </a:bodyPr>
+          <a:lstStyle/>
+          <a:p>
+            <a:r>
+              <a:rPr lang="fr-FR" sz="1100" dirty="0" smtClean="0">
                 <a:solidFill>
                   <a:srgbClr val="FF0000"/>
                 </a:solidFill>
               </a:rPr>
-              <a:t>(2)</a:t>
-            </a:r>
-            <a:r>
-              <a:rPr lang="fr-FR" dirty="0" smtClean="0"/>
-              <a:t> votre quiz. Il sera immédiatement jouable.</a:t>
-            </a:r>
-            <a:endParaRPr lang="fr-FR" dirty="0"/>
+              <a:t>1</a:t>
+            </a:r>
+            <a:endParaRPr lang="fr-FR" sz="1100" dirty="0">
+              <a:solidFill>
+                <a:srgbClr val="FF0000"/>
+              </a:solidFill>
+            </a:endParaRPr>
+          </a:p>
+        </p:txBody>
+      </p:sp>
+      <p:sp>
+        <p:nvSpPr>
+          <p:cNvPr id="29" name="ZoneTexte 28"/>
+          <p:cNvSpPr txBox="1"/>
+          <p:nvPr/>
+        </p:nvSpPr>
+        <p:spPr>
+          <a:xfrm>
+            <a:off x="3306600" y="3413395"/>
+            <a:ext cx="256802" cy="261610"/>
+          </a:xfrm>
+          <a:prstGeom prst="rect">
+            <a:avLst/>
+          </a:prstGeom>
+          <a:noFill/>
+        </p:spPr>
+        <p:txBody>
+          <a:bodyPr wrap="none" rtlCol="0">
+            <a:spAutoFit/>
+          </a:bodyPr>
+          <a:lstStyle/>
+          <a:p>
+            <a:r>
+              <a:rPr lang="fr-FR" sz="1100" dirty="0" smtClean="0">
+                <a:solidFill>
+                  <a:srgbClr val="FF0000"/>
+                </a:solidFill>
+              </a:rPr>
+              <a:t>2</a:t>
+            </a:r>
+            <a:endParaRPr lang="fr-FR" sz="1100" dirty="0">
+              <a:solidFill>
+                <a:srgbClr val="FF0000"/>
+              </a:solidFill>
+            </a:endParaRPr>
+          </a:p>
+        </p:txBody>
+      </p:sp>
+      <p:pic>
+        <p:nvPicPr>
+          <p:cNvPr id="4" name="Image 3" descr="(&gt; o _ o )&gt;          --[__W  A  R___Q  U  I  Z__]--          &lt;[ x _ x &lt;]"/>
+          <p:cNvPicPr>
+            <a:picLocks noChangeAspect="1"/>
+          </p:cNvPicPr>
+          <p:nvPr/>
+        </p:nvPicPr>
+        <p:blipFill>
+          <a:blip r:embed="rId2" cstate="print">
+            <a:extLst>
+              <a:ext uri="{28A0092B-C50C-407E-A947-70E740481C1C}">
+                <a14:useLocalDpi xmlns:a14="http://schemas.microsoft.com/office/drawing/2010/main" val="0"/>
+              </a:ext>
+            </a:extLst>
+          </a:blip>
+          <a:stretch>
+            <a:fillRect/>
+          </a:stretch>
+        </p:blipFill>
+        <p:spPr>
+          <a:xfrm>
+            <a:off x="543052" y="1907704"/>
+            <a:ext cx="3101972" cy="2397252"/>
+          </a:xfrm>
+          <a:prstGeom prst="rect">
+            <a:avLst/>
+          </a:prstGeom>
+        </p:spPr>
+      </p:pic>
+      <p:sp>
+        <p:nvSpPr>
+          <p:cNvPr id="5" name="Rectangle 4"/>
+          <p:cNvSpPr/>
+          <p:nvPr/>
+        </p:nvSpPr>
+        <p:spPr>
+          <a:xfrm>
+            <a:off x="908720" y="2771800"/>
+            <a:ext cx="1110762" cy="216024"/>
+          </a:xfrm>
+          <a:prstGeom prst="rect">
+            <a:avLst/>
+          </a:prstGeom>
+          <a:noFill/>
+          <a:ln>
+            <a:solidFill>
+              <a:srgbClr val="FF0000"/>
+            </a:solidFill>
+          </a:ln>
+        </p:spPr>
+        <p:style>
+          <a:lnRef idx="2">
+            <a:schemeClr val="accent1">
+              <a:shade val="50000"/>
+            </a:schemeClr>
+          </a:lnRef>
+          <a:fillRef idx="1">
+            <a:schemeClr val="accent1"/>
+          </a:fillRef>
+          <a:effectRef idx="0">
+            <a:schemeClr val="accent1"/>
+          </a:effectRef>
+          <a:fontRef idx="minor">
+            <a:schemeClr val="lt1"/>
+          </a:fontRef>
+        </p:style>
+        <p:txBody>
+          <a:bodyPr rtlCol="0" anchor="ctr"/>
+          <a:lstStyle/>
+          <a:p>
+            <a:pPr algn="ctr"/>
+            <a:endParaRPr lang="fr-FR" sz="2800"/>
+          </a:p>
+        </p:txBody>
+      </p:sp>
+      <p:sp>
+        <p:nvSpPr>
+          <p:cNvPr id="30" name="ZoneTexte 29"/>
+          <p:cNvSpPr txBox="1"/>
+          <p:nvPr/>
+        </p:nvSpPr>
+        <p:spPr>
+          <a:xfrm>
+            <a:off x="2019482" y="2749007"/>
+            <a:ext cx="256802" cy="261610"/>
+          </a:xfrm>
+          <a:prstGeom prst="rect">
+            <a:avLst/>
+          </a:prstGeom>
+          <a:noFill/>
+        </p:spPr>
+        <p:txBody>
+          <a:bodyPr wrap="none" rtlCol="0">
+            <a:spAutoFit/>
+          </a:bodyPr>
+          <a:lstStyle/>
+          <a:p>
+            <a:r>
+              <a:rPr lang="fr-FR" sz="1100" dirty="0" smtClean="0">
+                <a:solidFill>
+                  <a:srgbClr val="FF0000"/>
+                </a:solidFill>
+              </a:rPr>
+              <a:t>1</a:t>
+            </a:r>
+            <a:endParaRPr lang="fr-FR" sz="1100" dirty="0">
+              <a:solidFill>
+                <a:srgbClr val="FF0000"/>
+              </a:solidFill>
+            </a:endParaRPr>
+          </a:p>
+        </p:txBody>
+      </p:sp>
+      <p:pic>
+        <p:nvPicPr>
+          <p:cNvPr id="6" name="Image 5" descr="(&gt; o _ o )&gt;          --[__W  A  R___Q  U  I  Z__]--          &lt;[ x _ x &lt;]"/>
+          <p:cNvPicPr>
+            <a:picLocks noChangeAspect="1"/>
+          </p:cNvPicPr>
+          <p:nvPr/>
+        </p:nvPicPr>
+        <p:blipFill>
+          <a:blip r:embed="rId3" cstate="print">
+            <a:extLst>
+              <a:ext uri="{28A0092B-C50C-407E-A947-70E740481C1C}">
+                <a14:useLocalDpi xmlns:a14="http://schemas.microsoft.com/office/drawing/2010/main" val="0"/>
+              </a:ext>
+            </a:extLst>
+          </a:blip>
+          <a:stretch>
+            <a:fillRect/>
+          </a:stretch>
+        </p:blipFill>
+        <p:spPr>
+          <a:xfrm>
+            <a:off x="561600" y="5580112"/>
+            <a:ext cx="3110808" cy="2404081"/>
+          </a:xfrm>
+          <a:prstGeom prst="rect">
+            <a:avLst/>
+          </a:prstGeom>
+        </p:spPr>
+      </p:pic>
+      <p:sp>
+        <p:nvSpPr>
+          <p:cNvPr id="8" name="Rectangle 7"/>
+          <p:cNvSpPr/>
+          <p:nvPr/>
+        </p:nvSpPr>
+        <p:spPr>
+          <a:xfrm>
+            <a:off x="813600" y="6480000"/>
+            <a:ext cx="1368000" cy="1242000"/>
+          </a:xfrm>
+          <a:prstGeom prst="rect">
+            <a:avLst/>
+          </a:prstGeom>
+          <a:noFill/>
+          <a:ln>
+            <a:solidFill>
+              <a:srgbClr val="FF0000"/>
+            </a:solidFill>
+          </a:ln>
+        </p:spPr>
+        <p:style>
+          <a:lnRef idx="2">
+            <a:schemeClr val="accent1">
+              <a:shade val="50000"/>
+            </a:schemeClr>
+          </a:lnRef>
+          <a:fillRef idx="1">
+            <a:schemeClr val="accent1"/>
+          </a:fillRef>
+          <a:effectRef idx="0">
+            <a:schemeClr val="accent1"/>
+          </a:effectRef>
+          <a:fontRef idx="minor">
+            <a:schemeClr val="lt1"/>
+          </a:fontRef>
+        </p:style>
+        <p:txBody>
+          <a:bodyPr rtlCol="0" anchor="ctr"/>
+          <a:lstStyle/>
+          <a:p>
+            <a:pPr algn="ctr"/>
+            <a:endParaRPr lang="fr-FR" sz="2800"/>
+          </a:p>
+        </p:txBody>
+      </p:sp>
+      <p:sp>
+        <p:nvSpPr>
+          <p:cNvPr id="31" name="Rectangle 30"/>
+          <p:cNvSpPr/>
+          <p:nvPr/>
+        </p:nvSpPr>
+        <p:spPr>
+          <a:xfrm>
+            <a:off x="3139200" y="6786000"/>
+            <a:ext cx="388800" cy="406800"/>
+          </a:xfrm>
+          <a:prstGeom prst="rect">
+            <a:avLst/>
+          </a:prstGeom>
+          <a:noFill/>
+          <a:ln>
+            <a:solidFill>
+              <a:srgbClr val="00B050"/>
+            </a:solidFill>
+          </a:ln>
+        </p:spPr>
+        <p:style>
+          <a:lnRef idx="2">
+            <a:schemeClr val="accent1">
+              <a:shade val="50000"/>
+            </a:schemeClr>
+          </a:lnRef>
+          <a:fillRef idx="1">
+            <a:schemeClr val="accent1"/>
+          </a:fillRef>
+          <a:effectRef idx="0">
+            <a:schemeClr val="accent1"/>
+          </a:effectRef>
+          <a:fontRef idx="minor">
+            <a:schemeClr val="lt1"/>
+          </a:fontRef>
+        </p:style>
+        <p:txBody>
+          <a:bodyPr rtlCol="0" anchor="ctr"/>
+          <a:lstStyle/>
+          <a:p>
+            <a:pPr algn="ctr"/>
+            <a:endParaRPr lang="fr-FR" sz="2800"/>
+          </a:p>
+        </p:txBody>
+      </p:sp>
+      <p:sp>
+        <p:nvSpPr>
+          <p:cNvPr id="32" name="ZoneTexte 31"/>
+          <p:cNvSpPr txBox="1"/>
+          <p:nvPr/>
+        </p:nvSpPr>
+        <p:spPr>
+          <a:xfrm>
+            <a:off x="1904627" y="7460390"/>
+            <a:ext cx="256802" cy="261610"/>
+          </a:xfrm>
+          <a:prstGeom prst="rect">
+            <a:avLst/>
+          </a:prstGeom>
+          <a:noFill/>
+        </p:spPr>
+        <p:txBody>
+          <a:bodyPr wrap="none" rtlCol="0">
+            <a:spAutoFit/>
+          </a:bodyPr>
+          <a:lstStyle/>
+          <a:p>
+            <a:r>
+              <a:rPr lang="fr-FR" sz="1100" dirty="0" smtClean="0">
+                <a:solidFill>
+                  <a:srgbClr val="FF0000"/>
+                </a:solidFill>
+              </a:rPr>
+              <a:t>1</a:t>
+            </a:r>
+            <a:endParaRPr lang="fr-FR" sz="1100" dirty="0">
+              <a:solidFill>
+                <a:srgbClr val="FF0000"/>
+              </a:solidFill>
+            </a:endParaRPr>
+          </a:p>
+        </p:txBody>
+      </p:sp>
+      <p:sp>
+        <p:nvSpPr>
+          <p:cNvPr id="33" name="ZoneTexte 32"/>
+          <p:cNvSpPr txBox="1"/>
+          <p:nvPr/>
+        </p:nvSpPr>
+        <p:spPr>
+          <a:xfrm>
+            <a:off x="3205199" y="7215044"/>
+            <a:ext cx="256802" cy="261610"/>
+          </a:xfrm>
+          <a:prstGeom prst="rect">
+            <a:avLst/>
+          </a:prstGeom>
+          <a:noFill/>
+        </p:spPr>
+        <p:txBody>
+          <a:bodyPr wrap="none" rtlCol="0">
+            <a:spAutoFit/>
+          </a:bodyPr>
+          <a:lstStyle/>
+          <a:p>
+            <a:r>
+              <a:rPr lang="fr-FR" sz="1100" dirty="0" smtClean="0">
+                <a:solidFill>
+                  <a:srgbClr val="00B050"/>
+                </a:solidFill>
+              </a:rPr>
+              <a:t>2</a:t>
+            </a:r>
+            <a:endParaRPr lang="fr-FR" sz="1100" dirty="0">
+              <a:solidFill>
+                <a:srgbClr val="00B050"/>
+              </a:solidFill>
+            </a:endParaRPr>
           </a:p>
         </p:txBody>
       </p:sp>
     </p:spTree>
     <p:extLst>
       <p:ext uri="{BB962C8B-B14F-4D97-AF65-F5344CB8AC3E}">
-        <p14:creationId xmlns:p14="http://schemas.microsoft.com/office/powerpoint/2010/main" val="3554912898"/>
+        <p14:creationId xmlns:p14="http://schemas.microsoft.com/office/powerpoint/2010/main" val="2246658219"/>
       </p:ext>
     </p:extLst>
   </p:cSld>
@@ -10576,8 +10835,8 @@
         </p:nvSpPr>
         <p:spPr>
           <a:xfrm>
-            <a:off x="3653195" y="5508104"/>
-            <a:ext cx="3204805" cy="2585323"/>
+            <a:off x="3653195" y="2108627"/>
+            <a:ext cx="3204805" cy="2031325"/>
           </a:xfrm>
           <a:prstGeom prst="rect">
             <a:avLst/>
@@ -10592,43 +10851,13 @@
           <a:p>
             <a:r>
               <a:rPr lang="fr-FR" dirty="0" smtClean="0"/>
-              <a:t>Une fois que vous avez cliqué sur une question, vous pouvez ajouter des réponses à celle-ci.</a:t>
+              <a:t>En cliquant sur Créer, une nouvelle fenêtre apparaitra pour que vous renseigniez le nom de votre futur quiz.</a:t>
             </a:r>
           </a:p>
           <a:p>
             <a:r>
               <a:rPr lang="fr-FR" dirty="0" smtClean="0"/>
-              <a:t>Cliquer sur « Ajouter une réponse » </a:t>
-            </a:r>
-            <a:r>
-              <a:rPr lang="fr-FR" dirty="0" smtClean="0">
-                <a:solidFill>
-                  <a:srgbClr val="FF0000"/>
-                </a:solidFill>
-              </a:rPr>
-              <a:t>(1)</a:t>
-            </a:r>
-            <a:r>
-              <a:rPr lang="fr-FR" dirty="0" smtClean="0"/>
-              <a:t> puis renseigner le champs de réponse qui a apparu </a:t>
-            </a:r>
-            <a:r>
-              <a:rPr lang="fr-FR" dirty="0" smtClean="0">
-                <a:solidFill>
-                  <a:srgbClr val="FF0000"/>
-                </a:solidFill>
-              </a:rPr>
-              <a:t>(2)</a:t>
-            </a:r>
-            <a:r>
-              <a:rPr lang="fr-FR" dirty="0" smtClean="0"/>
-              <a:t>.</a:t>
-            </a:r>
-          </a:p>
-          <a:p>
-            <a:r>
-              <a:rPr lang="fr-FR" dirty="0" smtClean="0"/>
-              <a:t>Pour dire que la réponse est juste, cochez la case sur la</a:t>
+              <a:t>Appuyez sur OK pour continuer la création et accéder à l’ajout de réponses.</a:t>
             </a:r>
             <a:endParaRPr lang="fr-FR" dirty="0"/>
           </a:p>
@@ -10642,7 +10871,7 @@
         </p:nvSpPr>
         <p:spPr>
           <a:xfrm>
-            <a:off x="1588022" y="5625698"/>
+            <a:off x="1588022" y="1934126"/>
             <a:ext cx="256802" cy="261610"/>
           </a:xfrm>
           <a:prstGeom prst="rect">
@@ -10674,6 +10903,41 @@
       </p:sp>
       <p:sp>
         <p:nvSpPr>
+          <p:cNvPr id="24" name="ZoneTexte 23"/>
+          <p:cNvSpPr txBox="1"/>
+          <p:nvPr/>
+        </p:nvSpPr>
+        <p:spPr>
+          <a:xfrm>
+            <a:off x="3672408" y="5508104"/>
+            <a:ext cx="2852936" cy="2308324"/>
+          </a:xfrm>
+          <a:prstGeom prst="rect">
+            <a:avLst/>
+          </a:prstGeom>
+          <a:noFill/>
+        </p:spPr>
+        <p:txBody>
+          <a:bodyPr wrap="square" rtlCol="0">
+            <a:spAutoFit/>
+          </a:bodyPr>
+          <a:lstStyle/>
+          <a:p>
+            <a:r>
+              <a:rPr lang="fr-FR" dirty="0" smtClean="0"/>
+              <a:t>Une fois votre quiz créé, vous accédez à la partie qui vous permet d’ajouter des questions et des réponses.</a:t>
+            </a:r>
+          </a:p>
+          <a:p>
+            <a:r>
+              <a:rPr lang="fr-FR" dirty="0" smtClean="0"/>
+              <a:t>De base, un quiz à 0 question. Il vous faut donc les créer ainsi que leurs réponses respectives.</a:t>
+            </a:r>
+          </a:p>
+        </p:txBody>
+      </p:sp>
+      <p:sp>
+        <p:nvSpPr>
           <p:cNvPr id="25" name="ZoneTexte 24"/>
           <p:cNvSpPr txBox="1"/>
           <p:nvPr/>
@@ -10681,7 +10945,7 @@
         <p:spPr>
           <a:xfrm>
             <a:off x="476672" y="421958"/>
-            <a:ext cx="2855910" cy="523220"/>
+            <a:ext cx="2969724" cy="523220"/>
           </a:xfrm>
           <a:prstGeom prst="rect">
             <a:avLst/>
@@ -10696,11 +10960,11 @@
           <a:p>
             <a:r>
               <a:rPr lang="fr-FR" sz="2800" dirty="0" smtClean="0"/>
-              <a:t>II / </a:t>
+              <a:t>IV </a:t>
             </a:r>
             <a:r>
               <a:rPr lang="fr-FR" sz="2800" dirty="0" smtClean="0"/>
-              <a:t>Administrateur</a:t>
+              <a:t>/ Administrateur</a:t>
             </a:r>
             <a:endParaRPr lang="fr-FR" sz="2800" dirty="0"/>
           </a:p>
@@ -10714,8 +10978,8 @@
         </p:nvSpPr>
         <p:spPr>
           <a:xfrm>
-            <a:off x="977229" y="5058000"/>
-            <a:ext cx="2597314" cy="523220"/>
+            <a:off x="977229" y="1384484"/>
+            <a:ext cx="2297488" cy="523220"/>
           </a:xfrm>
           <a:prstGeom prst="rect">
             <a:avLst/>
@@ -10730,7 +10994,37 @@
           <a:p>
             <a:r>
               <a:rPr lang="fr-FR" sz="2800" dirty="0" smtClean="0"/>
-              <a:t>Gérer réponses :</a:t>
+              <a:t>Créer un quiz :</a:t>
+            </a:r>
+            <a:endParaRPr lang="fr-FR" sz="2800" dirty="0"/>
+          </a:p>
+        </p:txBody>
+      </p:sp>
+      <p:sp>
+        <p:nvSpPr>
+          <p:cNvPr id="27" name="ZoneTexte 26"/>
+          <p:cNvSpPr txBox="1"/>
+          <p:nvPr/>
+        </p:nvSpPr>
+        <p:spPr>
+          <a:xfrm>
+            <a:off x="977229" y="5056892"/>
+            <a:ext cx="1872692" cy="523220"/>
+          </a:xfrm>
+          <a:prstGeom prst="rect">
+            <a:avLst/>
+          </a:prstGeom>
+          <a:noFill/>
+        </p:spPr>
+        <p:txBody>
+          <a:bodyPr wrap="none" rtlCol="0">
+            <a:spAutoFit/>
+          </a:bodyPr>
+          <a:lstStyle/>
+          <a:p>
+            <a:r>
+              <a:rPr lang="fr-FR" sz="2800" dirty="0" smtClean="0"/>
+              <a:t>Gérer quiz :</a:t>
             </a:r>
             <a:endParaRPr lang="fr-FR" sz="2800" dirty="0"/>
           </a:p>
@@ -10744,7 +11038,7 @@
         </p:nvSpPr>
         <p:spPr>
           <a:xfrm>
-            <a:off x="727200" y="6513972"/>
+            <a:off x="727200" y="2822400"/>
             <a:ext cx="1501200" cy="1090800"/>
           </a:xfrm>
           <a:prstGeom prst="rect">
@@ -10790,7 +11084,7 @@
         </p:nvSpPr>
         <p:spPr>
           <a:xfrm>
-            <a:off x="3114000" y="7169172"/>
+            <a:off x="3114000" y="3477600"/>
             <a:ext cx="385200" cy="133200"/>
           </a:xfrm>
           <a:prstGeom prst="rect">
@@ -10836,7 +11130,7 @@
         </p:nvSpPr>
         <p:spPr>
           <a:xfrm>
-            <a:off x="1961873" y="7343162"/>
+            <a:off x="1961873" y="3651590"/>
             <a:ext cx="256802" cy="261610"/>
           </a:xfrm>
           <a:prstGeom prst="rect">
@@ -10874,7 +11168,7 @@
         </p:nvSpPr>
         <p:spPr>
           <a:xfrm>
-            <a:off x="3306600" y="7104967"/>
+            <a:off x="3306600" y="3413395"/>
             <a:ext cx="256802" cy="261610"/>
           </a:xfrm>
           <a:prstGeom prst="rect">
@@ -10906,7 +11200,7 @@
       </p:sp>
       <p:pic>
         <p:nvPicPr>
-          <p:cNvPr id="21" name="Image 20" descr="(&gt; o _ o )&gt;          --[__W  A  R___Q  U  I  Z__]--          &lt;[ x _ x &lt;]"/>
+          <p:cNvPr id="6" name="Image 5" descr="(&gt; o _ o )&gt;          --[__W  A  R___Q  U  I  Z__]--          &lt;[ x _ x &lt;]"/>
           <p:cNvPicPr>
             <a:picLocks noChangeAspect="1"/>
           </p:cNvPicPr>
@@ -10926,7 +11220,67 @@
         </p:blipFill>
         <p:spPr>
           <a:xfrm>
-            <a:off x="534186" y="1898318"/>
+            <a:off x="534186" y="1907704"/>
+            <a:ext cx="3110808" cy="2404081"/>
+          </a:xfrm>
+          <a:prstGeom prst="rect">
+            <a:avLst/>
+          </a:prstGeom>
+        </p:spPr>
+      </p:pic>
+      <p:pic>
+        <p:nvPicPr>
+          <p:cNvPr id="9" name="Image 8" descr="Creation Quiz"/>
+          <p:cNvPicPr>
+            <a:picLocks noChangeAspect="1"/>
+          </p:cNvPicPr>
+          <p:nvPr/>
+        </p:nvPicPr>
+        <p:blipFill>
+          <a:blip r:embed="rId3">
+            <a:extLst>
+              <a:ext uri="{28A0092B-C50C-407E-A947-70E740481C1C}">
+                <a14:useLocalDpi xmlns:a14="http://schemas.microsoft.com/office/drawing/2010/main" val="0"/>
+              </a:ext>
+            </a:extLst>
+          </a:blip>
+          <a:stretch>
+            <a:fillRect/>
+          </a:stretch>
+        </p:blipFill>
+        <p:spPr>
+          <a:xfrm>
+            <a:off x="836219" y="2539796"/>
+            <a:ext cx="2497381" cy="1042678"/>
+          </a:xfrm>
+          <a:prstGeom prst="rect">
+            <a:avLst/>
+          </a:prstGeom>
+        </p:spPr>
+      </p:pic>
+      <p:pic>
+        <p:nvPicPr>
+          <p:cNvPr id="12" name="Image 11" descr="(&gt; o _ o )&gt;          --[__W  A  R___Q  U  I  Z__]--          &lt;[ x _ x &lt;]"/>
+          <p:cNvPicPr>
+            <a:picLocks noChangeAspect="1"/>
+          </p:cNvPicPr>
+          <p:nvPr/>
+        </p:nvPicPr>
+        <p:blipFill>
+          <a:blip r:embed="rId4" cstate="print">
+            <a:extLst>
+              <a:ext uri="{28A0092B-C50C-407E-A947-70E740481C1C}">
+                <a14:useLocalDpi xmlns:a14="http://schemas.microsoft.com/office/drawing/2010/main" val="0"/>
+              </a:ext>
+            </a:extLst>
+          </a:blip>
+          <a:stretch>
+            <a:fillRect/>
+          </a:stretch>
+        </p:blipFill>
+        <p:spPr>
+          <a:xfrm>
+            <a:off x="561600" y="5580112"/>
             <a:ext cx="3109775" cy="2403282"/>
           </a:xfrm>
           <a:prstGeom prst="rect">
@@ -10936,108 +11290,14 @@
       </p:pic>
       <p:sp>
         <p:nvSpPr>
-          <p:cNvPr id="22" name="ZoneTexte 21"/>
-          <p:cNvSpPr txBox="1"/>
-          <p:nvPr/>
-        </p:nvSpPr>
-        <p:spPr>
-          <a:xfrm>
-            <a:off x="3644995" y="1826310"/>
-            <a:ext cx="2852936" cy="2308324"/>
-          </a:xfrm>
-          <a:prstGeom prst="rect">
-            <a:avLst/>
-          </a:prstGeom>
-          <a:noFill/>
-        </p:spPr>
-        <p:txBody>
-          <a:bodyPr wrap="square" rtlCol="0">
-            <a:spAutoFit/>
-          </a:bodyPr>
-          <a:lstStyle/>
-          <a:p>
-            <a:r>
-              <a:rPr lang="fr-FR" dirty="0" smtClean="0"/>
-              <a:t>Pour ajouter des question cliquez sur « Ajouter une question » </a:t>
-            </a:r>
-            <a:r>
-              <a:rPr lang="fr-FR" dirty="0" smtClean="0">
-                <a:solidFill>
-                  <a:srgbClr val="FF0000"/>
-                </a:solidFill>
-              </a:rPr>
-              <a:t>(1)</a:t>
-            </a:r>
-            <a:r>
-              <a:rPr lang="fr-FR" dirty="0" smtClean="0"/>
-              <a:t>. Une fenêtre vous demandera d’entrer votre question </a:t>
-            </a:r>
-            <a:r>
-              <a:rPr lang="fr-FR" dirty="0" smtClean="0">
-                <a:solidFill>
-                  <a:srgbClr val="FF0000"/>
-                </a:solidFill>
-              </a:rPr>
-              <a:t>(2)</a:t>
-            </a:r>
-            <a:r>
-              <a:rPr lang="fr-FR" dirty="0" smtClean="0"/>
-              <a:t>.</a:t>
-            </a:r>
-          </a:p>
-          <a:p>
-            <a:r>
-              <a:rPr lang="fr-FR" dirty="0" smtClean="0"/>
-              <a:t>Une fois validée, votre question apparait dans le tableau de gestion.</a:t>
-            </a:r>
-            <a:endParaRPr lang="fr-FR" dirty="0" smtClean="0"/>
-          </a:p>
-        </p:txBody>
-      </p:sp>
-      <p:sp>
-        <p:nvSpPr>
-          <p:cNvPr id="23" name="ZoneTexte 22"/>
-          <p:cNvSpPr txBox="1"/>
-          <p:nvPr/>
-        </p:nvSpPr>
-        <p:spPr>
-          <a:xfrm>
-            <a:off x="949816" y="1375098"/>
-            <a:ext cx="2686185" cy="523220"/>
-          </a:xfrm>
-          <a:prstGeom prst="rect">
-            <a:avLst/>
-          </a:prstGeom>
-          <a:noFill/>
-        </p:spPr>
-        <p:txBody>
-          <a:bodyPr wrap="none" rtlCol="0">
-            <a:spAutoFit/>
-          </a:bodyPr>
-          <a:lstStyle/>
-          <a:p>
-            <a:r>
-              <a:rPr lang="fr-FR" sz="2800" dirty="0" smtClean="0"/>
-              <a:t>Gérer</a:t>
-            </a:r>
-            <a:r>
-              <a:rPr lang="fr-FR" sz="2800" dirty="0" smtClean="0"/>
-              <a:t> questions :</a:t>
-            </a:r>
-            <a:endParaRPr lang="fr-FR" sz="2800" dirty="0"/>
-          </a:p>
-        </p:txBody>
-      </p:sp>
-      <p:sp>
-        <p:nvSpPr>
-          <p:cNvPr id="30" name="Rectangle 29"/>
+          <p:cNvPr id="14" name="Rectangle 13"/>
           <p:cNvSpPr/>
           <p:nvPr/>
         </p:nvSpPr>
         <p:spPr>
           <a:xfrm>
-            <a:off x="2931787" y="3158206"/>
-            <a:ext cx="615600" cy="144000"/>
+            <a:off x="3153600" y="7362000"/>
+            <a:ext cx="435600" cy="144000"/>
           </a:xfrm>
           <a:prstGeom prst="rect">
             <a:avLst/>
@@ -11074,106 +11334,16 @@
           </a:p>
         </p:txBody>
       </p:sp>
-      <p:pic>
-        <p:nvPicPr>
-          <p:cNvPr id="33" name="Image 32" descr="Creation Quiz"/>
-          <p:cNvPicPr>
-            <a:picLocks noChangeAspect="1"/>
-          </p:cNvPicPr>
-          <p:nvPr/>
-        </p:nvPicPr>
-        <p:blipFill>
-          <a:blip r:embed="rId3">
-            <a:extLst>
-              <a:ext uri="{28A0092B-C50C-407E-A947-70E740481C1C}">
-                <a14:useLocalDpi xmlns:a14="http://schemas.microsoft.com/office/drawing/2010/main" val="0"/>
-              </a:ext>
-            </a:extLst>
-          </a:blip>
-          <a:stretch>
-            <a:fillRect/>
-          </a:stretch>
-        </p:blipFill>
-        <p:spPr>
-          <a:xfrm>
-            <a:off x="738507" y="3099959"/>
-            <a:ext cx="1824829" cy="761882"/>
-          </a:xfrm>
-          <a:prstGeom prst="rect">
-            <a:avLst/>
-          </a:prstGeom>
-        </p:spPr>
-      </p:pic>
-      <p:sp>
-        <p:nvSpPr>
-          <p:cNvPr id="35" name="ZoneTexte 34"/>
-          <p:cNvSpPr txBox="1"/>
-          <p:nvPr/>
-        </p:nvSpPr>
-        <p:spPr>
-          <a:xfrm>
-            <a:off x="462179" y="4274582"/>
-            <a:ext cx="5963744" cy="923330"/>
-          </a:xfrm>
-          <a:prstGeom prst="rect">
-            <a:avLst/>
-          </a:prstGeom>
-          <a:noFill/>
-        </p:spPr>
-        <p:txBody>
-          <a:bodyPr wrap="square" rtlCol="0">
-            <a:spAutoFit/>
-          </a:bodyPr>
-          <a:lstStyle/>
-          <a:p>
-            <a:r>
-              <a:rPr lang="fr-FR" dirty="0" smtClean="0"/>
-              <a:t>Vous pouvez ainsi supprimer une question en cliquant sur la croix ou ajouter des réponses à une question en cliquant sur celle-ci.</a:t>
-            </a:r>
-            <a:endParaRPr lang="fr-FR" dirty="0"/>
-          </a:p>
-        </p:txBody>
-      </p:sp>
-      <p:pic>
-        <p:nvPicPr>
-          <p:cNvPr id="4" name="Image 3" descr="(&gt; o _ o )&gt;          --[__W  A  R___Q  U  I  Z__]--          &lt;[ x _ x &lt;]"/>
-          <p:cNvPicPr>
-            <a:picLocks noChangeAspect="1"/>
-          </p:cNvPicPr>
-          <p:nvPr/>
-        </p:nvPicPr>
-        <p:blipFill>
-          <a:blip r:embed="rId4" cstate="print">
-            <a:extLst>
-              <a:ext uri="{28A0092B-C50C-407E-A947-70E740481C1C}">
-                <a14:useLocalDpi xmlns:a14="http://schemas.microsoft.com/office/drawing/2010/main" val="0"/>
-              </a:ext>
-            </a:extLst>
-          </a:blip>
-          <a:stretch>
-            <a:fillRect/>
-          </a:stretch>
-        </p:blipFill>
-        <p:spPr>
-          <a:xfrm>
-            <a:off x="561599" y="5580112"/>
-            <a:ext cx="3091595" cy="2389232"/>
-          </a:xfrm>
-          <a:prstGeom prst="rect">
-            <a:avLst/>
-          </a:prstGeom>
-        </p:spPr>
-      </p:pic>
-      <p:sp>
-        <p:nvSpPr>
-          <p:cNvPr id="5" name="Rectangle 4"/>
+      <p:sp>
+        <p:nvSpPr>
+          <p:cNvPr id="34" name="Rectangle 33"/>
           <p:cNvSpPr/>
           <p:nvPr/>
         </p:nvSpPr>
         <p:spPr>
           <a:xfrm>
-            <a:off x="727200" y="3099959"/>
-            <a:ext cx="1836136" cy="761882"/>
+            <a:off x="2732400" y="6480000"/>
+            <a:ext cx="327600" cy="136800"/>
           </a:xfrm>
           <a:prstGeom prst="rect">
             <a:avLst/>
@@ -11212,14 +11382,361 @@
       </p:sp>
       <p:sp>
         <p:nvSpPr>
-          <p:cNvPr id="8" name="Rectangle 7"/>
+          <p:cNvPr id="36" name="ZoneTexte 35"/>
+          <p:cNvSpPr txBox="1"/>
+          <p:nvPr/>
+        </p:nvSpPr>
+        <p:spPr>
+          <a:xfrm>
+            <a:off x="489592" y="7956376"/>
+            <a:ext cx="5963744" cy="646331"/>
+          </a:xfrm>
+          <a:prstGeom prst="rect">
+            <a:avLst/>
+          </a:prstGeom>
+          <a:noFill/>
+        </p:spPr>
+        <p:txBody>
+          <a:bodyPr wrap="square" rtlCol="0">
+            <a:spAutoFit/>
+          </a:bodyPr>
+          <a:lstStyle/>
+          <a:p>
+            <a:r>
+              <a:rPr lang="fr-FR" dirty="0" smtClean="0"/>
+              <a:t>Chaque quiz possède un difficulté </a:t>
+            </a:r>
+            <a:r>
+              <a:rPr lang="fr-FR" dirty="0" smtClean="0">
+                <a:solidFill>
+                  <a:srgbClr val="FF0000"/>
+                </a:solidFill>
+              </a:rPr>
+              <a:t>(1)</a:t>
+            </a:r>
+            <a:r>
+              <a:rPr lang="fr-FR" dirty="0" smtClean="0"/>
+              <a:t>. Une fois que vous avez terminé, validez </a:t>
+            </a:r>
+            <a:r>
+              <a:rPr lang="fr-FR" dirty="0" smtClean="0">
+                <a:solidFill>
+                  <a:srgbClr val="FF0000"/>
+                </a:solidFill>
+              </a:rPr>
+              <a:t>(2)</a:t>
+            </a:r>
+            <a:r>
+              <a:rPr lang="fr-FR" dirty="0" smtClean="0"/>
+              <a:t> votre quiz. Il sera immédiatement jouable.</a:t>
+            </a:r>
+            <a:endParaRPr lang="fr-FR" dirty="0"/>
+          </a:p>
+        </p:txBody>
+      </p:sp>
+      <p:sp>
+        <p:nvSpPr>
+          <p:cNvPr id="18" name="ZoneTexte 17"/>
+          <p:cNvSpPr txBox="1"/>
+          <p:nvPr/>
+        </p:nvSpPr>
+        <p:spPr>
+          <a:xfrm>
+            <a:off x="2867946" y="7303195"/>
+            <a:ext cx="256802" cy="261610"/>
+          </a:xfrm>
+          <a:prstGeom prst="rect">
+            <a:avLst/>
+          </a:prstGeom>
+          <a:noFill/>
+        </p:spPr>
+        <p:txBody>
+          <a:bodyPr wrap="none" rtlCol="0">
+            <a:spAutoFit/>
+          </a:bodyPr>
+          <a:lstStyle/>
+          <a:p>
+            <a:r>
+              <a:rPr lang="fr-FR" sz="1100" dirty="0" smtClean="0">
+                <a:solidFill>
+                  <a:srgbClr val="FF0000"/>
+                </a:solidFill>
+              </a:rPr>
+              <a:t>2</a:t>
+            </a:r>
+            <a:endParaRPr lang="fr-FR" sz="1100" dirty="0">
+              <a:solidFill>
+                <a:srgbClr val="FF0000"/>
+              </a:solidFill>
+            </a:endParaRPr>
+          </a:p>
+        </p:txBody>
+      </p:sp>
+      <p:sp>
+        <p:nvSpPr>
+          <p:cNvPr id="19" name="ZoneTexte 18"/>
+          <p:cNvSpPr txBox="1"/>
+          <p:nvPr/>
+        </p:nvSpPr>
+        <p:spPr>
+          <a:xfrm>
+            <a:off x="2465796" y="6417595"/>
+            <a:ext cx="256802" cy="261610"/>
+          </a:xfrm>
+          <a:prstGeom prst="rect">
+            <a:avLst/>
+          </a:prstGeom>
+          <a:noFill/>
+        </p:spPr>
+        <p:txBody>
+          <a:bodyPr wrap="none" rtlCol="0">
+            <a:spAutoFit/>
+          </a:bodyPr>
+          <a:lstStyle/>
+          <a:p>
+            <a:r>
+              <a:rPr lang="fr-FR" sz="1100" dirty="0" smtClean="0">
+                <a:solidFill>
+                  <a:srgbClr val="FF0000"/>
+                </a:solidFill>
+              </a:rPr>
+              <a:t>1</a:t>
+            </a:r>
+            <a:endParaRPr lang="fr-FR" sz="1100" dirty="0">
+              <a:solidFill>
+                <a:srgbClr val="FF0000"/>
+              </a:solidFill>
+            </a:endParaRPr>
+          </a:p>
+        </p:txBody>
+      </p:sp>
+    </p:spTree>
+    <p:extLst>
+      <p:ext uri="{BB962C8B-B14F-4D97-AF65-F5344CB8AC3E}">
+        <p14:creationId xmlns:p14="http://schemas.microsoft.com/office/powerpoint/2010/main" val="3554912898"/>
+      </p:ext>
+    </p:extLst>
+  </p:cSld>
+  <p:clrMapOvr>
+    <a:masterClrMapping/>
+  </p:clrMapOvr>
+  <mc:AlternateContent xmlns:mc="http://schemas.openxmlformats.org/markup-compatibility/2006" xmlns:p14="http://schemas.microsoft.com/office/powerpoint/2010/main">
+    <mc:Choice Requires="p14">
+      <p:transition spd="med" p14:dur="700">
+        <p:fade/>
+      </p:transition>
+    </mc:Choice>
+    <mc:Fallback xmlns="">
+      <p:transition spd="med">
+        <p:fade/>
+      </p:transition>
+    </mc:Fallback>
+  </mc:AlternateContent>
+  <p:timing>
+    <p:tnLst>
+      <p:par>
+        <p:cTn id="1" dur="indefinite" restart="never" nodeType="tmRoot"/>
+      </p:par>
+    </p:tnLst>
+  </p:timing>
+</p:sld>
+</file>
+
+<file path=ppt/slides/slide9.xml><?xml version="1.0" encoding="utf-8"?>
+<p:sld xmlns:a="http://schemas.openxmlformats.org/drawingml/2006/main" xmlns:r="http://schemas.openxmlformats.org/officeDocument/2006/relationships" xmlns:p="http://schemas.openxmlformats.org/presentationml/2006/main">
+  <p:cSld>
+    <p:spTree>
+      <p:nvGrpSpPr>
+        <p:cNvPr id="1" name=""/>
+        <p:cNvGrpSpPr/>
+        <p:nvPr/>
+      </p:nvGrpSpPr>
+      <p:grpSpPr>
+        <a:xfrm>
+          <a:off x="0" y="0"/>
+          <a:ext cx="0" cy="0"/>
+          <a:chOff x="0" y="0"/>
+          <a:chExt cx="0" cy="0"/>
+        </a:xfrm>
+      </p:grpSpPr>
+      <p:sp>
+        <p:nvSpPr>
+          <p:cNvPr id="10" name="ZoneTexte 9"/>
+          <p:cNvSpPr txBox="1"/>
+          <p:nvPr/>
+        </p:nvSpPr>
+        <p:spPr>
+          <a:xfrm>
+            <a:off x="3653195" y="5508104"/>
+            <a:ext cx="3204805" cy="2585323"/>
+          </a:xfrm>
+          <a:prstGeom prst="rect">
+            <a:avLst/>
+          </a:prstGeom>
+          <a:noFill/>
+        </p:spPr>
+        <p:txBody>
+          <a:bodyPr wrap="square" rtlCol="0">
+            <a:spAutoFit/>
+          </a:bodyPr>
+          <a:lstStyle/>
+          <a:p>
+            <a:r>
+              <a:rPr lang="fr-FR" dirty="0" smtClean="0"/>
+              <a:t>Une fois que vous avez cliqué sur une question, vous pouvez ajouter des réponses à celle-ci.</a:t>
+            </a:r>
+          </a:p>
+          <a:p>
+            <a:r>
+              <a:rPr lang="fr-FR" dirty="0" smtClean="0"/>
+              <a:t>Cliquer sur « Ajouter une réponse » </a:t>
+            </a:r>
+            <a:r>
+              <a:rPr lang="fr-FR" dirty="0" smtClean="0">
+                <a:solidFill>
+                  <a:srgbClr val="FF0000"/>
+                </a:solidFill>
+              </a:rPr>
+              <a:t>(1)</a:t>
+            </a:r>
+            <a:r>
+              <a:rPr lang="fr-FR" dirty="0" smtClean="0"/>
+              <a:t> puis renseigner le champs de réponse qui a apparu </a:t>
+            </a:r>
+            <a:r>
+              <a:rPr lang="fr-FR" dirty="0" smtClean="0">
+                <a:solidFill>
+                  <a:srgbClr val="FF0000"/>
+                </a:solidFill>
+              </a:rPr>
+              <a:t>(2)</a:t>
+            </a:r>
+            <a:r>
+              <a:rPr lang="fr-FR" dirty="0" smtClean="0"/>
+              <a:t>.</a:t>
+            </a:r>
+          </a:p>
+          <a:p>
+            <a:r>
+              <a:rPr lang="fr-FR" dirty="0" smtClean="0"/>
+              <a:t>Pour dire que la réponse est juste, cochez la case sur la</a:t>
+            </a:r>
+            <a:endParaRPr lang="fr-FR" dirty="0"/>
+          </a:p>
+        </p:txBody>
+      </p:sp>
+      <p:sp>
+        <p:nvSpPr>
+          <p:cNvPr id="11" name="ZoneTexte 10"/>
+          <p:cNvSpPr txBox="1"/>
+          <p:nvPr/>
+        </p:nvSpPr>
+        <p:spPr>
+          <a:xfrm>
+            <a:off x="1588022" y="5625698"/>
+            <a:ext cx="256802" cy="261610"/>
+          </a:xfrm>
+          <a:prstGeom prst="rect">
+            <a:avLst/>
+          </a:prstGeom>
+          <a:noFill/>
+        </p:spPr>
+        <p:txBody>
+          <a:bodyPr wrap="none" rtlCol="0">
+            <a:spAutoFit/>
+          </a:bodyPr>
+          <a:lstStyle/>
+          <a:p>
+            <a:r>
+              <a:rPr lang="fr-FR" sz="1100" dirty="0" smtClean="0">
+                <a:solidFill>
+                  <a:srgbClr val="00B050"/>
+                </a:solidFill>
+              </a:rPr>
+              <a:t>1</a:t>
+            </a:r>
+            <a:endParaRPr lang="fr-FR" sz="1100" dirty="0">
+              <a:solidFill>
+                <a:srgbClr val="00B050"/>
+              </a:solidFill>
+            </a:endParaRPr>
+          </a:p>
+        </p:txBody>
+      </p:sp>
+      <p:sp>
+        <p:nvSpPr>
+          <p:cNvPr id="25" name="ZoneTexte 24"/>
+          <p:cNvSpPr txBox="1"/>
+          <p:nvPr/>
+        </p:nvSpPr>
+        <p:spPr>
+          <a:xfrm>
+            <a:off x="476672" y="421958"/>
+            <a:ext cx="2969724" cy="523220"/>
+          </a:xfrm>
+          <a:prstGeom prst="rect">
+            <a:avLst/>
+          </a:prstGeom>
+          <a:noFill/>
+        </p:spPr>
+        <p:txBody>
+          <a:bodyPr wrap="none" rtlCol="0">
+            <a:spAutoFit/>
+          </a:bodyPr>
+          <a:lstStyle/>
+          <a:p>
+            <a:r>
+              <a:rPr lang="fr-FR" sz="2800" dirty="0" smtClean="0"/>
+              <a:t>IV </a:t>
+            </a:r>
+            <a:r>
+              <a:rPr lang="fr-FR" sz="2800" dirty="0" smtClean="0"/>
+              <a:t>/ Administrateur</a:t>
+            </a:r>
+            <a:endParaRPr lang="fr-FR" sz="2800" dirty="0"/>
+          </a:p>
+        </p:txBody>
+      </p:sp>
+      <p:sp>
+        <p:nvSpPr>
+          <p:cNvPr id="26" name="ZoneTexte 25"/>
+          <p:cNvSpPr txBox="1"/>
+          <p:nvPr/>
+        </p:nvSpPr>
+        <p:spPr>
+          <a:xfrm>
+            <a:off x="977229" y="5058000"/>
+            <a:ext cx="2597314" cy="523220"/>
+          </a:xfrm>
+          <a:prstGeom prst="rect">
+            <a:avLst/>
+          </a:prstGeom>
+          <a:noFill/>
+        </p:spPr>
+        <p:txBody>
+          <a:bodyPr wrap="none" rtlCol="0">
+            <a:spAutoFit/>
+          </a:bodyPr>
+          <a:lstStyle/>
+          <a:p>
+            <a:r>
+              <a:rPr lang="fr-FR" sz="2800" dirty="0" smtClean="0"/>
+              <a:t>Gérer réponses :</a:t>
+            </a:r>
+            <a:endParaRPr lang="fr-FR" sz="2800" dirty="0"/>
+          </a:p>
+        </p:txBody>
+      </p:sp>
+      <p:sp>
+        <p:nvSpPr>
+          <p:cNvPr id="3" name="Rectangle 2"/>
           <p:cNvSpPr/>
           <p:nvPr/>
         </p:nvSpPr>
         <p:spPr>
           <a:xfrm>
-            <a:off x="2931787" y="6774728"/>
-            <a:ext cx="642756" cy="284644"/>
+            <a:off x="727200" y="6513972"/>
+            <a:ext cx="1501200" cy="1090800"/>
           </a:xfrm>
           <a:prstGeom prst="rect">
             <a:avLst/>
@@ -11258,14 +11775,14 @@
       </p:sp>
       <p:sp>
         <p:nvSpPr>
-          <p:cNvPr id="15" name="Rectangle 14"/>
+          <p:cNvPr id="7" name="Rectangle 6"/>
           <p:cNvSpPr/>
           <p:nvPr/>
         </p:nvSpPr>
         <p:spPr>
           <a:xfrm>
-            <a:off x="561599" y="6513972"/>
-            <a:ext cx="1026423" cy="260756"/>
+            <a:off x="3114000" y="7169172"/>
+            <a:ext cx="385200" cy="133200"/>
           </a:xfrm>
           <a:prstGeom prst="rect">
             <a:avLst/>
@@ -11304,14 +11821,120 @@
       </p:sp>
       <p:sp>
         <p:nvSpPr>
-          <p:cNvPr id="16" name="ZoneTexte 15"/>
+          <p:cNvPr id="28" name="ZoneTexte 27"/>
           <p:cNvSpPr txBox="1"/>
           <p:nvPr/>
         </p:nvSpPr>
         <p:spPr>
           <a:xfrm>
-            <a:off x="476672" y="7956376"/>
-            <a:ext cx="5936332" cy="1631216"/>
+            <a:off x="1961873" y="7343162"/>
+            <a:ext cx="256802" cy="261610"/>
+          </a:xfrm>
+          <a:prstGeom prst="rect">
+            <a:avLst/>
+          </a:prstGeom>
+          <a:noFill/>
+        </p:spPr>
+        <p:txBody>
+          <a:bodyPr wrap="none" rtlCol="0">
+            <a:spAutoFit/>
+          </a:bodyPr>
+          <a:lstStyle/>
+          <a:p>
+            <a:r>
+              <a:rPr lang="fr-FR" sz="1100" dirty="0" smtClean="0">
+                <a:solidFill>
+                  <a:srgbClr val="FF0000"/>
+                </a:solidFill>
+              </a:rPr>
+              <a:t>1</a:t>
+            </a:r>
+            <a:endParaRPr lang="fr-FR" sz="1100" dirty="0">
+              <a:solidFill>
+                <a:srgbClr val="FF0000"/>
+              </a:solidFill>
+            </a:endParaRPr>
+          </a:p>
+        </p:txBody>
+      </p:sp>
+      <p:sp>
+        <p:nvSpPr>
+          <p:cNvPr id="29" name="ZoneTexte 28"/>
+          <p:cNvSpPr txBox="1"/>
+          <p:nvPr/>
+        </p:nvSpPr>
+        <p:spPr>
+          <a:xfrm>
+            <a:off x="3306600" y="7104967"/>
+            <a:ext cx="256802" cy="261610"/>
+          </a:xfrm>
+          <a:prstGeom prst="rect">
+            <a:avLst/>
+          </a:prstGeom>
+          <a:noFill/>
+        </p:spPr>
+        <p:txBody>
+          <a:bodyPr wrap="none" rtlCol="0">
+            <a:spAutoFit/>
+          </a:bodyPr>
+          <a:lstStyle/>
+          <a:p>
+            <a:r>
+              <a:rPr lang="fr-FR" sz="1100" dirty="0" smtClean="0">
+                <a:solidFill>
+                  <a:srgbClr val="FF0000"/>
+                </a:solidFill>
+              </a:rPr>
+              <a:t>2</a:t>
+            </a:r>
+            <a:endParaRPr lang="fr-FR" sz="1100" dirty="0">
+              <a:solidFill>
+                <a:srgbClr val="FF0000"/>
+              </a:solidFill>
+            </a:endParaRPr>
+          </a:p>
+        </p:txBody>
+      </p:sp>
+      <p:pic>
+        <p:nvPicPr>
+          <p:cNvPr id="21" name="Image 20" descr="(&gt; o _ o )&gt;          --[__W  A  R___Q  U  I  Z__]--          &lt;[ x _ x &lt;]"/>
+          <p:cNvPicPr>
+            <a:picLocks noChangeAspect="1"/>
+          </p:cNvPicPr>
+          <p:nvPr/>
+        </p:nvPicPr>
+        <p:blipFill>
+          <a:blip r:embed="rId2" cstate="print">
+            <a:extLst>
+              <a:ext uri="{28A0092B-C50C-407E-A947-70E740481C1C}">
+                <a14:useLocalDpi xmlns:a14="http://schemas.microsoft.com/office/drawing/2010/main" val="0"/>
+              </a:ext>
+            </a:extLst>
+          </a:blip>
+          <a:stretch>
+            <a:fillRect/>
+          </a:stretch>
+        </p:blipFill>
+        <p:spPr>
+          <a:xfrm>
+            <a:off x="534186" y="1898318"/>
+            <a:ext cx="3109775" cy="2403282"/>
+          </a:xfrm>
+          <a:prstGeom prst="rect">
+            <a:avLst/>
+          </a:prstGeom>
+        </p:spPr>
+      </p:pic>
+      <p:sp>
+        <p:nvSpPr>
+          <p:cNvPr id="22" name="ZoneTexte 21"/>
+          <p:cNvSpPr txBox="1"/>
+          <p:nvPr/>
+        </p:nvSpPr>
+        <p:spPr>
+          <a:xfrm>
+            <a:off x="3644995" y="1826310"/>
+            <a:ext cx="2852936" cy="2308324"/>
           </a:xfrm>
           <a:prstGeom prst="rect">
             <a:avLst/>
@@ -11325,12 +11948,371 @@
           <a:lstStyle/>
           <a:p>
             <a:r>
+              <a:rPr lang="fr-FR" dirty="0" smtClean="0"/>
+              <a:t>Pour ajouter des question cliquez sur « Ajouter une question » </a:t>
+            </a:r>
+            <a:r>
+              <a:rPr lang="fr-FR" dirty="0" smtClean="0">
+                <a:solidFill>
+                  <a:srgbClr val="FF0000"/>
+                </a:solidFill>
+              </a:rPr>
+              <a:t>(1)</a:t>
+            </a:r>
+            <a:r>
+              <a:rPr lang="fr-FR" dirty="0" smtClean="0"/>
+              <a:t>. Une fenêtre vous demandera d’entrer votre question </a:t>
+            </a:r>
+            <a:r>
+              <a:rPr lang="fr-FR" dirty="0" smtClean="0">
+                <a:solidFill>
+                  <a:srgbClr val="FF0000"/>
+                </a:solidFill>
+              </a:rPr>
+              <a:t>(2)</a:t>
+            </a:r>
+            <a:r>
+              <a:rPr lang="fr-FR" dirty="0" smtClean="0"/>
+              <a:t>.</a:t>
+            </a:r>
+          </a:p>
+          <a:p>
+            <a:r>
+              <a:rPr lang="fr-FR" dirty="0" smtClean="0"/>
+              <a:t>Une fois validée, votre question apparait dans le tableau de gestion.</a:t>
+            </a:r>
+          </a:p>
+        </p:txBody>
+      </p:sp>
+      <p:sp>
+        <p:nvSpPr>
+          <p:cNvPr id="23" name="ZoneTexte 22"/>
+          <p:cNvSpPr txBox="1"/>
+          <p:nvPr/>
+        </p:nvSpPr>
+        <p:spPr>
+          <a:xfrm>
+            <a:off x="949816" y="1375098"/>
+            <a:ext cx="2686185" cy="523220"/>
+          </a:xfrm>
+          <a:prstGeom prst="rect">
+            <a:avLst/>
+          </a:prstGeom>
+          <a:noFill/>
+        </p:spPr>
+        <p:txBody>
+          <a:bodyPr wrap="none" rtlCol="0">
+            <a:spAutoFit/>
+          </a:bodyPr>
+          <a:lstStyle/>
+          <a:p>
+            <a:r>
+              <a:rPr lang="fr-FR" sz="2800" dirty="0" smtClean="0"/>
+              <a:t>Gérer questions :</a:t>
+            </a:r>
+            <a:endParaRPr lang="fr-FR" sz="2800" dirty="0"/>
+          </a:p>
+        </p:txBody>
+      </p:sp>
+      <p:sp>
+        <p:nvSpPr>
+          <p:cNvPr id="30" name="Rectangle 29"/>
+          <p:cNvSpPr/>
+          <p:nvPr/>
+        </p:nvSpPr>
+        <p:spPr>
+          <a:xfrm>
+            <a:off x="2931787" y="3158206"/>
+            <a:ext cx="615600" cy="144000"/>
+          </a:xfrm>
+          <a:prstGeom prst="rect">
+            <a:avLst/>
+          </a:prstGeom>
+          <a:noFill/>
+          <a:ln>
+            <a:solidFill>
+              <a:srgbClr val="FF0000"/>
+            </a:solidFill>
+          </a:ln>
+        </p:spPr>
+        <p:style>
+          <a:lnRef idx="2">
+            <a:schemeClr val="accent1">
+              <a:shade val="50000"/>
+            </a:schemeClr>
+          </a:lnRef>
+          <a:fillRef idx="1">
+            <a:schemeClr val="accent1"/>
+          </a:fillRef>
+          <a:effectRef idx="0">
+            <a:schemeClr val="accent1"/>
+          </a:effectRef>
+          <a:fontRef idx="minor">
+            <a:schemeClr val="lt1"/>
+          </a:fontRef>
+        </p:style>
+        <p:txBody>
+          <a:bodyPr rtlCol="0" anchor="ctr"/>
+          <a:lstStyle/>
+          <a:p>
+            <a:pPr algn="ctr"/>
+            <a:endParaRPr lang="fr-FR" sz="2800"/>
+          </a:p>
+        </p:txBody>
+      </p:sp>
+      <p:pic>
+        <p:nvPicPr>
+          <p:cNvPr id="33" name="Image 32" descr="Creation Quiz"/>
+          <p:cNvPicPr>
+            <a:picLocks noChangeAspect="1"/>
+          </p:cNvPicPr>
+          <p:nvPr/>
+        </p:nvPicPr>
+        <p:blipFill>
+          <a:blip r:embed="rId3">
+            <a:extLst>
+              <a:ext uri="{28A0092B-C50C-407E-A947-70E740481C1C}">
+                <a14:useLocalDpi xmlns:a14="http://schemas.microsoft.com/office/drawing/2010/main" val="0"/>
+              </a:ext>
+            </a:extLst>
+          </a:blip>
+          <a:stretch>
+            <a:fillRect/>
+          </a:stretch>
+        </p:blipFill>
+        <p:spPr>
+          <a:xfrm>
+            <a:off x="738507" y="3099959"/>
+            <a:ext cx="1824829" cy="761882"/>
+          </a:xfrm>
+          <a:prstGeom prst="rect">
+            <a:avLst/>
+          </a:prstGeom>
+        </p:spPr>
+      </p:pic>
+      <p:sp>
+        <p:nvSpPr>
+          <p:cNvPr id="35" name="ZoneTexte 34"/>
+          <p:cNvSpPr txBox="1"/>
+          <p:nvPr/>
+        </p:nvSpPr>
+        <p:spPr>
+          <a:xfrm>
+            <a:off x="462179" y="4274582"/>
+            <a:ext cx="5963744" cy="923330"/>
+          </a:xfrm>
+          <a:prstGeom prst="rect">
+            <a:avLst/>
+          </a:prstGeom>
+          <a:noFill/>
+        </p:spPr>
+        <p:txBody>
+          <a:bodyPr wrap="square" rtlCol="0">
+            <a:spAutoFit/>
+          </a:bodyPr>
+          <a:lstStyle/>
+          <a:p>
+            <a:r>
+              <a:rPr lang="fr-FR" dirty="0" smtClean="0"/>
+              <a:t>Vous pouvez ainsi supprimer une question en cliquant sur la croix ou ajouter des réponses à une question en cliquant sur celle-ci.</a:t>
+            </a:r>
+            <a:endParaRPr lang="fr-FR" dirty="0"/>
+          </a:p>
+        </p:txBody>
+      </p:sp>
+      <p:pic>
+        <p:nvPicPr>
+          <p:cNvPr id="4" name="Image 3" descr="(&gt; o _ o )&gt;          --[__W  A  R___Q  U  I  Z__]--          &lt;[ x _ x &lt;]"/>
+          <p:cNvPicPr>
+            <a:picLocks noChangeAspect="1"/>
+          </p:cNvPicPr>
+          <p:nvPr/>
+        </p:nvPicPr>
+        <p:blipFill>
+          <a:blip r:embed="rId4" cstate="print">
+            <a:extLst>
+              <a:ext uri="{28A0092B-C50C-407E-A947-70E740481C1C}">
+                <a14:useLocalDpi xmlns:a14="http://schemas.microsoft.com/office/drawing/2010/main" val="0"/>
+              </a:ext>
+            </a:extLst>
+          </a:blip>
+          <a:stretch>
+            <a:fillRect/>
+          </a:stretch>
+        </p:blipFill>
+        <p:spPr>
+          <a:xfrm>
+            <a:off x="561599" y="5580112"/>
+            <a:ext cx="3091595" cy="2389232"/>
+          </a:xfrm>
+          <a:prstGeom prst="rect">
+            <a:avLst/>
+          </a:prstGeom>
+        </p:spPr>
+      </p:pic>
+      <p:sp>
+        <p:nvSpPr>
+          <p:cNvPr id="5" name="Rectangle 4"/>
+          <p:cNvSpPr/>
+          <p:nvPr/>
+        </p:nvSpPr>
+        <p:spPr>
+          <a:xfrm>
+            <a:off x="727200" y="3099959"/>
+            <a:ext cx="1836136" cy="761882"/>
+          </a:xfrm>
+          <a:prstGeom prst="rect">
+            <a:avLst/>
+          </a:prstGeom>
+          <a:noFill/>
+          <a:ln>
+            <a:solidFill>
+              <a:srgbClr val="FF0000"/>
+            </a:solidFill>
+          </a:ln>
+        </p:spPr>
+        <p:style>
+          <a:lnRef idx="2">
+            <a:schemeClr val="accent1">
+              <a:shade val="50000"/>
+            </a:schemeClr>
+          </a:lnRef>
+          <a:fillRef idx="1">
+            <a:schemeClr val="accent1"/>
+          </a:fillRef>
+          <a:effectRef idx="0">
+            <a:schemeClr val="accent1"/>
+          </a:effectRef>
+          <a:fontRef idx="minor">
+            <a:schemeClr val="lt1"/>
+          </a:fontRef>
+        </p:style>
+        <p:txBody>
+          <a:bodyPr rtlCol="0" anchor="ctr"/>
+          <a:lstStyle/>
+          <a:p>
+            <a:pPr algn="ctr"/>
+            <a:endParaRPr lang="fr-FR" sz="2800"/>
+          </a:p>
+        </p:txBody>
+      </p:sp>
+      <p:sp>
+        <p:nvSpPr>
+          <p:cNvPr id="8" name="Rectangle 7"/>
+          <p:cNvSpPr/>
+          <p:nvPr/>
+        </p:nvSpPr>
+        <p:spPr>
+          <a:xfrm>
+            <a:off x="2952000" y="6840000"/>
+            <a:ext cx="612000" cy="144000"/>
+          </a:xfrm>
+          <a:prstGeom prst="rect">
+            <a:avLst/>
+          </a:prstGeom>
+          <a:noFill/>
+          <a:ln>
+            <a:solidFill>
+              <a:srgbClr val="FF0000"/>
+            </a:solidFill>
+          </a:ln>
+        </p:spPr>
+        <p:style>
+          <a:lnRef idx="2">
+            <a:schemeClr val="accent1">
+              <a:shade val="50000"/>
+            </a:schemeClr>
+          </a:lnRef>
+          <a:fillRef idx="1">
+            <a:schemeClr val="accent1"/>
+          </a:fillRef>
+          <a:effectRef idx="0">
+            <a:schemeClr val="accent1"/>
+          </a:effectRef>
+          <a:fontRef idx="minor">
+            <a:schemeClr val="lt1"/>
+          </a:fontRef>
+        </p:style>
+        <p:txBody>
+          <a:bodyPr rtlCol="0" anchor="ctr"/>
+          <a:lstStyle/>
+          <a:p>
+            <a:pPr algn="ctr"/>
+            <a:endParaRPr lang="fr-FR" sz="2800"/>
+          </a:p>
+        </p:txBody>
+      </p:sp>
+      <p:sp>
+        <p:nvSpPr>
+          <p:cNvPr id="15" name="Rectangle 14"/>
+          <p:cNvSpPr/>
+          <p:nvPr/>
+        </p:nvSpPr>
+        <p:spPr>
+          <a:xfrm>
+            <a:off x="561599" y="6513972"/>
+            <a:ext cx="1026423" cy="260756"/>
+          </a:xfrm>
+          <a:prstGeom prst="rect">
+            <a:avLst/>
+          </a:prstGeom>
+          <a:noFill/>
+          <a:ln>
+            <a:solidFill>
+              <a:srgbClr val="FF0000"/>
+            </a:solidFill>
+          </a:ln>
+        </p:spPr>
+        <p:style>
+          <a:lnRef idx="2">
+            <a:schemeClr val="accent1">
+              <a:shade val="50000"/>
+            </a:schemeClr>
+          </a:lnRef>
+          <a:fillRef idx="1">
+            <a:schemeClr val="accent1"/>
+          </a:fillRef>
+          <a:effectRef idx="0">
+            <a:schemeClr val="accent1"/>
+          </a:effectRef>
+          <a:fontRef idx="minor">
+            <a:schemeClr val="lt1"/>
+          </a:fontRef>
+        </p:style>
+        <p:txBody>
+          <a:bodyPr rtlCol="0" anchor="ctr"/>
+          <a:lstStyle/>
+          <a:p>
+            <a:pPr algn="ctr"/>
+            <a:endParaRPr lang="fr-FR" sz="2800"/>
+          </a:p>
+        </p:txBody>
+      </p:sp>
+      <p:sp>
+        <p:nvSpPr>
+          <p:cNvPr id="16" name="ZoneTexte 15"/>
+          <p:cNvSpPr txBox="1"/>
+          <p:nvPr/>
+        </p:nvSpPr>
+        <p:spPr>
+          <a:xfrm>
+            <a:off x="476672" y="7956376"/>
+            <a:ext cx="5936332" cy="1631216"/>
+          </a:xfrm>
+          <a:prstGeom prst="rect">
+            <a:avLst/>
+          </a:prstGeom>
+          <a:noFill/>
+        </p:spPr>
+        <p:txBody>
+          <a:bodyPr wrap="square" rtlCol="0">
+            <a:spAutoFit/>
+          </a:bodyPr>
+          <a:lstStyle/>
+          <a:p>
+            <a:r>
               <a:rPr lang="fr-FR" dirty="0"/>
-              <a:t>gauche de celle-ci. </a:t>
-            </a:r>
-            <a:r>
-              <a:rPr lang="fr-FR" dirty="0"/>
-              <a:t>Vous pouvez supprimer une réponse en cliquant sur la croix</a:t>
+              <a:t>gauche de celle-ci. Vous pouvez supprimer une réponse en cliquant sur la croix</a:t>
             </a:r>
             <a:r>
               <a:rPr lang="fr-FR" dirty="0" smtClean="0"/>
@@ -11358,6 +12340,242 @@
           </a:p>
           <a:p>
             <a:endParaRPr lang="fr-FR" sz="2800" dirty="0"/>
+          </a:p>
+        </p:txBody>
+      </p:sp>
+      <p:sp>
+        <p:nvSpPr>
+          <p:cNvPr id="24" name="ZoneTexte 23"/>
+          <p:cNvSpPr txBox="1"/>
+          <p:nvPr/>
+        </p:nvSpPr>
+        <p:spPr>
+          <a:xfrm>
+            <a:off x="1042638" y="6772418"/>
+            <a:ext cx="256802" cy="261610"/>
+          </a:xfrm>
+          <a:prstGeom prst="rect">
+            <a:avLst/>
+          </a:prstGeom>
+          <a:noFill/>
+        </p:spPr>
+        <p:txBody>
+          <a:bodyPr wrap="none" rtlCol="0">
+            <a:spAutoFit/>
+          </a:bodyPr>
+          <a:lstStyle/>
+          <a:p>
+            <a:r>
+              <a:rPr lang="fr-FR" sz="1100" dirty="0" smtClean="0">
+                <a:solidFill>
+                  <a:srgbClr val="FF0000"/>
+                </a:solidFill>
+              </a:rPr>
+              <a:t>1</a:t>
+            </a:r>
+            <a:endParaRPr lang="fr-FR" sz="1100" dirty="0">
+              <a:solidFill>
+                <a:srgbClr val="FF0000"/>
+              </a:solidFill>
+            </a:endParaRPr>
+          </a:p>
+        </p:txBody>
+      </p:sp>
+      <p:sp>
+        <p:nvSpPr>
+          <p:cNvPr id="27" name="ZoneTexte 26"/>
+          <p:cNvSpPr txBox="1"/>
+          <p:nvPr/>
+        </p:nvSpPr>
+        <p:spPr>
+          <a:xfrm>
+            <a:off x="2674985" y="6772418"/>
+            <a:ext cx="256802" cy="261610"/>
+          </a:xfrm>
+          <a:prstGeom prst="rect">
+            <a:avLst/>
+          </a:prstGeom>
+          <a:noFill/>
+        </p:spPr>
+        <p:txBody>
+          <a:bodyPr wrap="none" rtlCol="0">
+            <a:spAutoFit/>
+          </a:bodyPr>
+          <a:lstStyle/>
+          <a:p>
+            <a:r>
+              <a:rPr lang="fr-FR" sz="1100" dirty="0" smtClean="0">
+                <a:solidFill>
+                  <a:srgbClr val="FF0000"/>
+                </a:solidFill>
+              </a:rPr>
+              <a:t>2</a:t>
+            </a:r>
+            <a:endParaRPr lang="fr-FR" sz="1100" dirty="0">
+              <a:solidFill>
+                <a:srgbClr val="FF0000"/>
+              </a:solidFill>
+            </a:endParaRPr>
+          </a:p>
+        </p:txBody>
+      </p:sp>
+      <p:sp>
+        <p:nvSpPr>
+          <p:cNvPr id="31" name="ZoneTexte 30"/>
+          <p:cNvSpPr txBox="1"/>
+          <p:nvPr/>
+        </p:nvSpPr>
+        <p:spPr>
+          <a:xfrm>
+            <a:off x="2784059" y="7300481"/>
+            <a:ext cx="256802" cy="261610"/>
+          </a:xfrm>
+          <a:prstGeom prst="rect">
+            <a:avLst/>
+          </a:prstGeom>
+          <a:noFill/>
+        </p:spPr>
+        <p:txBody>
+          <a:bodyPr wrap="none" rtlCol="0">
+            <a:spAutoFit/>
+          </a:bodyPr>
+          <a:lstStyle/>
+          <a:p>
+            <a:r>
+              <a:rPr lang="fr-FR" sz="1100" dirty="0" smtClean="0">
+                <a:solidFill>
+                  <a:srgbClr val="FF0000"/>
+                </a:solidFill>
+              </a:rPr>
+              <a:t>3</a:t>
+            </a:r>
+            <a:endParaRPr lang="fr-FR" sz="1100" dirty="0">
+              <a:solidFill>
+                <a:srgbClr val="FF0000"/>
+              </a:solidFill>
+            </a:endParaRPr>
+          </a:p>
+        </p:txBody>
+      </p:sp>
+      <p:sp>
+        <p:nvSpPr>
+          <p:cNvPr id="2" name="Rectangle 1"/>
+          <p:cNvSpPr/>
+          <p:nvPr/>
+        </p:nvSpPr>
+        <p:spPr>
+          <a:xfrm>
+            <a:off x="3114000" y="7343162"/>
+            <a:ext cx="433387" cy="130805"/>
+          </a:xfrm>
+          <a:prstGeom prst="rect">
+            <a:avLst/>
+          </a:prstGeom>
+          <a:noFill/>
+          <a:ln>
+            <a:solidFill>
+              <a:srgbClr val="FF0000"/>
+            </a:solidFill>
+          </a:ln>
+        </p:spPr>
+        <p:style>
+          <a:lnRef idx="2">
+            <a:schemeClr val="accent1">
+              <a:shade val="50000"/>
+            </a:schemeClr>
+          </a:lnRef>
+          <a:fillRef idx="1">
+            <a:schemeClr val="accent1"/>
+          </a:fillRef>
+          <a:effectRef idx="0">
+            <a:schemeClr val="accent1"/>
+          </a:effectRef>
+          <a:fontRef idx="minor">
+            <a:schemeClr val="lt1"/>
+          </a:fontRef>
+        </p:style>
+        <p:txBody>
+          <a:bodyPr rtlCol="0" anchor="ctr"/>
+          <a:lstStyle/>
+          <a:p>
+            <a:pPr algn="ctr"/>
+            <a:endParaRPr lang="fr-FR" sz="2800"/>
+          </a:p>
+        </p:txBody>
+      </p:sp>
+      <p:sp>
+        <p:nvSpPr>
+          <p:cNvPr id="32" name="ZoneTexte 31"/>
+          <p:cNvSpPr txBox="1"/>
+          <p:nvPr/>
+        </p:nvSpPr>
+        <p:spPr>
+          <a:xfrm>
+            <a:off x="2185950" y="2838349"/>
+            <a:ext cx="256802" cy="261610"/>
+          </a:xfrm>
+          <a:prstGeom prst="rect">
+            <a:avLst/>
+          </a:prstGeom>
+          <a:noFill/>
+        </p:spPr>
+        <p:txBody>
+          <a:bodyPr wrap="none" rtlCol="0">
+            <a:spAutoFit/>
+          </a:bodyPr>
+          <a:lstStyle/>
+          <a:p>
+            <a:r>
+              <a:rPr lang="fr-FR" sz="1100" dirty="0" smtClean="0">
+                <a:solidFill>
+                  <a:srgbClr val="FF0000"/>
+                </a:solidFill>
+              </a:rPr>
+              <a:t>1</a:t>
+            </a:r>
+            <a:endParaRPr lang="fr-FR" sz="1100" dirty="0">
+              <a:solidFill>
+                <a:srgbClr val="FF0000"/>
+              </a:solidFill>
+            </a:endParaRPr>
+          </a:p>
+        </p:txBody>
+      </p:sp>
+      <p:sp>
+        <p:nvSpPr>
+          <p:cNvPr id="34" name="ZoneTexte 33"/>
+          <p:cNvSpPr txBox="1"/>
+          <p:nvPr/>
+        </p:nvSpPr>
+        <p:spPr>
+          <a:xfrm>
+            <a:off x="3061263" y="3302206"/>
+            <a:ext cx="256802" cy="261610"/>
+          </a:xfrm>
+          <a:prstGeom prst="rect">
+            <a:avLst/>
+          </a:prstGeom>
+          <a:noFill/>
+        </p:spPr>
+        <p:txBody>
+          <a:bodyPr wrap="none" rtlCol="0">
+            <a:spAutoFit/>
+          </a:bodyPr>
+          <a:lstStyle/>
+          <a:p>
+            <a:r>
+              <a:rPr lang="fr-FR" sz="1100" dirty="0" smtClean="0">
+                <a:solidFill>
+                  <a:srgbClr val="FF0000"/>
+                </a:solidFill>
+              </a:rPr>
+              <a:t>2</a:t>
+            </a:r>
+            <a:endParaRPr lang="fr-FR" sz="1100" dirty="0">
+              <a:solidFill>
+                <a:srgbClr val="FF0000"/>
+              </a:solidFill>
+            </a:endParaRPr>
           </a:p>
         </p:txBody>
       </p:sp>
@@ -11746,4 +12964,289 @@
   </a:objectDefaults>
   <a:extraClrSchemeLst/>
 </a:theme>
+</file>
+
+<file path=ppt/theme/theme2.xml><?xml version="1.0" encoding="utf-8"?>
+<a:theme xmlns:a="http://schemas.openxmlformats.org/drawingml/2006/main" name="Thème Office">
+  <a:themeElements>
+    <a:clrScheme name="Office">
+      <a:dk1>
+        <a:sysClr val="windowText" lastClr="000000"/>
+      </a:dk1>
+      <a:lt1>
+        <a:sysClr val="window" lastClr="FFFFFF"/>
+      </a:lt1>
+      <a:dk2>
+        <a:srgbClr val="1F497D"/>
+      </a:dk2>
+      <a:lt2>
+        <a:srgbClr val="EEECE1"/>
+      </a:lt2>
+      <a:accent1>
+        <a:srgbClr val="4F81BD"/>
+      </a:accent1>
+      <a:accent2>
+        <a:srgbClr val="C0504D"/>
+      </a:accent2>
+      <a:accent3>
+        <a:srgbClr val="9BBB59"/>
+      </a:accent3>
+      <a:accent4>
+        <a:srgbClr val="8064A2"/>
+      </a:accent4>
+      <a:accent5>
+        <a:srgbClr val="4BACC6"/>
+      </a:accent5>
+      <a:accent6>
+        <a:srgbClr val="F79646"/>
+      </a:accent6>
+      <a:hlink>
+        <a:srgbClr val="0000FF"/>
+      </a:hlink>
+      <a:folHlink>
+        <a:srgbClr val="800080"/>
+      </a:folHlink>
+    </a:clrScheme>
+    <a:fontScheme name="Office">
+      <a:majorFont>
+        <a:latin typeface="Calibri"/>
+        <a:ea typeface=""/>
+        <a:cs typeface=""/>
+        <a:font script="Jpan" typeface="ＭＳ Ｐゴシック"/>
+        <a:font script="Hang" typeface="맑은 고딕"/>
+        <a:font script="Hans" typeface="宋体"/>
+        <a:font script="Hant" typeface="新細明體"/>
+        <a:font script="Arab" typeface="Times New Roman"/>
+        <a:font script="Hebr" typeface="Times New Roman"/>
+        <a:font script="Thai" typeface="Angsana New"/>
+        <a:font script="Ethi" typeface="Nyala"/>
+        <a:font script="Beng" typeface="Vrinda"/>
+        <a:font script="Gujr" typeface="Shruti"/>
+        <a:font script="Khmr" typeface="MoolBoran"/>
+        <a:font script="Knda" typeface="Tunga"/>
+        <a:font script="Guru" typeface="Raavi"/>
+        <a:font script="Cans" typeface="Euphemia"/>
+        <a:font script="Cher" typeface="Plantagenet Cherokee"/>
+        <a:font script="Yiii" typeface="Microsoft Yi Baiti"/>
+        <a:font script="Tibt" typeface="Microsoft Himalaya"/>
+        <a:font script="Thaa" typeface="MV Boli"/>
+        <a:font script="Deva" typeface="Mangal"/>
+        <a:font script="Telu" typeface="Gautami"/>
+        <a:font script="Taml" typeface="Latha"/>
+        <a:font script="Syrc" typeface="Estrangelo Edessa"/>
+        <a:font script="Orya" typeface="Kalinga"/>
+        <a:font script="Mlym" typeface="Kartika"/>
+        <a:font script="Laoo" typeface="DokChampa"/>
+        <a:font script="Sinh" typeface="Iskoola Pota"/>
+        <a:font script="Mong" typeface="Mongolian Baiti"/>
+        <a:font script="Viet" typeface="Times New Roman"/>
+        <a:font script="Uigh" typeface="Microsoft Uighur"/>
+        <a:font script="Geor" typeface="Sylfaen"/>
+      </a:majorFont>
+      <a:minorFont>
+        <a:latin typeface="Calibri"/>
+        <a:ea typeface=""/>
+        <a:cs typeface=""/>
+        <a:font script="Jpan" typeface="ＭＳ Ｐゴシック"/>
+        <a:font script="Hang" typeface="맑은 고딕"/>
+        <a:font script="Hans" typeface="宋体"/>
+        <a:font script="Hant" typeface="新細明體"/>
+        <a:font script="Arab" typeface="Arial"/>
+        <a:font script="Hebr" typeface="Arial"/>
+        <a:font script="Thai" typeface="Cordia New"/>
+        <a:font script="Ethi" typeface="Nyala"/>
+        <a:font script="Beng" typeface="Vrinda"/>
+        <a:font script="Gujr" typeface="Shruti"/>
+        <a:font script="Khmr" typeface="DaunPenh"/>
+        <a:font script="Knda" typeface="Tunga"/>
+        <a:font script="Guru" typeface="Raavi"/>
+        <a:font script="Cans" typeface="Euphemia"/>
+        <a:font script="Cher" typeface="Plantagenet Cherokee"/>
+        <a:font script="Yiii" typeface="Microsoft Yi Baiti"/>
+        <a:font script="Tibt" typeface="Microsoft Himalaya"/>
+        <a:font script="Thaa" typeface="MV Boli"/>
+        <a:font script="Deva" typeface="Mangal"/>
+        <a:font script="Telu" typeface="Gautami"/>
+        <a:font script="Taml" typeface="Latha"/>
+        <a:font script="Syrc" typeface="Estrangelo Edessa"/>
+        <a:font script="Orya" typeface="Kalinga"/>
+        <a:font script="Mlym" typeface="Kartika"/>
+        <a:font script="Laoo" typeface="DokChampa"/>
+        <a:font script="Sinh" typeface="Iskoola Pota"/>
+        <a:font script="Mong" typeface="Mongolian Baiti"/>
+        <a:font script="Viet" typeface="Arial"/>
+        <a:font script="Uigh" typeface="Microsoft Uighur"/>
+        <a:font script="Geor" typeface="Sylfaen"/>
+      </a:minorFont>
+    </a:fontScheme>
+    <a:fmtScheme name="Office">
+      <a:fillStyleLst>
+        <a:solidFill>
+          <a:schemeClr val="phClr"/>
+        </a:solidFill>
+        <a:gradFill rotWithShape="1">
+          <a:gsLst>
+            <a:gs pos="0">
+              <a:schemeClr val="phClr">
+                <a:tint val="50000"/>
+                <a:satMod val="300000"/>
+              </a:schemeClr>
+            </a:gs>
+            <a:gs pos="35000">
+              <a:schemeClr val="phClr">
+                <a:tint val="37000"/>
+                <a:satMod val="300000"/>
+              </a:schemeClr>
+            </a:gs>
+            <a:gs pos="100000">
+              <a:schemeClr val="phClr">
+                <a:tint val="15000"/>
+                <a:satMod val="350000"/>
+              </a:schemeClr>
+            </a:gs>
+          </a:gsLst>
+          <a:lin ang="16200000" scaled="1"/>
+        </a:gradFill>
+        <a:gradFill rotWithShape="1">
+          <a:gsLst>
+            <a:gs pos="0">
+              <a:schemeClr val="phClr">
+                <a:shade val="51000"/>
+                <a:satMod val="130000"/>
+              </a:schemeClr>
+            </a:gs>
+            <a:gs pos="80000">
+              <a:schemeClr val="phClr">
+                <a:shade val="93000"/>
+                <a:satMod val="130000"/>
+              </a:schemeClr>
+            </a:gs>
+            <a:gs pos="100000">
+              <a:schemeClr val="phClr">
+                <a:shade val="94000"/>
+                <a:satMod val="135000"/>
+              </a:schemeClr>
+            </a:gs>
+          </a:gsLst>
+          <a:lin ang="16200000" scaled="0"/>
+        </a:gradFill>
+      </a:fillStyleLst>
+      <a:lnStyleLst>
+        <a:ln w="9525" cap="flat" cmpd="sng" algn="ctr">
+          <a:solidFill>
+            <a:schemeClr val="phClr">
+              <a:shade val="95000"/>
+              <a:satMod val="105000"/>
+            </a:schemeClr>
+          </a:solidFill>
+          <a:prstDash val="solid"/>
+        </a:ln>
+        <a:ln w="25400" cap="flat" cmpd="sng" algn="ctr">
+          <a:solidFill>
+            <a:schemeClr val="phClr"/>
+          </a:solidFill>
+          <a:prstDash val="solid"/>
+        </a:ln>
+        <a:ln w="38100" cap="flat" cmpd="sng" algn="ctr">
+          <a:solidFill>
+            <a:schemeClr val="phClr"/>
+          </a:solidFill>
+          <a:prstDash val="solid"/>
+        </a:ln>
+      </a:lnStyleLst>
+      <a:effectStyleLst>
+        <a:effectStyle>
+          <a:effectLst>
+            <a:outerShdw blurRad="40000" dist="20000" dir="5400000" rotWithShape="0">
+              <a:srgbClr val="000000">
+                <a:alpha val="38000"/>
+              </a:srgbClr>
+            </a:outerShdw>
+          </a:effectLst>
+        </a:effectStyle>
+        <a:effectStyle>
+          <a:effectLst>
+            <a:outerShdw blurRad="40000" dist="23000" dir="5400000" rotWithShape="0">
+              <a:srgbClr val="000000">
+                <a:alpha val="35000"/>
+              </a:srgbClr>
+            </a:outerShdw>
+          </a:effectLst>
+        </a:effectStyle>
+        <a:effectStyle>
+          <a:effectLst>
+            <a:outerShdw blurRad="40000" dist="23000" dir="5400000" rotWithShape="0">
+              <a:srgbClr val="000000">
+                <a:alpha val="35000"/>
+              </a:srgbClr>
+            </a:outerShdw>
+          </a:effectLst>
+          <a:scene3d>
+            <a:camera prst="orthographicFront">
+              <a:rot lat="0" lon="0" rev="0"/>
+            </a:camera>
+            <a:lightRig rig="threePt" dir="t">
+              <a:rot lat="0" lon="0" rev="1200000"/>
+            </a:lightRig>
+          </a:scene3d>
+          <a:sp3d>
+            <a:bevelT w="63500" h="25400"/>
+          </a:sp3d>
+        </a:effectStyle>
+      </a:effectStyleLst>
+      <a:bgFillStyleLst>
+        <a:solidFill>
+          <a:schemeClr val="phClr"/>
+        </a:solidFill>
+        <a:gradFill rotWithShape="1">
+          <a:gsLst>
+            <a:gs pos="0">
+              <a:schemeClr val="phClr">
+                <a:tint val="40000"/>
+                <a:satMod val="350000"/>
+              </a:schemeClr>
+            </a:gs>
+            <a:gs pos="40000">
+              <a:schemeClr val="phClr">
+                <a:tint val="45000"/>
+                <a:shade val="99000"/>
+                <a:satMod val="350000"/>
+              </a:schemeClr>
+            </a:gs>
+            <a:gs pos="100000">
+              <a:schemeClr val="phClr">
+                <a:shade val="20000"/>
+                <a:satMod val="255000"/>
+              </a:schemeClr>
+            </a:gs>
+          </a:gsLst>
+          <a:path path="circle">
+            <a:fillToRect l="50000" t="-80000" r="50000" b="180000"/>
+          </a:path>
+        </a:gradFill>
+        <a:gradFill rotWithShape="1">
+          <a:gsLst>
+            <a:gs pos="0">
+              <a:schemeClr val="phClr">
+                <a:tint val="80000"/>
+                <a:satMod val="300000"/>
+              </a:schemeClr>
+            </a:gs>
+            <a:gs pos="100000">
+              <a:schemeClr val="phClr">
+                <a:shade val="30000"/>
+                <a:satMod val="200000"/>
+              </a:schemeClr>
+            </a:gs>
+          </a:gsLst>
+          <a:path path="circle">
+            <a:fillToRect l="50000" t="50000" r="50000" b="50000"/>
+          </a:path>
+        </a:gradFill>
+      </a:bgFillStyleLst>
+    </a:fmtScheme>
+  </a:themeElements>
+  <a:objectDefaults/>
+  <a:extraClrSchemeLst/>
+</a:theme>
 </file>
--- a/Docs/manuel utilisateur WQ.pptx
+++ b/Docs/manuel utilisateur WQ.pptx
@@ -115,6 +115,22 @@
       </a:defRPr>
     </a:lvl9pPr>
   </p:defaultTextStyle>
+  <p:extLst>
+    <p:ext uri="{EFAFB233-063F-42B5-8137-9DF3F51BA10A}">
+      <p15:sldGuideLst xmlns:p15="http://schemas.microsoft.com/office/powerpoint/2012/main">
+        <p15:guide id="1" orient="horz" pos="2880">
+          <p15:clr>
+            <a:srgbClr val="A4A3A4"/>
+          </p15:clr>
+        </p15:guide>
+        <p15:guide id="2" pos="2160">
+          <p15:clr>
+            <a:srgbClr val="A4A3A4"/>
+          </p15:clr>
+        </p15:guide>
+      </p15:sldGuideLst>
+    </p:ext>
+  </p:extLst>
 </p:presentation>
 </file>
 
@@ -200,7 +216,7 @@
           <a:p>
             <a:fld id="{D46F5D7E-4940-462E-9A8F-F4473C2CBC40}" type="datetimeFigureOut">
               <a:rPr lang="fr-FR" smtClean="0"/>
-              <a:t>18/05/2014</a:t>
+              <a:t>19/05/2014</a:t>
             </a:fld>
             <a:endParaRPr lang="fr-FR"/>
           </a:p>
@@ -1224,7 +1240,7 @@
           <a:p>
             <a:fld id="{3129A72F-686B-4727-899E-1B6AF7604176}" type="datetimeFigureOut">
               <a:rPr lang="fr-FR" smtClean="0"/>
-              <a:t>18/05/2014</a:t>
+              <a:t>19/05/2014</a:t>
             </a:fld>
             <a:endParaRPr lang="fr-FR"/>
           </a:p>
@@ -1429,7 +1445,7 @@
           <a:p>
             <a:fld id="{3129A72F-686B-4727-899E-1B6AF7604176}" type="datetimeFigureOut">
               <a:rPr lang="fr-FR" smtClean="0"/>
-              <a:t>18/05/2014</a:t>
+              <a:t>19/05/2014</a:t>
             </a:fld>
             <a:endParaRPr lang="fr-FR"/>
           </a:p>
@@ -1644,7 +1660,7 @@
           <a:p>
             <a:fld id="{3129A72F-686B-4727-899E-1B6AF7604176}" type="datetimeFigureOut">
               <a:rPr lang="fr-FR" smtClean="0"/>
-              <a:t>18/05/2014</a:t>
+              <a:t>19/05/2014</a:t>
             </a:fld>
             <a:endParaRPr lang="fr-FR"/>
           </a:p>
@@ -1849,7 +1865,7 @@
           <a:p>
             <a:fld id="{3129A72F-686B-4727-899E-1B6AF7604176}" type="datetimeFigureOut">
               <a:rPr lang="fr-FR" smtClean="0"/>
-              <a:t>18/05/2014</a:t>
+              <a:t>19/05/2014</a:t>
             </a:fld>
             <a:endParaRPr lang="fr-FR"/>
           </a:p>
@@ -2119,7 +2135,7 @@
           <a:p>
             <a:fld id="{3129A72F-686B-4727-899E-1B6AF7604176}" type="datetimeFigureOut">
               <a:rPr lang="fr-FR" smtClean="0"/>
-              <a:t>18/05/2014</a:t>
+              <a:t>19/05/2014</a:t>
             </a:fld>
             <a:endParaRPr lang="fr-FR"/>
           </a:p>
@@ -2604,7 +2620,7 @@
           <a:p>
             <a:fld id="{3129A72F-686B-4727-899E-1B6AF7604176}" type="datetimeFigureOut">
               <a:rPr lang="fr-FR" smtClean="0"/>
-              <a:t>18/05/2014</a:t>
+              <a:t>19/05/2014</a:t>
             </a:fld>
             <a:endParaRPr lang="fr-FR"/>
           </a:p>
@@ -3072,7 +3088,7 @@
           <a:p>
             <a:fld id="{3129A72F-686B-4727-899E-1B6AF7604176}" type="datetimeFigureOut">
               <a:rPr lang="fr-FR" smtClean="0"/>
-              <a:t>18/05/2014</a:t>
+              <a:t>19/05/2014</a:t>
             </a:fld>
             <a:endParaRPr lang="fr-FR"/>
           </a:p>
@@ -3209,7 +3225,7 @@
           <a:p>
             <a:fld id="{3129A72F-686B-4727-899E-1B6AF7604176}" type="datetimeFigureOut">
               <a:rPr lang="fr-FR" smtClean="0"/>
-              <a:t>18/05/2014</a:t>
+              <a:t>19/05/2014</a:t>
             </a:fld>
             <a:endParaRPr lang="fr-FR"/>
           </a:p>
@@ -3323,7 +3339,7 @@
           <a:p>
             <a:fld id="{3129A72F-686B-4727-899E-1B6AF7604176}" type="datetimeFigureOut">
               <a:rPr lang="fr-FR" smtClean="0"/>
-              <a:t>18/05/2014</a:t>
+              <a:t>19/05/2014</a:t>
             </a:fld>
             <a:endParaRPr lang="fr-FR"/>
           </a:p>
@@ -3629,7 +3645,7 @@
           <a:p>
             <a:fld id="{3129A72F-686B-4727-899E-1B6AF7604176}" type="datetimeFigureOut">
               <a:rPr lang="fr-FR" smtClean="0"/>
-              <a:t>18/05/2014</a:t>
+              <a:t>19/05/2014</a:t>
             </a:fld>
             <a:endParaRPr lang="fr-FR"/>
           </a:p>
@@ -3924,7 +3940,7 @@
           <a:p>
             <a:fld id="{3129A72F-686B-4727-899E-1B6AF7604176}" type="datetimeFigureOut">
               <a:rPr lang="fr-FR" smtClean="0"/>
-              <a:t>18/05/2014</a:t>
+              <a:t>19/05/2014</a:t>
             </a:fld>
             <a:endParaRPr lang="fr-FR"/>
           </a:p>
@@ -4553,7 +4569,7 @@
           <a:p>
             <a:fld id="{3129A72F-686B-4727-899E-1B6AF7604176}" type="datetimeFigureOut">
               <a:rPr lang="fr-FR" smtClean="0"/>
-              <a:t>18/05/2014</a:t>
+              <a:t>19/05/2014</a:t>
             </a:fld>
             <a:endParaRPr lang="fr-FR"/>
           </a:p>
@@ -5685,8 +5701,8 @@
         </p:nvSpPr>
         <p:spPr bwMode="auto">
           <a:xfrm>
-            <a:off x="3645024" y="5580112"/>
-            <a:ext cx="3190920" cy="1754326"/>
+            <a:off x="3645024" y="5441613"/>
+            <a:ext cx="3190920" cy="2031325"/>
           </a:xfrm>
           <a:prstGeom prst="rect">
             <a:avLst/>
@@ -5832,79 +5848,23 @@
                 <a:ea typeface="Calibri" pitchFamily="34" charset="0"/>
                 <a:cs typeface="Times New Roman" pitchFamily="18" charset="0"/>
               </a:rPr>
-              <a:t> afin d’enregistrer votre compte.</a:t>
-            </a:r>
-            <a:endParaRPr kumimoji="0" lang="fr-FR" altLang="fr-FR" b="0" i="0" u="none" strike="noStrike" cap="none" normalizeH="0" baseline="0" dirty="0" smtClean="0">
-              <a:ln>
-                <a:noFill/>
-              </a:ln>
-              <a:solidFill>
-                <a:schemeClr val="tx1"/>
-              </a:solidFill>
-              <a:effectLst/>
-              <a:cs typeface="Arial" pitchFamily="34" charset="0"/>
-            </a:endParaRPr>
-          </a:p>
-        </p:txBody>
-      </p:sp>
-      <p:sp>
-        <p:nvSpPr>
-          <p:cNvPr id="11" name="Rectangle 5"/>
-          <p:cNvSpPr>
-            <a:spLocks noChangeArrowheads="1"/>
-          </p:cNvSpPr>
-          <p:nvPr/>
-        </p:nvSpPr>
-        <p:spPr bwMode="auto">
-          <a:xfrm>
-            <a:off x="3645024" y="7404119"/>
-            <a:ext cx="2910457" cy="1200329"/>
-          </a:xfrm>
-          <a:prstGeom prst="rect">
-            <a:avLst/>
-          </a:prstGeom>
-          <a:noFill/>
-          <a:ln>
-            <a:noFill/>
-          </a:ln>
-          <a:effectLst/>
-          <a:extLst>
-            <a:ext uri="{909E8E84-426E-40DD-AFC4-6F175D3DCCD1}">
-              <a14:hiddenFill xmlns:a14="http://schemas.microsoft.com/office/drawing/2010/main">
-                <a:solidFill>
-                  <a:schemeClr val="accent1"/>
-                </a:solidFill>
-              </a14:hiddenFill>
-            </a:ext>
-            <a:ext uri="{91240B29-F687-4F45-9708-019B960494DF}">
-              <a14:hiddenLine xmlns:a14="http://schemas.microsoft.com/office/drawing/2010/main" w="9525">
+              <a:t> afin d’enregistrer votre compte</a:t>
+            </a:r>
+            <a:r>
+              <a:rPr kumimoji="0" lang="fr-FR" altLang="fr-FR" b="0" i="0" u="none" strike="noStrike" cap="none" normalizeH="0" baseline="0" dirty="0" smtClean="0">
+                <a:ln>
+                  <a:noFill/>
+                </a:ln>
                 <a:solidFill>
                   <a:schemeClr val="tx1"/>
                 </a:solidFill>
-                <a:miter lim="800000"/>
-                <a:headEnd/>
-                <a:tailEnd/>
-              </a14:hiddenLine>
-            </a:ext>
-            <a:ext uri="{AF507438-7753-43E0-B8FC-AC1667EBCBE1}">
-              <a14:hiddenEffects xmlns:a14="http://schemas.microsoft.com/office/drawing/2010/main">
-                <a:effectLst>
-                  <a:outerShdw dist="35921" dir="2700000" algn="ctr" rotWithShape="0">
-                    <a:schemeClr val="bg2"/>
-                  </a:outerShdw>
-                </a:effectLst>
-              </a14:hiddenEffects>
-            </a:ext>
-          </a:extLst>
-        </p:spPr>
-        <p:txBody>
-          <a:bodyPr vert="horz" wrap="square" lIns="91440" tIns="45720" rIns="91440" bIns="45720" numCol="1" anchor="ctr" anchorCtr="0" compatLnSpc="1">
-            <a:prstTxWarp prst="textNoShape">
-              <a:avLst/>
-            </a:prstTxWarp>
-            <a:spAutoFit/>
-          </a:bodyPr>
-          <a:lstStyle/>
+                <a:effectLst/>
+                <a:ea typeface="Calibri" pitchFamily="34" charset="0"/>
+                <a:cs typeface="Times New Roman" pitchFamily="18" charset="0"/>
+              </a:rPr>
+              <a:t>.</a:t>
+            </a:r>
+          </a:p>
           <a:p>
             <a:pPr marL="0" marR="0" lvl="0" indent="0" algn="l" defTabSz="914400" rtl="0" eaLnBrk="0" fontAlgn="base" latinLnBrk="0" hangingPunct="0">
               <a:lnSpc>
@@ -5922,6 +5882,94 @@
               <a:buNone/>
               <a:tabLst/>
             </a:pPr>
+            <a:endParaRPr kumimoji="0" lang="fr-FR" altLang="fr-FR" b="0" i="0" u="none" strike="noStrike" cap="none" normalizeH="0" baseline="0" dirty="0" smtClean="0">
+              <a:ln>
+                <a:noFill/>
+              </a:ln>
+              <a:solidFill>
+                <a:schemeClr val="tx1"/>
+              </a:solidFill>
+              <a:effectLst/>
+              <a:cs typeface="Arial" pitchFamily="34" charset="0"/>
+            </a:endParaRPr>
+          </a:p>
+        </p:txBody>
+      </p:sp>
+      <p:sp>
+        <p:nvSpPr>
+          <p:cNvPr id="11" name="Rectangle 5"/>
+          <p:cNvSpPr>
+            <a:spLocks noChangeArrowheads="1"/>
+          </p:cNvSpPr>
+          <p:nvPr/>
+        </p:nvSpPr>
+        <p:spPr bwMode="auto">
+          <a:xfrm>
+            <a:off x="3645024" y="7127121"/>
+            <a:ext cx="2910457" cy="1754326"/>
+          </a:xfrm>
+          <a:prstGeom prst="rect">
+            <a:avLst/>
+          </a:prstGeom>
+          <a:noFill/>
+          <a:ln>
+            <a:noFill/>
+          </a:ln>
+          <a:effectLst/>
+          <a:extLst>
+            <a:ext uri="{909E8E84-426E-40DD-AFC4-6F175D3DCCD1}">
+              <a14:hiddenFill xmlns:a14="http://schemas.microsoft.com/office/drawing/2010/main">
+                <a:solidFill>
+                  <a:schemeClr val="accent1"/>
+                </a:solidFill>
+              </a14:hiddenFill>
+            </a:ext>
+            <a:ext uri="{91240B29-F687-4F45-9708-019B960494DF}">
+              <a14:hiddenLine xmlns:a14="http://schemas.microsoft.com/office/drawing/2010/main" w="9525">
+                <a:solidFill>
+                  <a:schemeClr val="tx1"/>
+                </a:solidFill>
+                <a:miter lim="800000"/>
+                <a:headEnd/>
+                <a:tailEnd/>
+              </a14:hiddenLine>
+            </a:ext>
+            <a:ext uri="{AF507438-7753-43E0-B8FC-AC1667EBCBE1}">
+              <a14:hiddenEffects xmlns:a14="http://schemas.microsoft.com/office/drawing/2010/main">
+                <a:effectLst>
+                  <a:outerShdw dist="35921" dir="2700000" algn="ctr" rotWithShape="0">
+                    <a:schemeClr val="bg2"/>
+                  </a:outerShdw>
+                </a:effectLst>
+              </a14:hiddenEffects>
+            </a:ext>
+          </a:extLst>
+        </p:spPr>
+        <p:txBody>
+          <a:bodyPr vert="horz" wrap="square" lIns="91440" tIns="45720" rIns="91440" bIns="45720" numCol="1" anchor="ctr" anchorCtr="0" compatLnSpc="1">
+            <a:prstTxWarp prst="textNoShape">
+              <a:avLst/>
+            </a:prstTxWarp>
+            <a:spAutoFit/>
+          </a:bodyPr>
+          <a:lstStyle/>
+          <a:p>
+            <a:pPr marL="0" marR="0" lvl="0" indent="0" algn="l" defTabSz="914400" rtl="0" eaLnBrk="0" fontAlgn="base" latinLnBrk="0" hangingPunct="0">
+              <a:lnSpc>
+                <a:spcPct val="100000"/>
+              </a:lnSpc>
+              <a:spcBef>
+                <a:spcPct val="0"/>
+              </a:spcBef>
+              <a:spcAft>
+                <a:spcPct val="0"/>
+              </a:spcAft>
+              <a:buClrTx/>
+              <a:buSzTx/>
+              <a:buFontTx/>
+              <a:buNone/>
+              <a:tabLst/>
+            </a:pPr>
             <a:r>
               <a:rPr kumimoji="0" lang="fr-FR" altLang="fr-FR" b="0" i="0" u="none" strike="noStrike" cap="none" normalizeH="0" baseline="0" dirty="0" smtClean="0">
                 <a:ln>
@@ -5934,7 +5982,63 @@
                 <a:ea typeface="Calibri" pitchFamily="34" charset="0"/>
                 <a:cs typeface="Times New Roman" pitchFamily="18" charset="0"/>
               </a:rPr>
-              <a:t>Une fois cela fait, vous n’avez plus qu’à retourner à la page de connexion en cliquant sur </a:t>
+              <a:t>Une fois cela fait, vous n’avez plus qu’à </a:t>
+            </a:r>
+            <a:r>
+              <a:rPr kumimoji="0" lang="fr-FR" altLang="fr-FR" b="0" i="0" u="none" strike="noStrike" cap="none" normalizeH="0" baseline="0" dirty="0" smtClean="0">
+                <a:ln>
+                  <a:noFill/>
+                </a:ln>
+                <a:solidFill>
+                  <a:schemeClr val="tx1"/>
+                </a:solidFill>
+                <a:effectLst/>
+                <a:ea typeface="Calibri" pitchFamily="34" charset="0"/>
+                <a:cs typeface="Times New Roman" pitchFamily="18" charset="0"/>
+              </a:rPr>
+              <a:t>vous connecter.</a:t>
+            </a:r>
+            <a:r>
+              <a:rPr kumimoji="0" lang="fr-FR" altLang="fr-FR" b="0" i="0" u="none" strike="noStrike" cap="none" normalizeH="0" dirty="0" smtClean="0">
+                <a:ln>
+                  <a:noFill/>
+                </a:ln>
+                <a:solidFill>
+                  <a:schemeClr val="tx1"/>
+                </a:solidFill>
+                <a:effectLst/>
+                <a:ea typeface="Calibri" pitchFamily="34" charset="0"/>
+                <a:cs typeface="Times New Roman" pitchFamily="18" charset="0"/>
+              </a:rPr>
+              <a:t> Vous pouvez retourner à l’écran de connexion</a:t>
+            </a:r>
+            <a:r>
+              <a:rPr kumimoji="0" lang="fr-FR" altLang="fr-FR" b="0" i="0" u="none" strike="noStrike" cap="none" normalizeH="0" baseline="0" dirty="0" smtClean="0">
+                <a:ln>
+                  <a:noFill/>
+                </a:ln>
+                <a:solidFill>
+                  <a:schemeClr val="tx1"/>
+                </a:solidFill>
+                <a:effectLst/>
+                <a:ea typeface="Calibri" pitchFamily="34" charset="0"/>
+                <a:cs typeface="Times New Roman" pitchFamily="18" charset="0"/>
+              </a:rPr>
+              <a:t> </a:t>
+            </a:r>
+            <a:r>
+              <a:rPr kumimoji="0" lang="fr-FR" altLang="fr-FR" b="0" i="0" u="none" strike="noStrike" cap="none" normalizeH="0" baseline="0" dirty="0" smtClean="0">
+                <a:ln>
+                  <a:noFill/>
+                </a:ln>
+                <a:solidFill>
+                  <a:schemeClr val="tx1"/>
+                </a:solidFill>
+                <a:effectLst/>
+                <a:ea typeface="Calibri" pitchFamily="34" charset="0"/>
+                <a:cs typeface="Times New Roman" pitchFamily="18" charset="0"/>
+              </a:rPr>
+              <a:t>en cliquant sur </a:t>
             </a:r>
             <a:r>
               <a:rPr kumimoji="0" lang="fr-FR" altLang="fr-FR" b="1" i="0" u="none" strike="noStrike" cap="none" normalizeH="0" baseline="0" dirty="0" smtClean="0">
@@ -7193,11 +7297,7 @@
           <a:p>
             <a:r>
               <a:rPr lang="fr-FR" sz="2800" dirty="0" smtClean="0"/>
-              <a:t>II / </a:t>
-            </a:r>
-            <a:r>
-              <a:rPr lang="fr-FR" sz="2800" dirty="0" smtClean="0"/>
-              <a:t>Utilisateur</a:t>
+              <a:t>II / Utilisateur</a:t>
             </a:r>
             <a:endParaRPr lang="fr-FR" sz="2800" dirty="0"/>
           </a:p>
@@ -7435,7 +7535,7 @@
         <p:spPr>
           <a:xfrm>
             <a:off x="3653195" y="2496542"/>
-            <a:ext cx="3204805" cy="923330"/>
+            <a:ext cx="3204805" cy="1200329"/>
           </a:xfrm>
           <a:prstGeom prst="rect">
             <a:avLst/>
@@ -7450,7 +7550,35 @@
           <a:p>
             <a:r>
               <a:rPr lang="fr-FR" dirty="0" smtClean="0"/>
-              <a:t>Les crédits sont l’ensemble de l’équipe qui a contribué à la réalisation de l’application.</a:t>
+              <a:t>Les crédits </a:t>
+            </a:r>
+            <a:r>
+              <a:rPr lang="fr-FR" dirty="0" smtClean="0"/>
+              <a:t>regroupent</a:t>
+            </a:r>
+            <a:r>
+              <a:rPr lang="fr-FR" dirty="0" smtClean="0"/>
+              <a:t> </a:t>
+            </a:r>
+            <a:r>
+              <a:rPr lang="fr-FR" dirty="0" smtClean="0"/>
+              <a:t>l’ensemble </a:t>
+            </a:r>
+            <a:r>
+              <a:rPr lang="fr-FR" dirty="0" smtClean="0"/>
+              <a:t>des membres de </a:t>
+            </a:r>
+            <a:r>
+              <a:rPr lang="fr-FR" dirty="0" smtClean="0"/>
+              <a:t>l’équipe qui </a:t>
+            </a:r>
+            <a:r>
+              <a:rPr lang="fr-FR" dirty="0" smtClean="0"/>
+              <a:t>ont </a:t>
+            </a:r>
+            <a:r>
+              <a:rPr lang="fr-FR" dirty="0" smtClean="0"/>
+              <a:t>contribué à la réalisation de l’application.</a:t>
             </a:r>
           </a:p>
         </p:txBody>
@@ -7550,11 +7678,7 @@
           <a:p>
             <a:r>
               <a:rPr lang="fr-FR" sz="2800" dirty="0" smtClean="0"/>
-              <a:t>II / </a:t>
-            </a:r>
-            <a:r>
-              <a:rPr lang="fr-FR" sz="2800" dirty="0" smtClean="0"/>
-              <a:t>Utilisateur</a:t>
+              <a:t>II / Utilisateur</a:t>
             </a:r>
             <a:endParaRPr lang="fr-FR" sz="2800" dirty="0"/>
           </a:p>
@@ -8083,7 +8207,6 @@
               <a:rPr lang="fr-FR" sz="1700" dirty="0" smtClean="0"/>
               <a:t>Quand vous commencer la partie, vous avez le temps imparti pour répondre au questions et valider le quiz.</a:t>
             </a:r>
-            <a:endParaRPr lang="fr-FR" sz="1700" dirty="0" smtClean="0"/>
           </a:p>
           <a:p>
             <a:r>
@@ -8096,11 +8219,7 @@
             </a:r>
             <a:r>
               <a:rPr lang="fr-FR" sz="1700" dirty="0" smtClean="0"/>
-              <a:t> : </a:t>
-            </a:r>
-            <a:r>
-              <a:rPr lang="fr-FR" sz="1700" dirty="0" smtClean="0"/>
-              <a:t>changer de questions comme vous voulez. Si le cadre est vert c’est que vous avez répondu sinon il est gris. Le bleu signifie que vous ne</a:t>
+              <a:t> : changer de questions comme vous voulez. Si le cadre est vert c’est que vous avez répondu sinon il est gris. Le bleu signifie que vous ne</a:t>
             </a:r>
             <a:endParaRPr lang="fr-FR" sz="1700" dirty="0"/>
           </a:p>
@@ -8130,11 +8249,7 @@
           <a:p>
             <a:r>
               <a:rPr lang="fr-FR" sz="2800" dirty="0" smtClean="0"/>
-              <a:t>III </a:t>
-            </a:r>
-            <a:r>
-              <a:rPr lang="fr-FR" sz="2800" dirty="0" smtClean="0"/>
-              <a:t>/ Jouer une partie</a:t>
+              <a:t>III / Jouer une partie</a:t>
             </a:r>
             <a:endParaRPr lang="fr-FR" sz="2800" dirty="0"/>
           </a:p>
@@ -9040,8 +9155,13 @@
           <a:p>
             <a:r>
               <a:rPr lang="fr-FR" sz="1700" dirty="0"/>
-              <a:t>l’avez pas consulté.</a:t>
-            </a:r>
+              <a:t>l’avez pas consulté</a:t>
+            </a:r>
+            <a:r>
+              <a:rPr lang="fr-FR" sz="1700" dirty="0" smtClean="0"/>
+              <a:t>. Le orange indique à quelle question vous êtes.</a:t>
+            </a:r>
+            <a:endParaRPr lang="fr-FR" sz="1700" dirty="0"/>
           </a:p>
           <a:p>
             <a:r>
@@ -9134,7 +9254,7 @@
       </p:grpSpPr>
       <p:pic>
         <p:nvPicPr>
-          <p:cNvPr id="4" name="Image 3" descr="Temps Ã©coulÃ© !"/>
+          <p:cNvPr id="4" name="Image 3"/>
           <p:cNvPicPr>
             <a:picLocks noChangeAspect="1"/>
           </p:cNvPicPr>
@@ -9154,8 +9274,8 @@
         </p:blipFill>
         <p:spPr>
           <a:xfrm>
-            <a:off x="2545094" y="3262197"/>
-            <a:ext cx="1906830" cy="792275"/>
+            <a:off x="2567441" y="3262197"/>
+            <a:ext cx="1862136" cy="792275"/>
           </a:xfrm>
           <a:prstGeom prst="rect">
             <a:avLst/>
@@ -9269,7 +9389,7 @@
       </p:sp>
       <p:pic>
         <p:nvPicPr>
-          <p:cNvPr id="6" name="Image 5" descr="(&gt; o _ o )&gt;          --[__W  A  R___Q  U  I  Z__]--          &lt;[ x _ x &lt;]"/>
+          <p:cNvPr id="6" name="Image 5"/>
           <p:cNvPicPr>
             <a:picLocks noChangeAspect="1"/>
           </p:cNvPicPr>
@@ -9289,8 +9409,8 @@
         </p:blipFill>
         <p:spPr>
           <a:xfrm>
-            <a:off x="547200" y="5554800"/>
-            <a:ext cx="3107079" cy="2401200"/>
+            <a:off x="553927" y="5554800"/>
+            <a:ext cx="3093624" cy="2401200"/>
           </a:xfrm>
           <a:prstGeom prst="rect">
             <a:avLst/>
@@ -9335,7 +9455,7 @@
         </p:nvSpPr>
         <p:spPr>
           <a:xfrm>
-            <a:off x="3106800" y="7128000"/>
+            <a:off x="3116386" y="7292860"/>
             <a:ext cx="396000" cy="126000"/>
           </a:xfrm>
           <a:prstGeom prst="rect">
@@ -9381,7 +9501,7 @@
         </p:nvSpPr>
         <p:spPr>
           <a:xfrm>
-            <a:off x="1987200" y="5796000"/>
+            <a:off x="1967552" y="5826980"/>
             <a:ext cx="1238400" cy="86400"/>
           </a:xfrm>
           <a:prstGeom prst="rect">
@@ -9427,8 +9547,8 @@
         </p:nvSpPr>
         <p:spPr>
           <a:xfrm>
-            <a:off x="620688" y="6516216"/>
-            <a:ext cx="1656184" cy="1368152"/>
+            <a:off x="620688" y="6540979"/>
+            <a:ext cx="1656184" cy="1271381"/>
           </a:xfrm>
           <a:prstGeom prst="rect">
             <a:avLst/>
@@ -9511,7 +9631,7 @@
         </p:nvSpPr>
         <p:spPr>
           <a:xfrm>
-            <a:off x="3240692" y="5708395"/>
+            <a:off x="3185985" y="5743452"/>
             <a:ext cx="256802" cy="261610"/>
           </a:xfrm>
           <a:prstGeom prst="rect">
@@ -9549,7 +9669,7 @@
         </p:nvSpPr>
         <p:spPr>
           <a:xfrm>
-            <a:off x="2849998" y="7069487"/>
+            <a:off x="2859584" y="7225055"/>
             <a:ext cx="256802" cy="261610"/>
           </a:xfrm>
           <a:prstGeom prst="rect">
@@ -10228,11 +10348,7 @@
           <a:p>
             <a:r>
               <a:rPr lang="fr-FR" sz="2800" dirty="0" smtClean="0"/>
-              <a:t>IV </a:t>
-            </a:r>
-            <a:r>
-              <a:rPr lang="fr-FR" sz="2800" dirty="0" smtClean="0"/>
-              <a:t>/ Administrateur</a:t>
+              <a:t>IV / Administrateur</a:t>
             </a:r>
             <a:endParaRPr lang="fr-FR" sz="2800" dirty="0"/>
           </a:p>
@@ -10960,11 +11076,7 @@
           <a:p>
             <a:r>
               <a:rPr lang="fr-FR" sz="2800" dirty="0" smtClean="0"/>
-              <a:t>IV </a:t>
-            </a:r>
-            <a:r>
-              <a:rPr lang="fr-FR" sz="2800" dirty="0" smtClean="0"/>
-              <a:t>/ Administrateur</a:t>
+              <a:t>IV / Administrateur</a:t>
             </a:r>
             <a:endParaRPr lang="fr-FR" sz="2800" dirty="0"/>
           </a:p>
@@ -11687,11 +11799,7 @@
           <a:p>
             <a:r>
               <a:rPr lang="fr-FR" sz="2800" dirty="0" smtClean="0"/>
-              <a:t>IV </a:t>
-            </a:r>
-            <a:r>
-              <a:rPr lang="fr-FR" sz="2800" dirty="0" smtClean="0"/>
-              <a:t>/ Administrateur</a:t>
+              <a:t>IV / Administrateur</a:t>
             </a:r>
             <a:endParaRPr lang="fr-FR" sz="2800" dirty="0"/>
           </a:p>
@@ -11961,7 +12069,11 @@
             </a:r>
             <a:r>
               <a:rPr lang="fr-FR" dirty="0" smtClean="0"/>
-              <a:t>. Une fenêtre vous demandera d’entrer votre question </a:t>
+              <a:t>. </a:t>
+            </a:r>
+            <a:r>
+              <a:rPr lang="fr-FR" dirty="0" smtClean="0"/>
+              <a:t>Une fenêtre vous demandera d’entrer votre question </a:t>
             </a:r>
             <a:r>
               <a:rPr lang="fr-FR" dirty="0" smtClean="0">
@@ -11975,6 +12087,7 @@
               <a:rPr lang="fr-FR" dirty="0" smtClean="0"/>
               <a:t>.</a:t>
             </a:r>
+            <a:endParaRPr lang="fr-FR" dirty="0" smtClean="0"/>
           </a:p>
           <a:p>
             <a:r>
@@ -12142,7 +12255,7 @@
         </p:blipFill>
         <p:spPr>
           <a:xfrm>
-            <a:off x="561599" y="5580112"/>
+            <a:off x="561600" y="5573271"/>
             <a:ext cx="3091595" cy="2389232"/>
           </a:xfrm>
           <a:prstGeom prst="rect">
@@ -12351,7 +12464,7 @@
         </p:nvSpPr>
         <p:spPr>
           <a:xfrm>
-            <a:off x="1042638" y="6772418"/>
+            <a:off x="3125295" y="6930352"/>
             <a:ext cx="256802" cy="261610"/>
           </a:xfrm>
           <a:prstGeom prst="rect">
@@ -12389,7 +12502,7 @@
         </p:nvSpPr>
         <p:spPr>
           <a:xfrm>
-            <a:off x="2674985" y="6772418"/>
+            <a:off x="915536" y="6759226"/>
             <a:ext cx="256802" cy="261610"/>
           </a:xfrm>
           <a:prstGeom prst="rect">
@@ -12511,7 +12624,7 @@
         </p:nvSpPr>
         <p:spPr>
           <a:xfrm>
-            <a:off x="2185950" y="2838349"/>
+            <a:off x="3006154" y="3297332"/>
             <a:ext cx="256802" cy="261610"/>
           </a:xfrm>
           <a:prstGeom prst="rect">
@@ -12549,7 +12662,7 @@
         </p:nvSpPr>
         <p:spPr>
           <a:xfrm>
-            <a:off x="3061263" y="3302206"/>
+            <a:off x="2226711" y="2870694"/>
             <a:ext cx="256802" cy="261610"/>
           </a:xfrm>
           <a:prstGeom prst="rect">

--- a/Docs/manuel utilisateur WQ.pptx
+++ b/Docs/manuel utilisateur WQ.pptx
@@ -5,18 +5,21 @@
     <p:sldMasterId id="2147483704" r:id="rId1"/>
   </p:sldMasterIdLst>
   <p:notesMasterIdLst>
-    <p:notesMasterId r:id="rId11"/>
+    <p:notesMasterId r:id="rId14"/>
   </p:notesMasterIdLst>
   <p:sldIdLst>
     <p:sldId id="256" r:id="rId2"/>
     <p:sldId id="257" r:id="rId3"/>
     <p:sldId id="258" r:id="rId4"/>
     <p:sldId id="259" r:id="rId5"/>
-    <p:sldId id="260" r:id="rId6"/>
-    <p:sldId id="264" r:id="rId7"/>
-    <p:sldId id="261" r:id="rId8"/>
-    <p:sldId id="262" r:id="rId9"/>
-    <p:sldId id="263" r:id="rId10"/>
+    <p:sldId id="265" r:id="rId6"/>
+    <p:sldId id="260" r:id="rId7"/>
+    <p:sldId id="264" r:id="rId8"/>
+    <p:sldId id="266" r:id="rId9"/>
+    <p:sldId id="261" r:id="rId10"/>
+    <p:sldId id="262" r:id="rId11"/>
+    <p:sldId id="267" r:id="rId12"/>
+    <p:sldId id="263" r:id="rId13"/>
   </p:sldIdLst>
   <p:sldSz cx="6858000" cy="9144000" type="screen4x3"/>
   <p:notesSz cx="6858000" cy="9144000"/>
@@ -117,7 +120,7 @@
   </p:defaultTextStyle>
   <p:extLst>
     <p:ext uri="{EFAFB233-063F-42B5-8137-9DF3F51BA10A}">
-      <p15:sldGuideLst xmlns:p15="http://schemas.microsoft.com/office/powerpoint/2012/main">
+      <p15:sldGuideLst xmlns:p15="http://schemas.microsoft.com/office/powerpoint/2012/main" xmlns="">
         <p15:guide id="1" orient="horz" pos="2880">
           <p15:clr>
             <a:srgbClr val="A4A3A4"/>
@@ -5420,6 +5423,1908 @@
 </p:sld>
 </file>
 
+<file path=ppt/slides/slide10.xml><?xml version="1.0" encoding="utf-8"?>
+<p:sld xmlns:a="http://schemas.openxmlformats.org/drawingml/2006/main" xmlns:r="http://schemas.openxmlformats.org/officeDocument/2006/relationships" xmlns:p="http://schemas.openxmlformats.org/presentationml/2006/main">
+  <p:cSld>
+    <p:spTree>
+      <p:nvGrpSpPr>
+        <p:cNvPr id="1" name=""/>
+        <p:cNvGrpSpPr/>
+        <p:nvPr/>
+      </p:nvGrpSpPr>
+      <p:grpSpPr>
+        <a:xfrm>
+          <a:off x="0" y="0"/>
+          <a:ext cx="0" cy="0"/>
+          <a:chOff x="0" y="0"/>
+          <a:chExt cx="0" cy="0"/>
+        </a:xfrm>
+      </p:grpSpPr>
+      <p:pic>
+        <p:nvPicPr>
+          <p:cNvPr id="2" name="Image 1" descr="(&gt; o _ o )&gt;          --[__W  A  R___Q  U  I  Z__]--          &lt;[ x _ x &lt;]"/>
+          <p:cNvPicPr>
+            <a:picLocks noChangeAspect="1"/>
+          </p:cNvPicPr>
+          <p:nvPr/>
+        </p:nvPicPr>
+        <p:blipFill>
+          <a:blip r:embed="rId2" cstate="print">
+            <a:extLst>
+              <a:ext uri="{28A0092B-C50C-407E-A947-70E740481C1C}">
+                <a14:useLocalDpi xmlns:a14="http://schemas.microsoft.com/office/drawing/2010/main" val="0"/>
+              </a:ext>
+            </a:extLst>
+          </a:blip>
+          <a:stretch>
+            <a:fillRect/>
+          </a:stretch>
+        </p:blipFill>
+        <p:spPr>
+          <a:xfrm>
+            <a:off x="561599" y="5580112"/>
+            <a:ext cx="3109775" cy="2403282"/>
+          </a:xfrm>
+          <a:prstGeom prst="rect">
+            <a:avLst/>
+          </a:prstGeom>
+        </p:spPr>
+      </p:pic>
+      <p:sp>
+        <p:nvSpPr>
+          <p:cNvPr id="10" name="ZoneTexte 9"/>
+          <p:cNvSpPr txBox="1"/>
+          <p:nvPr/>
+        </p:nvSpPr>
+        <p:spPr>
+          <a:xfrm>
+            <a:off x="3653195" y="2108627"/>
+            <a:ext cx="3204805" cy="2031325"/>
+          </a:xfrm>
+          <a:prstGeom prst="rect">
+            <a:avLst/>
+          </a:prstGeom>
+          <a:noFill/>
+        </p:spPr>
+        <p:txBody>
+          <a:bodyPr wrap="square" rtlCol="0">
+            <a:spAutoFit/>
+          </a:bodyPr>
+          <a:lstStyle/>
+          <a:p>
+            <a:pPr algn="just"/>
+            <a:r>
+              <a:rPr lang="fr-FR" dirty="0" smtClean="0"/>
+              <a:t>En cliquant sur Créer, une nouvelle fenêtre apparaitra pour que vous renseigniez le nom de votre futur quiz.</a:t>
+            </a:r>
+          </a:p>
+          <a:p>
+            <a:pPr algn="just"/>
+            <a:r>
+              <a:rPr lang="fr-FR" dirty="0" smtClean="0"/>
+              <a:t>Appuyez sur OK pour continuer la création et accéder à l’ajout de réponses.</a:t>
+            </a:r>
+            <a:endParaRPr lang="fr-FR" dirty="0"/>
+          </a:p>
+        </p:txBody>
+      </p:sp>
+      <p:sp>
+        <p:nvSpPr>
+          <p:cNvPr id="11" name="ZoneTexte 10"/>
+          <p:cNvSpPr txBox="1"/>
+          <p:nvPr/>
+        </p:nvSpPr>
+        <p:spPr>
+          <a:xfrm>
+            <a:off x="1588022" y="1934126"/>
+            <a:ext cx="256802" cy="261610"/>
+          </a:xfrm>
+          <a:prstGeom prst="rect">
+            <a:avLst/>
+          </a:prstGeom>
+          <a:noFill/>
+        </p:spPr>
+        <p:txBody>
+          <a:bodyPr wrap="none" rtlCol="0">
+            <a:spAutoFit/>
+          </a:bodyPr>
+          <a:lstStyle/>
+          <a:p>
+            <a:r>
+              <a:rPr lang="fr-FR" sz="1100" dirty="0" smtClean="0">
+                <a:solidFill>
+                  <a:srgbClr val="00B050"/>
+                </a:solidFill>
+              </a:rPr>
+              <a:t>1</a:t>
+            </a:r>
+            <a:endParaRPr lang="fr-FR" sz="1100" dirty="0">
+              <a:solidFill>
+                <a:srgbClr val="00B050"/>
+              </a:solidFill>
+            </a:endParaRPr>
+          </a:p>
+        </p:txBody>
+      </p:sp>
+      <p:sp>
+        <p:nvSpPr>
+          <p:cNvPr id="24" name="ZoneTexte 23"/>
+          <p:cNvSpPr txBox="1"/>
+          <p:nvPr/>
+        </p:nvSpPr>
+        <p:spPr>
+          <a:xfrm>
+            <a:off x="3672408" y="5508104"/>
+            <a:ext cx="2852936" cy="2308324"/>
+          </a:xfrm>
+          <a:prstGeom prst="rect">
+            <a:avLst/>
+          </a:prstGeom>
+          <a:noFill/>
+        </p:spPr>
+        <p:txBody>
+          <a:bodyPr wrap="square" rtlCol="0">
+            <a:spAutoFit/>
+          </a:bodyPr>
+          <a:lstStyle/>
+          <a:p>
+            <a:pPr algn="just"/>
+            <a:r>
+              <a:rPr lang="fr-FR" dirty="0" smtClean="0"/>
+              <a:t>Une fois votre quiz créé, vous accédez à la partie qui vous permet d’ajouter des questions et des réponses.</a:t>
+            </a:r>
+          </a:p>
+          <a:p>
+            <a:pPr algn="just"/>
+            <a:r>
+              <a:rPr lang="fr-FR" dirty="0" smtClean="0"/>
+              <a:t>De base, un quiz à 0 question. Il vous faut donc les créer ainsi que leurs réponses respectives.</a:t>
+            </a:r>
+          </a:p>
+        </p:txBody>
+      </p:sp>
+      <p:sp>
+        <p:nvSpPr>
+          <p:cNvPr id="25" name="ZoneTexte 24"/>
+          <p:cNvSpPr txBox="1"/>
+          <p:nvPr/>
+        </p:nvSpPr>
+        <p:spPr>
+          <a:xfrm>
+            <a:off x="476672" y="421958"/>
+            <a:ext cx="2969724" cy="523220"/>
+          </a:xfrm>
+          <a:prstGeom prst="rect">
+            <a:avLst/>
+          </a:prstGeom>
+          <a:noFill/>
+        </p:spPr>
+        <p:txBody>
+          <a:bodyPr wrap="none" rtlCol="0">
+            <a:spAutoFit/>
+          </a:bodyPr>
+          <a:lstStyle/>
+          <a:p>
+            <a:r>
+              <a:rPr lang="fr-FR" sz="2800" dirty="0" smtClean="0"/>
+              <a:t>IV / Administrateur</a:t>
+            </a:r>
+            <a:endParaRPr lang="fr-FR" sz="2800" dirty="0"/>
+          </a:p>
+        </p:txBody>
+      </p:sp>
+      <p:sp>
+        <p:nvSpPr>
+          <p:cNvPr id="26" name="ZoneTexte 25"/>
+          <p:cNvSpPr txBox="1"/>
+          <p:nvPr/>
+        </p:nvSpPr>
+        <p:spPr>
+          <a:xfrm>
+            <a:off x="977229" y="1384484"/>
+            <a:ext cx="2297488" cy="523220"/>
+          </a:xfrm>
+          <a:prstGeom prst="rect">
+            <a:avLst/>
+          </a:prstGeom>
+          <a:noFill/>
+        </p:spPr>
+        <p:txBody>
+          <a:bodyPr wrap="none" rtlCol="0">
+            <a:spAutoFit/>
+          </a:bodyPr>
+          <a:lstStyle/>
+          <a:p>
+            <a:r>
+              <a:rPr lang="fr-FR" sz="2800" dirty="0" smtClean="0"/>
+              <a:t>Créer un quiz :</a:t>
+            </a:r>
+            <a:endParaRPr lang="fr-FR" sz="2800" dirty="0"/>
+          </a:p>
+        </p:txBody>
+      </p:sp>
+      <p:sp>
+        <p:nvSpPr>
+          <p:cNvPr id="27" name="ZoneTexte 26"/>
+          <p:cNvSpPr txBox="1"/>
+          <p:nvPr/>
+        </p:nvSpPr>
+        <p:spPr>
+          <a:xfrm>
+            <a:off x="977229" y="5056892"/>
+            <a:ext cx="1872692" cy="523220"/>
+          </a:xfrm>
+          <a:prstGeom prst="rect">
+            <a:avLst/>
+          </a:prstGeom>
+          <a:noFill/>
+        </p:spPr>
+        <p:txBody>
+          <a:bodyPr wrap="none" rtlCol="0">
+            <a:spAutoFit/>
+          </a:bodyPr>
+          <a:lstStyle/>
+          <a:p>
+            <a:r>
+              <a:rPr lang="fr-FR" sz="2800" dirty="0" smtClean="0"/>
+              <a:t>Gérer quiz :</a:t>
+            </a:r>
+            <a:endParaRPr lang="fr-FR" sz="2800" dirty="0"/>
+          </a:p>
+        </p:txBody>
+      </p:sp>
+      <p:sp>
+        <p:nvSpPr>
+          <p:cNvPr id="3" name="Rectangle 2"/>
+          <p:cNvSpPr/>
+          <p:nvPr/>
+        </p:nvSpPr>
+        <p:spPr>
+          <a:xfrm>
+            <a:off x="727200" y="2822400"/>
+            <a:ext cx="1501200" cy="1090800"/>
+          </a:xfrm>
+          <a:prstGeom prst="rect">
+            <a:avLst/>
+          </a:prstGeom>
+          <a:noFill/>
+          <a:ln>
+            <a:solidFill>
+              <a:srgbClr val="FF0000"/>
+            </a:solidFill>
+          </a:ln>
+        </p:spPr>
+        <p:style>
+          <a:lnRef idx="2">
+            <a:schemeClr val="accent1">
+              <a:shade val="50000"/>
+            </a:schemeClr>
+          </a:lnRef>
+          <a:fillRef idx="1">
+            <a:schemeClr val="accent1"/>
+          </a:fillRef>
+          <a:effectRef idx="0">
+            <a:schemeClr val="accent1"/>
+          </a:effectRef>
+          <a:fontRef idx="minor">
+            <a:schemeClr val="lt1"/>
+          </a:fontRef>
+        </p:style>
+        <p:txBody>
+          <a:bodyPr rtlCol="0" anchor="ctr"/>
+          <a:lstStyle/>
+          <a:p>
+            <a:pPr algn="ctr"/>
+            <a:endParaRPr lang="fr-FR" sz="2800"/>
+          </a:p>
+        </p:txBody>
+      </p:sp>
+      <p:sp>
+        <p:nvSpPr>
+          <p:cNvPr id="7" name="Rectangle 6"/>
+          <p:cNvSpPr/>
+          <p:nvPr/>
+        </p:nvSpPr>
+        <p:spPr>
+          <a:xfrm>
+            <a:off x="3114000" y="3477600"/>
+            <a:ext cx="385200" cy="133200"/>
+          </a:xfrm>
+          <a:prstGeom prst="rect">
+            <a:avLst/>
+          </a:prstGeom>
+          <a:noFill/>
+          <a:ln>
+            <a:solidFill>
+              <a:srgbClr val="FF0000"/>
+            </a:solidFill>
+          </a:ln>
+        </p:spPr>
+        <p:style>
+          <a:lnRef idx="2">
+            <a:schemeClr val="accent1">
+              <a:shade val="50000"/>
+            </a:schemeClr>
+          </a:lnRef>
+          <a:fillRef idx="1">
+            <a:schemeClr val="accent1"/>
+          </a:fillRef>
+          <a:effectRef idx="0">
+            <a:schemeClr val="accent1"/>
+          </a:effectRef>
+          <a:fontRef idx="minor">
+            <a:schemeClr val="lt1"/>
+          </a:fontRef>
+        </p:style>
+        <p:txBody>
+          <a:bodyPr rtlCol="0" anchor="ctr"/>
+          <a:lstStyle/>
+          <a:p>
+            <a:pPr algn="ctr"/>
+            <a:endParaRPr lang="fr-FR" sz="2800"/>
+          </a:p>
+        </p:txBody>
+      </p:sp>
+      <p:sp>
+        <p:nvSpPr>
+          <p:cNvPr id="28" name="ZoneTexte 27"/>
+          <p:cNvSpPr txBox="1"/>
+          <p:nvPr/>
+        </p:nvSpPr>
+        <p:spPr>
+          <a:xfrm>
+            <a:off x="1961873" y="3651590"/>
+            <a:ext cx="256802" cy="261610"/>
+          </a:xfrm>
+          <a:prstGeom prst="rect">
+            <a:avLst/>
+          </a:prstGeom>
+          <a:noFill/>
+        </p:spPr>
+        <p:txBody>
+          <a:bodyPr wrap="none" rtlCol="0">
+            <a:spAutoFit/>
+          </a:bodyPr>
+          <a:lstStyle/>
+          <a:p>
+            <a:r>
+              <a:rPr lang="fr-FR" sz="1100" dirty="0" smtClean="0">
+                <a:solidFill>
+                  <a:srgbClr val="FF0000"/>
+                </a:solidFill>
+              </a:rPr>
+              <a:t>1</a:t>
+            </a:r>
+            <a:endParaRPr lang="fr-FR" sz="1100" dirty="0">
+              <a:solidFill>
+                <a:srgbClr val="FF0000"/>
+              </a:solidFill>
+            </a:endParaRPr>
+          </a:p>
+        </p:txBody>
+      </p:sp>
+      <p:sp>
+        <p:nvSpPr>
+          <p:cNvPr id="29" name="ZoneTexte 28"/>
+          <p:cNvSpPr txBox="1"/>
+          <p:nvPr/>
+        </p:nvSpPr>
+        <p:spPr>
+          <a:xfrm>
+            <a:off x="3306600" y="3413395"/>
+            <a:ext cx="256802" cy="261610"/>
+          </a:xfrm>
+          <a:prstGeom prst="rect">
+            <a:avLst/>
+          </a:prstGeom>
+          <a:noFill/>
+        </p:spPr>
+        <p:txBody>
+          <a:bodyPr wrap="none" rtlCol="0">
+            <a:spAutoFit/>
+          </a:bodyPr>
+          <a:lstStyle/>
+          <a:p>
+            <a:r>
+              <a:rPr lang="fr-FR" sz="1100" dirty="0" smtClean="0">
+                <a:solidFill>
+                  <a:srgbClr val="FF0000"/>
+                </a:solidFill>
+              </a:rPr>
+              <a:t>2</a:t>
+            </a:r>
+            <a:endParaRPr lang="fr-FR" sz="1100" dirty="0">
+              <a:solidFill>
+                <a:srgbClr val="FF0000"/>
+              </a:solidFill>
+            </a:endParaRPr>
+          </a:p>
+        </p:txBody>
+      </p:sp>
+      <p:pic>
+        <p:nvPicPr>
+          <p:cNvPr id="6" name="Image 5" descr="(&gt; o _ o )&gt;          --[__W  A  R___Q  U  I  Z__]--          &lt;[ x _ x &lt;]"/>
+          <p:cNvPicPr>
+            <a:picLocks noChangeAspect="1"/>
+          </p:cNvPicPr>
+          <p:nvPr/>
+        </p:nvPicPr>
+        <p:blipFill>
+          <a:blip r:embed="rId3" cstate="print">
+            <a:extLst>
+              <a:ext uri="{28A0092B-C50C-407E-A947-70E740481C1C}">
+                <a14:useLocalDpi xmlns:a14="http://schemas.microsoft.com/office/drawing/2010/main" val="0"/>
+              </a:ext>
+            </a:extLst>
+          </a:blip>
+          <a:stretch>
+            <a:fillRect/>
+          </a:stretch>
+        </p:blipFill>
+        <p:spPr>
+          <a:xfrm>
+            <a:off x="534186" y="1907704"/>
+            <a:ext cx="3110808" cy="2404081"/>
+          </a:xfrm>
+          <a:prstGeom prst="rect">
+            <a:avLst/>
+          </a:prstGeom>
+        </p:spPr>
+      </p:pic>
+      <p:pic>
+        <p:nvPicPr>
+          <p:cNvPr id="9" name="Image 8" descr="Creation Quiz"/>
+          <p:cNvPicPr>
+            <a:picLocks noChangeAspect="1"/>
+          </p:cNvPicPr>
+          <p:nvPr/>
+        </p:nvPicPr>
+        <p:blipFill>
+          <a:blip r:embed="rId4">
+            <a:extLst>
+              <a:ext uri="{28A0092B-C50C-407E-A947-70E740481C1C}">
+                <a14:useLocalDpi xmlns:a14="http://schemas.microsoft.com/office/drawing/2010/main" val="0"/>
+              </a:ext>
+            </a:extLst>
+          </a:blip>
+          <a:stretch>
+            <a:fillRect/>
+          </a:stretch>
+        </p:blipFill>
+        <p:spPr>
+          <a:xfrm>
+            <a:off x="836219" y="2539796"/>
+            <a:ext cx="2497381" cy="1042678"/>
+          </a:xfrm>
+          <a:prstGeom prst="rect">
+            <a:avLst/>
+          </a:prstGeom>
+        </p:spPr>
+      </p:pic>
+      <p:sp>
+        <p:nvSpPr>
+          <p:cNvPr id="14" name="Rectangle 13"/>
+          <p:cNvSpPr/>
+          <p:nvPr/>
+        </p:nvSpPr>
+        <p:spPr>
+          <a:xfrm>
+            <a:off x="3153600" y="7362000"/>
+            <a:ext cx="435600" cy="144000"/>
+          </a:xfrm>
+          <a:prstGeom prst="rect">
+            <a:avLst/>
+          </a:prstGeom>
+          <a:noFill/>
+          <a:ln>
+            <a:solidFill>
+              <a:srgbClr val="FF0000"/>
+            </a:solidFill>
+          </a:ln>
+        </p:spPr>
+        <p:style>
+          <a:lnRef idx="2">
+            <a:schemeClr val="accent1">
+              <a:shade val="50000"/>
+            </a:schemeClr>
+          </a:lnRef>
+          <a:fillRef idx="1">
+            <a:schemeClr val="accent1"/>
+          </a:fillRef>
+          <a:effectRef idx="0">
+            <a:schemeClr val="accent1"/>
+          </a:effectRef>
+          <a:fontRef idx="minor">
+            <a:schemeClr val="lt1"/>
+          </a:fontRef>
+        </p:style>
+        <p:txBody>
+          <a:bodyPr rtlCol="0" anchor="ctr"/>
+          <a:lstStyle/>
+          <a:p>
+            <a:pPr algn="ctr"/>
+            <a:endParaRPr lang="fr-FR" sz="2800"/>
+          </a:p>
+        </p:txBody>
+      </p:sp>
+      <p:sp>
+        <p:nvSpPr>
+          <p:cNvPr id="34" name="Rectangle 33"/>
+          <p:cNvSpPr/>
+          <p:nvPr/>
+        </p:nvSpPr>
+        <p:spPr>
+          <a:xfrm>
+            <a:off x="2736000" y="6354000"/>
+            <a:ext cx="626400" cy="136800"/>
+          </a:xfrm>
+          <a:prstGeom prst="rect">
+            <a:avLst/>
+          </a:prstGeom>
+          <a:noFill/>
+          <a:ln>
+            <a:solidFill>
+              <a:srgbClr val="FF0000"/>
+            </a:solidFill>
+          </a:ln>
+        </p:spPr>
+        <p:style>
+          <a:lnRef idx="2">
+            <a:schemeClr val="accent1">
+              <a:shade val="50000"/>
+            </a:schemeClr>
+          </a:lnRef>
+          <a:fillRef idx="1">
+            <a:schemeClr val="accent1"/>
+          </a:fillRef>
+          <a:effectRef idx="0">
+            <a:schemeClr val="accent1"/>
+          </a:effectRef>
+          <a:fontRef idx="minor">
+            <a:schemeClr val="lt1"/>
+          </a:fontRef>
+        </p:style>
+        <p:txBody>
+          <a:bodyPr rtlCol="0" anchor="ctr"/>
+          <a:lstStyle/>
+          <a:p>
+            <a:pPr algn="ctr"/>
+            <a:endParaRPr lang="fr-FR" sz="2800"/>
+          </a:p>
+        </p:txBody>
+      </p:sp>
+      <p:sp>
+        <p:nvSpPr>
+          <p:cNvPr id="36" name="ZoneTexte 35"/>
+          <p:cNvSpPr txBox="1"/>
+          <p:nvPr/>
+        </p:nvSpPr>
+        <p:spPr>
+          <a:xfrm>
+            <a:off x="489592" y="7956376"/>
+            <a:ext cx="5963744" cy="646331"/>
+          </a:xfrm>
+          <a:prstGeom prst="rect">
+            <a:avLst/>
+          </a:prstGeom>
+          <a:noFill/>
+        </p:spPr>
+        <p:txBody>
+          <a:bodyPr wrap="square" rtlCol="0">
+            <a:spAutoFit/>
+          </a:bodyPr>
+          <a:lstStyle/>
+          <a:p>
+            <a:pPr algn="just"/>
+            <a:r>
+              <a:rPr lang="fr-FR" dirty="0" smtClean="0"/>
+              <a:t>Chaque quiz possède un difficulté </a:t>
+            </a:r>
+            <a:r>
+              <a:rPr lang="fr-FR" dirty="0" smtClean="0">
+                <a:solidFill>
+                  <a:srgbClr val="FF0000"/>
+                </a:solidFill>
+              </a:rPr>
+              <a:t>(1</a:t>
+            </a:r>
+            <a:r>
+              <a:rPr lang="fr-FR" dirty="0" smtClean="0">
+                <a:solidFill>
+                  <a:srgbClr val="FF0000"/>
+                </a:solidFill>
+              </a:rPr>
+              <a:t>) </a:t>
+            </a:r>
+            <a:r>
+              <a:rPr lang="fr-FR" dirty="0" smtClean="0"/>
+              <a:t>qui peut varier de facile à difficile. </a:t>
+            </a:r>
+          </a:p>
+        </p:txBody>
+      </p:sp>
+      <p:sp>
+        <p:nvSpPr>
+          <p:cNvPr id="18" name="ZoneTexte 17"/>
+          <p:cNvSpPr txBox="1"/>
+          <p:nvPr/>
+        </p:nvSpPr>
+        <p:spPr>
+          <a:xfrm>
+            <a:off x="2867946" y="7303195"/>
+            <a:ext cx="256802" cy="261610"/>
+          </a:xfrm>
+          <a:prstGeom prst="rect">
+            <a:avLst/>
+          </a:prstGeom>
+          <a:noFill/>
+        </p:spPr>
+        <p:txBody>
+          <a:bodyPr wrap="none" rtlCol="0">
+            <a:spAutoFit/>
+          </a:bodyPr>
+          <a:lstStyle/>
+          <a:p>
+            <a:r>
+              <a:rPr lang="fr-FR" sz="1100" dirty="0" smtClean="0">
+                <a:solidFill>
+                  <a:srgbClr val="FF0000"/>
+                </a:solidFill>
+              </a:rPr>
+              <a:t>4</a:t>
+            </a:r>
+            <a:endParaRPr lang="fr-FR" sz="1100" dirty="0">
+              <a:solidFill>
+                <a:srgbClr val="FF0000"/>
+              </a:solidFill>
+            </a:endParaRPr>
+          </a:p>
+        </p:txBody>
+      </p:sp>
+      <p:sp>
+        <p:nvSpPr>
+          <p:cNvPr id="19" name="ZoneTexte 18"/>
+          <p:cNvSpPr txBox="1"/>
+          <p:nvPr/>
+        </p:nvSpPr>
+        <p:spPr>
+          <a:xfrm>
+            <a:off x="2487297" y="6317011"/>
+            <a:ext cx="256802" cy="261610"/>
+          </a:xfrm>
+          <a:prstGeom prst="rect">
+            <a:avLst/>
+          </a:prstGeom>
+          <a:noFill/>
+        </p:spPr>
+        <p:txBody>
+          <a:bodyPr wrap="none" rtlCol="0">
+            <a:spAutoFit/>
+          </a:bodyPr>
+          <a:lstStyle/>
+          <a:p>
+            <a:r>
+              <a:rPr lang="fr-FR" sz="1100" dirty="0" smtClean="0">
+                <a:solidFill>
+                  <a:srgbClr val="FF0000"/>
+                </a:solidFill>
+              </a:rPr>
+              <a:t>1</a:t>
+            </a:r>
+            <a:endParaRPr lang="fr-FR" sz="1100" dirty="0">
+              <a:solidFill>
+                <a:srgbClr val="FF0000"/>
+              </a:solidFill>
+            </a:endParaRPr>
+          </a:p>
+        </p:txBody>
+      </p:sp>
+      <p:sp>
+        <p:nvSpPr>
+          <p:cNvPr id="4" name="Rectangle 3"/>
+          <p:cNvSpPr/>
+          <p:nvPr/>
+        </p:nvSpPr>
+        <p:spPr>
+          <a:xfrm>
+            <a:off x="2862000" y="6732240"/>
+            <a:ext cx="756000" cy="144016"/>
+          </a:xfrm>
+          <a:prstGeom prst="rect">
+            <a:avLst/>
+          </a:prstGeom>
+          <a:noFill/>
+          <a:ln>
+            <a:solidFill>
+              <a:srgbClr val="FF0000"/>
+            </a:solidFill>
+          </a:ln>
+        </p:spPr>
+        <p:style>
+          <a:lnRef idx="2">
+            <a:schemeClr val="accent1">
+              <a:shade val="50000"/>
+            </a:schemeClr>
+          </a:lnRef>
+          <a:fillRef idx="1">
+            <a:schemeClr val="accent1"/>
+          </a:fillRef>
+          <a:effectRef idx="0">
+            <a:schemeClr val="accent1"/>
+          </a:effectRef>
+          <a:fontRef idx="minor">
+            <a:schemeClr val="lt1"/>
+          </a:fontRef>
+        </p:style>
+        <p:txBody>
+          <a:bodyPr rtlCol="0" anchor="ctr"/>
+          <a:lstStyle/>
+          <a:p>
+            <a:pPr algn="ctr"/>
+            <a:endParaRPr lang="fr-FR" sz="2800"/>
+          </a:p>
+        </p:txBody>
+      </p:sp>
+      <p:sp>
+        <p:nvSpPr>
+          <p:cNvPr id="5" name="Rectangle 4"/>
+          <p:cNvSpPr/>
+          <p:nvPr/>
+        </p:nvSpPr>
+        <p:spPr>
+          <a:xfrm>
+            <a:off x="2952000" y="6969600"/>
+            <a:ext cx="612000" cy="144000"/>
+          </a:xfrm>
+          <a:prstGeom prst="rect">
+            <a:avLst/>
+          </a:prstGeom>
+          <a:noFill/>
+          <a:ln>
+            <a:solidFill>
+              <a:srgbClr val="FF0000"/>
+            </a:solidFill>
+          </a:ln>
+        </p:spPr>
+        <p:style>
+          <a:lnRef idx="2">
+            <a:schemeClr val="accent1">
+              <a:shade val="50000"/>
+            </a:schemeClr>
+          </a:lnRef>
+          <a:fillRef idx="1">
+            <a:schemeClr val="accent1"/>
+          </a:fillRef>
+          <a:effectRef idx="0">
+            <a:schemeClr val="accent1"/>
+          </a:effectRef>
+          <a:fontRef idx="minor">
+            <a:schemeClr val="lt1"/>
+          </a:fontRef>
+        </p:style>
+        <p:txBody>
+          <a:bodyPr rtlCol="0" anchor="ctr"/>
+          <a:lstStyle/>
+          <a:p>
+            <a:pPr algn="ctr"/>
+            <a:endParaRPr lang="fr-FR" sz="2800"/>
+          </a:p>
+        </p:txBody>
+      </p:sp>
+      <p:sp>
+        <p:nvSpPr>
+          <p:cNvPr id="23" name="ZoneTexte 22"/>
+          <p:cNvSpPr txBox="1"/>
+          <p:nvPr/>
+        </p:nvSpPr>
+        <p:spPr>
+          <a:xfrm>
+            <a:off x="2611144" y="6650948"/>
+            <a:ext cx="256802" cy="261610"/>
+          </a:xfrm>
+          <a:prstGeom prst="rect">
+            <a:avLst/>
+          </a:prstGeom>
+          <a:noFill/>
+        </p:spPr>
+        <p:txBody>
+          <a:bodyPr wrap="none" rtlCol="0">
+            <a:spAutoFit/>
+          </a:bodyPr>
+          <a:lstStyle/>
+          <a:p>
+            <a:r>
+              <a:rPr lang="fr-FR" sz="1100" dirty="0" smtClean="0">
+                <a:solidFill>
+                  <a:srgbClr val="FF0000"/>
+                </a:solidFill>
+              </a:rPr>
+              <a:t>2</a:t>
+            </a:r>
+            <a:endParaRPr lang="fr-FR" sz="1100" dirty="0">
+              <a:solidFill>
+                <a:srgbClr val="FF0000"/>
+              </a:solidFill>
+            </a:endParaRPr>
+          </a:p>
+        </p:txBody>
+      </p:sp>
+      <p:sp>
+        <p:nvSpPr>
+          <p:cNvPr id="30" name="ZoneTexte 29"/>
+          <p:cNvSpPr txBox="1"/>
+          <p:nvPr/>
+        </p:nvSpPr>
+        <p:spPr>
+          <a:xfrm>
+            <a:off x="2662142" y="6910795"/>
+            <a:ext cx="256802" cy="261610"/>
+          </a:xfrm>
+          <a:prstGeom prst="rect">
+            <a:avLst/>
+          </a:prstGeom>
+          <a:noFill/>
+        </p:spPr>
+        <p:txBody>
+          <a:bodyPr wrap="none" rtlCol="0">
+            <a:spAutoFit/>
+          </a:bodyPr>
+          <a:lstStyle/>
+          <a:p>
+            <a:r>
+              <a:rPr lang="fr-FR" sz="1100" dirty="0" smtClean="0">
+                <a:solidFill>
+                  <a:srgbClr val="FF0000"/>
+                </a:solidFill>
+              </a:rPr>
+              <a:t>3</a:t>
+            </a:r>
+            <a:endParaRPr lang="fr-FR" sz="1100" dirty="0">
+              <a:solidFill>
+                <a:srgbClr val="FF0000"/>
+              </a:solidFill>
+            </a:endParaRPr>
+          </a:p>
+        </p:txBody>
+      </p:sp>
+    </p:spTree>
+    <p:extLst>
+      <p:ext uri="{BB962C8B-B14F-4D97-AF65-F5344CB8AC3E}">
+        <p14:creationId xmlns:p14="http://schemas.microsoft.com/office/powerpoint/2010/main" val="3554912898"/>
+      </p:ext>
+    </p:extLst>
+  </p:cSld>
+  <p:clrMapOvr>
+    <a:masterClrMapping/>
+  </p:clrMapOvr>
+  <mc:AlternateContent xmlns:mc="http://schemas.openxmlformats.org/markup-compatibility/2006" xmlns:p14="http://schemas.microsoft.com/office/powerpoint/2010/main">
+    <mc:Choice Requires="p14">
+      <p:transition spd="med" p14:dur="700">
+        <p:fade/>
+      </p:transition>
+    </mc:Choice>
+    <mc:Fallback xmlns="">
+      <p:transition spd="med">
+        <p:fade/>
+      </p:transition>
+    </mc:Fallback>
+  </mc:AlternateContent>
+  <p:timing>
+    <p:tnLst>
+      <p:par>
+        <p:cTn id="1" dur="indefinite" restart="never" nodeType="tmRoot"/>
+      </p:par>
+    </p:tnLst>
+  </p:timing>
+</p:sld>
+</file>
+
+<file path=ppt/slides/slide11.xml><?xml version="1.0" encoding="utf-8"?>
+<p:sld xmlns:a="http://schemas.openxmlformats.org/drawingml/2006/main" xmlns:r="http://schemas.openxmlformats.org/officeDocument/2006/relationships" xmlns:p="http://schemas.openxmlformats.org/presentationml/2006/main">
+  <p:cSld>
+    <p:spTree>
+      <p:nvGrpSpPr>
+        <p:cNvPr id="1" name=""/>
+        <p:cNvGrpSpPr/>
+        <p:nvPr/>
+      </p:nvGrpSpPr>
+      <p:grpSpPr>
+        <a:xfrm>
+          <a:off x="0" y="0"/>
+          <a:ext cx="0" cy="0"/>
+          <a:chOff x="0" y="0"/>
+          <a:chExt cx="0" cy="0"/>
+        </a:xfrm>
+      </p:grpSpPr>
+      <p:sp>
+        <p:nvSpPr>
+          <p:cNvPr id="4" name="ZoneTexte 3"/>
+          <p:cNvSpPr txBox="1"/>
+          <p:nvPr/>
+        </p:nvSpPr>
+        <p:spPr>
+          <a:xfrm>
+            <a:off x="476672" y="467544"/>
+            <a:ext cx="6381328" cy="1754326"/>
+          </a:xfrm>
+          <a:prstGeom prst="rect">
+            <a:avLst/>
+          </a:prstGeom>
+          <a:noFill/>
+        </p:spPr>
+        <p:txBody>
+          <a:bodyPr wrap="square" rtlCol="0">
+            <a:spAutoFit/>
+          </a:bodyPr>
+          <a:lstStyle/>
+          <a:p>
+            <a:pPr algn="just"/>
+            <a:r>
+              <a:rPr lang="fr-FR" dirty="0" smtClean="0"/>
+              <a:t>Vous devez entrer le temps </a:t>
+            </a:r>
+            <a:r>
+              <a:rPr lang="fr-FR" dirty="0" smtClean="0">
+                <a:solidFill>
+                  <a:srgbClr val="FF0000"/>
+                </a:solidFill>
+              </a:rPr>
+              <a:t>(2)</a:t>
+            </a:r>
+            <a:r>
+              <a:rPr lang="fr-FR" dirty="0" smtClean="0"/>
+              <a:t> que vous aller donner aux joueurs afin de réaliser votre quiz.</a:t>
+            </a:r>
+          </a:p>
+          <a:p>
+            <a:pPr algn="just"/>
+            <a:r>
+              <a:rPr lang="fr-FR" dirty="0" smtClean="0"/>
+              <a:t>Votre quiz doit contenir des questions. Pour les ajouter cliquez sur </a:t>
+            </a:r>
+            <a:r>
+              <a:rPr lang="fr-FR" dirty="0" smtClean="0">
+                <a:solidFill>
+                  <a:srgbClr val="FF0000"/>
+                </a:solidFill>
+              </a:rPr>
+              <a:t>(3) </a:t>
+            </a:r>
+            <a:r>
+              <a:rPr lang="fr-FR" dirty="0" smtClean="0"/>
+              <a:t>puis entrez votre question dans la fenêtre qui s’est ouverte.</a:t>
+            </a:r>
+          </a:p>
+          <a:p>
+            <a:pPr algn="just"/>
+            <a:r>
+              <a:rPr lang="fr-FR" dirty="0" smtClean="0"/>
+              <a:t>Une </a:t>
+            </a:r>
+            <a:r>
+              <a:rPr lang="fr-FR" dirty="0"/>
+              <a:t>fois que vous avez terminé, validez </a:t>
+            </a:r>
+            <a:r>
+              <a:rPr lang="fr-FR" dirty="0" smtClean="0">
+                <a:solidFill>
+                  <a:srgbClr val="FF0000"/>
+                </a:solidFill>
+              </a:rPr>
+              <a:t>(4)</a:t>
+            </a:r>
+            <a:r>
+              <a:rPr lang="fr-FR" dirty="0" smtClean="0"/>
+              <a:t> </a:t>
+            </a:r>
+            <a:r>
+              <a:rPr lang="fr-FR" dirty="0"/>
+              <a:t>votre quiz. Il sera immédiatement jouable.</a:t>
+            </a:r>
+            <a:endParaRPr lang="fr-FR" dirty="0"/>
+          </a:p>
+        </p:txBody>
+      </p:sp>
+    </p:spTree>
+    <p:extLst>
+      <p:ext uri="{BB962C8B-B14F-4D97-AF65-F5344CB8AC3E}">
+        <p14:creationId xmlns:p14="http://schemas.microsoft.com/office/powerpoint/2010/main" val="3895953431"/>
+      </p:ext>
+    </p:extLst>
+  </p:cSld>
+  <p:clrMapOvr>
+    <a:masterClrMapping/>
+  </p:clrMapOvr>
+  <mc:AlternateContent xmlns:mc="http://schemas.openxmlformats.org/markup-compatibility/2006" xmlns:p14="http://schemas.microsoft.com/office/powerpoint/2010/main">
+    <mc:Choice Requires="p14">
+      <p:transition spd="med" p14:dur="700">
+        <p:fade/>
+      </p:transition>
+    </mc:Choice>
+    <mc:Fallback xmlns="">
+      <p:transition spd="med">
+        <p:fade/>
+      </p:transition>
+    </mc:Fallback>
+  </mc:AlternateContent>
+  <p:timing>
+    <p:tnLst>
+      <p:par>
+        <p:cTn id="1" dur="indefinite" restart="never" nodeType="tmRoot"/>
+      </p:par>
+    </p:tnLst>
+  </p:timing>
+</p:sld>
+</file>
+
+<file path=ppt/slides/slide12.xml><?xml version="1.0" encoding="utf-8"?>
+<p:sld xmlns:a="http://schemas.openxmlformats.org/drawingml/2006/main" xmlns:r="http://schemas.openxmlformats.org/officeDocument/2006/relationships" xmlns:p="http://schemas.openxmlformats.org/presentationml/2006/main">
+  <p:cSld>
+    <p:spTree>
+      <p:nvGrpSpPr>
+        <p:cNvPr id="1" name=""/>
+        <p:cNvGrpSpPr/>
+        <p:nvPr/>
+      </p:nvGrpSpPr>
+      <p:grpSpPr>
+        <a:xfrm>
+          <a:off x="0" y="0"/>
+          <a:ext cx="0" cy="0"/>
+          <a:chOff x="0" y="0"/>
+          <a:chExt cx="0" cy="0"/>
+        </a:xfrm>
+      </p:grpSpPr>
+      <p:pic>
+        <p:nvPicPr>
+          <p:cNvPr id="9" name="Image 8" descr="(&gt; o _ o )&gt;          --[__W  A  R___Q  U  I  Z__]--          &lt;[ x _ x &lt;]"/>
+          <p:cNvPicPr>
+            <a:picLocks noChangeAspect="1"/>
+          </p:cNvPicPr>
+          <p:nvPr/>
+        </p:nvPicPr>
+        <p:blipFill>
+          <a:blip r:embed="rId2" cstate="print">
+            <a:extLst>
+              <a:ext uri="{28A0092B-C50C-407E-A947-70E740481C1C}">
+                <a14:useLocalDpi xmlns:a14="http://schemas.microsoft.com/office/drawing/2010/main" val="0"/>
+              </a:ext>
+            </a:extLst>
+          </a:blip>
+          <a:stretch>
+            <a:fillRect/>
+          </a:stretch>
+        </p:blipFill>
+        <p:spPr>
+          <a:xfrm>
+            <a:off x="561599" y="5580431"/>
+            <a:ext cx="3074402" cy="2375946"/>
+          </a:xfrm>
+          <a:prstGeom prst="rect">
+            <a:avLst/>
+          </a:prstGeom>
+        </p:spPr>
+      </p:pic>
+      <p:pic>
+        <p:nvPicPr>
+          <p:cNvPr id="6" name="Image 5" descr="(&gt; o _ o )&gt;          --[__W  A  R___Q  U  I  Z__]--          &lt;[ x _ x &lt;]"/>
+          <p:cNvPicPr>
+            <a:picLocks noChangeAspect="1"/>
+          </p:cNvPicPr>
+          <p:nvPr/>
+        </p:nvPicPr>
+        <p:blipFill>
+          <a:blip r:embed="rId3" cstate="print">
+            <a:extLst>
+              <a:ext uri="{28A0092B-C50C-407E-A947-70E740481C1C}">
+                <a14:useLocalDpi xmlns:a14="http://schemas.microsoft.com/office/drawing/2010/main" val="0"/>
+              </a:ext>
+            </a:extLst>
+          </a:blip>
+          <a:stretch>
+            <a:fillRect/>
+          </a:stretch>
+        </p:blipFill>
+        <p:spPr>
+          <a:xfrm>
+            <a:off x="547697" y="1898318"/>
+            <a:ext cx="3096264" cy="2392841"/>
+          </a:xfrm>
+          <a:prstGeom prst="rect">
+            <a:avLst/>
+          </a:prstGeom>
+        </p:spPr>
+      </p:pic>
+      <p:sp>
+        <p:nvSpPr>
+          <p:cNvPr id="10" name="ZoneTexte 9"/>
+          <p:cNvSpPr txBox="1"/>
+          <p:nvPr/>
+        </p:nvSpPr>
+        <p:spPr>
+          <a:xfrm>
+            <a:off x="3653195" y="5508104"/>
+            <a:ext cx="3204805" cy="2585323"/>
+          </a:xfrm>
+          <a:prstGeom prst="rect">
+            <a:avLst/>
+          </a:prstGeom>
+          <a:noFill/>
+        </p:spPr>
+        <p:txBody>
+          <a:bodyPr wrap="square" rtlCol="0">
+            <a:spAutoFit/>
+          </a:bodyPr>
+          <a:lstStyle/>
+          <a:p>
+            <a:pPr algn="just"/>
+            <a:r>
+              <a:rPr lang="fr-FR" dirty="0" smtClean="0"/>
+              <a:t>Une fois que vous avez cliqué sur une question, vous pouvez ajouter des réponses à celle-ci.</a:t>
+            </a:r>
+          </a:p>
+          <a:p>
+            <a:pPr algn="just"/>
+            <a:r>
+              <a:rPr lang="fr-FR" dirty="0" smtClean="0"/>
+              <a:t>Cliquer sur « Ajouter une réponse » </a:t>
+            </a:r>
+            <a:r>
+              <a:rPr lang="fr-FR" dirty="0" smtClean="0">
+                <a:solidFill>
+                  <a:srgbClr val="FF0000"/>
+                </a:solidFill>
+              </a:rPr>
+              <a:t>(1)</a:t>
+            </a:r>
+            <a:r>
+              <a:rPr lang="fr-FR" dirty="0" smtClean="0"/>
+              <a:t> puis renseigner le champs de réponse qui a apparu </a:t>
+            </a:r>
+            <a:r>
+              <a:rPr lang="fr-FR" dirty="0" smtClean="0">
+                <a:solidFill>
+                  <a:srgbClr val="FF0000"/>
+                </a:solidFill>
+              </a:rPr>
+              <a:t>(2)</a:t>
+            </a:r>
+            <a:r>
+              <a:rPr lang="fr-FR" dirty="0" smtClean="0"/>
+              <a:t>.</a:t>
+            </a:r>
+          </a:p>
+          <a:p>
+            <a:pPr algn="just"/>
+            <a:r>
+              <a:rPr lang="fr-FR" dirty="0" smtClean="0"/>
+              <a:t>Pour dire que la réponse est juste, cochez la case sur la</a:t>
+            </a:r>
+            <a:endParaRPr lang="fr-FR" dirty="0"/>
+          </a:p>
+        </p:txBody>
+      </p:sp>
+      <p:sp>
+        <p:nvSpPr>
+          <p:cNvPr id="25" name="ZoneTexte 24"/>
+          <p:cNvSpPr txBox="1"/>
+          <p:nvPr/>
+        </p:nvSpPr>
+        <p:spPr>
+          <a:xfrm>
+            <a:off x="476672" y="421958"/>
+            <a:ext cx="2969724" cy="523220"/>
+          </a:xfrm>
+          <a:prstGeom prst="rect">
+            <a:avLst/>
+          </a:prstGeom>
+          <a:noFill/>
+        </p:spPr>
+        <p:txBody>
+          <a:bodyPr wrap="none" rtlCol="0">
+            <a:spAutoFit/>
+          </a:bodyPr>
+          <a:lstStyle/>
+          <a:p>
+            <a:r>
+              <a:rPr lang="fr-FR" sz="2800" dirty="0" smtClean="0"/>
+              <a:t>IV / Administrateur</a:t>
+            </a:r>
+            <a:endParaRPr lang="fr-FR" sz="2800" dirty="0"/>
+          </a:p>
+        </p:txBody>
+      </p:sp>
+      <p:sp>
+        <p:nvSpPr>
+          <p:cNvPr id="26" name="ZoneTexte 25"/>
+          <p:cNvSpPr txBox="1"/>
+          <p:nvPr/>
+        </p:nvSpPr>
+        <p:spPr>
+          <a:xfrm>
+            <a:off x="977229" y="5058000"/>
+            <a:ext cx="2597314" cy="523220"/>
+          </a:xfrm>
+          <a:prstGeom prst="rect">
+            <a:avLst/>
+          </a:prstGeom>
+          <a:noFill/>
+        </p:spPr>
+        <p:txBody>
+          <a:bodyPr wrap="none" rtlCol="0">
+            <a:spAutoFit/>
+          </a:bodyPr>
+          <a:lstStyle/>
+          <a:p>
+            <a:r>
+              <a:rPr lang="fr-FR" sz="2800" dirty="0" smtClean="0"/>
+              <a:t>Gérer réponses :</a:t>
+            </a:r>
+            <a:endParaRPr lang="fr-FR" sz="2800" dirty="0"/>
+          </a:p>
+        </p:txBody>
+      </p:sp>
+      <p:sp>
+        <p:nvSpPr>
+          <p:cNvPr id="22" name="ZoneTexte 21"/>
+          <p:cNvSpPr txBox="1"/>
+          <p:nvPr/>
+        </p:nvSpPr>
+        <p:spPr>
+          <a:xfrm>
+            <a:off x="3644995" y="1826310"/>
+            <a:ext cx="2852936" cy="2308324"/>
+          </a:xfrm>
+          <a:prstGeom prst="rect">
+            <a:avLst/>
+          </a:prstGeom>
+          <a:noFill/>
+        </p:spPr>
+        <p:txBody>
+          <a:bodyPr wrap="square" rtlCol="0">
+            <a:spAutoFit/>
+          </a:bodyPr>
+          <a:lstStyle/>
+          <a:p>
+            <a:pPr algn="just"/>
+            <a:r>
+              <a:rPr lang="fr-FR" dirty="0" smtClean="0"/>
+              <a:t>Pour ajouter des question cliquez sur « Ajouter une question » </a:t>
+            </a:r>
+            <a:r>
+              <a:rPr lang="fr-FR" dirty="0" smtClean="0">
+                <a:solidFill>
+                  <a:srgbClr val="FF0000"/>
+                </a:solidFill>
+              </a:rPr>
+              <a:t>(1)</a:t>
+            </a:r>
+            <a:r>
+              <a:rPr lang="fr-FR" dirty="0" smtClean="0"/>
+              <a:t>. Une fenêtre vous demandera d’entrer votre question </a:t>
+            </a:r>
+            <a:r>
+              <a:rPr lang="fr-FR" dirty="0" smtClean="0">
+                <a:solidFill>
+                  <a:srgbClr val="FF0000"/>
+                </a:solidFill>
+              </a:rPr>
+              <a:t>(2)</a:t>
+            </a:r>
+            <a:r>
+              <a:rPr lang="fr-FR" dirty="0" smtClean="0"/>
+              <a:t>.</a:t>
+            </a:r>
+          </a:p>
+          <a:p>
+            <a:pPr algn="just"/>
+            <a:r>
+              <a:rPr lang="fr-FR" dirty="0" smtClean="0"/>
+              <a:t>Une fois validée, votre question apparait dans le tableau de gestion.</a:t>
+            </a:r>
+          </a:p>
+        </p:txBody>
+      </p:sp>
+      <p:sp>
+        <p:nvSpPr>
+          <p:cNvPr id="23" name="ZoneTexte 22"/>
+          <p:cNvSpPr txBox="1"/>
+          <p:nvPr/>
+        </p:nvSpPr>
+        <p:spPr>
+          <a:xfrm>
+            <a:off x="949816" y="1375098"/>
+            <a:ext cx="2686185" cy="523220"/>
+          </a:xfrm>
+          <a:prstGeom prst="rect">
+            <a:avLst/>
+          </a:prstGeom>
+          <a:noFill/>
+        </p:spPr>
+        <p:txBody>
+          <a:bodyPr wrap="none" rtlCol="0">
+            <a:spAutoFit/>
+          </a:bodyPr>
+          <a:lstStyle/>
+          <a:p>
+            <a:r>
+              <a:rPr lang="fr-FR" sz="2800" dirty="0" smtClean="0"/>
+              <a:t>Gérer questions :</a:t>
+            </a:r>
+            <a:endParaRPr lang="fr-FR" sz="2800" dirty="0"/>
+          </a:p>
+        </p:txBody>
+      </p:sp>
+      <p:sp>
+        <p:nvSpPr>
+          <p:cNvPr id="30" name="Rectangle 29"/>
+          <p:cNvSpPr/>
+          <p:nvPr/>
+        </p:nvSpPr>
+        <p:spPr>
+          <a:xfrm>
+            <a:off x="2931787" y="3275872"/>
+            <a:ext cx="615600" cy="144000"/>
+          </a:xfrm>
+          <a:prstGeom prst="rect">
+            <a:avLst/>
+          </a:prstGeom>
+          <a:noFill/>
+          <a:ln>
+            <a:solidFill>
+              <a:srgbClr val="FF0000"/>
+            </a:solidFill>
+          </a:ln>
+        </p:spPr>
+        <p:style>
+          <a:lnRef idx="2">
+            <a:schemeClr val="accent1">
+              <a:shade val="50000"/>
+            </a:schemeClr>
+          </a:lnRef>
+          <a:fillRef idx="1">
+            <a:schemeClr val="accent1"/>
+          </a:fillRef>
+          <a:effectRef idx="0">
+            <a:schemeClr val="accent1"/>
+          </a:effectRef>
+          <a:fontRef idx="minor">
+            <a:schemeClr val="lt1"/>
+          </a:fontRef>
+        </p:style>
+        <p:txBody>
+          <a:bodyPr rtlCol="0" anchor="ctr"/>
+          <a:lstStyle/>
+          <a:p>
+            <a:pPr algn="ctr"/>
+            <a:endParaRPr lang="fr-FR" sz="2800"/>
+          </a:p>
+        </p:txBody>
+      </p:sp>
+      <p:pic>
+        <p:nvPicPr>
+          <p:cNvPr id="33" name="Image 32" descr="Creation Quiz"/>
+          <p:cNvPicPr>
+            <a:picLocks noChangeAspect="1"/>
+          </p:cNvPicPr>
+          <p:nvPr/>
+        </p:nvPicPr>
+        <p:blipFill>
+          <a:blip r:embed="rId4">
+            <a:extLst>
+              <a:ext uri="{28A0092B-C50C-407E-A947-70E740481C1C}">
+                <a14:useLocalDpi xmlns:a14="http://schemas.microsoft.com/office/drawing/2010/main" val="0"/>
+              </a:ext>
+            </a:extLst>
+          </a:blip>
+          <a:stretch>
+            <a:fillRect/>
+          </a:stretch>
+        </p:blipFill>
+        <p:spPr>
+          <a:xfrm>
+            <a:off x="738507" y="3099959"/>
+            <a:ext cx="1824829" cy="761882"/>
+          </a:xfrm>
+          <a:prstGeom prst="rect">
+            <a:avLst/>
+          </a:prstGeom>
+        </p:spPr>
+      </p:pic>
+      <p:sp>
+        <p:nvSpPr>
+          <p:cNvPr id="35" name="ZoneTexte 34"/>
+          <p:cNvSpPr txBox="1"/>
+          <p:nvPr/>
+        </p:nvSpPr>
+        <p:spPr>
+          <a:xfrm>
+            <a:off x="462179" y="4274582"/>
+            <a:ext cx="5963744" cy="923330"/>
+          </a:xfrm>
+          <a:prstGeom prst="rect">
+            <a:avLst/>
+          </a:prstGeom>
+          <a:noFill/>
+        </p:spPr>
+        <p:txBody>
+          <a:bodyPr wrap="square" rtlCol="0">
+            <a:spAutoFit/>
+          </a:bodyPr>
+          <a:lstStyle/>
+          <a:p>
+            <a:pPr algn="just"/>
+            <a:r>
+              <a:rPr lang="fr-FR" dirty="0" smtClean="0"/>
+              <a:t>Vous pouvez ainsi supprimer une question en cliquant sur la croix ou ajouter des réponses à une question en cliquant sur celle-ci.</a:t>
+            </a:r>
+            <a:endParaRPr lang="fr-FR" dirty="0"/>
+          </a:p>
+        </p:txBody>
+      </p:sp>
+      <p:sp>
+        <p:nvSpPr>
+          <p:cNvPr id="5" name="Rectangle 4"/>
+          <p:cNvSpPr/>
+          <p:nvPr/>
+        </p:nvSpPr>
+        <p:spPr>
+          <a:xfrm>
+            <a:off x="727200" y="3099959"/>
+            <a:ext cx="1836136" cy="761882"/>
+          </a:xfrm>
+          <a:prstGeom prst="rect">
+            <a:avLst/>
+          </a:prstGeom>
+          <a:noFill/>
+          <a:ln>
+            <a:solidFill>
+              <a:srgbClr val="FF0000"/>
+            </a:solidFill>
+          </a:ln>
+        </p:spPr>
+        <p:style>
+          <a:lnRef idx="2">
+            <a:schemeClr val="accent1">
+              <a:shade val="50000"/>
+            </a:schemeClr>
+          </a:lnRef>
+          <a:fillRef idx="1">
+            <a:schemeClr val="accent1"/>
+          </a:fillRef>
+          <a:effectRef idx="0">
+            <a:schemeClr val="accent1"/>
+          </a:effectRef>
+          <a:fontRef idx="minor">
+            <a:schemeClr val="lt1"/>
+          </a:fontRef>
+        </p:style>
+        <p:txBody>
+          <a:bodyPr rtlCol="0" anchor="ctr"/>
+          <a:lstStyle/>
+          <a:p>
+            <a:pPr algn="ctr"/>
+            <a:endParaRPr lang="fr-FR" sz="2800"/>
+          </a:p>
+        </p:txBody>
+      </p:sp>
+      <p:sp>
+        <p:nvSpPr>
+          <p:cNvPr id="8" name="Rectangle 7"/>
+          <p:cNvSpPr/>
+          <p:nvPr/>
+        </p:nvSpPr>
+        <p:spPr>
+          <a:xfrm>
+            <a:off x="2952000" y="6822000"/>
+            <a:ext cx="612000" cy="144000"/>
+          </a:xfrm>
+          <a:prstGeom prst="rect">
+            <a:avLst/>
+          </a:prstGeom>
+          <a:noFill/>
+          <a:ln>
+            <a:solidFill>
+              <a:srgbClr val="FF0000"/>
+            </a:solidFill>
+          </a:ln>
+        </p:spPr>
+        <p:style>
+          <a:lnRef idx="2">
+            <a:schemeClr val="accent1">
+              <a:shade val="50000"/>
+            </a:schemeClr>
+          </a:lnRef>
+          <a:fillRef idx="1">
+            <a:schemeClr val="accent1"/>
+          </a:fillRef>
+          <a:effectRef idx="0">
+            <a:schemeClr val="accent1"/>
+          </a:effectRef>
+          <a:fontRef idx="minor">
+            <a:schemeClr val="lt1"/>
+          </a:fontRef>
+        </p:style>
+        <p:txBody>
+          <a:bodyPr rtlCol="0" anchor="ctr"/>
+          <a:lstStyle/>
+          <a:p>
+            <a:pPr algn="ctr"/>
+            <a:endParaRPr lang="fr-FR" sz="2800"/>
+          </a:p>
+        </p:txBody>
+      </p:sp>
+      <p:sp>
+        <p:nvSpPr>
+          <p:cNvPr id="15" name="Rectangle 14"/>
+          <p:cNvSpPr/>
+          <p:nvPr/>
+        </p:nvSpPr>
+        <p:spPr>
+          <a:xfrm>
+            <a:off x="561599" y="6513972"/>
+            <a:ext cx="1026423" cy="260756"/>
+          </a:xfrm>
+          <a:prstGeom prst="rect">
+            <a:avLst/>
+          </a:prstGeom>
+          <a:noFill/>
+          <a:ln>
+            <a:solidFill>
+              <a:srgbClr val="FF0000"/>
+            </a:solidFill>
+          </a:ln>
+        </p:spPr>
+        <p:style>
+          <a:lnRef idx="2">
+            <a:schemeClr val="accent1">
+              <a:shade val="50000"/>
+            </a:schemeClr>
+          </a:lnRef>
+          <a:fillRef idx="1">
+            <a:schemeClr val="accent1"/>
+          </a:fillRef>
+          <a:effectRef idx="0">
+            <a:schemeClr val="accent1"/>
+          </a:effectRef>
+          <a:fontRef idx="minor">
+            <a:schemeClr val="lt1"/>
+          </a:fontRef>
+        </p:style>
+        <p:txBody>
+          <a:bodyPr rtlCol="0" anchor="ctr"/>
+          <a:lstStyle/>
+          <a:p>
+            <a:pPr algn="ctr"/>
+            <a:endParaRPr lang="fr-FR" sz="2800"/>
+          </a:p>
+        </p:txBody>
+      </p:sp>
+      <p:sp>
+        <p:nvSpPr>
+          <p:cNvPr id="16" name="ZoneTexte 15"/>
+          <p:cNvSpPr txBox="1"/>
+          <p:nvPr/>
+        </p:nvSpPr>
+        <p:spPr>
+          <a:xfrm>
+            <a:off x="476672" y="7956376"/>
+            <a:ext cx="5936332" cy="1631216"/>
+          </a:xfrm>
+          <a:prstGeom prst="rect">
+            <a:avLst/>
+          </a:prstGeom>
+          <a:noFill/>
+        </p:spPr>
+        <p:txBody>
+          <a:bodyPr wrap="square" rtlCol="0">
+            <a:spAutoFit/>
+          </a:bodyPr>
+          <a:lstStyle/>
+          <a:p>
+            <a:pPr algn="just"/>
+            <a:r>
+              <a:rPr lang="fr-FR" dirty="0"/>
+              <a:t>gauche de celle-ci. Vous pouvez supprimer une réponse en cliquant sur la croix</a:t>
+            </a:r>
+            <a:r>
+              <a:rPr lang="fr-FR" dirty="0" smtClean="0"/>
+              <a:t>.</a:t>
+            </a:r>
+          </a:p>
+          <a:p>
+            <a:pPr algn="just"/>
+            <a:r>
+              <a:rPr lang="fr-FR" dirty="0" smtClean="0"/>
+              <a:t>Cliquez sur « Retour au quiz » </a:t>
+            </a:r>
+            <a:r>
+              <a:rPr lang="fr-FR" dirty="0" smtClean="0">
+                <a:solidFill>
+                  <a:srgbClr val="FF0000"/>
+                </a:solidFill>
+              </a:rPr>
+              <a:t>(3)</a:t>
+            </a:r>
+            <a:r>
+              <a:rPr lang="fr-FR" dirty="0" smtClean="0"/>
+              <a:t> pour revenir à la vue des questions. Vos réponses seront sauvegardées.</a:t>
+            </a:r>
+            <a:endParaRPr lang="fr-FR" dirty="0"/>
+          </a:p>
+          <a:p>
+            <a:pPr algn="just"/>
+            <a:endParaRPr lang="fr-FR" sz="2800" dirty="0"/>
+          </a:p>
+        </p:txBody>
+      </p:sp>
+      <p:sp>
+        <p:nvSpPr>
+          <p:cNvPr id="24" name="ZoneTexte 23"/>
+          <p:cNvSpPr txBox="1"/>
+          <p:nvPr/>
+        </p:nvSpPr>
+        <p:spPr>
+          <a:xfrm>
+            <a:off x="2695198" y="6784155"/>
+            <a:ext cx="256802" cy="261610"/>
+          </a:xfrm>
+          <a:prstGeom prst="rect">
+            <a:avLst/>
+          </a:prstGeom>
+          <a:noFill/>
+        </p:spPr>
+        <p:txBody>
+          <a:bodyPr wrap="none" rtlCol="0">
+            <a:spAutoFit/>
+          </a:bodyPr>
+          <a:lstStyle/>
+          <a:p>
+            <a:r>
+              <a:rPr lang="fr-FR" sz="1100" dirty="0" smtClean="0">
+                <a:solidFill>
+                  <a:srgbClr val="FF0000"/>
+                </a:solidFill>
+              </a:rPr>
+              <a:t>1</a:t>
+            </a:r>
+            <a:endParaRPr lang="fr-FR" sz="1100" dirty="0">
+              <a:solidFill>
+                <a:srgbClr val="FF0000"/>
+              </a:solidFill>
+            </a:endParaRPr>
+          </a:p>
+        </p:txBody>
+      </p:sp>
+      <p:sp>
+        <p:nvSpPr>
+          <p:cNvPr id="27" name="ZoneTexte 26"/>
+          <p:cNvSpPr txBox="1"/>
+          <p:nvPr/>
+        </p:nvSpPr>
+        <p:spPr>
+          <a:xfrm>
+            <a:off x="1331220" y="6300192"/>
+            <a:ext cx="256802" cy="261610"/>
+          </a:xfrm>
+          <a:prstGeom prst="rect">
+            <a:avLst/>
+          </a:prstGeom>
+          <a:noFill/>
+        </p:spPr>
+        <p:txBody>
+          <a:bodyPr wrap="none" rtlCol="0">
+            <a:spAutoFit/>
+          </a:bodyPr>
+          <a:lstStyle/>
+          <a:p>
+            <a:r>
+              <a:rPr lang="fr-FR" sz="1100" dirty="0" smtClean="0">
+                <a:solidFill>
+                  <a:srgbClr val="FF0000"/>
+                </a:solidFill>
+              </a:rPr>
+              <a:t>2</a:t>
+            </a:r>
+            <a:endParaRPr lang="fr-FR" sz="1100" dirty="0">
+              <a:solidFill>
+                <a:srgbClr val="FF0000"/>
+              </a:solidFill>
+            </a:endParaRPr>
+          </a:p>
+        </p:txBody>
+      </p:sp>
+      <p:sp>
+        <p:nvSpPr>
+          <p:cNvPr id="31" name="ZoneTexte 30"/>
+          <p:cNvSpPr txBox="1"/>
+          <p:nvPr/>
+        </p:nvSpPr>
+        <p:spPr>
+          <a:xfrm>
+            <a:off x="2784059" y="7300481"/>
+            <a:ext cx="256802" cy="261610"/>
+          </a:xfrm>
+          <a:prstGeom prst="rect">
+            <a:avLst/>
+          </a:prstGeom>
+          <a:noFill/>
+        </p:spPr>
+        <p:txBody>
+          <a:bodyPr wrap="none" rtlCol="0">
+            <a:spAutoFit/>
+          </a:bodyPr>
+          <a:lstStyle/>
+          <a:p>
+            <a:r>
+              <a:rPr lang="fr-FR" sz="1100" dirty="0" smtClean="0">
+                <a:solidFill>
+                  <a:srgbClr val="FF0000"/>
+                </a:solidFill>
+              </a:rPr>
+              <a:t>3</a:t>
+            </a:r>
+            <a:endParaRPr lang="fr-FR" sz="1100" dirty="0">
+              <a:solidFill>
+                <a:srgbClr val="FF0000"/>
+              </a:solidFill>
+            </a:endParaRPr>
+          </a:p>
+        </p:txBody>
+      </p:sp>
+      <p:sp>
+        <p:nvSpPr>
+          <p:cNvPr id="2" name="Rectangle 1"/>
+          <p:cNvSpPr/>
+          <p:nvPr/>
+        </p:nvSpPr>
+        <p:spPr>
+          <a:xfrm>
+            <a:off x="3114000" y="7343162"/>
+            <a:ext cx="433387" cy="130805"/>
+          </a:xfrm>
+          <a:prstGeom prst="rect">
+            <a:avLst/>
+          </a:prstGeom>
+          <a:noFill/>
+          <a:ln>
+            <a:solidFill>
+              <a:srgbClr val="FF0000"/>
+            </a:solidFill>
+          </a:ln>
+        </p:spPr>
+        <p:style>
+          <a:lnRef idx="2">
+            <a:schemeClr val="accent1">
+              <a:shade val="50000"/>
+            </a:schemeClr>
+          </a:lnRef>
+          <a:fillRef idx="1">
+            <a:schemeClr val="accent1"/>
+          </a:fillRef>
+          <a:effectRef idx="0">
+            <a:schemeClr val="accent1"/>
+          </a:effectRef>
+          <a:fontRef idx="minor">
+            <a:schemeClr val="lt1"/>
+          </a:fontRef>
+        </p:style>
+        <p:txBody>
+          <a:bodyPr rtlCol="0" anchor="ctr"/>
+          <a:lstStyle/>
+          <a:p>
+            <a:pPr algn="ctr"/>
+            <a:endParaRPr lang="fr-FR" sz="2800"/>
+          </a:p>
+        </p:txBody>
+      </p:sp>
+      <p:sp>
+        <p:nvSpPr>
+          <p:cNvPr id="32" name="ZoneTexte 31"/>
+          <p:cNvSpPr txBox="1"/>
+          <p:nvPr/>
+        </p:nvSpPr>
+        <p:spPr>
+          <a:xfrm>
+            <a:off x="2708920" y="3219741"/>
+            <a:ext cx="256802" cy="261610"/>
+          </a:xfrm>
+          <a:prstGeom prst="rect">
+            <a:avLst/>
+          </a:prstGeom>
+          <a:noFill/>
+        </p:spPr>
+        <p:txBody>
+          <a:bodyPr wrap="none" rtlCol="0">
+            <a:spAutoFit/>
+          </a:bodyPr>
+          <a:lstStyle/>
+          <a:p>
+            <a:r>
+              <a:rPr lang="fr-FR" sz="1100" dirty="0" smtClean="0">
+                <a:solidFill>
+                  <a:srgbClr val="FF0000"/>
+                </a:solidFill>
+              </a:rPr>
+              <a:t>1</a:t>
+            </a:r>
+            <a:endParaRPr lang="fr-FR" sz="1100" dirty="0">
+              <a:solidFill>
+                <a:srgbClr val="FF0000"/>
+              </a:solidFill>
+            </a:endParaRPr>
+          </a:p>
+        </p:txBody>
+      </p:sp>
+      <p:sp>
+        <p:nvSpPr>
+          <p:cNvPr id="34" name="ZoneTexte 33"/>
+          <p:cNvSpPr txBox="1"/>
+          <p:nvPr/>
+        </p:nvSpPr>
+        <p:spPr>
+          <a:xfrm>
+            <a:off x="2306534" y="3600231"/>
+            <a:ext cx="256802" cy="261610"/>
+          </a:xfrm>
+          <a:prstGeom prst="rect">
+            <a:avLst/>
+          </a:prstGeom>
+          <a:noFill/>
+        </p:spPr>
+        <p:txBody>
+          <a:bodyPr wrap="none" rtlCol="0">
+            <a:spAutoFit/>
+          </a:bodyPr>
+          <a:lstStyle/>
+          <a:p>
+            <a:r>
+              <a:rPr lang="fr-FR" sz="1100" dirty="0" smtClean="0">
+                <a:solidFill>
+                  <a:srgbClr val="FF0000"/>
+                </a:solidFill>
+              </a:rPr>
+              <a:t>2</a:t>
+            </a:r>
+            <a:endParaRPr lang="fr-FR" sz="1100" dirty="0">
+              <a:solidFill>
+                <a:srgbClr val="FF0000"/>
+              </a:solidFill>
+            </a:endParaRPr>
+          </a:p>
+        </p:txBody>
+      </p:sp>
+    </p:spTree>
+    <p:extLst>
+      <p:ext uri="{BB962C8B-B14F-4D97-AF65-F5344CB8AC3E}">
+        <p14:creationId xmlns:p14="http://schemas.microsoft.com/office/powerpoint/2010/main" val="3082716381"/>
+      </p:ext>
+    </p:extLst>
+  </p:cSld>
+  <p:clrMapOvr>
+    <a:masterClrMapping/>
+  </p:clrMapOvr>
+  <mc:AlternateContent xmlns:mc="http://schemas.openxmlformats.org/markup-compatibility/2006" xmlns:p14="http://schemas.microsoft.com/office/powerpoint/2010/main">
+    <mc:Choice Requires="p14">
+      <p:transition spd="med" p14:dur="700">
+        <p:fade/>
+      </p:transition>
+    </mc:Choice>
+    <mc:Fallback xmlns="">
+      <p:transition spd="med">
+        <p:fade/>
+      </p:transition>
+    </mc:Fallback>
+  </mc:AlternateContent>
+  <p:timing>
+    <p:tnLst>
+      <p:par>
+        <p:cTn id="1" dur="indefinite" restart="never" nodeType="tmRoot"/>
+      </p:par>
+    </p:tnLst>
+  </p:timing>
+</p:sld>
+</file>
+
 <file path=ppt/slides/slide2.xml><?xml version="1.0" encoding="utf-8"?>
 <p:sld xmlns:a="http://schemas.openxmlformats.org/drawingml/2006/main" xmlns:r="http://schemas.openxmlformats.org/officeDocument/2006/relationships" xmlns:p="http://schemas.openxmlformats.org/presentationml/2006/main">
   <p:cSld>
@@ -5514,6 +7419,7 @@
           </a:bodyPr>
           <a:lstStyle/>
           <a:p>
+            <a:pPr algn="just"/>
             <a:r>
               <a:rPr lang="fr-FR" dirty="0"/>
               <a:t>Pour vous connecter, entrez votre pseudo et mot de passe puis cliquez sur </a:t>
@@ -5532,6 +7438,7 @@
             </a:r>
           </a:p>
           <a:p>
+            <a:pPr algn="just"/>
             <a:r>
               <a:rPr lang="fr-FR" dirty="0"/>
               <a:t>Si vous n’êtes pas inscrit sur le quiz, vous pouvez le faire en cliquant sur </a:t>
@@ -5750,7 +7657,7 @@
           </a:bodyPr>
           <a:lstStyle/>
           <a:p>
-            <a:pPr marL="0" marR="0" lvl="0" indent="0" algn="l" defTabSz="914400" rtl="0" eaLnBrk="1" fontAlgn="base" latinLnBrk="0" hangingPunct="1">
+            <a:pPr marL="0" marR="0" lvl="0" indent="0" algn="just" defTabSz="914400" rtl="0" eaLnBrk="1" fontAlgn="base" latinLnBrk="0" hangingPunct="1">
               <a:lnSpc>
                 <a:spcPct val="100000"/>
               </a:lnSpc>
@@ -5792,7 +7699,7 @@
             </a:endParaRPr>
           </a:p>
           <a:p>
-            <a:pPr marL="0" marR="0" lvl="0" indent="0" algn="l" defTabSz="914400" rtl="0" eaLnBrk="0" fontAlgn="base" latinLnBrk="0" hangingPunct="0">
+            <a:pPr marL="0" marR="0" lvl="0" indent="0" algn="just" defTabSz="914400" rtl="0" eaLnBrk="0" fontAlgn="base" latinLnBrk="0" hangingPunct="0">
               <a:lnSpc>
                 <a:spcPct val="100000"/>
               </a:lnSpc>
@@ -5848,25 +7755,11 @@
                 <a:ea typeface="Calibri" pitchFamily="34" charset="0"/>
                 <a:cs typeface="Times New Roman" pitchFamily="18" charset="0"/>
               </a:rPr>
-              <a:t> afin d’enregistrer votre compte</a:t>
-            </a:r>
-            <a:r>
-              <a:rPr kumimoji="0" lang="fr-FR" altLang="fr-FR" b="0" i="0" u="none" strike="noStrike" cap="none" normalizeH="0" baseline="0" dirty="0" smtClean="0">
-                <a:ln>
-                  <a:noFill/>
-                </a:ln>
-                <a:solidFill>
-                  <a:schemeClr val="tx1"/>
-                </a:solidFill>
-                <a:effectLst/>
-                <a:ea typeface="Calibri" pitchFamily="34" charset="0"/>
-                <a:cs typeface="Times New Roman" pitchFamily="18" charset="0"/>
-              </a:rPr>
-              <a:t>.</a:t>
-            </a:r>
-          </a:p>
-          <a:p>
-            <a:pPr marL="0" marR="0" lvl="0" indent="0" algn="l" defTabSz="914400" rtl="0" eaLnBrk="0" fontAlgn="base" latinLnBrk="0" hangingPunct="0">
+              <a:t> afin d’enregistrer votre compte.</a:t>
+            </a:r>
+          </a:p>
+          <a:p>
+            <a:pPr marL="0" marR="0" lvl="0" indent="0" algn="just" defTabSz="914400" rtl="0" eaLnBrk="0" fontAlgn="base" latinLnBrk="0" hangingPunct="0">
               <a:lnSpc>
                 <a:spcPct val="100000"/>
               </a:lnSpc>
@@ -5905,8 +7798,8 @@
         </p:nvSpPr>
         <p:spPr bwMode="auto">
           <a:xfrm>
-            <a:off x="3645024" y="7127121"/>
-            <a:ext cx="2910457" cy="1754326"/>
+            <a:off x="3645024" y="7164288"/>
+            <a:ext cx="3190920" cy="1477328"/>
           </a:xfrm>
           <a:prstGeom prst="rect">
             <a:avLst/>
@@ -5954,7 +7847,7 @@
           </a:bodyPr>
           <a:lstStyle/>
           <a:p>
-            <a:pPr marL="0" marR="0" lvl="0" indent="0" algn="l" defTabSz="914400" rtl="0" eaLnBrk="0" fontAlgn="base" latinLnBrk="0" hangingPunct="0">
+            <a:pPr marL="0" marR="0" lvl="0" indent="0" algn="just" defTabSz="914400" rtl="0" eaLnBrk="0" fontAlgn="base" latinLnBrk="0" hangingPunct="0">
               <a:lnSpc>
                 <a:spcPct val="100000"/>
               </a:lnSpc>
@@ -5982,21 +7875,7 @@
                 <a:ea typeface="Calibri" pitchFamily="34" charset="0"/>
                 <a:cs typeface="Times New Roman" pitchFamily="18" charset="0"/>
               </a:rPr>
-              <a:t>Une fois cela fait, vous n’avez plus qu’à </a:t>
-            </a:r>
-            <a:r>
-              <a:rPr kumimoji="0" lang="fr-FR" altLang="fr-FR" b="0" i="0" u="none" strike="noStrike" cap="none" normalizeH="0" baseline="0" dirty="0" smtClean="0">
-                <a:ln>
-                  <a:noFill/>
-                </a:ln>
-                <a:solidFill>
-                  <a:schemeClr val="tx1"/>
-                </a:solidFill>
-                <a:effectLst/>
-                <a:ea typeface="Calibri" pitchFamily="34" charset="0"/>
-                <a:cs typeface="Times New Roman" pitchFamily="18" charset="0"/>
-              </a:rPr>
-              <a:t>vous connecter.</a:t>
+              <a:t>Une fois cela fait, vous n’avez plus qu’à vous connecter.</a:t>
             </a:r>
             <a:r>
               <a:rPr kumimoji="0" lang="fr-FR" altLang="fr-FR" b="0" i="0" u="none" strike="noStrike" cap="none" normalizeH="0" dirty="0" smtClean="0">
@@ -6024,21 +7903,7 @@
                 <a:ea typeface="Calibri" pitchFamily="34" charset="0"/>
                 <a:cs typeface="Times New Roman" pitchFamily="18" charset="0"/>
               </a:rPr>
-              <a:t> </a:t>
-            </a:r>
-            <a:r>
-              <a:rPr kumimoji="0" lang="fr-FR" altLang="fr-FR" b="0" i="0" u="none" strike="noStrike" cap="none" normalizeH="0" baseline="0" dirty="0" smtClean="0">
-                <a:ln>
-                  <a:noFill/>
-                </a:ln>
-                <a:solidFill>
-                  <a:schemeClr val="tx1"/>
-                </a:solidFill>
-                <a:effectLst/>
-                <a:ea typeface="Calibri" pitchFamily="34" charset="0"/>
-                <a:cs typeface="Times New Roman" pitchFamily="18" charset="0"/>
-              </a:rPr>
-              <a:t>en cliquant sur </a:t>
+              <a:t> en cliquant sur </a:t>
             </a:r>
             <a:r>
               <a:rPr kumimoji="0" lang="fr-FR" altLang="fr-FR" b="1" i="0" u="none" strike="noStrike" cap="none" normalizeH="0" baseline="0" dirty="0" smtClean="0">
@@ -6625,6 +8490,7 @@
           </a:bodyPr>
           <a:lstStyle/>
           <a:p>
+            <a:pPr algn="just"/>
             <a:r>
               <a:rPr lang="fr-FR" dirty="0" smtClean="0"/>
               <a:t>Durant </a:t>
@@ -6635,6 +8501,7 @@
             </a:r>
           </a:p>
           <a:p>
+            <a:pPr algn="just"/>
             <a:r>
               <a:rPr lang="fr-FR" dirty="0"/>
               <a:t>Cette barre de menu comporte plusieurs zones ainsi que plusieurs boutons.</a:t>
@@ -7209,6 +9076,7 @@
           </a:bodyPr>
           <a:lstStyle/>
           <a:p>
+            <a:pPr algn="just"/>
             <a:r>
               <a:rPr lang="fr-FR" dirty="0" smtClean="0"/>
               <a:t>Afin de naviguer dans l’application, vous avez le choix entre quatre boutons.</a:t>
@@ -7548,37 +9416,10 @@
           </a:bodyPr>
           <a:lstStyle/>
           <a:p>
+            <a:pPr algn="just"/>
             <a:r>
               <a:rPr lang="fr-FR" dirty="0" smtClean="0"/>
-              <a:t>Les crédits </a:t>
-            </a:r>
-            <a:r>
-              <a:rPr lang="fr-FR" dirty="0" smtClean="0"/>
-              <a:t>regroupent</a:t>
-            </a:r>
-            <a:r>
-              <a:rPr lang="fr-FR" dirty="0" smtClean="0"/>
-              <a:t> </a:t>
-            </a:r>
-            <a:r>
-              <a:rPr lang="fr-FR" dirty="0" smtClean="0"/>
-              <a:t>l’ensemble </a:t>
-            </a:r>
-            <a:r>
-              <a:rPr lang="fr-FR" dirty="0" smtClean="0"/>
-              <a:t>des membres de </a:t>
-            </a:r>
-            <a:r>
-              <a:rPr lang="fr-FR" dirty="0" smtClean="0"/>
-              <a:t>l’équipe qui </a:t>
-            </a:r>
-            <a:r>
-              <a:rPr lang="fr-FR" dirty="0" smtClean="0"/>
-              <a:t>ont </a:t>
-            </a:r>
-            <a:r>
-              <a:rPr lang="fr-FR" dirty="0" smtClean="0"/>
-              <a:t>contribué à la réalisation de l’application.</a:t>
+              <a:t>Les crédits regroupent l’ensemble des membres de l’équipe qui ont contribué à la réalisation de l’application.</a:t>
             </a:r>
           </a:p>
         </p:txBody>
@@ -7605,6 +9446,7 @@
           </a:bodyPr>
           <a:lstStyle/>
           <a:p>
+            <a:pPr algn="just"/>
             <a:r>
               <a:rPr lang="fr-FR" dirty="0" smtClean="0"/>
               <a:t>La partie Statistiques vous permet d’obtenir des informations sur vos parties jouées.</a:t>
@@ -8075,249 +9917,9 @@
           <a:chExt cx="0" cy="0"/>
         </a:xfrm>
       </p:grpSpPr>
-      <p:sp>
-        <p:nvSpPr>
-          <p:cNvPr id="10" name="ZoneTexte 9"/>
-          <p:cNvSpPr txBox="1"/>
-          <p:nvPr/>
-        </p:nvSpPr>
-        <p:spPr>
-          <a:xfrm>
-            <a:off x="3653195" y="2108627"/>
-            <a:ext cx="3204805" cy="2031325"/>
-          </a:xfrm>
-          <a:prstGeom prst="rect">
-            <a:avLst/>
-          </a:prstGeom>
-          <a:noFill/>
-        </p:spPr>
-        <p:txBody>
-          <a:bodyPr wrap="square" rtlCol="0">
-            <a:spAutoFit/>
-          </a:bodyPr>
-          <a:lstStyle/>
-          <a:p>
-            <a:r>
-              <a:rPr lang="fr-FR" dirty="0" smtClean="0"/>
-              <a:t>Quand vous cliquez sur JOUER dans l’accueil, vous aller devoir via cette fenêtre, choisir le quiz auquel vous souhaitez jouer.</a:t>
-            </a:r>
-            <a:endParaRPr lang="fr-FR" dirty="0"/>
-          </a:p>
-          <a:p>
-            <a:r>
-              <a:rPr lang="fr-FR" dirty="0">
-                <a:solidFill>
-                  <a:srgbClr val="FF0000"/>
-                </a:solidFill>
-              </a:rPr>
-              <a:t>1</a:t>
-            </a:r>
-            <a:r>
-              <a:rPr lang="fr-FR" dirty="0"/>
-              <a:t> : </a:t>
-            </a:r>
-            <a:r>
-              <a:rPr lang="fr-FR" dirty="0" smtClean="0"/>
-              <a:t>Filtrez les quiz selon vos choix de difficulté.</a:t>
-            </a:r>
-            <a:endParaRPr lang="fr-FR" dirty="0"/>
-          </a:p>
-          <a:p>
-            <a:r>
-              <a:rPr lang="fr-FR" dirty="0">
-                <a:solidFill>
-                  <a:srgbClr val="FF0000"/>
-                </a:solidFill>
-              </a:rPr>
-              <a:t>2</a:t>
-            </a:r>
-            <a:r>
-              <a:rPr lang="fr-FR" dirty="0"/>
-              <a:t> : </a:t>
-            </a:r>
-            <a:r>
-              <a:rPr lang="fr-FR" dirty="0" smtClean="0"/>
-              <a:t>Jouer au quiz sélectionné.</a:t>
-            </a:r>
-            <a:endParaRPr lang="fr-FR" dirty="0"/>
-          </a:p>
-        </p:txBody>
-      </p:sp>
-      <p:sp>
-        <p:nvSpPr>
-          <p:cNvPr id="11" name="ZoneTexte 10"/>
-          <p:cNvSpPr txBox="1"/>
-          <p:nvPr/>
-        </p:nvSpPr>
-        <p:spPr>
-          <a:xfrm>
-            <a:off x="1588022" y="1934126"/>
-            <a:ext cx="256802" cy="261610"/>
-          </a:xfrm>
-          <a:prstGeom prst="rect">
-            <a:avLst/>
-          </a:prstGeom>
-          <a:noFill/>
-        </p:spPr>
-        <p:txBody>
-          <a:bodyPr wrap="none" rtlCol="0">
-            <a:spAutoFit/>
-          </a:bodyPr>
-          <a:lstStyle/>
-          <a:p>
-            <a:r>
-              <a:rPr lang="fr-FR" sz="1100" dirty="0" smtClean="0">
-                <a:solidFill>
-                  <a:srgbClr val="00B050"/>
-                </a:solidFill>
-              </a:rPr>
-              <a:t>1</a:t>
-            </a:r>
-            <a:endParaRPr lang="fr-FR" sz="1100" dirty="0">
-              <a:solidFill>
-                <a:srgbClr val="00B050"/>
-              </a:solidFill>
-            </a:endParaRPr>
-          </a:p>
-        </p:txBody>
-      </p:sp>
-      <p:sp>
-        <p:nvSpPr>
-          <p:cNvPr id="24" name="ZoneTexte 23"/>
-          <p:cNvSpPr txBox="1"/>
-          <p:nvPr/>
-        </p:nvSpPr>
-        <p:spPr>
-          <a:xfrm>
-            <a:off x="3672408" y="5487193"/>
-            <a:ext cx="2852936" cy="2446824"/>
-          </a:xfrm>
-          <a:prstGeom prst="rect">
-            <a:avLst/>
-          </a:prstGeom>
-          <a:noFill/>
-        </p:spPr>
-        <p:txBody>
-          <a:bodyPr wrap="square" rtlCol="0">
-            <a:spAutoFit/>
-          </a:bodyPr>
-          <a:lstStyle/>
-          <a:p>
-            <a:r>
-              <a:rPr lang="fr-FR" sz="1700" dirty="0" smtClean="0"/>
-              <a:t>Quand vous commencer la partie, vous avez le temps imparti pour répondre au questions et valider le quiz.</a:t>
-            </a:r>
-          </a:p>
-          <a:p>
-            <a:r>
-              <a:rPr lang="fr-FR" sz="1700" dirty="0" smtClean="0">
-                <a:solidFill>
-                  <a:srgbClr val="FF0000"/>
-                </a:solidFill>
-              </a:rPr>
-              <a:t>1</a:t>
-            </a:r>
-            <a:r>
-              <a:rPr lang="fr-FR" sz="1700" dirty="0" smtClean="0"/>
-              <a:t> : changer de questions comme vous voulez. Si le cadre est vert c’est que vous avez répondu sinon il est gris. Le bleu signifie que vous ne</a:t>
-            </a:r>
-            <a:endParaRPr lang="fr-FR" sz="1700" dirty="0"/>
-          </a:p>
-        </p:txBody>
-      </p:sp>
-      <p:sp>
-        <p:nvSpPr>
-          <p:cNvPr id="25" name="ZoneTexte 24"/>
-          <p:cNvSpPr txBox="1"/>
-          <p:nvPr/>
-        </p:nvSpPr>
-        <p:spPr>
-          <a:xfrm>
-            <a:off x="476672" y="421958"/>
-            <a:ext cx="3137397" cy="523220"/>
-          </a:xfrm>
-          <a:prstGeom prst="rect">
-            <a:avLst/>
-          </a:prstGeom>
-          <a:noFill/>
-        </p:spPr>
-        <p:txBody>
-          <a:bodyPr wrap="none" rtlCol="0">
-            <a:spAutoFit/>
-          </a:bodyPr>
-          <a:lstStyle/>
-          <a:p>
-            <a:r>
-              <a:rPr lang="fr-FR" sz="2800" dirty="0" smtClean="0"/>
-              <a:t>III / Jouer une partie</a:t>
-            </a:r>
-            <a:endParaRPr lang="fr-FR" sz="2800" dirty="0"/>
-          </a:p>
-        </p:txBody>
-      </p:sp>
-      <p:sp>
-        <p:nvSpPr>
-          <p:cNvPr id="26" name="ZoneTexte 25"/>
-          <p:cNvSpPr txBox="1"/>
-          <p:nvPr/>
-        </p:nvSpPr>
-        <p:spPr>
-          <a:xfrm>
-            <a:off x="977229" y="1384484"/>
-            <a:ext cx="2759089" cy="523220"/>
-          </a:xfrm>
-          <a:prstGeom prst="rect">
-            <a:avLst/>
-          </a:prstGeom>
-          <a:noFill/>
-        </p:spPr>
-        <p:txBody>
-          <a:bodyPr wrap="none" rtlCol="0">
-            <a:spAutoFit/>
-          </a:bodyPr>
-          <a:lstStyle/>
-          <a:p>
-            <a:r>
-              <a:rPr lang="fr-FR" sz="2800" dirty="0" smtClean="0"/>
-              <a:t>Sélection du quiz:</a:t>
-            </a:r>
-            <a:endParaRPr lang="fr-FR" sz="2800" dirty="0"/>
-          </a:p>
-        </p:txBody>
-      </p:sp>
-      <p:sp>
-        <p:nvSpPr>
-          <p:cNvPr id="27" name="ZoneTexte 26"/>
-          <p:cNvSpPr txBox="1"/>
-          <p:nvPr/>
-        </p:nvSpPr>
-        <p:spPr>
-          <a:xfrm>
-            <a:off x="977229" y="5056892"/>
-            <a:ext cx="2282997" cy="523220"/>
-          </a:xfrm>
-          <a:prstGeom prst="rect">
-            <a:avLst/>
-          </a:prstGeom>
-          <a:noFill/>
-        </p:spPr>
-        <p:txBody>
-          <a:bodyPr wrap="none" rtlCol="0">
-            <a:spAutoFit/>
-          </a:bodyPr>
-          <a:lstStyle/>
-          <a:p>
-            <a:r>
-              <a:rPr lang="fr-FR" sz="2800" dirty="0" smtClean="0"/>
-              <a:t>Jouer au quiz :</a:t>
-            </a:r>
-            <a:endParaRPr lang="fr-FR" sz="2800" dirty="0"/>
-          </a:p>
-        </p:txBody>
-      </p:sp>
       <p:pic>
         <p:nvPicPr>
-          <p:cNvPr id="2" name="Image 1" descr="(&gt; o _ o )&gt;          --[__W  A  R___Q  U  I  Z__]--          &lt;[ x _ x &lt;]"/>
+          <p:cNvPr id="18" name="Image 17" descr="(&gt; o _ o )&gt;          --[__W  A  R___Q  U  I  Z__]--          &lt;[ x _ x &lt;]"/>
           <p:cNvPicPr>
             <a:picLocks noChangeAspect="1"/>
           </p:cNvPicPr>
@@ -8337,8 +9939,8 @@
         </p:blipFill>
         <p:spPr>
           <a:xfrm>
-            <a:off x="548679" y="1907704"/>
-            <a:ext cx="3104515" cy="2399217"/>
+            <a:off x="562031" y="1887711"/>
+            <a:ext cx="3094439" cy="2391431"/>
           </a:xfrm>
           <a:prstGeom prst="rect">
             <a:avLst/>
@@ -8347,106 +9949,83 @@
       </p:pic>
       <p:sp>
         <p:nvSpPr>
-          <p:cNvPr id="3" name="Rectangle 2"/>
-          <p:cNvSpPr/>
-          <p:nvPr/>
-        </p:nvSpPr>
-        <p:spPr>
-          <a:xfrm>
-            <a:off x="727200" y="2822400"/>
-            <a:ext cx="1501200" cy="1090800"/>
-          </a:xfrm>
-          <a:prstGeom prst="rect">
-            <a:avLst/>
-          </a:prstGeom>
-          <a:noFill/>
-          <a:ln>
-            <a:solidFill>
-              <a:srgbClr val="FF0000"/>
-            </a:solidFill>
-          </a:ln>
-        </p:spPr>
-        <p:style>
-          <a:lnRef idx="2">
-            <a:schemeClr val="accent1">
-              <a:shade val="50000"/>
-            </a:schemeClr>
-          </a:lnRef>
-          <a:fillRef idx="1">
-            <a:schemeClr val="accent1"/>
-          </a:fillRef>
-          <a:effectRef idx="0">
-            <a:schemeClr val="accent1"/>
-          </a:effectRef>
-          <a:fontRef idx="minor">
-            <a:schemeClr val="lt1"/>
-          </a:fontRef>
-        </p:style>
-        <p:txBody>
-          <a:bodyPr rtlCol="0" anchor="ctr"/>
-          <a:lstStyle/>
-          <a:p>
-            <a:pPr algn="ctr"/>
-            <a:endParaRPr lang="fr-FR" sz="2800"/>
-          </a:p>
-        </p:txBody>
-      </p:sp>
-      <p:sp>
-        <p:nvSpPr>
-          <p:cNvPr id="7" name="Rectangle 6"/>
-          <p:cNvSpPr/>
-          <p:nvPr/>
-        </p:nvSpPr>
-        <p:spPr>
-          <a:xfrm>
-            <a:off x="3114000" y="3477600"/>
-            <a:ext cx="385200" cy="133200"/>
-          </a:xfrm>
-          <a:prstGeom prst="rect">
-            <a:avLst/>
-          </a:prstGeom>
-          <a:noFill/>
-          <a:ln>
-            <a:solidFill>
-              <a:srgbClr val="FF0000"/>
-            </a:solidFill>
-          </a:ln>
-        </p:spPr>
-        <p:style>
-          <a:lnRef idx="2">
-            <a:schemeClr val="accent1">
-              <a:shade val="50000"/>
-            </a:schemeClr>
-          </a:lnRef>
-          <a:fillRef idx="1">
-            <a:schemeClr val="accent1"/>
-          </a:fillRef>
-          <a:effectRef idx="0">
-            <a:schemeClr val="accent1"/>
-          </a:effectRef>
-          <a:fontRef idx="minor">
-            <a:schemeClr val="lt1"/>
-          </a:fontRef>
-        </p:style>
-        <p:txBody>
-          <a:bodyPr rtlCol="0" anchor="ctr"/>
-          <a:lstStyle/>
-          <a:p>
-            <a:pPr algn="ctr"/>
-            <a:endParaRPr lang="fr-FR" sz="2800"/>
-          </a:p>
-        </p:txBody>
-      </p:sp>
-      <p:sp>
-        <p:nvSpPr>
-          <p:cNvPr id="28" name="ZoneTexte 27"/>
+          <p:cNvPr id="5" name="ZoneTexte 4"/>
           <p:cNvSpPr txBox="1"/>
           <p:nvPr/>
         </p:nvSpPr>
         <p:spPr>
           <a:xfrm>
-            <a:off x="1961873" y="3651590"/>
-            <a:ext cx="256802" cy="261610"/>
+            <a:off x="3653195" y="2496542"/>
+            <a:ext cx="3204805" cy="2031325"/>
+          </a:xfrm>
+          <a:prstGeom prst="rect">
+            <a:avLst/>
+          </a:prstGeom>
+          <a:noFill/>
+        </p:spPr>
+        <p:txBody>
+          <a:bodyPr wrap="square" rtlCol="0">
+            <a:spAutoFit/>
+          </a:bodyPr>
+          <a:lstStyle/>
+          <a:p>
+            <a:pPr algn="just"/>
+            <a:r>
+              <a:rPr lang="fr-FR" dirty="0" smtClean="0"/>
+              <a:t>Vous pouvez choisir un thème pour votre application parmi 3 au choix. </a:t>
+            </a:r>
+          </a:p>
+          <a:p>
+            <a:pPr algn="just"/>
+            <a:r>
+              <a:rPr lang="fr-FR" dirty="0" smtClean="0"/>
+              <a:t>Cliquez sur un thème puis valider pour retourner là où vous étiez avant de cliquer sur le bouton d’option.</a:t>
+            </a:r>
+            <a:endParaRPr lang="fr-FR" dirty="0" smtClean="0"/>
+          </a:p>
+        </p:txBody>
+      </p:sp>
+      <p:sp>
+        <p:nvSpPr>
+          <p:cNvPr id="6" name="ZoneTexte 5"/>
+          <p:cNvSpPr txBox="1"/>
+          <p:nvPr/>
+        </p:nvSpPr>
+        <p:spPr>
+          <a:xfrm>
+            <a:off x="620688" y="4537696"/>
+            <a:ext cx="5760640" cy="369332"/>
+          </a:xfrm>
+          <a:prstGeom prst="rect">
+            <a:avLst/>
+          </a:prstGeom>
+          <a:noFill/>
+        </p:spPr>
+        <p:txBody>
+          <a:bodyPr wrap="square" rtlCol="0">
+            <a:spAutoFit/>
+          </a:bodyPr>
+          <a:lstStyle/>
+          <a:p>
+            <a:pPr algn="just"/>
+            <a:r>
+              <a:rPr lang="fr-FR" dirty="0" smtClean="0"/>
+              <a:t>Vous pouvez changer de thème à tout moment.</a:t>
+            </a:r>
+            <a:endParaRPr lang="fr-FR" dirty="0" smtClean="0"/>
+          </a:p>
+        </p:txBody>
+      </p:sp>
+      <p:sp>
+        <p:nvSpPr>
+          <p:cNvPr id="7" name="ZoneTexte 6"/>
+          <p:cNvSpPr txBox="1"/>
+          <p:nvPr/>
+        </p:nvSpPr>
+        <p:spPr>
+          <a:xfrm>
+            <a:off x="476672" y="421958"/>
+            <a:ext cx="2181238" cy="523220"/>
           </a:xfrm>
           <a:prstGeom prst="rect">
             <a:avLst/>
@@ -8460,31 +10039,23 @@
           <a:lstStyle/>
           <a:p>
             <a:r>
-              <a:rPr lang="fr-FR" sz="1100" dirty="0" smtClean="0">
-                <a:solidFill>
-                  <a:srgbClr val="FF0000"/>
-                </a:solidFill>
-              </a:rPr>
-              <a:t>1</a:t>
-            </a:r>
-            <a:endParaRPr lang="fr-FR" sz="1100" dirty="0">
-              <a:solidFill>
-                <a:srgbClr val="FF0000"/>
-              </a:solidFill>
-            </a:endParaRPr>
-          </a:p>
-        </p:txBody>
-      </p:sp>
-      <p:sp>
-        <p:nvSpPr>
-          <p:cNvPr id="29" name="ZoneTexte 28"/>
+              <a:rPr lang="fr-FR" sz="2800" dirty="0" smtClean="0"/>
+              <a:t>II / Utilisateur</a:t>
+            </a:r>
+            <a:endParaRPr lang="fr-FR" sz="2800" dirty="0"/>
+          </a:p>
+        </p:txBody>
+      </p:sp>
+      <p:sp>
+        <p:nvSpPr>
+          <p:cNvPr id="15" name="ZoneTexte 14"/>
           <p:cNvSpPr txBox="1"/>
           <p:nvPr/>
         </p:nvSpPr>
         <p:spPr>
           <a:xfrm>
-            <a:off x="3306600" y="3413395"/>
-            <a:ext cx="256802" cy="261610"/>
+            <a:off x="977229" y="1384484"/>
+            <a:ext cx="2007281" cy="523220"/>
           </a:xfrm>
           <a:prstGeom prst="rect">
             <a:avLst/>
@@ -8498,715 +10069,25 @@
           <a:lstStyle/>
           <a:p>
             <a:r>
-              <a:rPr lang="fr-FR" sz="1100" dirty="0" smtClean="0">
-                <a:solidFill>
-                  <a:srgbClr val="FF0000"/>
-                </a:solidFill>
-              </a:rPr>
-              <a:t>2</a:t>
-            </a:r>
-            <a:endParaRPr lang="fr-FR" sz="1100" dirty="0">
-              <a:solidFill>
-                <a:srgbClr val="FF0000"/>
-              </a:solidFill>
-            </a:endParaRPr>
-          </a:p>
-        </p:txBody>
-      </p:sp>
-      <p:pic>
-        <p:nvPicPr>
-          <p:cNvPr id="4" name="Image 3" descr="(&gt; o _ o )&gt;          --[__W  A  R___Q  U  I  Z__]--          &lt;[ x _ x &lt;]"/>
-          <p:cNvPicPr>
-            <a:picLocks noChangeAspect="1"/>
-          </p:cNvPicPr>
-          <p:nvPr/>
-        </p:nvPicPr>
-        <p:blipFill>
-          <a:blip r:embed="rId3" cstate="print">
-            <a:extLst>
-              <a:ext uri="{28A0092B-C50C-407E-A947-70E740481C1C}">
-                <a14:useLocalDpi xmlns:a14="http://schemas.microsoft.com/office/drawing/2010/main" val="0"/>
-              </a:ext>
-            </a:extLst>
-          </a:blip>
-          <a:stretch>
-            <a:fillRect/>
-          </a:stretch>
-        </p:blipFill>
-        <p:spPr>
-          <a:xfrm>
-            <a:off x="548680" y="5555723"/>
-            <a:ext cx="3106372" cy="2400653"/>
-          </a:xfrm>
-          <a:prstGeom prst="rect">
-            <a:avLst/>
-          </a:prstGeom>
-        </p:spPr>
-      </p:pic>
-      <p:sp>
-        <p:nvSpPr>
-          <p:cNvPr id="5" name="Rectangle 4"/>
-          <p:cNvSpPr/>
-          <p:nvPr/>
-        </p:nvSpPr>
-        <p:spPr>
-          <a:xfrm>
-            <a:off x="1998000" y="5799600"/>
-            <a:ext cx="1224000" cy="90000"/>
-          </a:xfrm>
-          <a:prstGeom prst="rect">
-            <a:avLst/>
-          </a:prstGeom>
-          <a:noFill/>
-          <a:ln>
-            <a:solidFill>
-              <a:srgbClr val="FF0000"/>
-            </a:solidFill>
-          </a:ln>
-        </p:spPr>
-        <p:style>
-          <a:lnRef idx="2">
-            <a:schemeClr val="accent1">
-              <a:shade val="50000"/>
-            </a:schemeClr>
-          </a:lnRef>
-          <a:fillRef idx="1">
-            <a:schemeClr val="accent1"/>
-          </a:fillRef>
-          <a:effectRef idx="0">
-            <a:schemeClr val="accent1"/>
-          </a:effectRef>
-          <a:fontRef idx="minor">
-            <a:schemeClr val="lt1"/>
-          </a:fontRef>
-        </p:style>
-        <p:txBody>
-          <a:bodyPr rtlCol="0" anchor="ctr"/>
-          <a:lstStyle/>
-          <a:p>
-            <a:pPr algn="ctr"/>
-            <a:endParaRPr lang="fr-FR" sz="2800"/>
-          </a:p>
-        </p:txBody>
-      </p:sp>
-      <p:sp>
-        <p:nvSpPr>
-          <p:cNvPr id="6" name="Rectangle 5"/>
-          <p:cNvSpPr/>
-          <p:nvPr/>
-        </p:nvSpPr>
-        <p:spPr>
-          <a:xfrm>
-            <a:off x="620688" y="6372200"/>
-            <a:ext cx="1800200" cy="1512168"/>
-          </a:xfrm>
-          <a:prstGeom prst="rect">
-            <a:avLst/>
-          </a:prstGeom>
-          <a:noFill/>
-          <a:ln>
-            <a:solidFill>
-              <a:srgbClr val="FF0000"/>
-            </a:solidFill>
-          </a:ln>
-        </p:spPr>
-        <p:style>
-          <a:lnRef idx="2">
-            <a:schemeClr val="accent1">
-              <a:shade val="50000"/>
-            </a:schemeClr>
-          </a:lnRef>
-          <a:fillRef idx="1">
-            <a:schemeClr val="accent1"/>
-          </a:fillRef>
-          <a:effectRef idx="0">
-            <a:schemeClr val="accent1"/>
-          </a:effectRef>
-          <a:fontRef idx="minor">
-            <a:schemeClr val="lt1"/>
-          </a:fontRef>
-        </p:style>
-        <p:txBody>
-          <a:bodyPr rtlCol="0" anchor="ctr"/>
-          <a:lstStyle/>
-          <a:p>
-            <a:pPr algn="ctr"/>
-            <a:endParaRPr lang="fr-FR" sz="2800"/>
-          </a:p>
-        </p:txBody>
-      </p:sp>
-      <p:sp>
-        <p:nvSpPr>
-          <p:cNvPr id="8" name="Rectangle 7"/>
-          <p:cNvSpPr/>
-          <p:nvPr/>
-        </p:nvSpPr>
-        <p:spPr>
-          <a:xfrm>
-            <a:off x="764704" y="6174000"/>
-            <a:ext cx="750600" cy="144016"/>
-          </a:xfrm>
-          <a:prstGeom prst="rect">
-            <a:avLst/>
-          </a:prstGeom>
-          <a:noFill/>
-          <a:ln>
-            <a:solidFill>
-              <a:srgbClr val="FF0000"/>
-            </a:solidFill>
-          </a:ln>
-        </p:spPr>
-        <p:style>
-          <a:lnRef idx="2">
-            <a:schemeClr val="accent1">
-              <a:shade val="50000"/>
-            </a:schemeClr>
-          </a:lnRef>
-          <a:fillRef idx="1">
-            <a:schemeClr val="accent1"/>
-          </a:fillRef>
-          <a:effectRef idx="0">
-            <a:schemeClr val="accent1"/>
-          </a:effectRef>
-          <a:fontRef idx="minor">
-            <a:schemeClr val="lt1"/>
-          </a:fontRef>
-        </p:style>
-        <p:txBody>
-          <a:bodyPr rtlCol="0" anchor="ctr"/>
-          <a:lstStyle/>
-          <a:p>
-            <a:pPr algn="ctr"/>
-            <a:endParaRPr lang="fr-FR" sz="2800"/>
-          </a:p>
-        </p:txBody>
-      </p:sp>
-      <p:sp>
-        <p:nvSpPr>
-          <p:cNvPr id="9" name="Rectangle 8"/>
-          <p:cNvSpPr/>
-          <p:nvPr/>
-        </p:nvSpPr>
-        <p:spPr>
-          <a:xfrm>
-            <a:off x="2286573" y="5940152"/>
-            <a:ext cx="1142427" cy="360040"/>
-          </a:xfrm>
-          <a:prstGeom prst="rect">
-            <a:avLst/>
-          </a:prstGeom>
-          <a:noFill/>
-          <a:ln>
-            <a:solidFill>
-              <a:srgbClr val="FF0000"/>
-            </a:solidFill>
-          </a:ln>
-        </p:spPr>
-        <p:style>
-          <a:lnRef idx="2">
-            <a:schemeClr val="accent1">
-              <a:shade val="50000"/>
-            </a:schemeClr>
-          </a:lnRef>
-          <a:fillRef idx="1">
-            <a:schemeClr val="accent1"/>
-          </a:fillRef>
-          <a:effectRef idx="0">
-            <a:schemeClr val="accent1"/>
-          </a:effectRef>
-          <a:fontRef idx="minor">
-            <a:schemeClr val="lt1"/>
-          </a:fontRef>
-        </p:style>
-        <p:txBody>
-          <a:bodyPr rtlCol="0" anchor="ctr"/>
-          <a:lstStyle/>
-          <a:p>
-            <a:pPr algn="ctr"/>
-            <a:endParaRPr lang="fr-FR" sz="2800"/>
-          </a:p>
-        </p:txBody>
-      </p:sp>
-      <p:sp>
-        <p:nvSpPr>
-          <p:cNvPr id="12" name="Rectangle 11"/>
-          <p:cNvSpPr/>
-          <p:nvPr/>
-        </p:nvSpPr>
-        <p:spPr>
-          <a:xfrm>
-            <a:off x="3110400" y="7826400"/>
-            <a:ext cx="539194" cy="133200"/>
-          </a:xfrm>
-          <a:prstGeom prst="rect">
-            <a:avLst/>
-          </a:prstGeom>
-          <a:noFill/>
-          <a:ln>
-            <a:solidFill>
-              <a:srgbClr val="FF0000"/>
-            </a:solidFill>
-          </a:ln>
-        </p:spPr>
-        <p:style>
-          <a:lnRef idx="2">
-            <a:schemeClr val="accent1">
-              <a:shade val="50000"/>
-            </a:schemeClr>
-          </a:lnRef>
-          <a:fillRef idx="1">
-            <a:schemeClr val="accent1"/>
-          </a:fillRef>
-          <a:effectRef idx="0">
-            <a:schemeClr val="accent1"/>
-          </a:effectRef>
-          <a:fontRef idx="minor">
-            <a:schemeClr val="lt1"/>
-          </a:fontRef>
-        </p:style>
-        <p:txBody>
-          <a:bodyPr rtlCol="0" anchor="ctr"/>
-          <a:lstStyle/>
-          <a:p>
-            <a:pPr algn="ctr"/>
-            <a:endParaRPr lang="fr-FR" sz="2800"/>
-          </a:p>
-        </p:txBody>
-      </p:sp>
-      <p:sp>
-        <p:nvSpPr>
-          <p:cNvPr id="13" name="Rectangle 12"/>
-          <p:cNvSpPr/>
-          <p:nvPr/>
-        </p:nvSpPr>
-        <p:spPr>
-          <a:xfrm>
-            <a:off x="2996952" y="7092280"/>
-            <a:ext cx="527349" cy="144016"/>
-          </a:xfrm>
-          <a:prstGeom prst="rect">
-            <a:avLst/>
-          </a:prstGeom>
-          <a:noFill/>
-          <a:ln>
-            <a:solidFill>
-              <a:srgbClr val="FF0000"/>
-            </a:solidFill>
-          </a:ln>
-        </p:spPr>
-        <p:style>
-          <a:lnRef idx="2">
-            <a:schemeClr val="accent1">
-              <a:shade val="50000"/>
-            </a:schemeClr>
-          </a:lnRef>
-          <a:fillRef idx="1">
-            <a:schemeClr val="accent1"/>
-          </a:fillRef>
-          <a:effectRef idx="0">
-            <a:schemeClr val="accent1"/>
-          </a:effectRef>
-          <a:fontRef idx="minor">
-            <a:schemeClr val="lt1"/>
-          </a:fontRef>
-        </p:style>
-        <p:txBody>
-          <a:bodyPr rtlCol="0" anchor="ctr"/>
-          <a:lstStyle/>
-          <a:p>
-            <a:pPr algn="ctr"/>
-            <a:endParaRPr lang="fr-FR" sz="2800"/>
-          </a:p>
-        </p:txBody>
-      </p:sp>
-      <p:sp>
-        <p:nvSpPr>
-          <p:cNvPr id="17" name="Rectangle 16"/>
-          <p:cNvSpPr/>
-          <p:nvPr/>
-        </p:nvSpPr>
-        <p:spPr>
-          <a:xfrm>
-            <a:off x="3096000" y="7344000"/>
-            <a:ext cx="504000" cy="136800"/>
-          </a:xfrm>
-          <a:prstGeom prst="rect">
-            <a:avLst/>
-          </a:prstGeom>
-          <a:noFill/>
-          <a:ln>
-            <a:solidFill>
-              <a:srgbClr val="FF0000"/>
-            </a:solidFill>
-          </a:ln>
-        </p:spPr>
-        <p:style>
-          <a:lnRef idx="2">
-            <a:schemeClr val="accent1">
-              <a:shade val="50000"/>
-            </a:schemeClr>
-          </a:lnRef>
-          <a:fillRef idx="1">
-            <a:schemeClr val="accent1"/>
-          </a:fillRef>
-          <a:effectRef idx="0">
-            <a:schemeClr val="accent1"/>
-          </a:effectRef>
-          <a:fontRef idx="minor">
-            <a:schemeClr val="lt1"/>
-          </a:fontRef>
-        </p:style>
-        <p:txBody>
-          <a:bodyPr rtlCol="0" anchor="ctr"/>
-          <a:lstStyle/>
-          <a:p>
-            <a:pPr algn="ctr"/>
-            <a:endParaRPr lang="fr-FR" sz="2800"/>
-          </a:p>
-        </p:txBody>
-      </p:sp>
-      <p:sp>
-        <p:nvSpPr>
-          <p:cNvPr id="31" name="ZoneTexte 30"/>
-          <p:cNvSpPr txBox="1"/>
-          <p:nvPr/>
-        </p:nvSpPr>
-        <p:spPr>
-          <a:xfrm>
-            <a:off x="1516135" y="6115203"/>
-            <a:ext cx="256802" cy="261610"/>
-          </a:xfrm>
-          <a:prstGeom prst="rect">
-            <a:avLst/>
-          </a:prstGeom>
-          <a:noFill/>
-        </p:spPr>
-        <p:txBody>
-          <a:bodyPr wrap="none" rtlCol="0">
-            <a:spAutoFit/>
-          </a:bodyPr>
-          <a:lstStyle/>
-          <a:p>
-            <a:r>
-              <a:rPr lang="fr-FR" sz="1100" dirty="0" smtClean="0">
-                <a:solidFill>
-                  <a:srgbClr val="FF0000"/>
-                </a:solidFill>
-              </a:rPr>
-              <a:t>3</a:t>
-            </a:r>
-            <a:endParaRPr lang="fr-FR" sz="1100" dirty="0">
-              <a:solidFill>
-                <a:srgbClr val="FF0000"/>
-              </a:solidFill>
-            </a:endParaRPr>
-          </a:p>
-        </p:txBody>
-      </p:sp>
-      <p:sp>
-        <p:nvSpPr>
-          <p:cNvPr id="32" name="ZoneTexte 31"/>
-          <p:cNvSpPr txBox="1"/>
-          <p:nvPr/>
-        </p:nvSpPr>
-        <p:spPr>
-          <a:xfrm>
-            <a:off x="3239256" y="5713795"/>
-            <a:ext cx="256802" cy="261610"/>
-          </a:xfrm>
-          <a:prstGeom prst="rect">
-            <a:avLst/>
-          </a:prstGeom>
-          <a:noFill/>
-        </p:spPr>
-        <p:txBody>
-          <a:bodyPr wrap="none" rtlCol="0">
-            <a:spAutoFit/>
-          </a:bodyPr>
-          <a:lstStyle/>
-          <a:p>
-            <a:r>
-              <a:rPr lang="fr-FR" sz="1100" dirty="0" smtClean="0">
-                <a:solidFill>
-                  <a:srgbClr val="FF0000"/>
-                </a:solidFill>
-              </a:rPr>
-              <a:t>1</a:t>
-            </a:r>
-            <a:endParaRPr lang="fr-FR" sz="1100" dirty="0">
-              <a:solidFill>
-                <a:srgbClr val="FF0000"/>
-              </a:solidFill>
-            </a:endParaRPr>
-          </a:p>
-        </p:txBody>
-      </p:sp>
-      <p:sp>
-        <p:nvSpPr>
-          <p:cNvPr id="33" name="ZoneTexte 32"/>
-          <p:cNvSpPr txBox="1"/>
-          <p:nvPr/>
-        </p:nvSpPr>
-        <p:spPr>
-          <a:xfrm>
-            <a:off x="2158172" y="7609547"/>
-            <a:ext cx="256802" cy="261610"/>
-          </a:xfrm>
-          <a:prstGeom prst="rect">
-            <a:avLst/>
-          </a:prstGeom>
-          <a:noFill/>
-        </p:spPr>
-        <p:txBody>
-          <a:bodyPr wrap="none" rtlCol="0">
-            <a:spAutoFit/>
-          </a:bodyPr>
-          <a:lstStyle/>
-          <a:p>
-            <a:r>
-              <a:rPr lang="fr-FR" sz="1100" dirty="0" smtClean="0">
-                <a:solidFill>
-                  <a:srgbClr val="FF0000"/>
-                </a:solidFill>
-              </a:rPr>
-              <a:t>4</a:t>
-            </a:r>
-            <a:endParaRPr lang="fr-FR" sz="1100" dirty="0">
-              <a:solidFill>
-                <a:srgbClr val="FF0000"/>
-              </a:solidFill>
-            </a:endParaRPr>
-          </a:p>
-        </p:txBody>
-      </p:sp>
-      <p:sp>
-        <p:nvSpPr>
-          <p:cNvPr id="34" name="ZoneTexte 33"/>
-          <p:cNvSpPr txBox="1"/>
-          <p:nvPr/>
-        </p:nvSpPr>
-        <p:spPr>
-          <a:xfrm>
-            <a:off x="3172198" y="5948297"/>
-            <a:ext cx="256802" cy="261610"/>
-          </a:xfrm>
-          <a:prstGeom prst="rect">
-            <a:avLst/>
-          </a:prstGeom>
-          <a:noFill/>
-        </p:spPr>
-        <p:txBody>
-          <a:bodyPr wrap="none" rtlCol="0">
-            <a:spAutoFit/>
-          </a:bodyPr>
-          <a:lstStyle/>
-          <a:p>
-            <a:r>
-              <a:rPr lang="fr-FR" sz="1100" dirty="0" smtClean="0">
-                <a:solidFill>
-                  <a:srgbClr val="FF0000"/>
-                </a:solidFill>
-              </a:rPr>
-              <a:t>2</a:t>
-            </a:r>
-            <a:endParaRPr lang="fr-FR" sz="1100" dirty="0">
-              <a:solidFill>
-                <a:srgbClr val="FF0000"/>
-              </a:solidFill>
-            </a:endParaRPr>
-          </a:p>
-        </p:txBody>
-      </p:sp>
-      <p:sp>
-        <p:nvSpPr>
-          <p:cNvPr id="35" name="ZoneTexte 34"/>
-          <p:cNvSpPr txBox="1"/>
-          <p:nvPr/>
-        </p:nvSpPr>
-        <p:spPr>
-          <a:xfrm>
-            <a:off x="2745391" y="7033483"/>
-            <a:ext cx="256802" cy="261610"/>
-          </a:xfrm>
-          <a:prstGeom prst="rect">
-            <a:avLst/>
-          </a:prstGeom>
-          <a:noFill/>
-        </p:spPr>
-        <p:txBody>
-          <a:bodyPr wrap="none" rtlCol="0">
-            <a:spAutoFit/>
-          </a:bodyPr>
-          <a:lstStyle/>
-          <a:p>
-            <a:r>
-              <a:rPr lang="fr-FR" sz="1100" dirty="0" smtClean="0">
-                <a:solidFill>
-                  <a:srgbClr val="FF0000"/>
-                </a:solidFill>
-              </a:rPr>
-              <a:t>5</a:t>
-            </a:r>
-            <a:endParaRPr lang="fr-FR" sz="1100" dirty="0">
-              <a:solidFill>
-                <a:srgbClr val="FF0000"/>
-              </a:solidFill>
-            </a:endParaRPr>
-          </a:p>
-        </p:txBody>
-      </p:sp>
-      <p:sp>
-        <p:nvSpPr>
-          <p:cNvPr id="36" name="ZoneTexte 35"/>
-          <p:cNvSpPr txBox="1"/>
-          <p:nvPr/>
-        </p:nvSpPr>
-        <p:spPr>
-          <a:xfrm>
-            <a:off x="2839198" y="7281595"/>
-            <a:ext cx="256802" cy="261610"/>
-          </a:xfrm>
-          <a:prstGeom prst="rect">
-            <a:avLst/>
-          </a:prstGeom>
-          <a:noFill/>
-        </p:spPr>
-        <p:txBody>
-          <a:bodyPr wrap="none" rtlCol="0">
-            <a:spAutoFit/>
-          </a:bodyPr>
-          <a:lstStyle/>
-          <a:p>
-            <a:r>
-              <a:rPr lang="fr-FR" sz="1100" dirty="0" smtClean="0">
-                <a:solidFill>
-                  <a:srgbClr val="FF0000"/>
-                </a:solidFill>
-              </a:rPr>
-              <a:t>6</a:t>
-            </a:r>
-            <a:endParaRPr lang="fr-FR" sz="1100" dirty="0">
-              <a:solidFill>
-                <a:srgbClr val="FF0000"/>
-              </a:solidFill>
-            </a:endParaRPr>
-          </a:p>
-        </p:txBody>
-      </p:sp>
-      <p:sp>
-        <p:nvSpPr>
-          <p:cNvPr id="37" name="ZoneTexte 36"/>
-          <p:cNvSpPr txBox="1"/>
-          <p:nvPr/>
-        </p:nvSpPr>
-        <p:spPr>
-          <a:xfrm>
-            <a:off x="2857786" y="7762195"/>
-            <a:ext cx="256802" cy="261610"/>
-          </a:xfrm>
-          <a:prstGeom prst="rect">
-            <a:avLst/>
-          </a:prstGeom>
-          <a:noFill/>
-        </p:spPr>
-        <p:txBody>
-          <a:bodyPr wrap="none" rtlCol="0">
-            <a:spAutoFit/>
-          </a:bodyPr>
-          <a:lstStyle/>
-          <a:p>
-            <a:r>
-              <a:rPr lang="fr-FR" sz="1100" dirty="0" smtClean="0">
-                <a:solidFill>
-                  <a:srgbClr val="FF0000"/>
-                </a:solidFill>
-              </a:rPr>
-              <a:t>7</a:t>
-            </a:r>
-            <a:endParaRPr lang="fr-FR" sz="1100" dirty="0">
-              <a:solidFill>
-                <a:srgbClr val="FF0000"/>
-              </a:solidFill>
-            </a:endParaRPr>
-          </a:p>
-        </p:txBody>
-      </p:sp>
-      <p:sp>
-        <p:nvSpPr>
-          <p:cNvPr id="38" name="ZoneTexte 37"/>
-          <p:cNvSpPr txBox="1"/>
-          <p:nvPr/>
-        </p:nvSpPr>
-        <p:spPr>
-          <a:xfrm>
-            <a:off x="491130" y="8020186"/>
-            <a:ext cx="5962206" cy="1138773"/>
-          </a:xfrm>
-          <a:prstGeom prst="rect">
-            <a:avLst/>
-          </a:prstGeom>
-          <a:noFill/>
-        </p:spPr>
-        <p:txBody>
-          <a:bodyPr wrap="square" rtlCol="0">
-            <a:spAutoFit/>
-          </a:bodyPr>
-          <a:lstStyle/>
-          <a:p>
-            <a:r>
-              <a:rPr lang="fr-FR" sz="1700" dirty="0"/>
-              <a:t>l’avez pas consulté</a:t>
-            </a:r>
-            <a:r>
-              <a:rPr lang="fr-FR" sz="1700" dirty="0" smtClean="0"/>
-              <a:t>. Le orange indique à quelle question vous êtes.</a:t>
-            </a:r>
-            <a:endParaRPr lang="fr-FR" sz="1700" dirty="0"/>
-          </a:p>
-          <a:p>
-            <a:r>
-              <a:rPr lang="fr-FR" sz="1700" dirty="0">
-                <a:solidFill>
-                  <a:srgbClr val="FF0000"/>
-                </a:solidFill>
-              </a:rPr>
-              <a:t>2</a:t>
-            </a:r>
-            <a:r>
-              <a:rPr lang="fr-FR" sz="1700" dirty="0"/>
-              <a:t> : </a:t>
-            </a:r>
-            <a:r>
-              <a:rPr lang="fr-FR" sz="1700" dirty="0" smtClean="0"/>
-              <a:t>Le titre du quiz et sa difficulté.</a:t>
-            </a:r>
-            <a:endParaRPr lang="fr-FR" sz="1700" dirty="0"/>
-          </a:p>
-          <a:p>
-            <a:r>
-              <a:rPr lang="fr-FR" sz="1700" dirty="0">
-                <a:solidFill>
-                  <a:srgbClr val="FF0000"/>
-                </a:solidFill>
-              </a:rPr>
-              <a:t>3</a:t>
-            </a:r>
-            <a:r>
-              <a:rPr lang="fr-FR" sz="1700" dirty="0"/>
-              <a:t> : </a:t>
-            </a:r>
-            <a:r>
-              <a:rPr lang="fr-FR" sz="1700" dirty="0" smtClean="0"/>
-              <a:t>Le numéro de la question en cours avec des boutons pour passer à la suivante ou revenir à la précédente</a:t>
-            </a:r>
-            <a:endParaRPr lang="fr-FR" sz="1700" dirty="0"/>
+              <a:rPr lang="fr-FR" sz="2800" dirty="0" smtClean="0"/>
+              <a:t>Les </a:t>
+            </a:r>
+            <a:r>
+              <a:rPr lang="fr-FR" sz="2800" dirty="0" smtClean="0"/>
+              <a:t>thèmes </a:t>
+            </a:r>
+            <a:r>
+              <a:rPr lang="fr-FR" sz="2800" dirty="0" smtClean="0"/>
+              <a:t>:</a:t>
+            </a:r>
+            <a:endParaRPr lang="fr-FR" sz="2800" dirty="0"/>
           </a:p>
         </p:txBody>
       </p:sp>
     </p:spTree>
     <p:extLst>
       <p:ext uri="{BB962C8B-B14F-4D97-AF65-F5344CB8AC3E}">
-        <p14:creationId xmlns:p14="http://schemas.microsoft.com/office/powerpoint/2010/main" val="2888621610"/>
+        <p14:creationId xmlns:p14="http://schemas.microsoft.com/office/powerpoint/2010/main" val="3900082254"/>
       </p:ext>
     </p:extLst>
   </p:cSld>
@@ -9254,14 +10135,14 @@
       </p:grpSpPr>
       <p:pic>
         <p:nvPicPr>
-          <p:cNvPr id="4" name="Image 3"/>
+          <p:cNvPr id="14" name="Image 13" descr="(&gt; o _ o )&gt;          --[__W  A  R___Q  U  I  Z__]--          &lt;[ x _ x &lt;]"/>
           <p:cNvPicPr>
             <a:picLocks noChangeAspect="1"/>
           </p:cNvPicPr>
           <p:nvPr/>
         </p:nvPicPr>
         <p:blipFill>
-          <a:blip r:embed="rId2">
+          <a:blip r:embed="rId2" cstate="print">
             <a:extLst>
               <a:ext uri="{28A0092B-C50C-407E-A947-70E740481C1C}">
                 <a14:useLocalDpi xmlns:a14="http://schemas.microsoft.com/office/drawing/2010/main" val="0"/>
@@ -9274,8 +10155,8 @@
         </p:blipFill>
         <p:spPr>
           <a:xfrm>
-            <a:off x="2567441" y="3262197"/>
-            <a:ext cx="1862136" cy="792275"/>
+            <a:off x="543600" y="5562000"/>
+            <a:ext cx="3100915" cy="2396435"/>
           </a:xfrm>
           <a:prstGeom prst="rect">
             <a:avLst/>
@@ -9284,14 +10165,14 @@
       </p:pic>
       <p:sp>
         <p:nvSpPr>
-          <p:cNvPr id="5" name="ZoneTexte 4"/>
+          <p:cNvPr id="10" name="ZoneTexte 9"/>
           <p:cNvSpPr txBox="1"/>
           <p:nvPr/>
         </p:nvSpPr>
         <p:spPr>
           <a:xfrm>
-            <a:off x="620688" y="179511"/>
-            <a:ext cx="5256584" cy="3662541"/>
+            <a:off x="3653195" y="2108627"/>
+            <a:ext cx="3204805" cy="2031325"/>
           </a:xfrm>
           <a:prstGeom prst="rect">
             <a:avLst/>
@@ -9304,21 +10185,117 @@
           </a:bodyPr>
           <a:lstStyle/>
           <a:p>
-            <a:r>
-              <a:rPr lang="fr-FR" sz="1700" dirty="0">
+            <a:pPr algn="just"/>
+            <a:r>
+              <a:rPr lang="fr-FR" dirty="0" smtClean="0"/>
+              <a:t>Quand vous cliquez sur JOUER dans l’accueil, vous aller devoir via cette fenêtre, choisir le quiz auquel vous souhaitez jouer.</a:t>
+            </a:r>
+            <a:endParaRPr lang="fr-FR" dirty="0"/>
+          </a:p>
+          <a:p>
+            <a:r>
+              <a:rPr lang="fr-FR" dirty="0">
                 <a:solidFill>
                   <a:srgbClr val="FF0000"/>
                 </a:solidFill>
               </a:rPr>
-              <a:t>4</a:t>
-            </a:r>
-            <a:r>
-              <a:rPr lang="fr-FR" sz="1700" dirty="0"/>
-              <a:t> : </a:t>
-            </a:r>
+              <a:t>1</a:t>
+            </a:r>
+            <a:r>
+              <a:rPr lang="fr-FR" dirty="0"/>
+              <a:t> : </a:t>
+            </a:r>
+            <a:r>
+              <a:rPr lang="fr-FR" dirty="0" smtClean="0"/>
+              <a:t>Filtrez les quiz selon vos choix de difficulté.</a:t>
+            </a:r>
+            <a:endParaRPr lang="fr-FR" dirty="0"/>
+          </a:p>
+          <a:p>
+            <a:r>
+              <a:rPr lang="fr-FR" dirty="0">
+                <a:solidFill>
+                  <a:srgbClr val="FF0000"/>
+                </a:solidFill>
+              </a:rPr>
+              <a:t>2</a:t>
+            </a:r>
+            <a:r>
+              <a:rPr lang="fr-FR" dirty="0"/>
+              <a:t> : </a:t>
+            </a:r>
+            <a:r>
+              <a:rPr lang="fr-FR" dirty="0" smtClean="0"/>
+              <a:t>Jouer au quiz sélectionné.</a:t>
+            </a:r>
+            <a:endParaRPr lang="fr-FR" dirty="0"/>
+          </a:p>
+        </p:txBody>
+      </p:sp>
+      <p:sp>
+        <p:nvSpPr>
+          <p:cNvPr id="11" name="ZoneTexte 10"/>
+          <p:cNvSpPr txBox="1"/>
+          <p:nvPr/>
+        </p:nvSpPr>
+        <p:spPr>
+          <a:xfrm>
+            <a:off x="1588022" y="1934126"/>
+            <a:ext cx="256802" cy="261610"/>
+          </a:xfrm>
+          <a:prstGeom prst="rect">
+            <a:avLst/>
+          </a:prstGeom>
+          <a:noFill/>
+        </p:spPr>
+        <p:txBody>
+          <a:bodyPr wrap="none" rtlCol="0">
+            <a:spAutoFit/>
+          </a:bodyPr>
+          <a:lstStyle/>
+          <a:p>
+            <a:r>
+              <a:rPr lang="fr-FR" sz="1100" dirty="0" smtClean="0">
+                <a:solidFill>
+                  <a:srgbClr val="00B050"/>
+                </a:solidFill>
+              </a:rPr>
+              <a:t>1</a:t>
+            </a:r>
+            <a:endParaRPr lang="fr-FR" sz="1100" dirty="0">
+              <a:solidFill>
+                <a:srgbClr val="00B050"/>
+              </a:solidFill>
+            </a:endParaRPr>
+          </a:p>
+        </p:txBody>
+      </p:sp>
+      <p:sp>
+        <p:nvSpPr>
+          <p:cNvPr id="24" name="ZoneTexte 23"/>
+          <p:cNvSpPr txBox="1"/>
+          <p:nvPr/>
+        </p:nvSpPr>
+        <p:spPr>
+          <a:xfrm>
+            <a:off x="3672408" y="5487193"/>
+            <a:ext cx="2852936" cy="2446824"/>
+          </a:xfrm>
+          <a:prstGeom prst="rect">
+            <a:avLst/>
+          </a:prstGeom>
+          <a:noFill/>
+        </p:spPr>
+        <p:txBody>
+          <a:bodyPr wrap="square" rtlCol="0">
+            <a:spAutoFit/>
+          </a:bodyPr>
+          <a:lstStyle/>
+          <a:p>
+            <a:pPr algn="just"/>
             <a:r>
               <a:rPr lang="fr-FR" sz="1700" dirty="0" smtClean="0"/>
-              <a:t> Cochez les bonnes réponses à la question en cours.</a:t>
+              <a:t>Quand vous commencer la partie, vous avez le temps imparti pour répondre au questions et valider le quiz.</a:t>
             </a:r>
           </a:p>
           <a:p>
@@ -9328,68 +10305,109 @@
                   <a:srgbClr val="FF0000"/>
                 </a:solidFill>
               </a:rPr>
-              <a:t>5</a:t>
+              <a:t>1</a:t>
             </a:r>
             <a:r>
               <a:rPr lang="fr-FR" sz="1700" dirty="0" smtClean="0"/>
-              <a:t> : Validez votre quiz.</a:t>
-            </a:r>
-          </a:p>
-          <a:p>
-            <a:r>
-              <a:rPr lang="fr-FR" sz="1700" dirty="0" smtClean="0">
-                <a:solidFill>
-                  <a:srgbClr val="FF0000"/>
-                </a:solidFill>
-              </a:rPr>
-              <a:t>6</a:t>
-            </a:r>
-            <a:r>
-              <a:rPr lang="fr-FR" sz="1700" dirty="0" smtClean="0"/>
-              <a:t> : Quittez la partie en cours et revenez à la sélection des quiz.</a:t>
-            </a:r>
-          </a:p>
-          <a:p>
-            <a:r>
-              <a:rPr lang="fr-FR" sz="1700" dirty="0" smtClean="0">
-                <a:solidFill>
-                  <a:srgbClr val="FF0000"/>
-                </a:solidFill>
-              </a:rPr>
-              <a:t>7</a:t>
-            </a:r>
-            <a:r>
-              <a:rPr lang="fr-FR" sz="1700" dirty="0" smtClean="0"/>
-              <a:t> : Le chronomètre défini le temps que vous avez pour répondre à toutes les questions et valider le quiz.</a:t>
-            </a:r>
-          </a:p>
-          <a:p>
-            <a:r>
-              <a:rPr lang="fr-FR" sz="1700" dirty="0" smtClean="0"/>
-              <a:t>Si le fond du chronomètre devient rouge, pensez à valider, car il ne vous reste plus beaucoup de temps.</a:t>
-            </a:r>
-          </a:p>
-          <a:p>
-            <a:r>
-              <a:rPr lang="fr-FR" sz="1700" dirty="0" smtClean="0"/>
-              <a:t>Quand le temps arrive à 0, une nouvelle fenêtre vous propose d’aller voir la correction ou non.</a:t>
-            </a:r>
-          </a:p>
-          <a:p>
-            <a:r>
-              <a:rPr lang="fr-FR" sz="1700" dirty="0" smtClean="0"/>
-              <a:t>Cliquez sur OK pour aller la consulter et sur Annuler pour revenir à l’accueil.</a:t>
+              <a:t> : changer de questions comme vous voulez. Si le cadre est vert c’est que vous avez répondu sinon il est gris. Le bleu signifie que vous ne</a:t>
             </a:r>
             <a:endParaRPr lang="fr-FR" sz="1700" dirty="0"/>
           </a:p>
-          <a:p>
+        </p:txBody>
+      </p:sp>
+      <p:sp>
+        <p:nvSpPr>
+          <p:cNvPr id="25" name="ZoneTexte 24"/>
+          <p:cNvSpPr txBox="1"/>
+          <p:nvPr/>
+        </p:nvSpPr>
+        <p:spPr>
+          <a:xfrm>
+            <a:off x="476672" y="421958"/>
+            <a:ext cx="3137397" cy="523220"/>
+          </a:xfrm>
+          <a:prstGeom prst="rect">
+            <a:avLst/>
+          </a:prstGeom>
+          <a:noFill/>
+        </p:spPr>
+        <p:txBody>
+          <a:bodyPr wrap="none" rtlCol="0">
+            <a:spAutoFit/>
+          </a:bodyPr>
+          <a:lstStyle/>
+          <a:p>
+            <a:r>
+              <a:rPr lang="fr-FR" sz="2800" dirty="0" smtClean="0"/>
+              <a:t>III / Jouer une partie</a:t>
+            </a:r>
+            <a:endParaRPr lang="fr-FR" sz="2800" dirty="0"/>
+          </a:p>
+        </p:txBody>
+      </p:sp>
+      <p:sp>
+        <p:nvSpPr>
+          <p:cNvPr id="26" name="ZoneTexte 25"/>
+          <p:cNvSpPr txBox="1"/>
+          <p:nvPr/>
+        </p:nvSpPr>
+        <p:spPr>
+          <a:xfrm>
+            <a:off x="977229" y="1384484"/>
+            <a:ext cx="2759089" cy="523220"/>
+          </a:xfrm>
+          <a:prstGeom prst="rect">
+            <a:avLst/>
+          </a:prstGeom>
+          <a:noFill/>
+        </p:spPr>
+        <p:txBody>
+          <a:bodyPr wrap="none" rtlCol="0">
+            <a:spAutoFit/>
+          </a:bodyPr>
+          <a:lstStyle/>
+          <a:p>
+            <a:r>
+              <a:rPr lang="fr-FR" sz="2800" dirty="0" smtClean="0"/>
+              <a:t>Sélection du quiz:</a:t>
+            </a:r>
+            <a:endParaRPr lang="fr-FR" sz="2800" dirty="0"/>
+          </a:p>
+        </p:txBody>
+      </p:sp>
+      <p:sp>
+        <p:nvSpPr>
+          <p:cNvPr id="27" name="ZoneTexte 26"/>
+          <p:cNvSpPr txBox="1"/>
+          <p:nvPr/>
+        </p:nvSpPr>
+        <p:spPr>
+          <a:xfrm>
+            <a:off x="977229" y="5056892"/>
+            <a:ext cx="2282997" cy="523220"/>
+          </a:xfrm>
+          <a:prstGeom prst="rect">
+            <a:avLst/>
+          </a:prstGeom>
+          <a:noFill/>
+        </p:spPr>
+        <p:txBody>
+          <a:bodyPr wrap="none" rtlCol="0">
+            <a:spAutoFit/>
+          </a:bodyPr>
+          <a:lstStyle/>
+          <a:p>
+            <a:r>
+              <a:rPr lang="fr-FR" sz="2800" dirty="0" smtClean="0"/>
+              <a:t>Jouer au quiz :</a:t>
+            </a:r>
             <a:endParaRPr lang="fr-FR" sz="2800" dirty="0"/>
           </a:p>
         </p:txBody>
       </p:sp>
       <p:pic>
         <p:nvPicPr>
-          <p:cNvPr id="6" name="Image 5"/>
+          <p:cNvPr id="2" name="Image 1" descr="(&gt; o _ o )&gt;          --[__W  A  R___Q  U  I  Z__]--          &lt;[ x _ x &lt;]"/>
           <p:cNvPicPr>
             <a:picLocks noChangeAspect="1"/>
           </p:cNvPicPr>
@@ -9409,8 +10427,8 @@
         </p:blipFill>
         <p:spPr>
           <a:xfrm>
-            <a:off x="553927" y="5554800"/>
-            <a:ext cx="3093624" cy="2401200"/>
+            <a:off x="548679" y="1907704"/>
+            <a:ext cx="3104515" cy="2399217"/>
           </a:xfrm>
           <a:prstGeom prst="rect">
             <a:avLst/>
@@ -9419,44 +10437,14 @@
       </p:pic>
       <p:sp>
         <p:nvSpPr>
-          <p:cNvPr id="7" name="ZoneTexte 6"/>
-          <p:cNvSpPr txBox="1"/>
-          <p:nvPr/>
-        </p:nvSpPr>
-        <p:spPr>
-          <a:xfrm>
-            <a:off x="977229" y="5056892"/>
-            <a:ext cx="3041282" cy="523220"/>
-          </a:xfrm>
-          <a:prstGeom prst="rect">
-            <a:avLst/>
-          </a:prstGeom>
-          <a:noFill/>
-        </p:spPr>
-        <p:txBody>
-          <a:bodyPr wrap="none" rtlCol="0">
-            <a:spAutoFit/>
-          </a:bodyPr>
-          <a:lstStyle/>
-          <a:p>
-            <a:r>
-              <a:rPr lang="fr-FR" sz="2800" dirty="0" smtClean="0"/>
-              <a:t>Correction du quiz :</a:t>
-            </a:r>
-            <a:endParaRPr lang="fr-FR" sz="2800" dirty="0"/>
-          </a:p>
-        </p:txBody>
-      </p:sp>
-      <p:sp>
-        <p:nvSpPr>
-          <p:cNvPr id="8" name="Rectangle 7"/>
+          <p:cNvPr id="3" name="Rectangle 2"/>
           <p:cNvSpPr/>
           <p:nvPr/>
         </p:nvSpPr>
         <p:spPr>
           <a:xfrm>
-            <a:off x="3116386" y="7292860"/>
-            <a:ext cx="396000" cy="126000"/>
+            <a:off x="727200" y="2822400"/>
+            <a:ext cx="1501200" cy="1090800"/>
           </a:xfrm>
           <a:prstGeom prst="rect">
             <a:avLst/>
@@ -9495,14 +10483,14 @@
       </p:sp>
       <p:sp>
         <p:nvSpPr>
-          <p:cNvPr id="9" name="Rectangle 8"/>
+          <p:cNvPr id="7" name="Rectangle 6"/>
           <p:cNvSpPr/>
           <p:nvPr/>
         </p:nvSpPr>
         <p:spPr>
           <a:xfrm>
-            <a:off x="1967552" y="5826980"/>
-            <a:ext cx="1238400" cy="86400"/>
+            <a:off x="3114000" y="3477600"/>
+            <a:ext cx="385200" cy="133200"/>
           </a:xfrm>
           <a:prstGeom prst="rect">
             <a:avLst/>
@@ -9541,14 +10529,90 @@
       </p:sp>
       <p:sp>
         <p:nvSpPr>
-          <p:cNvPr id="10" name="Rectangle 9"/>
+          <p:cNvPr id="28" name="ZoneTexte 27"/>
+          <p:cNvSpPr txBox="1"/>
+          <p:nvPr/>
+        </p:nvSpPr>
+        <p:spPr>
+          <a:xfrm>
+            <a:off x="1961873" y="3651590"/>
+            <a:ext cx="256802" cy="261610"/>
+          </a:xfrm>
+          <a:prstGeom prst="rect">
+            <a:avLst/>
+          </a:prstGeom>
+          <a:noFill/>
+        </p:spPr>
+        <p:txBody>
+          <a:bodyPr wrap="none" rtlCol="0">
+            <a:spAutoFit/>
+          </a:bodyPr>
+          <a:lstStyle/>
+          <a:p>
+            <a:r>
+              <a:rPr lang="fr-FR" sz="1100" dirty="0" smtClean="0">
+                <a:solidFill>
+                  <a:srgbClr val="FF0000"/>
+                </a:solidFill>
+              </a:rPr>
+              <a:t>1</a:t>
+            </a:r>
+            <a:endParaRPr lang="fr-FR" sz="1100" dirty="0">
+              <a:solidFill>
+                <a:srgbClr val="FF0000"/>
+              </a:solidFill>
+            </a:endParaRPr>
+          </a:p>
+        </p:txBody>
+      </p:sp>
+      <p:sp>
+        <p:nvSpPr>
+          <p:cNvPr id="29" name="ZoneTexte 28"/>
+          <p:cNvSpPr txBox="1"/>
+          <p:nvPr/>
+        </p:nvSpPr>
+        <p:spPr>
+          <a:xfrm>
+            <a:off x="3306600" y="3413395"/>
+            <a:ext cx="256802" cy="261610"/>
+          </a:xfrm>
+          <a:prstGeom prst="rect">
+            <a:avLst/>
+          </a:prstGeom>
+          <a:noFill/>
+        </p:spPr>
+        <p:txBody>
+          <a:bodyPr wrap="none" rtlCol="0">
+            <a:spAutoFit/>
+          </a:bodyPr>
+          <a:lstStyle/>
+          <a:p>
+            <a:r>
+              <a:rPr lang="fr-FR" sz="1100" dirty="0" smtClean="0">
+                <a:solidFill>
+                  <a:srgbClr val="FF0000"/>
+                </a:solidFill>
+              </a:rPr>
+              <a:t>2</a:t>
+            </a:r>
+            <a:endParaRPr lang="fr-FR" sz="1100" dirty="0">
+              <a:solidFill>
+                <a:srgbClr val="FF0000"/>
+              </a:solidFill>
+            </a:endParaRPr>
+          </a:p>
+        </p:txBody>
+      </p:sp>
+      <p:sp>
+        <p:nvSpPr>
+          <p:cNvPr id="5" name="Rectangle 4"/>
           <p:cNvSpPr/>
           <p:nvPr/>
         </p:nvSpPr>
         <p:spPr>
           <a:xfrm>
-            <a:off x="620688" y="6540979"/>
-            <a:ext cx="1656184" cy="1271381"/>
+            <a:off x="1998000" y="5799600"/>
+            <a:ext cx="1224000" cy="90000"/>
           </a:xfrm>
           <a:prstGeom prst="rect">
             <a:avLst/>
@@ -9587,13 +10651,403 @@
       </p:sp>
       <p:sp>
         <p:nvSpPr>
-          <p:cNvPr id="12" name="ZoneTexte 11"/>
+          <p:cNvPr id="6" name="Rectangle 5"/>
+          <p:cNvSpPr/>
+          <p:nvPr/>
+        </p:nvSpPr>
+        <p:spPr>
+          <a:xfrm>
+            <a:off x="620688" y="6372200"/>
+            <a:ext cx="1800200" cy="1512168"/>
+          </a:xfrm>
+          <a:prstGeom prst="rect">
+            <a:avLst/>
+          </a:prstGeom>
+          <a:noFill/>
+          <a:ln>
+            <a:solidFill>
+              <a:srgbClr val="FF0000"/>
+            </a:solidFill>
+          </a:ln>
+        </p:spPr>
+        <p:style>
+          <a:lnRef idx="2">
+            <a:schemeClr val="accent1">
+              <a:shade val="50000"/>
+            </a:schemeClr>
+          </a:lnRef>
+          <a:fillRef idx="1">
+            <a:schemeClr val="accent1"/>
+          </a:fillRef>
+          <a:effectRef idx="0">
+            <a:schemeClr val="accent1"/>
+          </a:effectRef>
+          <a:fontRef idx="minor">
+            <a:schemeClr val="lt1"/>
+          </a:fontRef>
+        </p:style>
+        <p:txBody>
+          <a:bodyPr rtlCol="0" anchor="ctr"/>
+          <a:lstStyle/>
+          <a:p>
+            <a:pPr algn="ctr"/>
+            <a:endParaRPr lang="fr-FR" sz="2800"/>
+          </a:p>
+        </p:txBody>
+      </p:sp>
+      <p:sp>
+        <p:nvSpPr>
+          <p:cNvPr id="8" name="Rectangle 7"/>
+          <p:cNvSpPr/>
+          <p:nvPr/>
+        </p:nvSpPr>
+        <p:spPr>
+          <a:xfrm>
+            <a:off x="764704" y="6174000"/>
+            <a:ext cx="750600" cy="144016"/>
+          </a:xfrm>
+          <a:prstGeom prst="rect">
+            <a:avLst/>
+          </a:prstGeom>
+          <a:noFill/>
+          <a:ln>
+            <a:solidFill>
+              <a:srgbClr val="FF0000"/>
+            </a:solidFill>
+          </a:ln>
+        </p:spPr>
+        <p:style>
+          <a:lnRef idx="2">
+            <a:schemeClr val="accent1">
+              <a:shade val="50000"/>
+            </a:schemeClr>
+          </a:lnRef>
+          <a:fillRef idx="1">
+            <a:schemeClr val="accent1"/>
+          </a:fillRef>
+          <a:effectRef idx="0">
+            <a:schemeClr val="accent1"/>
+          </a:effectRef>
+          <a:fontRef idx="minor">
+            <a:schemeClr val="lt1"/>
+          </a:fontRef>
+        </p:style>
+        <p:txBody>
+          <a:bodyPr rtlCol="0" anchor="ctr"/>
+          <a:lstStyle/>
+          <a:p>
+            <a:pPr algn="ctr"/>
+            <a:endParaRPr lang="fr-FR" sz="2800"/>
+          </a:p>
+        </p:txBody>
+      </p:sp>
+      <p:sp>
+        <p:nvSpPr>
+          <p:cNvPr id="9" name="Rectangle 8"/>
+          <p:cNvSpPr/>
+          <p:nvPr/>
+        </p:nvSpPr>
+        <p:spPr>
+          <a:xfrm>
+            <a:off x="2286573" y="5940152"/>
+            <a:ext cx="1142427" cy="360040"/>
+          </a:xfrm>
+          <a:prstGeom prst="rect">
+            <a:avLst/>
+          </a:prstGeom>
+          <a:noFill/>
+          <a:ln>
+            <a:solidFill>
+              <a:srgbClr val="FF0000"/>
+            </a:solidFill>
+          </a:ln>
+        </p:spPr>
+        <p:style>
+          <a:lnRef idx="2">
+            <a:schemeClr val="accent1">
+              <a:shade val="50000"/>
+            </a:schemeClr>
+          </a:lnRef>
+          <a:fillRef idx="1">
+            <a:schemeClr val="accent1"/>
+          </a:fillRef>
+          <a:effectRef idx="0">
+            <a:schemeClr val="accent1"/>
+          </a:effectRef>
+          <a:fontRef idx="minor">
+            <a:schemeClr val="lt1"/>
+          </a:fontRef>
+        </p:style>
+        <p:txBody>
+          <a:bodyPr rtlCol="0" anchor="ctr"/>
+          <a:lstStyle/>
+          <a:p>
+            <a:pPr algn="ctr"/>
+            <a:endParaRPr lang="fr-FR" sz="2800"/>
+          </a:p>
+        </p:txBody>
+      </p:sp>
+      <p:sp>
+        <p:nvSpPr>
+          <p:cNvPr id="12" name="Rectangle 11"/>
+          <p:cNvSpPr/>
+          <p:nvPr/>
+        </p:nvSpPr>
+        <p:spPr>
+          <a:xfrm>
+            <a:off x="3110400" y="7826400"/>
+            <a:ext cx="539194" cy="133200"/>
+          </a:xfrm>
+          <a:prstGeom prst="rect">
+            <a:avLst/>
+          </a:prstGeom>
+          <a:noFill/>
+          <a:ln>
+            <a:solidFill>
+              <a:srgbClr val="FF0000"/>
+            </a:solidFill>
+          </a:ln>
+        </p:spPr>
+        <p:style>
+          <a:lnRef idx="2">
+            <a:schemeClr val="accent1">
+              <a:shade val="50000"/>
+            </a:schemeClr>
+          </a:lnRef>
+          <a:fillRef idx="1">
+            <a:schemeClr val="accent1"/>
+          </a:fillRef>
+          <a:effectRef idx="0">
+            <a:schemeClr val="accent1"/>
+          </a:effectRef>
+          <a:fontRef idx="minor">
+            <a:schemeClr val="lt1"/>
+          </a:fontRef>
+        </p:style>
+        <p:txBody>
+          <a:bodyPr rtlCol="0" anchor="ctr"/>
+          <a:lstStyle/>
+          <a:p>
+            <a:pPr algn="ctr"/>
+            <a:endParaRPr lang="fr-FR" sz="2800"/>
+          </a:p>
+        </p:txBody>
+      </p:sp>
+      <p:sp>
+        <p:nvSpPr>
+          <p:cNvPr id="13" name="Rectangle 12"/>
+          <p:cNvSpPr/>
+          <p:nvPr/>
+        </p:nvSpPr>
+        <p:spPr>
+          <a:xfrm>
+            <a:off x="3067200" y="7099200"/>
+            <a:ext cx="527349" cy="144016"/>
+          </a:xfrm>
+          <a:prstGeom prst="rect">
+            <a:avLst/>
+          </a:prstGeom>
+          <a:noFill/>
+          <a:ln>
+            <a:solidFill>
+              <a:srgbClr val="FF0000"/>
+            </a:solidFill>
+          </a:ln>
+        </p:spPr>
+        <p:style>
+          <a:lnRef idx="2">
+            <a:schemeClr val="accent1">
+              <a:shade val="50000"/>
+            </a:schemeClr>
+          </a:lnRef>
+          <a:fillRef idx="1">
+            <a:schemeClr val="accent1"/>
+          </a:fillRef>
+          <a:effectRef idx="0">
+            <a:schemeClr val="accent1"/>
+          </a:effectRef>
+          <a:fontRef idx="minor">
+            <a:schemeClr val="lt1"/>
+          </a:fontRef>
+        </p:style>
+        <p:txBody>
+          <a:bodyPr rtlCol="0" anchor="ctr"/>
+          <a:lstStyle/>
+          <a:p>
+            <a:pPr algn="ctr"/>
+            <a:endParaRPr lang="fr-FR" sz="2800"/>
+          </a:p>
+        </p:txBody>
+      </p:sp>
+      <p:sp>
+        <p:nvSpPr>
+          <p:cNvPr id="17" name="Rectangle 16"/>
+          <p:cNvSpPr/>
+          <p:nvPr/>
+        </p:nvSpPr>
+        <p:spPr>
+          <a:xfrm>
+            <a:off x="3096000" y="7344000"/>
+            <a:ext cx="504000" cy="136800"/>
+          </a:xfrm>
+          <a:prstGeom prst="rect">
+            <a:avLst/>
+          </a:prstGeom>
+          <a:noFill/>
+          <a:ln>
+            <a:solidFill>
+              <a:srgbClr val="FF0000"/>
+            </a:solidFill>
+          </a:ln>
+        </p:spPr>
+        <p:style>
+          <a:lnRef idx="2">
+            <a:schemeClr val="accent1">
+              <a:shade val="50000"/>
+            </a:schemeClr>
+          </a:lnRef>
+          <a:fillRef idx="1">
+            <a:schemeClr val="accent1"/>
+          </a:fillRef>
+          <a:effectRef idx="0">
+            <a:schemeClr val="accent1"/>
+          </a:effectRef>
+          <a:fontRef idx="minor">
+            <a:schemeClr val="lt1"/>
+          </a:fontRef>
+        </p:style>
+        <p:txBody>
+          <a:bodyPr rtlCol="0" anchor="ctr"/>
+          <a:lstStyle/>
+          <a:p>
+            <a:pPr algn="ctr"/>
+            <a:endParaRPr lang="fr-FR" sz="2800"/>
+          </a:p>
+        </p:txBody>
+      </p:sp>
+      <p:sp>
+        <p:nvSpPr>
+          <p:cNvPr id="31" name="ZoneTexte 30"/>
           <p:cNvSpPr txBox="1"/>
           <p:nvPr/>
         </p:nvSpPr>
         <p:spPr>
           <a:xfrm>
-            <a:off x="1987200" y="7596336"/>
+            <a:off x="1516135" y="6115203"/>
+            <a:ext cx="256802" cy="261610"/>
+          </a:xfrm>
+          <a:prstGeom prst="rect">
+            <a:avLst/>
+          </a:prstGeom>
+          <a:noFill/>
+        </p:spPr>
+        <p:txBody>
+          <a:bodyPr wrap="none" rtlCol="0">
+            <a:spAutoFit/>
+          </a:bodyPr>
+          <a:lstStyle/>
+          <a:p>
+            <a:r>
+              <a:rPr lang="fr-FR" sz="1100" dirty="0" smtClean="0">
+                <a:solidFill>
+                  <a:srgbClr val="FF0000"/>
+                </a:solidFill>
+              </a:rPr>
+              <a:t>3</a:t>
+            </a:r>
+            <a:endParaRPr lang="fr-FR" sz="1100" dirty="0">
+              <a:solidFill>
+                <a:srgbClr val="FF0000"/>
+              </a:solidFill>
+            </a:endParaRPr>
+          </a:p>
+        </p:txBody>
+      </p:sp>
+      <p:sp>
+        <p:nvSpPr>
+          <p:cNvPr id="32" name="ZoneTexte 31"/>
+          <p:cNvSpPr txBox="1"/>
+          <p:nvPr/>
+        </p:nvSpPr>
+        <p:spPr>
+          <a:xfrm>
+            <a:off x="3239256" y="5713795"/>
+            <a:ext cx="256802" cy="261610"/>
+          </a:xfrm>
+          <a:prstGeom prst="rect">
+            <a:avLst/>
+          </a:prstGeom>
+          <a:noFill/>
+        </p:spPr>
+        <p:txBody>
+          <a:bodyPr wrap="none" rtlCol="0">
+            <a:spAutoFit/>
+          </a:bodyPr>
+          <a:lstStyle/>
+          <a:p>
+            <a:r>
+              <a:rPr lang="fr-FR" sz="1100" dirty="0" smtClean="0">
+                <a:solidFill>
+                  <a:srgbClr val="FF0000"/>
+                </a:solidFill>
+              </a:rPr>
+              <a:t>1</a:t>
+            </a:r>
+            <a:endParaRPr lang="fr-FR" sz="1100" dirty="0">
+              <a:solidFill>
+                <a:srgbClr val="FF0000"/>
+              </a:solidFill>
+            </a:endParaRPr>
+          </a:p>
+        </p:txBody>
+      </p:sp>
+      <p:sp>
+        <p:nvSpPr>
+          <p:cNvPr id="33" name="ZoneTexte 32"/>
+          <p:cNvSpPr txBox="1"/>
+          <p:nvPr/>
+        </p:nvSpPr>
+        <p:spPr>
+          <a:xfrm>
+            <a:off x="2158172" y="7609547"/>
+            <a:ext cx="256802" cy="261610"/>
+          </a:xfrm>
+          <a:prstGeom prst="rect">
+            <a:avLst/>
+          </a:prstGeom>
+          <a:noFill/>
+        </p:spPr>
+        <p:txBody>
+          <a:bodyPr wrap="none" rtlCol="0">
+            <a:spAutoFit/>
+          </a:bodyPr>
+          <a:lstStyle/>
+          <a:p>
+            <a:r>
+              <a:rPr lang="fr-FR" sz="1100" dirty="0" smtClean="0">
+                <a:solidFill>
+                  <a:srgbClr val="FF0000"/>
+                </a:solidFill>
+              </a:rPr>
+              <a:t>4</a:t>
+            </a:r>
+            <a:endParaRPr lang="fr-FR" sz="1100" dirty="0">
+              <a:solidFill>
+                <a:srgbClr val="FF0000"/>
+              </a:solidFill>
+            </a:endParaRPr>
+          </a:p>
+        </p:txBody>
+      </p:sp>
+      <p:sp>
+        <p:nvSpPr>
+          <p:cNvPr id="34" name="ZoneTexte 33"/>
+          <p:cNvSpPr txBox="1"/>
+          <p:nvPr/>
+        </p:nvSpPr>
+        <p:spPr>
+          <a:xfrm>
+            <a:off x="3172198" y="5948297"/>
             <a:ext cx="256802" cy="261610"/>
           </a:xfrm>
           <a:prstGeom prst="rect">
@@ -9625,13 +11079,13 @@
       </p:sp>
       <p:sp>
         <p:nvSpPr>
-          <p:cNvPr id="13" name="ZoneTexte 12"/>
+          <p:cNvPr id="35" name="ZoneTexte 34"/>
           <p:cNvSpPr txBox="1"/>
           <p:nvPr/>
         </p:nvSpPr>
         <p:spPr>
           <a:xfrm>
-            <a:off x="3185985" y="5743452"/>
+            <a:off x="2745391" y="7033483"/>
             <a:ext cx="256802" cy="261610"/>
           </a:xfrm>
           <a:prstGeom prst="rect">
@@ -9651,7 +11105,7 @@
                   <a:srgbClr val="FF0000"/>
                 </a:solidFill>
               </a:rPr>
-              <a:t>1</a:t>
+              <a:t>5</a:t>
             </a:r>
             <a:endParaRPr lang="fr-FR" sz="1100" dirty="0">
               <a:solidFill>
@@ -9663,13 +11117,13 @@
       </p:sp>
       <p:sp>
         <p:nvSpPr>
-          <p:cNvPr id="14" name="ZoneTexte 13"/>
+          <p:cNvPr id="36" name="ZoneTexte 35"/>
           <p:cNvSpPr txBox="1"/>
           <p:nvPr/>
         </p:nvSpPr>
         <p:spPr>
           <a:xfrm>
-            <a:off x="2859584" y="7225055"/>
+            <a:off x="2839198" y="7281595"/>
             <a:ext cx="256802" cy="261610"/>
           </a:xfrm>
           <a:prstGeom prst="rect">
@@ -9689,7 +11143,7 @@
                   <a:srgbClr val="FF0000"/>
                 </a:solidFill>
               </a:rPr>
-              <a:t>3</a:t>
+              <a:t>6</a:t>
             </a:r>
             <a:endParaRPr lang="fr-FR" sz="1100" dirty="0">
               <a:solidFill>
@@ -9701,58 +11155,52 @@
       </p:sp>
       <p:sp>
         <p:nvSpPr>
-          <p:cNvPr id="15" name="ZoneTexte 14"/>
+          <p:cNvPr id="37" name="ZoneTexte 36"/>
           <p:cNvSpPr txBox="1"/>
           <p:nvPr/>
         </p:nvSpPr>
         <p:spPr>
           <a:xfrm>
-            <a:off x="3717032" y="5436096"/>
-            <a:ext cx="2880320" cy="2585323"/>
-          </a:xfrm>
-          <a:prstGeom prst="rect">
-            <a:avLst/>
-          </a:prstGeom>
-          <a:noFill/>
-        </p:spPr>
-        <p:txBody>
-          <a:bodyPr wrap="square" rtlCol="0">
+            <a:off x="2857786" y="7762195"/>
+            <a:ext cx="256802" cy="261610"/>
+          </a:xfrm>
+          <a:prstGeom prst="rect">
+            <a:avLst/>
+          </a:prstGeom>
+          <a:noFill/>
+        </p:spPr>
+        <p:txBody>
+          <a:bodyPr wrap="none" rtlCol="0">
             <a:spAutoFit/>
           </a:bodyPr>
           <a:lstStyle/>
           <a:p>
             <a:r>
-              <a:rPr lang="fr-FR" dirty="0" smtClean="0"/>
-              <a:t>La correction vous permet de consulter les bonnes réponses au quiz que vous venez de jouer.</a:t>
-            </a:r>
-          </a:p>
-          <a:p>
-            <a:r>
-              <a:rPr lang="fr-FR" dirty="0" smtClean="0">
+              <a:rPr lang="fr-FR" sz="1100" dirty="0" smtClean="0">
                 <a:solidFill>
                   <a:srgbClr val="FF0000"/>
                 </a:solidFill>
               </a:rPr>
-              <a:t>1</a:t>
-            </a:r>
-            <a:r>
-              <a:rPr lang="fr-FR" dirty="0" smtClean="0"/>
-              <a:t> : Vous changez de question comme vous voulez. Le gris signifie que vous avez déjà consulté la réponse sinon le bouton est bleu.</a:t>
-            </a:r>
-            <a:endParaRPr lang="fr-FR" dirty="0"/>
-          </a:p>
-        </p:txBody>
-      </p:sp>
-      <p:sp>
-        <p:nvSpPr>
-          <p:cNvPr id="16" name="ZoneTexte 15"/>
+              <a:t>7</a:t>
+            </a:r>
+            <a:endParaRPr lang="fr-FR" sz="1100" dirty="0">
+              <a:solidFill>
+                <a:srgbClr val="FF0000"/>
+              </a:solidFill>
+            </a:endParaRPr>
+          </a:p>
+        </p:txBody>
+      </p:sp>
+      <p:sp>
+        <p:nvSpPr>
+          <p:cNvPr id="38" name="ZoneTexte 37"/>
           <p:cNvSpPr txBox="1"/>
           <p:nvPr/>
         </p:nvSpPr>
         <p:spPr>
           <a:xfrm>
-            <a:off x="547200" y="8100392"/>
-            <a:ext cx="5546096" cy="923330"/>
+            <a:off x="491130" y="8020186"/>
+            <a:ext cx="5962206" cy="1138773"/>
           </a:xfrm>
           <a:prstGeom prst="rect">
             <a:avLst/>
@@ -9766,7 +11214,18 @@
           <a:lstStyle/>
           <a:p>
             <a:r>
-              <a:rPr lang="fr-FR" dirty="0" smtClean="0">
+              <a:rPr lang="fr-FR" sz="1700" dirty="0"/>
+              <a:t>l’avez pas consulté</a:t>
+            </a:r>
+            <a:r>
+              <a:rPr lang="fr-FR" sz="1700" dirty="0" smtClean="0"/>
+              <a:t>. Le orange indique à quelle question vous êtes.</a:t>
+            </a:r>
+            <a:endParaRPr lang="fr-FR" sz="1700" dirty="0"/>
+          </a:p>
+          <a:p>
+            <a:r>
+              <a:rPr lang="fr-FR" sz="1700" dirty="0">
                 <a:solidFill>
                   <a:srgbClr val="FF0000"/>
                 </a:solidFill>
@@ -9774,13 +11233,18 @@
               <a:t>2</a:t>
             </a:r>
             <a:r>
-              <a:rPr lang="fr-FR" dirty="0" smtClean="0"/>
-              <a:t> : Consultez en vert la bonne réponse et en rouge les mauvaises.</a:t>
-            </a:r>
-          </a:p>
-          <a:p>
-            <a:r>
-              <a:rPr lang="fr-FR" dirty="0" smtClean="0">
+              <a:rPr lang="fr-FR" sz="1700" dirty="0"/>
+              <a:t> : </a:t>
+            </a:r>
+            <a:r>
+              <a:rPr lang="fr-FR" sz="1700" dirty="0" smtClean="0"/>
+              <a:t>Le titre du quiz et sa difficulté.</a:t>
+            </a:r>
+            <a:endParaRPr lang="fr-FR" sz="1700" dirty="0"/>
+          </a:p>
+          <a:p>
+            <a:r>
+              <a:rPr lang="fr-FR" sz="1700" dirty="0">
                 <a:solidFill>
                   <a:srgbClr val="FF0000"/>
                 </a:solidFill>
@@ -9788,17 +11252,21 @@
               <a:t>3</a:t>
             </a:r>
             <a:r>
-              <a:rPr lang="fr-FR" dirty="0" smtClean="0"/>
-              <a:t> : Revenez à l’accueil.</a:t>
-            </a:r>
-            <a:endParaRPr lang="fr-FR" dirty="0"/>
+              <a:rPr lang="fr-FR" sz="1700" dirty="0"/>
+              <a:t> : </a:t>
+            </a:r>
+            <a:r>
+              <a:rPr lang="fr-FR" sz="1700" dirty="0" smtClean="0"/>
+              <a:t>Le numéro de la question en cours avec des boutons pour passer à la suivante ou revenir à la précédente</a:t>
+            </a:r>
+            <a:endParaRPr lang="fr-FR" sz="1700" dirty="0"/>
           </a:p>
         </p:txBody>
       </p:sp>
     </p:spTree>
     <p:extLst>
       <p:ext uri="{BB962C8B-B14F-4D97-AF65-F5344CB8AC3E}">
-        <p14:creationId xmlns:p14="http://schemas.microsoft.com/office/powerpoint/2010/main" val="1241285108"/>
+        <p14:creationId xmlns:p14="http://schemas.microsoft.com/office/powerpoint/2010/main" val="2888621610"/>
       </p:ext>
     </p:extLst>
   </p:cSld>
@@ -9844,16 +11312,46 @@
           <a:chExt cx="0" cy="0"/>
         </a:xfrm>
       </p:grpSpPr>
-      <p:sp>
-        <p:nvSpPr>
-          <p:cNvPr id="10" name="ZoneTexte 9"/>
+      <p:pic>
+        <p:nvPicPr>
+          <p:cNvPr id="4" name="Image 3"/>
+          <p:cNvPicPr>
+            <a:picLocks noChangeAspect="1"/>
+          </p:cNvPicPr>
+          <p:nvPr/>
+        </p:nvPicPr>
+        <p:blipFill>
+          <a:blip r:embed="rId2">
+            <a:extLst>
+              <a:ext uri="{28A0092B-C50C-407E-A947-70E740481C1C}">
+                <a14:useLocalDpi xmlns:a14="http://schemas.microsoft.com/office/drawing/2010/main" val="0"/>
+              </a:ext>
+            </a:extLst>
+          </a:blip>
+          <a:stretch>
+            <a:fillRect/>
+          </a:stretch>
+        </p:blipFill>
+        <p:spPr>
+          <a:xfrm>
+            <a:off x="2567441" y="3262197"/>
+            <a:ext cx="1862136" cy="792275"/>
+          </a:xfrm>
+          <a:prstGeom prst="rect">
+            <a:avLst/>
+          </a:prstGeom>
+        </p:spPr>
+      </p:pic>
+      <p:sp>
+        <p:nvSpPr>
+          <p:cNvPr id="5" name="ZoneTexte 4"/>
           <p:cNvSpPr txBox="1"/>
           <p:nvPr/>
         </p:nvSpPr>
         <p:spPr>
           <a:xfrm>
-            <a:off x="3653195" y="1835696"/>
-            <a:ext cx="3204805" cy="2585323"/>
+            <a:off x="620688" y="179511"/>
+            <a:ext cx="5256584" cy="3662541"/>
           </a:xfrm>
           <a:prstGeom prst="rect">
             <a:avLst/>
@@ -9867,42 +11365,132 @@
           <a:lstStyle/>
           <a:p>
             <a:r>
-              <a:rPr lang="fr-FR" dirty="0" smtClean="0"/>
-              <a:t>Lorsque vous êtes connecté en administrateur, vous ne pouvez pas jouer, cependant, vous pouvez accéder à la gestion des quiz.</a:t>
-            </a:r>
-            <a:endParaRPr lang="fr-FR" dirty="0"/>
-          </a:p>
-          <a:p>
-            <a:r>
-              <a:rPr lang="fr-FR" dirty="0">
+              <a:rPr lang="fr-FR" sz="1700" dirty="0">
                 <a:solidFill>
                   <a:srgbClr val="FF0000"/>
                 </a:solidFill>
               </a:rPr>
-              <a:t>1</a:t>
-            </a:r>
-            <a:r>
-              <a:rPr lang="fr-FR" dirty="0"/>
-              <a:t> : </a:t>
-            </a:r>
-            <a:r>
-              <a:rPr lang="fr-FR" dirty="0" smtClean="0"/>
-              <a:t>Le bouton gérer vous permet d’accéder à la partie qui permet la création, modification et suppression d’un quiz.</a:t>
-            </a:r>
-            <a:endParaRPr lang="fr-FR" dirty="0"/>
-          </a:p>
-        </p:txBody>
-      </p:sp>
-      <p:sp>
-        <p:nvSpPr>
-          <p:cNvPr id="11" name="ZoneTexte 10"/>
+              <a:t>4</a:t>
+            </a:r>
+            <a:r>
+              <a:rPr lang="fr-FR" sz="1700" dirty="0"/>
+              <a:t> : </a:t>
+            </a:r>
+            <a:r>
+              <a:rPr lang="fr-FR" sz="1700" dirty="0" smtClean="0"/>
+              <a:t> Cochez les bonnes réponses à la question en cours.</a:t>
+            </a:r>
+          </a:p>
+          <a:p>
+            <a:r>
+              <a:rPr lang="fr-FR" sz="1700" dirty="0" smtClean="0">
+                <a:solidFill>
+                  <a:srgbClr val="FF0000"/>
+                </a:solidFill>
+              </a:rPr>
+              <a:t>5</a:t>
+            </a:r>
+            <a:r>
+              <a:rPr lang="fr-FR" sz="1700" dirty="0" smtClean="0"/>
+              <a:t> : Validez votre quiz.</a:t>
+            </a:r>
+          </a:p>
+          <a:p>
+            <a:r>
+              <a:rPr lang="fr-FR" sz="1700" dirty="0" smtClean="0">
+                <a:solidFill>
+                  <a:srgbClr val="FF0000"/>
+                </a:solidFill>
+              </a:rPr>
+              <a:t>6</a:t>
+            </a:r>
+            <a:r>
+              <a:rPr lang="fr-FR" sz="1700" dirty="0" smtClean="0"/>
+              <a:t> : Quittez la partie en cours et revenez à la sélection des quiz.</a:t>
+            </a:r>
+          </a:p>
+          <a:p>
+            <a:pPr algn="just"/>
+            <a:r>
+              <a:rPr lang="fr-FR" sz="1700" dirty="0" smtClean="0">
+                <a:solidFill>
+                  <a:srgbClr val="FF0000"/>
+                </a:solidFill>
+              </a:rPr>
+              <a:t>7</a:t>
+            </a:r>
+            <a:r>
+              <a:rPr lang="fr-FR" sz="1700" dirty="0" smtClean="0"/>
+              <a:t> : Le chronomètre défini le temps que vous avez pour répondre à toutes les questions et valider le quiz.</a:t>
+            </a:r>
+          </a:p>
+          <a:p>
+            <a:pPr algn="just"/>
+            <a:r>
+              <a:rPr lang="fr-FR" sz="1700" dirty="0" smtClean="0"/>
+              <a:t>Si le fond du chronomètre devient rouge, pensez à valider, car il ne vous reste plus beaucoup de temps.</a:t>
+            </a:r>
+          </a:p>
+          <a:p>
+            <a:pPr algn="just"/>
+            <a:r>
+              <a:rPr lang="fr-FR" sz="1700" dirty="0" smtClean="0"/>
+              <a:t>Quand le temps arrive à 0, une nouvelle fenêtre vous propose d’aller voir la correction ou non.</a:t>
+            </a:r>
+          </a:p>
+          <a:p>
+            <a:pPr algn="just"/>
+            <a:r>
+              <a:rPr lang="fr-FR" sz="1700" dirty="0" smtClean="0"/>
+              <a:t>Cliquez sur OK pour aller la consulter et sur Annuler pour revenir à l’accueil.</a:t>
+            </a:r>
+            <a:endParaRPr lang="fr-FR" sz="1700" dirty="0"/>
+          </a:p>
+          <a:p>
+            <a:endParaRPr lang="fr-FR" sz="2800" dirty="0"/>
+          </a:p>
+        </p:txBody>
+      </p:sp>
+      <p:pic>
+        <p:nvPicPr>
+          <p:cNvPr id="6" name="Image 5"/>
+          <p:cNvPicPr>
+            <a:picLocks noChangeAspect="1"/>
+          </p:cNvPicPr>
+          <p:nvPr/>
+        </p:nvPicPr>
+        <p:blipFill>
+          <a:blip r:embed="rId3" cstate="print">
+            <a:extLst>
+              <a:ext uri="{28A0092B-C50C-407E-A947-70E740481C1C}">
+                <a14:useLocalDpi xmlns:a14="http://schemas.microsoft.com/office/drawing/2010/main" val="0"/>
+              </a:ext>
+            </a:extLst>
+          </a:blip>
+          <a:stretch>
+            <a:fillRect/>
+          </a:stretch>
+        </p:blipFill>
+        <p:spPr>
+          <a:xfrm>
+            <a:off x="553927" y="5554800"/>
+            <a:ext cx="3093624" cy="2401200"/>
+          </a:xfrm>
+          <a:prstGeom prst="rect">
+            <a:avLst/>
+          </a:prstGeom>
+        </p:spPr>
+      </p:pic>
+      <p:sp>
+        <p:nvSpPr>
+          <p:cNvPr id="7" name="ZoneTexte 6"/>
           <p:cNvSpPr txBox="1"/>
           <p:nvPr/>
         </p:nvSpPr>
         <p:spPr>
           <a:xfrm>
-            <a:off x="1588022" y="1934126"/>
-            <a:ext cx="256802" cy="261610"/>
+            <a:off x="977229" y="5056892"/>
+            <a:ext cx="3041282" cy="523220"/>
           </a:xfrm>
           <a:prstGeom prst="rect">
             <a:avLst/>
@@ -9916,31 +11504,23 @@
           <a:lstStyle/>
           <a:p>
             <a:r>
-              <a:rPr lang="fr-FR" sz="1100" dirty="0" smtClean="0">
-                <a:solidFill>
-                  <a:srgbClr val="00B050"/>
-                </a:solidFill>
-              </a:rPr>
-              <a:t>1</a:t>
-            </a:r>
-            <a:endParaRPr lang="fr-FR" sz="1100" dirty="0">
-              <a:solidFill>
-                <a:srgbClr val="00B050"/>
-              </a:solidFill>
-            </a:endParaRPr>
-          </a:p>
-        </p:txBody>
-      </p:sp>
-      <p:sp>
-        <p:nvSpPr>
-          <p:cNvPr id="15" name="Rectangle 14"/>
+              <a:rPr lang="fr-FR" sz="2800" dirty="0" smtClean="0"/>
+              <a:t>Correction du quiz :</a:t>
+            </a:r>
+            <a:endParaRPr lang="fr-FR" sz="2800" dirty="0"/>
+          </a:p>
+        </p:txBody>
+      </p:sp>
+      <p:sp>
+        <p:nvSpPr>
+          <p:cNvPr id="8" name="Rectangle 7"/>
           <p:cNvSpPr/>
           <p:nvPr/>
         </p:nvSpPr>
         <p:spPr>
           <a:xfrm>
-            <a:off x="957600" y="6444000"/>
-            <a:ext cx="1051200" cy="216024"/>
+            <a:off x="3116386" y="7292860"/>
+            <a:ext cx="396000" cy="126000"/>
           </a:xfrm>
           <a:prstGeom prst="rect">
             <a:avLst/>
@@ -9979,14 +11559,14 @@
       </p:sp>
       <p:sp>
         <p:nvSpPr>
-          <p:cNvPr id="16" name="Rectangle 15"/>
+          <p:cNvPr id="9" name="Rectangle 8"/>
           <p:cNvSpPr/>
           <p:nvPr/>
         </p:nvSpPr>
         <p:spPr>
           <a:xfrm>
-            <a:off x="957600" y="6742800"/>
-            <a:ext cx="1051200" cy="216024"/>
+            <a:off x="1967552" y="5826980"/>
+            <a:ext cx="1238400" cy="86400"/>
           </a:xfrm>
           <a:prstGeom prst="rect">
             <a:avLst/>
@@ -10025,14 +11605,14 @@
       </p:sp>
       <p:sp>
         <p:nvSpPr>
-          <p:cNvPr id="18" name="Rectangle 17"/>
+          <p:cNvPr id="10" name="Rectangle 9"/>
           <p:cNvSpPr/>
           <p:nvPr/>
         </p:nvSpPr>
         <p:spPr>
           <a:xfrm>
-            <a:off x="957600" y="7358400"/>
-            <a:ext cx="1051200" cy="216024"/>
+            <a:off x="620688" y="6540979"/>
+            <a:ext cx="1656184" cy="1271381"/>
           </a:xfrm>
           <a:prstGeom prst="rect">
             <a:avLst/>
@@ -10071,14 +11651,218 @@
       </p:sp>
       <p:sp>
         <p:nvSpPr>
-          <p:cNvPr id="19" name="Rectangle 18"/>
+          <p:cNvPr id="12" name="ZoneTexte 11"/>
+          <p:cNvSpPr txBox="1"/>
+          <p:nvPr/>
+        </p:nvSpPr>
+        <p:spPr>
+          <a:xfrm>
+            <a:off x="1987200" y="7596336"/>
+            <a:ext cx="256802" cy="261610"/>
+          </a:xfrm>
+          <a:prstGeom prst="rect">
+            <a:avLst/>
+          </a:prstGeom>
+          <a:noFill/>
+        </p:spPr>
+        <p:txBody>
+          <a:bodyPr wrap="none" rtlCol="0">
+            <a:spAutoFit/>
+          </a:bodyPr>
+          <a:lstStyle/>
+          <a:p>
+            <a:r>
+              <a:rPr lang="fr-FR" sz="1100" dirty="0" smtClean="0">
+                <a:solidFill>
+                  <a:srgbClr val="FF0000"/>
+                </a:solidFill>
+              </a:rPr>
+              <a:t>2</a:t>
+            </a:r>
+            <a:endParaRPr lang="fr-FR" sz="1100" dirty="0">
+              <a:solidFill>
+                <a:srgbClr val="FF0000"/>
+              </a:solidFill>
+            </a:endParaRPr>
+          </a:p>
+        </p:txBody>
+      </p:sp>
+      <p:sp>
+        <p:nvSpPr>
+          <p:cNvPr id="13" name="ZoneTexte 12"/>
+          <p:cNvSpPr txBox="1"/>
+          <p:nvPr/>
+        </p:nvSpPr>
+        <p:spPr>
+          <a:xfrm>
+            <a:off x="3185985" y="5743452"/>
+            <a:ext cx="256802" cy="261610"/>
+          </a:xfrm>
+          <a:prstGeom prst="rect">
+            <a:avLst/>
+          </a:prstGeom>
+          <a:noFill/>
+        </p:spPr>
+        <p:txBody>
+          <a:bodyPr wrap="none" rtlCol="0">
+            <a:spAutoFit/>
+          </a:bodyPr>
+          <a:lstStyle/>
+          <a:p>
+            <a:r>
+              <a:rPr lang="fr-FR" sz="1100" dirty="0" smtClean="0">
+                <a:solidFill>
+                  <a:srgbClr val="FF0000"/>
+                </a:solidFill>
+              </a:rPr>
+              <a:t>1</a:t>
+            </a:r>
+            <a:endParaRPr lang="fr-FR" sz="1100" dirty="0">
+              <a:solidFill>
+                <a:srgbClr val="FF0000"/>
+              </a:solidFill>
+            </a:endParaRPr>
+          </a:p>
+        </p:txBody>
+      </p:sp>
+      <p:sp>
+        <p:nvSpPr>
+          <p:cNvPr id="14" name="ZoneTexte 13"/>
+          <p:cNvSpPr txBox="1"/>
+          <p:nvPr/>
+        </p:nvSpPr>
+        <p:spPr>
+          <a:xfrm>
+            <a:off x="2522640" y="6577812"/>
+            <a:ext cx="256802" cy="261610"/>
+          </a:xfrm>
+          <a:prstGeom prst="rect">
+            <a:avLst/>
+          </a:prstGeom>
+          <a:noFill/>
+        </p:spPr>
+        <p:txBody>
+          <a:bodyPr wrap="none" rtlCol="0">
+            <a:spAutoFit/>
+          </a:bodyPr>
+          <a:lstStyle/>
+          <a:p>
+            <a:r>
+              <a:rPr lang="fr-FR" sz="1100" dirty="0" smtClean="0">
+                <a:solidFill>
+                  <a:srgbClr val="FF0000"/>
+                </a:solidFill>
+              </a:rPr>
+              <a:t>3</a:t>
+            </a:r>
+            <a:endParaRPr lang="fr-FR" sz="1100" dirty="0">
+              <a:solidFill>
+                <a:srgbClr val="FF0000"/>
+              </a:solidFill>
+            </a:endParaRPr>
+          </a:p>
+        </p:txBody>
+      </p:sp>
+      <p:sp>
+        <p:nvSpPr>
+          <p:cNvPr id="15" name="ZoneTexte 14"/>
+          <p:cNvSpPr txBox="1"/>
+          <p:nvPr/>
+        </p:nvSpPr>
+        <p:spPr>
+          <a:xfrm>
+            <a:off x="3717032" y="5443061"/>
+            <a:ext cx="2880320" cy="2585323"/>
+          </a:xfrm>
+          <a:prstGeom prst="rect">
+            <a:avLst/>
+          </a:prstGeom>
+          <a:noFill/>
+        </p:spPr>
+        <p:txBody>
+          <a:bodyPr wrap="square" rtlCol="0">
+            <a:spAutoFit/>
+          </a:bodyPr>
+          <a:lstStyle/>
+          <a:p>
+            <a:pPr algn="just"/>
+            <a:r>
+              <a:rPr lang="fr-FR" dirty="0" smtClean="0"/>
+              <a:t>La correction vous permet de consulter les bonnes réponses au quiz que vous venez de jouer.</a:t>
+            </a:r>
+          </a:p>
+          <a:p>
+            <a:r>
+              <a:rPr lang="fr-FR" dirty="0" smtClean="0">
+                <a:solidFill>
+                  <a:srgbClr val="FF0000"/>
+                </a:solidFill>
+              </a:rPr>
+              <a:t>1</a:t>
+            </a:r>
+            <a:r>
+              <a:rPr lang="fr-FR" dirty="0" smtClean="0"/>
+              <a:t> : Vous changez de question comme vous voulez. Le gris signifie que vous avez déjà consulté la réponse sinon le bouton est bleu.</a:t>
+            </a:r>
+            <a:endParaRPr lang="fr-FR" dirty="0"/>
+          </a:p>
+        </p:txBody>
+      </p:sp>
+      <p:sp>
+        <p:nvSpPr>
+          <p:cNvPr id="16" name="ZoneTexte 15"/>
+          <p:cNvSpPr txBox="1"/>
+          <p:nvPr/>
+        </p:nvSpPr>
+        <p:spPr>
+          <a:xfrm>
+            <a:off x="547200" y="7956376"/>
+            <a:ext cx="5546096" cy="1477328"/>
+          </a:xfrm>
+          <a:prstGeom prst="rect">
+            <a:avLst/>
+          </a:prstGeom>
+          <a:noFill/>
+        </p:spPr>
+        <p:txBody>
+          <a:bodyPr wrap="square" rtlCol="0">
+            <a:spAutoFit/>
+          </a:bodyPr>
+          <a:lstStyle/>
+          <a:p>
+            <a:r>
+              <a:rPr lang="fr-FR" dirty="0" smtClean="0">
+                <a:solidFill>
+                  <a:srgbClr val="FF0000"/>
+                </a:solidFill>
+              </a:rPr>
+              <a:t>2</a:t>
+            </a:r>
+            <a:r>
+              <a:rPr lang="fr-FR" dirty="0" smtClean="0"/>
+              <a:t> : Consultez </a:t>
+            </a:r>
+            <a:r>
+              <a:rPr lang="fr-FR" dirty="0" smtClean="0"/>
+              <a:t>les réponses que vous avez cochés pour chaque question. Le rouge signifie qu’il fallait la coché si vous ne l’avez pas fait ou qu’il ne fallait pas si vous l’avez fait. C’est pareil pour une réponse non cochée.</a:t>
+            </a:r>
+            <a:endParaRPr lang="fr-FR" dirty="0" smtClean="0"/>
+          </a:p>
+          <a:p>
+            <a:endParaRPr lang="fr-FR" dirty="0"/>
+          </a:p>
+        </p:txBody>
+      </p:sp>
+      <p:sp>
+        <p:nvSpPr>
+          <p:cNvPr id="2" name="Rectangle 1"/>
           <p:cNvSpPr/>
           <p:nvPr/>
         </p:nvSpPr>
         <p:spPr>
           <a:xfrm>
-            <a:off x="957600" y="7041600"/>
-            <a:ext cx="1051200" cy="216024"/>
+            <a:off x="2780928" y="6540979"/>
+            <a:ext cx="717581" cy="335277"/>
           </a:xfrm>
           <a:prstGeom prst="rect">
             <a:avLst/>
@@ -10117,127 +11901,13 @@
       </p:sp>
       <p:sp>
         <p:nvSpPr>
-          <p:cNvPr id="20" name="ZoneTexte 19"/>
+          <p:cNvPr id="17" name="ZoneTexte 16"/>
           <p:cNvSpPr txBox="1"/>
           <p:nvPr/>
         </p:nvSpPr>
         <p:spPr>
           <a:xfrm>
-            <a:off x="1988840" y="6421207"/>
-            <a:ext cx="256802" cy="261610"/>
-          </a:xfrm>
-          <a:prstGeom prst="rect">
-            <a:avLst/>
-          </a:prstGeom>
-          <a:noFill/>
-        </p:spPr>
-        <p:txBody>
-          <a:bodyPr wrap="none" rtlCol="0">
-            <a:spAutoFit/>
-          </a:bodyPr>
-          <a:lstStyle/>
-          <a:p>
-            <a:r>
-              <a:rPr lang="fr-FR" sz="1100" dirty="0" smtClean="0">
-                <a:solidFill>
-                  <a:srgbClr val="FF0000"/>
-                </a:solidFill>
-              </a:rPr>
-              <a:t>1</a:t>
-            </a:r>
-            <a:endParaRPr lang="fr-FR" sz="1100" dirty="0">
-              <a:solidFill>
-                <a:srgbClr val="FF0000"/>
-              </a:solidFill>
-            </a:endParaRPr>
-          </a:p>
-        </p:txBody>
-      </p:sp>
-      <p:sp>
-        <p:nvSpPr>
-          <p:cNvPr id="21" name="ZoneTexte 20"/>
-          <p:cNvSpPr txBox="1"/>
-          <p:nvPr/>
-        </p:nvSpPr>
-        <p:spPr>
-          <a:xfrm>
-            <a:off x="2012839" y="6720007"/>
-            <a:ext cx="256802" cy="261610"/>
-          </a:xfrm>
-          <a:prstGeom prst="rect">
-            <a:avLst/>
-          </a:prstGeom>
-          <a:noFill/>
-        </p:spPr>
-        <p:txBody>
-          <a:bodyPr wrap="none" rtlCol="0">
-            <a:spAutoFit/>
-          </a:bodyPr>
-          <a:lstStyle/>
-          <a:p>
-            <a:r>
-              <a:rPr lang="fr-FR" sz="1100" dirty="0" smtClean="0">
-                <a:solidFill>
-                  <a:srgbClr val="FF0000"/>
-                </a:solidFill>
-              </a:rPr>
-              <a:t>2</a:t>
-            </a:r>
-            <a:endParaRPr lang="fr-FR" sz="1100" dirty="0">
-              <a:solidFill>
-                <a:srgbClr val="FF0000"/>
-              </a:solidFill>
-            </a:endParaRPr>
-          </a:p>
-        </p:txBody>
-      </p:sp>
-      <p:sp>
-        <p:nvSpPr>
-          <p:cNvPr id="22" name="ZoneTexte 21"/>
-          <p:cNvSpPr txBox="1"/>
-          <p:nvPr/>
-        </p:nvSpPr>
-        <p:spPr>
-          <a:xfrm>
-            <a:off x="2014409" y="7018807"/>
-            <a:ext cx="256802" cy="261610"/>
-          </a:xfrm>
-          <a:prstGeom prst="rect">
-            <a:avLst/>
-          </a:prstGeom>
-          <a:noFill/>
-        </p:spPr>
-        <p:txBody>
-          <a:bodyPr wrap="none" rtlCol="0">
-            <a:spAutoFit/>
-          </a:bodyPr>
-          <a:lstStyle/>
-          <a:p>
-            <a:r>
-              <a:rPr lang="fr-FR" sz="1100" dirty="0" smtClean="0">
-                <a:solidFill>
-                  <a:srgbClr val="FF0000"/>
-                </a:solidFill>
-              </a:rPr>
-              <a:t>3</a:t>
-            </a:r>
-            <a:endParaRPr lang="fr-FR" sz="1100" dirty="0">
-              <a:solidFill>
-                <a:srgbClr val="FF0000"/>
-              </a:solidFill>
-            </a:endParaRPr>
-          </a:p>
-        </p:txBody>
-      </p:sp>
-      <p:sp>
-        <p:nvSpPr>
-          <p:cNvPr id="23" name="ZoneTexte 22"/>
-          <p:cNvSpPr txBox="1"/>
-          <p:nvPr/>
-        </p:nvSpPr>
-        <p:spPr>
-          <a:xfrm>
-            <a:off x="2019482" y="7335607"/>
+            <a:off x="2859584" y="7225055"/>
             <a:ext cx="256802" cy="261610"/>
           </a:xfrm>
           <a:prstGeom prst="rect">
@@ -10267,637 +11937,10 @@
           </a:p>
         </p:txBody>
       </p:sp>
-      <p:sp>
-        <p:nvSpPr>
-          <p:cNvPr id="24" name="ZoneTexte 23"/>
-          <p:cNvSpPr txBox="1"/>
-          <p:nvPr/>
-        </p:nvSpPr>
-        <p:spPr>
-          <a:xfrm>
-            <a:off x="3672408" y="5508104"/>
-            <a:ext cx="2852936" cy="2862322"/>
-          </a:xfrm>
-          <a:prstGeom prst="rect">
-            <a:avLst/>
-          </a:prstGeom>
-          <a:noFill/>
-        </p:spPr>
-        <p:txBody>
-          <a:bodyPr wrap="square" rtlCol="0">
-            <a:spAutoFit/>
-          </a:bodyPr>
-          <a:lstStyle/>
-          <a:p>
-            <a:r>
-              <a:rPr lang="fr-FR" dirty="0" smtClean="0"/>
-              <a:t>Après avoir cliqué sur GERER, vous devez choisir un quiz pour le modifier ou le supprimer. Vous pouvez aussi en créer un nouveau. </a:t>
-            </a:r>
-          </a:p>
-          <a:p>
-            <a:r>
-              <a:rPr lang="fr-FR" dirty="0" smtClean="0">
-                <a:solidFill>
-                  <a:srgbClr val="FF0000"/>
-                </a:solidFill>
-              </a:rPr>
-              <a:t>1</a:t>
-            </a:r>
-            <a:r>
-              <a:rPr lang="fr-FR" dirty="0" smtClean="0"/>
-              <a:t> : Sélectionnez le quiz à modifier ou supprimer</a:t>
-            </a:r>
-          </a:p>
-          <a:p>
-            <a:r>
-              <a:rPr lang="fr-FR" dirty="0" smtClean="0">
-                <a:solidFill>
-                  <a:srgbClr val="00B050"/>
-                </a:solidFill>
-              </a:rPr>
-              <a:t>2</a:t>
-            </a:r>
-            <a:r>
-              <a:rPr lang="fr-FR" dirty="0" smtClean="0"/>
-              <a:t> : Créer un quiz ou sélectionnez un quiz puis éditez ou supprimez le.</a:t>
-            </a:r>
-          </a:p>
-        </p:txBody>
-      </p:sp>
-      <p:sp>
-        <p:nvSpPr>
-          <p:cNvPr id="25" name="ZoneTexte 24"/>
-          <p:cNvSpPr txBox="1"/>
-          <p:nvPr/>
-        </p:nvSpPr>
-        <p:spPr>
-          <a:xfrm>
-            <a:off x="476672" y="421958"/>
-            <a:ext cx="2969724" cy="523220"/>
-          </a:xfrm>
-          <a:prstGeom prst="rect">
-            <a:avLst/>
-          </a:prstGeom>
-          <a:noFill/>
-        </p:spPr>
-        <p:txBody>
-          <a:bodyPr wrap="none" rtlCol="0">
-            <a:spAutoFit/>
-          </a:bodyPr>
-          <a:lstStyle/>
-          <a:p>
-            <a:r>
-              <a:rPr lang="fr-FR" sz="2800" dirty="0" smtClean="0"/>
-              <a:t>IV / Administrateur</a:t>
-            </a:r>
-            <a:endParaRPr lang="fr-FR" sz="2800" dirty="0"/>
-          </a:p>
-        </p:txBody>
-      </p:sp>
-      <p:sp>
-        <p:nvSpPr>
-          <p:cNvPr id="26" name="ZoneTexte 25"/>
-          <p:cNvSpPr txBox="1"/>
-          <p:nvPr/>
-        </p:nvSpPr>
-        <p:spPr>
-          <a:xfrm>
-            <a:off x="977229" y="1384484"/>
-            <a:ext cx="1228221" cy="523220"/>
-          </a:xfrm>
-          <a:prstGeom prst="rect">
-            <a:avLst/>
-          </a:prstGeom>
-          <a:noFill/>
-        </p:spPr>
-        <p:txBody>
-          <a:bodyPr wrap="none" rtlCol="0">
-            <a:spAutoFit/>
-          </a:bodyPr>
-          <a:lstStyle/>
-          <a:p>
-            <a:r>
-              <a:rPr lang="fr-FR" sz="2800" dirty="0" smtClean="0"/>
-              <a:t>Accueil</a:t>
-            </a:r>
-            <a:endParaRPr lang="fr-FR" sz="2800" dirty="0"/>
-          </a:p>
-        </p:txBody>
-      </p:sp>
-      <p:sp>
-        <p:nvSpPr>
-          <p:cNvPr id="27" name="ZoneTexte 26"/>
-          <p:cNvSpPr txBox="1"/>
-          <p:nvPr/>
-        </p:nvSpPr>
-        <p:spPr>
-          <a:xfrm>
-            <a:off x="977229" y="5056892"/>
-            <a:ext cx="3332964" cy="523220"/>
-          </a:xfrm>
-          <a:prstGeom prst="rect">
-            <a:avLst/>
-          </a:prstGeom>
-          <a:noFill/>
-        </p:spPr>
-        <p:txBody>
-          <a:bodyPr wrap="none" rtlCol="0">
-            <a:spAutoFit/>
-          </a:bodyPr>
-          <a:lstStyle/>
-          <a:p>
-            <a:r>
-              <a:rPr lang="fr-FR" sz="2800" dirty="0" smtClean="0"/>
-              <a:t>Sélectionner un quiz :</a:t>
-            </a:r>
-            <a:endParaRPr lang="fr-FR" sz="2800" dirty="0"/>
-          </a:p>
-        </p:txBody>
-      </p:sp>
-      <p:sp>
-        <p:nvSpPr>
-          <p:cNvPr id="3" name="Rectangle 2"/>
-          <p:cNvSpPr/>
-          <p:nvPr/>
-        </p:nvSpPr>
-        <p:spPr>
-          <a:xfrm>
-            <a:off x="727200" y="2822400"/>
-            <a:ext cx="1501200" cy="1090800"/>
-          </a:xfrm>
-          <a:prstGeom prst="rect">
-            <a:avLst/>
-          </a:prstGeom>
-          <a:noFill/>
-          <a:ln>
-            <a:solidFill>
-              <a:srgbClr val="FF0000"/>
-            </a:solidFill>
-          </a:ln>
-        </p:spPr>
-        <p:style>
-          <a:lnRef idx="2">
-            <a:schemeClr val="accent1">
-              <a:shade val="50000"/>
-            </a:schemeClr>
-          </a:lnRef>
-          <a:fillRef idx="1">
-            <a:schemeClr val="accent1"/>
-          </a:fillRef>
-          <a:effectRef idx="0">
-            <a:schemeClr val="accent1"/>
-          </a:effectRef>
-          <a:fontRef idx="minor">
-            <a:schemeClr val="lt1"/>
-          </a:fontRef>
-        </p:style>
-        <p:txBody>
-          <a:bodyPr rtlCol="0" anchor="ctr"/>
-          <a:lstStyle/>
-          <a:p>
-            <a:pPr algn="ctr"/>
-            <a:endParaRPr lang="fr-FR" sz="2800"/>
-          </a:p>
-        </p:txBody>
-      </p:sp>
-      <p:sp>
-        <p:nvSpPr>
-          <p:cNvPr id="7" name="Rectangle 6"/>
-          <p:cNvSpPr/>
-          <p:nvPr/>
-        </p:nvSpPr>
-        <p:spPr>
-          <a:xfrm>
-            <a:off x="3114000" y="3477600"/>
-            <a:ext cx="385200" cy="133200"/>
-          </a:xfrm>
-          <a:prstGeom prst="rect">
-            <a:avLst/>
-          </a:prstGeom>
-          <a:noFill/>
-          <a:ln>
-            <a:solidFill>
-              <a:srgbClr val="FF0000"/>
-            </a:solidFill>
-          </a:ln>
-        </p:spPr>
-        <p:style>
-          <a:lnRef idx="2">
-            <a:schemeClr val="accent1">
-              <a:shade val="50000"/>
-            </a:schemeClr>
-          </a:lnRef>
-          <a:fillRef idx="1">
-            <a:schemeClr val="accent1"/>
-          </a:fillRef>
-          <a:effectRef idx="0">
-            <a:schemeClr val="accent1"/>
-          </a:effectRef>
-          <a:fontRef idx="minor">
-            <a:schemeClr val="lt1"/>
-          </a:fontRef>
-        </p:style>
-        <p:txBody>
-          <a:bodyPr rtlCol="0" anchor="ctr"/>
-          <a:lstStyle/>
-          <a:p>
-            <a:pPr algn="ctr"/>
-            <a:endParaRPr lang="fr-FR" sz="2800"/>
-          </a:p>
-        </p:txBody>
-      </p:sp>
-      <p:sp>
-        <p:nvSpPr>
-          <p:cNvPr id="28" name="ZoneTexte 27"/>
-          <p:cNvSpPr txBox="1"/>
-          <p:nvPr/>
-        </p:nvSpPr>
-        <p:spPr>
-          <a:xfrm>
-            <a:off x="1961873" y="3651590"/>
-            <a:ext cx="256802" cy="261610"/>
-          </a:xfrm>
-          <a:prstGeom prst="rect">
-            <a:avLst/>
-          </a:prstGeom>
-          <a:noFill/>
-        </p:spPr>
-        <p:txBody>
-          <a:bodyPr wrap="none" rtlCol="0">
-            <a:spAutoFit/>
-          </a:bodyPr>
-          <a:lstStyle/>
-          <a:p>
-            <a:r>
-              <a:rPr lang="fr-FR" sz="1100" dirty="0" smtClean="0">
-                <a:solidFill>
-                  <a:srgbClr val="FF0000"/>
-                </a:solidFill>
-              </a:rPr>
-              <a:t>1</a:t>
-            </a:r>
-            <a:endParaRPr lang="fr-FR" sz="1100" dirty="0">
-              <a:solidFill>
-                <a:srgbClr val="FF0000"/>
-              </a:solidFill>
-            </a:endParaRPr>
-          </a:p>
-        </p:txBody>
-      </p:sp>
-      <p:sp>
-        <p:nvSpPr>
-          <p:cNvPr id="29" name="ZoneTexte 28"/>
-          <p:cNvSpPr txBox="1"/>
-          <p:nvPr/>
-        </p:nvSpPr>
-        <p:spPr>
-          <a:xfrm>
-            <a:off x="3306600" y="3413395"/>
-            <a:ext cx="256802" cy="261610"/>
-          </a:xfrm>
-          <a:prstGeom prst="rect">
-            <a:avLst/>
-          </a:prstGeom>
-          <a:noFill/>
-        </p:spPr>
-        <p:txBody>
-          <a:bodyPr wrap="none" rtlCol="0">
-            <a:spAutoFit/>
-          </a:bodyPr>
-          <a:lstStyle/>
-          <a:p>
-            <a:r>
-              <a:rPr lang="fr-FR" sz="1100" dirty="0" smtClean="0">
-                <a:solidFill>
-                  <a:srgbClr val="FF0000"/>
-                </a:solidFill>
-              </a:rPr>
-              <a:t>2</a:t>
-            </a:r>
-            <a:endParaRPr lang="fr-FR" sz="1100" dirty="0">
-              <a:solidFill>
-                <a:srgbClr val="FF0000"/>
-              </a:solidFill>
-            </a:endParaRPr>
-          </a:p>
-        </p:txBody>
-      </p:sp>
-      <p:pic>
-        <p:nvPicPr>
-          <p:cNvPr id="4" name="Image 3" descr="(&gt; o _ o )&gt;          --[__W  A  R___Q  U  I  Z__]--          &lt;[ x _ x &lt;]"/>
-          <p:cNvPicPr>
-            <a:picLocks noChangeAspect="1"/>
-          </p:cNvPicPr>
-          <p:nvPr/>
-        </p:nvPicPr>
-        <p:blipFill>
-          <a:blip r:embed="rId2" cstate="print">
-            <a:extLst>
-              <a:ext uri="{28A0092B-C50C-407E-A947-70E740481C1C}">
-                <a14:useLocalDpi xmlns:a14="http://schemas.microsoft.com/office/drawing/2010/main" val="0"/>
-              </a:ext>
-            </a:extLst>
-          </a:blip>
-          <a:stretch>
-            <a:fillRect/>
-          </a:stretch>
-        </p:blipFill>
-        <p:spPr>
-          <a:xfrm>
-            <a:off x="543052" y="1907704"/>
-            <a:ext cx="3101972" cy="2397252"/>
-          </a:xfrm>
-          <a:prstGeom prst="rect">
-            <a:avLst/>
-          </a:prstGeom>
-        </p:spPr>
-      </p:pic>
-      <p:sp>
-        <p:nvSpPr>
-          <p:cNvPr id="5" name="Rectangle 4"/>
-          <p:cNvSpPr/>
-          <p:nvPr/>
-        </p:nvSpPr>
-        <p:spPr>
-          <a:xfrm>
-            <a:off x="908720" y="2771800"/>
-            <a:ext cx="1110762" cy="216024"/>
-          </a:xfrm>
-          <a:prstGeom prst="rect">
-            <a:avLst/>
-          </a:prstGeom>
-          <a:noFill/>
-          <a:ln>
-            <a:solidFill>
-              <a:srgbClr val="FF0000"/>
-            </a:solidFill>
-          </a:ln>
-        </p:spPr>
-        <p:style>
-          <a:lnRef idx="2">
-            <a:schemeClr val="accent1">
-              <a:shade val="50000"/>
-            </a:schemeClr>
-          </a:lnRef>
-          <a:fillRef idx="1">
-            <a:schemeClr val="accent1"/>
-          </a:fillRef>
-          <a:effectRef idx="0">
-            <a:schemeClr val="accent1"/>
-          </a:effectRef>
-          <a:fontRef idx="minor">
-            <a:schemeClr val="lt1"/>
-          </a:fontRef>
-        </p:style>
-        <p:txBody>
-          <a:bodyPr rtlCol="0" anchor="ctr"/>
-          <a:lstStyle/>
-          <a:p>
-            <a:pPr algn="ctr"/>
-            <a:endParaRPr lang="fr-FR" sz="2800"/>
-          </a:p>
-        </p:txBody>
-      </p:sp>
-      <p:sp>
-        <p:nvSpPr>
-          <p:cNvPr id="30" name="ZoneTexte 29"/>
-          <p:cNvSpPr txBox="1"/>
-          <p:nvPr/>
-        </p:nvSpPr>
-        <p:spPr>
-          <a:xfrm>
-            <a:off x="2019482" y="2749007"/>
-            <a:ext cx="256802" cy="261610"/>
-          </a:xfrm>
-          <a:prstGeom prst="rect">
-            <a:avLst/>
-          </a:prstGeom>
-          <a:noFill/>
-        </p:spPr>
-        <p:txBody>
-          <a:bodyPr wrap="none" rtlCol="0">
-            <a:spAutoFit/>
-          </a:bodyPr>
-          <a:lstStyle/>
-          <a:p>
-            <a:r>
-              <a:rPr lang="fr-FR" sz="1100" dirty="0" smtClean="0">
-                <a:solidFill>
-                  <a:srgbClr val="FF0000"/>
-                </a:solidFill>
-              </a:rPr>
-              <a:t>1</a:t>
-            </a:r>
-            <a:endParaRPr lang="fr-FR" sz="1100" dirty="0">
-              <a:solidFill>
-                <a:srgbClr val="FF0000"/>
-              </a:solidFill>
-            </a:endParaRPr>
-          </a:p>
-        </p:txBody>
-      </p:sp>
-      <p:pic>
-        <p:nvPicPr>
-          <p:cNvPr id="6" name="Image 5" descr="(&gt; o _ o )&gt;          --[__W  A  R___Q  U  I  Z__]--          &lt;[ x _ x &lt;]"/>
-          <p:cNvPicPr>
-            <a:picLocks noChangeAspect="1"/>
-          </p:cNvPicPr>
-          <p:nvPr/>
-        </p:nvPicPr>
-        <p:blipFill>
-          <a:blip r:embed="rId3" cstate="print">
-            <a:extLst>
-              <a:ext uri="{28A0092B-C50C-407E-A947-70E740481C1C}">
-                <a14:useLocalDpi xmlns:a14="http://schemas.microsoft.com/office/drawing/2010/main" val="0"/>
-              </a:ext>
-            </a:extLst>
-          </a:blip>
-          <a:stretch>
-            <a:fillRect/>
-          </a:stretch>
-        </p:blipFill>
-        <p:spPr>
-          <a:xfrm>
-            <a:off x="561600" y="5580112"/>
-            <a:ext cx="3110808" cy="2404081"/>
-          </a:xfrm>
-          <a:prstGeom prst="rect">
-            <a:avLst/>
-          </a:prstGeom>
-        </p:spPr>
-      </p:pic>
-      <p:sp>
-        <p:nvSpPr>
-          <p:cNvPr id="8" name="Rectangle 7"/>
-          <p:cNvSpPr/>
-          <p:nvPr/>
-        </p:nvSpPr>
-        <p:spPr>
-          <a:xfrm>
-            <a:off x="813600" y="6480000"/>
-            <a:ext cx="1368000" cy="1242000"/>
-          </a:xfrm>
-          <a:prstGeom prst="rect">
-            <a:avLst/>
-          </a:prstGeom>
-          <a:noFill/>
-          <a:ln>
-            <a:solidFill>
-              <a:srgbClr val="FF0000"/>
-            </a:solidFill>
-          </a:ln>
-        </p:spPr>
-        <p:style>
-          <a:lnRef idx="2">
-            <a:schemeClr val="accent1">
-              <a:shade val="50000"/>
-            </a:schemeClr>
-          </a:lnRef>
-          <a:fillRef idx="1">
-            <a:schemeClr val="accent1"/>
-          </a:fillRef>
-          <a:effectRef idx="0">
-            <a:schemeClr val="accent1"/>
-          </a:effectRef>
-          <a:fontRef idx="minor">
-            <a:schemeClr val="lt1"/>
-          </a:fontRef>
-        </p:style>
-        <p:txBody>
-          <a:bodyPr rtlCol="0" anchor="ctr"/>
-          <a:lstStyle/>
-          <a:p>
-            <a:pPr algn="ctr"/>
-            <a:endParaRPr lang="fr-FR" sz="2800"/>
-          </a:p>
-        </p:txBody>
-      </p:sp>
-      <p:sp>
-        <p:nvSpPr>
-          <p:cNvPr id="31" name="Rectangle 30"/>
-          <p:cNvSpPr/>
-          <p:nvPr/>
-        </p:nvSpPr>
-        <p:spPr>
-          <a:xfrm>
-            <a:off x="3139200" y="6786000"/>
-            <a:ext cx="388800" cy="406800"/>
-          </a:xfrm>
-          <a:prstGeom prst="rect">
-            <a:avLst/>
-          </a:prstGeom>
-          <a:noFill/>
-          <a:ln>
-            <a:solidFill>
-              <a:srgbClr val="00B050"/>
-            </a:solidFill>
-          </a:ln>
-        </p:spPr>
-        <p:style>
-          <a:lnRef idx="2">
-            <a:schemeClr val="accent1">
-              <a:shade val="50000"/>
-            </a:schemeClr>
-          </a:lnRef>
-          <a:fillRef idx="1">
-            <a:schemeClr val="accent1"/>
-          </a:fillRef>
-          <a:effectRef idx="0">
-            <a:schemeClr val="accent1"/>
-          </a:effectRef>
-          <a:fontRef idx="minor">
-            <a:schemeClr val="lt1"/>
-          </a:fontRef>
-        </p:style>
-        <p:txBody>
-          <a:bodyPr rtlCol="0" anchor="ctr"/>
-          <a:lstStyle/>
-          <a:p>
-            <a:pPr algn="ctr"/>
-            <a:endParaRPr lang="fr-FR" sz="2800"/>
-          </a:p>
-        </p:txBody>
-      </p:sp>
-      <p:sp>
-        <p:nvSpPr>
-          <p:cNvPr id="32" name="ZoneTexte 31"/>
-          <p:cNvSpPr txBox="1"/>
-          <p:nvPr/>
-        </p:nvSpPr>
-        <p:spPr>
-          <a:xfrm>
-            <a:off x="1904627" y="7460390"/>
-            <a:ext cx="256802" cy="261610"/>
-          </a:xfrm>
-          <a:prstGeom prst="rect">
-            <a:avLst/>
-          </a:prstGeom>
-          <a:noFill/>
-        </p:spPr>
-        <p:txBody>
-          <a:bodyPr wrap="none" rtlCol="0">
-            <a:spAutoFit/>
-          </a:bodyPr>
-          <a:lstStyle/>
-          <a:p>
-            <a:r>
-              <a:rPr lang="fr-FR" sz="1100" dirty="0" smtClean="0">
-                <a:solidFill>
-                  <a:srgbClr val="FF0000"/>
-                </a:solidFill>
-              </a:rPr>
-              <a:t>1</a:t>
-            </a:r>
-            <a:endParaRPr lang="fr-FR" sz="1100" dirty="0">
-              <a:solidFill>
-                <a:srgbClr val="FF0000"/>
-              </a:solidFill>
-            </a:endParaRPr>
-          </a:p>
-        </p:txBody>
-      </p:sp>
-      <p:sp>
-        <p:nvSpPr>
-          <p:cNvPr id="33" name="ZoneTexte 32"/>
-          <p:cNvSpPr txBox="1"/>
-          <p:nvPr/>
-        </p:nvSpPr>
-        <p:spPr>
-          <a:xfrm>
-            <a:off x="3205199" y="7215044"/>
-            <a:ext cx="256802" cy="261610"/>
-          </a:xfrm>
-          <a:prstGeom prst="rect">
-            <a:avLst/>
-          </a:prstGeom>
-          <a:noFill/>
-        </p:spPr>
-        <p:txBody>
-          <a:bodyPr wrap="none" rtlCol="0">
-            <a:spAutoFit/>
-          </a:bodyPr>
-          <a:lstStyle/>
-          <a:p>
-            <a:r>
-              <a:rPr lang="fr-FR" sz="1100" dirty="0" smtClean="0">
-                <a:solidFill>
-                  <a:srgbClr val="00B050"/>
-                </a:solidFill>
-              </a:rPr>
-              <a:t>2</a:t>
-            </a:r>
-            <a:endParaRPr lang="fr-FR" sz="1100" dirty="0">
-              <a:solidFill>
-                <a:srgbClr val="00B050"/>
-              </a:solidFill>
-            </a:endParaRPr>
-          </a:p>
-        </p:txBody>
-      </p:sp>
     </p:spTree>
     <p:extLst>
       <p:ext uri="{BB962C8B-B14F-4D97-AF65-F5344CB8AC3E}">
-        <p14:creationId xmlns:p14="http://schemas.microsoft.com/office/powerpoint/2010/main" val="2246658219"/>
+        <p14:creationId xmlns:p14="http://schemas.microsoft.com/office/powerpoint/2010/main" val="1241285108"/>
       </p:ext>
     </p:extLst>
   </p:cSld>
@@ -10945,14 +11988,14 @@
       </p:grpSpPr>
       <p:sp>
         <p:nvSpPr>
-          <p:cNvPr id="10" name="ZoneTexte 9"/>
+          <p:cNvPr id="4" name="ZoneTexte 3"/>
           <p:cNvSpPr txBox="1"/>
           <p:nvPr/>
         </p:nvSpPr>
         <p:spPr>
           <a:xfrm>
-            <a:off x="3653195" y="2108627"/>
-            <a:ext cx="3204805" cy="2031325"/>
+            <a:off x="620688" y="323528"/>
+            <a:ext cx="6237312" cy="1754326"/>
           </a:xfrm>
           <a:prstGeom prst="rect">
             <a:avLst/>
@@ -10965,667 +12008,50 @@
           </a:bodyPr>
           <a:lstStyle/>
           <a:p>
-            <a:r>
-              <a:rPr lang="fr-FR" dirty="0" smtClean="0"/>
-              <a:t>En cliquant sur Créer, une nouvelle fenêtre apparaitra pour que vous renseigniez le nom de votre futur quiz.</a:t>
-            </a:r>
-          </a:p>
-          <a:p>
-            <a:r>
-              <a:rPr lang="fr-FR" dirty="0" smtClean="0"/>
-              <a:t>Appuyez sur OK pour continuer la création et accéder à l’ajout de réponses.</a:t>
-            </a:r>
-            <a:endParaRPr lang="fr-FR" dirty="0"/>
-          </a:p>
-        </p:txBody>
-      </p:sp>
-      <p:sp>
-        <p:nvSpPr>
-          <p:cNvPr id="11" name="ZoneTexte 10"/>
-          <p:cNvSpPr txBox="1"/>
-          <p:nvPr/>
-        </p:nvSpPr>
-        <p:spPr>
-          <a:xfrm>
-            <a:off x="1588022" y="1934126"/>
-            <a:ext cx="256802" cy="261610"/>
-          </a:xfrm>
-          <a:prstGeom prst="rect">
-            <a:avLst/>
-          </a:prstGeom>
-          <a:noFill/>
-        </p:spPr>
-        <p:txBody>
-          <a:bodyPr wrap="none" rtlCol="0">
-            <a:spAutoFit/>
-          </a:bodyPr>
-          <a:lstStyle/>
-          <a:p>
-            <a:r>
-              <a:rPr lang="fr-FR" sz="1100" dirty="0" smtClean="0">
-                <a:solidFill>
-                  <a:srgbClr val="00B050"/>
-                </a:solidFill>
-              </a:rPr>
-              <a:t>1</a:t>
-            </a:r>
-            <a:endParaRPr lang="fr-FR" sz="1100" dirty="0">
-              <a:solidFill>
-                <a:srgbClr val="00B050"/>
-              </a:solidFill>
-            </a:endParaRPr>
-          </a:p>
-        </p:txBody>
-      </p:sp>
-      <p:sp>
-        <p:nvSpPr>
-          <p:cNvPr id="24" name="ZoneTexte 23"/>
-          <p:cNvSpPr txBox="1"/>
-          <p:nvPr/>
-        </p:nvSpPr>
-        <p:spPr>
-          <a:xfrm>
-            <a:off x="3672408" y="5508104"/>
-            <a:ext cx="2852936" cy="2308324"/>
-          </a:xfrm>
-          <a:prstGeom prst="rect">
-            <a:avLst/>
-          </a:prstGeom>
-          <a:noFill/>
-        </p:spPr>
-        <p:txBody>
-          <a:bodyPr wrap="square" rtlCol="0">
-            <a:spAutoFit/>
-          </a:bodyPr>
-          <a:lstStyle/>
-          <a:p>
-            <a:r>
-              <a:rPr lang="fr-FR" dirty="0" smtClean="0"/>
-              <a:t>Une fois votre quiz créé, vous accédez à la partie qui vous permet d’ajouter des questions et des réponses.</a:t>
-            </a:r>
-          </a:p>
-          <a:p>
-            <a:r>
-              <a:rPr lang="fr-FR" dirty="0" smtClean="0"/>
-              <a:t>De base, un quiz à 0 question. Il vous faut donc les créer ainsi que leurs réponses respectives.</a:t>
-            </a:r>
-          </a:p>
-        </p:txBody>
-      </p:sp>
-      <p:sp>
-        <p:nvSpPr>
-          <p:cNvPr id="25" name="ZoneTexte 24"/>
-          <p:cNvSpPr txBox="1"/>
-          <p:nvPr/>
-        </p:nvSpPr>
-        <p:spPr>
-          <a:xfrm>
-            <a:off x="476672" y="421958"/>
-            <a:ext cx="2969724" cy="523220"/>
-          </a:xfrm>
-          <a:prstGeom prst="rect">
-            <a:avLst/>
-          </a:prstGeom>
-          <a:noFill/>
-        </p:spPr>
-        <p:txBody>
-          <a:bodyPr wrap="none" rtlCol="0">
-            <a:spAutoFit/>
-          </a:bodyPr>
-          <a:lstStyle/>
-          <a:p>
-            <a:r>
-              <a:rPr lang="fr-FR" sz="2800" dirty="0" smtClean="0"/>
-              <a:t>IV / Administrateur</a:t>
-            </a:r>
-            <a:endParaRPr lang="fr-FR" sz="2800" dirty="0"/>
-          </a:p>
-        </p:txBody>
-      </p:sp>
-      <p:sp>
-        <p:nvSpPr>
-          <p:cNvPr id="26" name="ZoneTexte 25"/>
-          <p:cNvSpPr txBox="1"/>
-          <p:nvPr/>
-        </p:nvSpPr>
-        <p:spPr>
-          <a:xfrm>
-            <a:off x="977229" y="1384484"/>
-            <a:ext cx="2297488" cy="523220"/>
-          </a:xfrm>
-          <a:prstGeom prst="rect">
-            <a:avLst/>
-          </a:prstGeom>
-          <a:noFill/>
-        </p:spPr>
-        <p:txBody>
-          <a:bodyPr wrap="none" rtlCol="0">
-            <a:spAutoFit/>
-          </a:bodyPr>
-          <a:lstStyle/>
-          <a:p>
-            <a:r>
-              <a:rPr lang="fr-FR" sz="2800" dirty="0" smtClean="0"/>
-              <a:t>Créer un quiz :</a:t>
-            </a:r>
-            <a:endParaRPr lang="fr-FR" sz="2800" dirty="0"/>
-          </a:p>
-        </p:txBody>
-      </p:sp>
-      <p:sp>
-        <p:nvSpPr>
-          <p:cNvPr id="27" name="ZoneTexte 26"/>
-          <p:cNvSpPr txBox="1"/>
-          <p:nvPr/>
-        </p:nvSpPr>
-        <p:spPr>
-          <a:xfrm>
-            <a:off x="977229" y="5056892"/>
-            <a:ext cx="1872692" cy="523220"/>
-          </a:xfrm>
-          <a:prstGeom prst="rect">
-            <a:avLst/>
-          </a:prstGeom>
-          <a:noFill/>
-        </p:spPr>
-        <p:txBody>
-          <a:bodyPr wrap="none" rtlCol="0">
-            <a:spAutoFit/>
-          </a:bodyPr>
-          <a:lstStyle/>
-          <a:p>
-            <a:r>
-              <a:rPr lang="fr-FR" sz="2800" dirty="0" smtClean="0"/>
-              <a:t>Gérer quiz :</a:t>
-            </a:r>
-            <a:endParaRPr lang="fr-FR" sz="2800" dirty="0"/>
-          </a:p>
-        </p:txBody>
-      </p:sp>
-      <p:sp>
-        <p:nvSpPr>
-          <p:cNvPr id="3" name="Rectangle 2"/>
-          <p:cNvSpPr/>
-          <p:nvPr/>
-        </p:nvSpPr>
-        <p:spPr>
-          <a:xfrm>
-            <a:off x="727200" y="2822400"/>
-            <a:ext cx="1501200" cy="1090800"/>
-          </a:xfrm>
-          <a:prstGeom prst="rect">
-            <a:avLst/>
-          </a:prstGeom>
-          <a:noFill/>
-          <a:ln>
-            <a:solidFill>
-              <a:srgbClr val="FF0000"/>
-            </a:solidFill>
-          </a:ln>
-        </p:spPr>
-        <p:style>
-          <a:lnRef idx="2">
-            <a:schemeClr val="accent1">
-              <a:shade val="50000"/>
-            </a:schemeClr>
-          </a:lnRef>
-          <a:fillRef idx="1">
-            <a:schemeClr val="accent1"/>
-          </a:fillRef>
-          <a:effectRef idx="0">
-            <a:schemeClr val="accent1"/>
-          </a:effectRef>
-          <a:fontRef idx="minor">
-            <a:schemeClr val="lt1"/>
-          </a:fontRef>
-        </p:style>
-        <p:txBody>
-          <a:bodyPr rtlCol="0" anchor="ctr"/>
-          <a:lstStyle/>
-          <a:p>
-            <a:pPr algn="ctr"/>
-            <a:endParaRPr lang="fr-FR" sz="2800"/>
-          </a:p>
-        </p:txBody>
-      </p:sp>
-      <p:sp>
-        <p:nvSpPr>
-          <p:cNvPr id="7" name="Rectangle 6"/>
-          <p:cNvSpPr/>
-          <p:nvPr/>
-        </p:nvSpPr>
-        <p:spPr>
-          <a:xfrm>
-            <a:off x="3114000" y="3477600"/>
-            <a:ext cx="385200" cy="133200"/>
-          </a:xfrm>
-          <a:prstGeom prst="rect">
-            <a:avLst/>
-          </a:prstGeom>
-          <a:noFill/>
-          <a:ln>
-            <a:solidFill>
-              <a:srgbClr val="FF0000"/>
-            </a:solidFill>
-          </a:ln>
-        </p:spPr>
-        <p:style>
-          <a:lnRef idx="2">
-            <a:schemeClr val="accent1">
-              <a:shade val="50000"/>
-            </a:schemeClr>
-          </a:lnRef>
-          <a:fillRef idx="1">
-            <a:schemeClr val="accent1"/>
-          </a:fillRef>
-          <a:effectRef idx="0">
-            <a:schemeClr val="accent1"/>
-          </a:effectRef>
-          <a:fontRef idx="minor">
-            <a:schemeClr val="lt1"/>
-          </a:fontRef>
-        </p:style>
-        <p:txBody>
-          <a:bodyPr rtlCol="0" anchor="ctr"/>
-          <a:lstStyle/>
-          <a:p>
-            <a:pPr algn="ctr"/>
-            <a:endParaRPr lang="fr-FR" sz="2800"/>
-          </a:p>
-        </p:txBody>
-      </p:sp>
-      <p:sp>
-        <p:nvSpPr>
-          <p:cNvPr id="28" name="ZoneTexte 27"/>
-          <p:cNvSpPr txBox="1"/>
-          <p:nvPr/>
-        </p:nvSpPr>
-        <p:spPr>
-          <a:xfrm>
-            <a:off x="1961873" y="3651590"/>
-            <a:ext cx="256802" cy="261610"/>
-          </a:xfrm>
-          <a:prstGeom prst="rect">
-            <a:avLst/>
-          </a:prstGeom>
-          <a:noFill/>
-        </p:spPr>
-        <p:txBody>
-          <a:bodyPr wrap="none" rtlCol="0">
-            <a:spAutoFit/>
-          </a:bodyPr>
-          <a:lstStyle/>
-          <a:p>
-            <a:r>
-              <a:rPr lang="fr-FR" sz="1100" dirty="0" smtClean="0">
-                <a:solidFill>
-                  <a:srgbClr val="FF0000"/>
-                </a:solidFill>
-              </a:rPr>
-              <a:t>1</a:t>
-            </a:r>
-            <a:endParaRPr lang="fr-FR" sz="1100" dirty="0">
-              <a:solidFill>
-                <a:srgbClr val="FF0000"/>
-              </a:solidFill>
-            </a:endParaRPr>
-          </a:p>
-        </p:txBody>
-      </p:sp>
-      <p:sp>
-        <p:nvSpPr>
-          <p:cNvPr id="29" name="ZoneTexte 28"/>
-          <p:cNvSpPr txBox="1"/>
-          <p:nvPr/>
-        </p:nvSpPr>
-        <p:spPr>
-          <a:xfrm>
-            <a:off x="3306600" y="3413395"/>
-            <a:ext cx="256802" cy="261610"/>
-          </a:xfrm>
-          <a:prstGeom prst="rect">
-            <a:avLst/>
-          </a:prstGeom>
-          <a:noFill/>
-        </p:spPr>
-        <p:txBody>
-          <a:bodyPr wrap="none" rtlCol="0">
-            <a:spAutoFit/>
-          </a:bodyPr>
-          <a:lstStyle/>
-          <a:p>
-            <a:r>
-              <a:rPr lang="fr-FR" sz="1100" dirty="0" smtClean="0">
-                <a:solidFill>
-                  <a:srgbClr val="FF0000"/>
-                </a:solidFill>
-              </a:rPr>
-              <a:t>2</a:t>
-            </a:r>
-            <a:endParaRPr lang="fr-FR" sz="1100" dirty="0">
-              <a:solidFill>
-                <a:srgbClr val="FF0000"/>
-              </a:solidFill>
-            </a:endParaRPr>
-          </a:p>
-        </p:txBody>
-      </p:sp>
-      <p:pic>
-        <p:nvPicPr>
-          <p:cNvPr id="6" name="Image 5" descr="(&gt; o _ o )&gt;          --[__W  A  R___Q  U  I  Z__]--          &lt;[ x _ x &lt;]"/>
-          <p:cNvPicPr>
-            <a:picLocks noChangeAspect="1"/>
-          </p:cNvPicPr>
-          <p:nvPr/>
-        </p:nvPicPr>
-        <p:blipFill>
-          <a:blip r:embed="rId2" cstate="print">
-            <a:extLst>
-              <a:ext uri="{28A0092B-C50C-407E-A947-70E740481C1C}">
-                <a14:useLocalDpi xmlns:a14="http://schemas.microsoft.com/office/drawing/2010/main" val="0"/>
-              </a:ext>
-            </a:extLst>
-          </a:blip>
-          <a:stretch>
-            <a:fillRect/>
-          </a:stretch>
-        </p:blipFill>
-        <p:spPr>
-          <a:xfrm>
-            <a:off x="534186" y="1907704"/>
-            <a:ext cx="3110808" cy="2404081"/>
-          </a:xfrm>
-          <a:prstGeom prst="rect">
-            <a:avLst/>
-          </a:prstGeom>
-        </p:spPr>
-      </p:pic>
-      <p:pic>
-        <p:nvPicPr>
-          <p:cNvPr id="9" name="Image 8" descr="Creation Quiz"/>
-          <p:cNvPicPr>
-            <a:picLocks noChangeAspect="1"/>
-          </p:cNvPicPr>
-          <p:nvPr/>
-        </p:nvPicPr>
-        <p:blipFill>
-          <a:blip r:embed="rId3">
-            <a:extLst>
-              <a:ext uri="{28A0092B-C50C-407E-A947-70E740481C1C}">
-                <a14:useLocalDpi xmlns:a14="http://schemas.microsoft.com/office/drawing/2010/main" val="0"/>
-              </a:ext>
-            </a:extLst>
-          </a:blip>
-          <a:stretch>
-            <a:fillRect/>
-          </a:stretch>
-        </p:blipFill>
-        <p:spPr>
-          <a:xfrm>
-            <a:off x="836219" y="2539796"/>
-            <a:ext cx="2497381" cy="1042678"/>
-          </a:xfrm>
-          <a:prstGeom prst="rect">
-            <a:avLst/>
-          </a:prstGeom>
-        </p:spPr>
-      </p:pic>
-      <p:pic>
-        <p:nvPicPr>
-          <p:cNvPr id="12" name="Image 11" descr="(&gt; o _ o )&gt;          --[__W  A  R___Q  U  I  Z__]--          &lt;[ x _ x &lt;]"/>
-          <p:cNvPicPr>
-            <a:picLocks noChangeAspect="1"/>
-          </p:cNvPicPr>
-          <p:nvPr/>
-        </p:nvPicPr>
-        <p:blipFill>
-          <a:blip r:embed="rId4" cstate="print">
-            <a:extLst>
-              <a:ext uri="{28A0092B-C50C-407E-A947-70E740481C1C}">
-                <a14:useLocalDpi xmlns:a14="http://schemas.microsoft.com/office/drawing/2010/main" val="0"/>
-              </a:ext>
-            </a:extLst>
-          </a:blip>
-          <a:stretch>
-            <a:fillRect/>
-          </a:stretch>
-        </p:blipFill>
-        <p:spPr>
-          <a:xfrm>
-            <a:off x="561600" y="5580112"/>
-            <a:ext cx="3109775" cy="2403282"/>
-          </a:xfrm>
-          <a:prstGeom prst="rect">
-            <a:avLst/>
-          </a:prstGeom>
-        </p:spPr>
-      </p:pic>
-      <p:sp>
-        <p:nvSpPr>
-          <p:cNvPr id="14" name="Rectangle 13"/>
-          <p:cNvSpPr/>
-          <p:nvPr/>
-        </p:nvSpPr>
-        <p:spPr>
-          <a:xfrm>
-            <a:off x="3153600" y="7362000"/>
-            <a:ext cx="435600" cy="144000"/>
-          </a:xfrm>
-          <a:prstGeom prst="rect">
-            <a:avLst/>
-          </a:prstGeom>
-          <a:noFill/>
-          <a:ln>
-            <a:solidFill>
-              <a:srgbClr val="FF0000"/>
-            </a:solidFill>
-          </a:ln>
-        </p:spPr>
-        <p:style>
-          <a:lnRef idx="2">
-            <a:schemeClr val="accent1">
-              <a:shade val="50000"/>
-            </a:schemeClr>
-          </a:lnRef>
-          <a:fillRef idx="1">
-            <a:schemeClr val="accent1"/>
-          </a:fillRef>
-          <a:effectRef idx="0">
-            <a:schemeClr val="accent1"/>
-          </a:effectRef>
-          <a:fontRef idx="minor">
-            <a:schemeClr val="lt1"/>
-          </a:fontRef>
-        </p:style>
-        <p:txBody>
-          <a:bodyPr rtlCol="0" anchor="ctr"/>
-          <a:lstStyle/>
-          <a:p>
-            <a:pPr algn="ctr"/>
-            <a:endParaRPr lang="fr-FR" sz="2800"/>
-          </a:p>
-        </p:txBody>
-      </p:sp>
-      <p:sp>
-        <p:nvSpPr>
-          <p:cNvPr id="34" name="Rectangle 33"/>
-          <p:cNvSpPr/>
-          <p:nvPr/>
-        </p:nvSpPr>
-        <p:spPr>
-          <a:xfrm>
-            <a:off x="2732400" y="6480000"/>
-            <a:ext cx="327600" cy="136800"/>
-          </a:xfrm>
-          <a:prstGeom prst="rect">
-            <a:avLst/>
-          </a:prstGeom>
-          <a:noFill/>
-          <a:ln>
-            <a:solidFill>
-              <a:srgbClr val="FF0000"/>
-            </a:solidFill>
-          </a:ln>
-        </p:spPr>
-        <p:style>
-          <a:lnRef idx="2">
-            <a:schemeClr val="accent1">
-              <a:shade val="50000"/>
-            </a:schemeClr>
-          </a:lnRef>
-          <a:fillRef idx="1">
-            <a:schemeClr val="accent1"/>
-          </a:fillRef>
-          <a:effectRef idx="0">
-            <a:schemeClr val="accent1"/>
-          </a:effectRef>
-          <a:fontRef idx="minor">
-            <a:schemeClr val="lt1"/>
-          </a:fontRef>
-        </p:style>
-        <p:txBody>
-          <a:bodyPr rtlCol="0" anchor="ctr"/>
-          <a:lstStyle/>
-          <a:p>
-            <a:pPr algn="ctr"/>
-            <a:endParaRPr lang="fr-FR" sz="2800"/>
-          </a:p>
-        </p:txBody>
-      </p:sp>
-      <p:sp>
-        <p:nvSpPr>
-          <p:cNvPr id="36" name="ZoneTexte 35"/>
-          <p:cNvSpPr txBox="1"/>
-          <p:nvPr/>
-        </p:nvSpPr>
-        <p:spPr>
-          <a:xfrm>
-            <a:off x="489592" y="7956376"/>
-            <a:ext cx="5963744" cy="646331"/>
-          </a:xfrm>
-          <a:prstGeom prst="rect">
-            <a:avLst/>
-          </a:prstGeom>
-          <a:noFill/>
-        </p:spPr>
-        <p:txBody>
-          <a:bodyPr wrap="square" rtlCol="0">
-            <a:spAutoFit/>
-          </a:bodyPr>
-          <a:lstStyle/>
-          <a:p>
-            <a:r>
-              <a:rPr lang="fr-FR" dirty="0" smtClean="0"/>
-              <a:t>Chaque quiz possède un difficulté </a:t>
-            </a:r>
             <a:r>
               <a:rPr lang="fr-FR" dirty="0" smtClean="0">
                 <a:solidFill>
                   <a:srgbClr val="FF0000"/>
                 </a:solidFill>
               </a:rPr>
-              <a:t>(1)</a:t>
+              <a:t>3: </a:t>
             </a:r>
             <a:r>
               <a:rPr lang="fr-FR" dirty="0" smtClean="0"/>
-              <a:t>. Une fois que vous avez terminé, validez </a:t>
-            </a:r>
+              <a:t>Consultez votre score.  Pour chaque question, si vous avez toutes les réponses de juste, vous avez 1 point. Une seule réponse fausse à une question vous  fera tomber à 0 point pour cette question. </a:t>
+            </a:r>
+          </a:p>
+          <a:p>
+            <a:r>
+              <a:rPr lang="fr-FR" dirty="0" smtClean="0"/>
+              <a:t>A la fin de la partie, le score est remis sur 100.</a:t>
+            </a:r>
+          </a:p>
+          <a:p>
             <a:r>
               <a:rPr lang="fr-FR" dirty="0" smtClean="0">
                 <a:solidFill>
                   <a:srgbClr val="FF0000"/>
                 </a:solidFill>
               </a:rPr>
-              <a:t>(2)</a:t>
+              <a:t>4</a:t>
             </a:r>
             <a:r>
               <a:rPr lang="fr-FR" dirty="0" smtClean="0"/>
-              <a:t> votre quiz. Il sera immédiatement jouable.</a:t>
+              <a:t> </a:t>
+            </a:r>
+            <a:r>
+              <a:rPr lang="fr-FR" dirty="0"/>
+              <a:t>: Revenez à l’accueil</a:t>
             </a:r>
             <a:endParaRPr lang="fr-FR" dirty="0"/>
-          </a:p>
-        </p:txBody>
-      </p:sp>
-      <p:sp>
-        <p:nvSpPr>
-          <p:cNvPr id="18" name="ZoneTexte 17"/>
-          <p:cNvSpPr txBox="1"/>
-          <p:nvPr/>
-        </p:nvSpPr>
-        <p:spPr>
-          <a:xfrm>
-            <a:off x="2867946" y="7303195"/>
-            <a:ext cx="256802" cy="261610"/>
-          </a:xfrm>
-          <a:prstGeom prst="rect">
-            <a:avLst/>
-          </a:prstGeom>
-          <a:noFill/>
-        </p:spPr>
-        <p:txBody>
-          <a:bodyPr wrap="none" rtlCol="0">
-            <a:spAutoFit/>
-          </a:bodyPr>
-          <a:lstStyle/>
-          <a:p>
-            <a:r>
-              <a:rPr lang="fr-FR" sz="1100" dirty="0" smtClean="0">
-                <a:solidFill>
-                  <a:srgbClr val="FF0000"/>
-                </a:solidFill>
-              </a:rPr>
-              <a:t>2</a:t>
-            </a:r>
-            <a:endParaRPr lang="fr-FR" sz="1100" dirty="0">
-              <a:solidFill>
-                <a:srgbClr val="FF0000"/>
-              </a:solidFill>
-            </a:endParaRPr>
-          </a:p>
-        </p:txBody>
-      </p:sp>
-      <p:sp>
-        <p:nvSpPr>
-          <p:cNvPr id="19" name="ZoneTexte 18"/>
-          <p:cNvSpPr txBox="1"/>
-          <p:nvPr/>
-        </p:nvSpPr>
-        <p:spPr>
-          <a:xfrm>
-            <a:off x="2465796" y="6417595"/>
-            <a:ext cx="256802" cy="261610"/>
-          </a:xfrm>
-          <a:prstGeom prst="rect">
-            <a:avLst/>
-          </a:prstGeom>
-          <a:noFill/>
-        </p:spPr>
-        <p:txBody>
-          <a:bodyPr wrap="none" rtlCol="0">
-            <a:spAutoFit/>
-          </a:bodyPr>
-          <a:lstStyle/>
-          <a:p>
-            <a:r>
-              <a:rPr lang="fr-FR" sz="1100" dirty="0" smtClean="0">
-                <a:solidFill>
-                  <a:srgbClr val="FF0000"/>
-                </a:solidFill>
-              </a:rPr>
-              <a:t>1</a:t>
-            </a:r>
-            <a:endParaRPr lang="fr-FR" sz="1100" dirty="0">
-              <a:solidFill>
-                <a:srgbClr val="FF0000"/>
-              </a:solidFill>
-            </a:endParaRPr>
           </a:p>
         </p:txBody>
       </p:sp>
     </p:spTree>
     <p:extLst>
       <p:ext uri="{BB962C8B-B14F-4D97-AF65-F5344CB8AC3E}">
-        <p14:creationId xmlns:p14="http://schemas.microsoft.com/office/powerpoint/2010/main" val="3554912898"/>
+        <p14:creationId xmlns:p14="http://schemas.microsoft.com/office/powerpoint/2010/main" val="1559864228"/>
       </p:ext>
     </p:extLst>
   </p:cSld>
@@ -11679,7 +12105,7 @@
         </p:nvSpPr>
         <p:spPr>
           <a:xfrm>
-            <a:off x="3653195" y="5508104"/>
+            <a:off x="3653195" y="1835696"/>
             <a:ext cx="3204805" cy="2585323"/>
           </a:xfrm>
           <a:prstGeom prst="rect">
@@ -11693,45 +12119,29 @@
           </a:bodyPr>
           <a:lstStyle/>
           <a:p>
+            <a:pPr algn="just"/>
             <a:r>
               <a:rPr lang="fr-FR" dirty="0" smtClean="0"/>
-              <a:t>Une fois que vous avez cliqué sur une question, vous pouvez ajouter des réponses à celle-ci.</a:t>
-            </a:r>
-          </a:p>
-          <a:p>
-            <a:r>
-              <a:rPr lang="fr-FR" dirty="0" smtClean="0"/>
-              <a:t>Cliquer sur « Ajouter une réponse » </a:t>
-            </a:r>
-            <a:r>
-              <a:rPr lang="fr-FR" dirty="0" smtClean="0">
+              <a:t>Lorsque vous êtes connecté en administrateur, vous ne pouvez pas jouer, cependant, vous pouvez accéder à la gestion des quiz.</a:t>
+            </a:r>
+            <a:endParaRPr lang="fr-FR" dirty="0"/>
+          </a:p>
+          <a:p>
+            <a:r>
+              <a:rPr lang="fr-FR" dirty="0">
                 <a:solidFill>
                   <a:srgbClr val="FF0000"/>
                 </a:solidFill>
               </a:rPr>
-              <a:t>(1)</a:t>
+              <a:t>1</a:t>
+            </a:r>
+            <a:r>
+              <a:rPr lang="fr-FR" dirty="0"/>
+              <a:t> : </a:t>
             </a:r>
             <a:r>
               <a:rPr lang="fr-FR" dirty="0" smtClean="0"/>
-              <a:t> puis renseigner le champs de réponse qui a apparu </a:t>
-            </a:r>
-            <a:r>
-              <a:rPr lang="fr-FR" dirty="0" smtClean="0">
-                <a:solidFill>
-                  <a:srgbClr val="FF0000"/>
-                </a:solidFill>
-              </a:rPr>
-              <a:t>(2)</a:t>
-            </a:r>
-            <a:r>
-              <a:rPr lang="fr-FR" dirty="0" smtClean="0"/>
-              <a:t>.</a:t>
-            </a:r>
-          </a:p>
-          <a:p>
-            <a:r>
-              <a:rPr lang="fr-FR" dirty="0" smtClean="0"/>
-              <a:t>Pour dire que la réponse est juste, cochez la case sur la</a:t>
+              <a:t>Le bouton gérer vous permet d’accéder à la partie qui permet la création, modification et suppression d’un quiz.</a:t>
             </a:r>
             <a:endParaRPr lang="fr-FR" dirty="0"/>
           </a:p>
@@ -11745,7 +12155,7 @@
         </p:nvSpPr>
         <p:spPr>
           <a:xfrm>
-            <a:off x="1588022" y="5625698"/>
+            <a:off x="1588022" y="1934126"/>
             <a:ext cx="256802" cy="261610"/>
           </a:xfrm>
           <a:prstGeom prst="rect">
@@ -11777,74 +12187,14 @@
       </p:sp>
       <p:sp>
         <p:nvSpPr>
-          <p:cNvPr id="25" name="ZoneTexte 24"/>
-          <p:cNvSpPr txBox="1"/>
-          <p:nvPr/>
-        </p:nvSpPr>
-        <p:spPr>
-          <a:xfrm>
-            <a:off x="476672" y="421958"/>
-            <a:ext cx="2969724" cy="523220"/>
-          </a:xfrm>
-          <a:prstGeom prst="rect">
-            <a:avLst/>
-          </a:prstGeom>
-          <a:noFill/>
-        </p:spPr>
-        <p:txBody>
-          <a:bodyPr wrap="none" rtlCol="0">
-            <a:spAutoFit/>
-          </a:bodyPr>
-          <a:lstStyle/>
-          <a:p>
-            <a:r>
-              <a:rPr lang="fr-FR" sz="2800" dirty="0" smtClean="0"/>
-              <a:t>IV / Administrateur</a:t>
-            </a:r>
-            <a:endParaRPr lang="fr-FR" sz="2800" dirty="0"/>
-          </a:p>
-        </p:txBody>
-      </p:sp>
-      <p:sp>
-        <p:nvSpPr>
-          <p:cNvPr id="26" name="ZoneTexte 25"/>
-          <p:cNvSpPr txBox="1"/>
-          <p:nvPr/>
-        </p:nvSpPr>
-        <p:spPr>
-          <a:xfrm>
-            <a:off x="977229" y="5058000"/>
-            <a:ext cx="2597314" cy="523220"/>
-          </a:xfrm>
-          <a:prstGeom prst="rect">
-            <a:avLst/>
-          </a:prstGeom>
-          <a:noFill/>
-        </p:spPr>
-        <p:txBody>
-          <a:bodyPr wrap="none" rtlCol="0">
-            <a:spAutoFit/>
-          </a:bodyPr>
-          <a:lstStyle/>
-          <a:p>
-            <a:r>
-              <a:rPr lang="fr-FR" sz="2800" dirty="0" smtClean="0"/>
-              <a:t>Gérer réponses :</a:t>
-            </a:r>
-            <a:endParaRPr lang="fr-FR" sz="2800" dirty="0"/>
-          </a:p>
-        </p:txBody>
-      </p:sp>
-      <p:sp>
-        <p:nvSpPr>
-          <p:cNvPr id="3" name="Rectangle 2"/>
+          <p:cNvPr id="15" name="Rectangle 14"/>
           <p:cNvSpPr/>
           <p:nvPr/>
         </p:nvSpPr>
         <p:spPr>
           <a:xfrm>
-            <a:off x="727200" y="6513972"/>
-            <a:ext cx="1501200" cy="1090800"/>
+            <a:off x="957600" y="6444000"/>
+            <a:ext cx="1051200" cy="216024"/>
           </a:xfrm>
           <a:prstGeom prst="rect">
             <a:avLst/>
@@ -11883,14 +12233,14 @@
       </p:sp>
       <p:sp>
         <p:nvSpPr>
-          <p:cNvPr id="7" name="Rectangle 6"/>
+          <p:cNvPr id="16" name="Rectangle 15"/>
           <p:cNvSpPr/>
           <p:nvPr/>
         </p:nvSpPr>
         <p:spPr>
           <a:xfrm>
-            <a:off x="3114000" y="7169172"/>
-            <a:ext cx="385200" cy="133200"/>
+            <a:off x="957600" y="6742800"/>
+            <a:ext cx="1051200" cy="216024"/>
           </a:xfrm>
           <a:prstGeom prst="rect">
             <a:avLst/>
@@ -11929,214 +12279,14 @@
       </p:sp>
       <p:sp>
         <p:nvSpPr>
-          <p:cNvPr id="28" name="ZoneTexte 27"/>
-          <p:cNvSpPr txBox="1"/>
-          <p:nvPr/>
-        </p:nvSpPr>
-        <p:spPr>
-          <a:xfrm>
-            <a:off x="1961873" y="7343162"/>
-            <a:ext cx="256802" cy="261610"/>
-          </a:xfrm>
-          <a:prstGeom prst="rect">
-            <a:avLst/>
-          </a:prstGeom>
-          <a:noFill/>
-        </p:spPr>
-        <p:txBody>
-          <a:bodyPr wrap="none" rtlCol="0">
-            <a:spAutoFit/>
-          </a:bodyPr>
-          <a:lstStyle/>
-          <a:p>
-            <a:r>
-              <a:rPr lang="fr-FR" sz="1100" dirty="0" smtClean="0">
-                <a:solidFill>
-                  <a:srgbClr val="FF0000"/>
-                </a:solidFill>
-              </a:rPr>
-              <a:t>1</a:t>
-            </a:r>
-            <a:endParaRPr lang="fr-FR" sz="1100" dirty="0">
-              <a:solidFill>
-                <a:srgbClr val="FF0000"/>
-              </a:solidFill>
-            </a:endParaRPr>
-          </a:p>
-        </p:txBody>
-      </p:sp>
-      <p:sp>
-        <p:nvSpPr>
-          <p:cNvPr id="29" name="ZoneTexte 28"/>
-          <p:cNvSpPr txBox="1"/>
-          <p:nvPr/>
-        </p:nvSpPr>
-        <p:spPr>
-          <a:xfrm>
-            <a:off x="3306600" y="7104967"/>
-            <a:ext cx="256802" cy="261610"/>
-          </a:xfrm>
-          <a:prstGeom prst="rect">
-            <a:avLst/>
-          </a:prstGeom>
-          <a:noFill/>
-        </p:spPr>
-        <p:txBody>
-          <a:bodyPr wrap="none" rtlCol="0">
-            <a:spAutoFit/>
-          </a:bodyPr>
-          <a:lstStyle/>
-          <a:p>
-            <a:r>
-              <a:rPr lang="fr-FR" sz="1100" dirty="0" smtClean="0">
-                <a:solidFill>
-                  <a:srgbClr val="FF0000"/>
-                </a:solidFill>
-              </a:rPr>
-              <a:t>2</a:t>
-            </a:r>
-            <a:endParaRPr lang="fr-FR" sz="1100" dirty="0">
-              <a:solidFill>
-                <a:srgbClr val="FF0000"/>
-              </a:solidFill>
-            </a:endParaRPr>
-          </a:p>
-        </p:txBody>
-      </p:sp>
-      <p:pic>
-        <p:nvPicPr>
-          <p:cNvPr id="21" name="Image 20" descr="(&gt; o _ o )&gt;          --[__W  A  R___Q  U  I  Z__]--          &lt;[ x _ x &lt;]"/>
-          <p:cNvPicPr>
-            <a:picLocks noChangeAspect="1"/>
-          </p:cNvPicPr>
-          <p:nvPr/>
-        </p:nvPicPr>
-        <p:blipFill>
-          <a:blip r:embed="rId2" cstate="print">
-            <a:extLst>
-              <a:ext uri="{28A0092B-C50C-407E-A947-70E740481C1C}">
-                <a14:useLocalDpi xmlns:a14="http://schemas.microsoft.com/office/drawing/2010/main" val="0"/>
-              </a:ext>
-            </a:extLst>
-          </a:blip>
-          <a:stretch>
-            <a:fillRect/>
-          </a:stretch>
-        </p:blipFill>
-        <p:spPr>
-          <a:xfrm>
-            <a:off x="534186" y="1898318"/>
-            <a:ext cx="3109775" cy="2403282"/>
-          </a:xfrm>
-          <a:prstGeom prst="rect">
-            <a:avLst/>
-          </a:prstGeom>
-        </p:spPr>
-      </p:pic>
-      <p:sp>
-        <p:nvSpPr>
-          <p:cNvPr id="22" name="ZoneTexte 21"/>
-          <p:cNvSpPr txBox="1"/>
-          <p:nvPr/>
-        </p:nvSpPr>
-        <p:spPr>
-          <a:xfrm>
-            <a:off x="3644995" y="1826310"/>
-            <a:ext cx="2852936" cy="2308324"/>
-          </a:xfrm>
-          <a:prstGeom prst="rect">
-            <a:avLst/>
-          </a:prstGeom>
-          <a:noFill/>
-        </p:spPr>
-        <p:txBody>
-          <a:bodyPr wrap="square" rtlCol="0">
-            <a:spAutoFit/>
-          </a:bodyPr>
-          <a:lstStyle/>
-          <a:p>
-            <a:r>
-              <a:rPr lang="fr-FR" dirty="0" smtClean="0"/>
-              <a:t>Pour ajouter des question cliquez sur « Ajouter une question » </a:t>
-            </a:r>
-            <a:r>
-              <a:rPr lang="fr-FR" dirty="0" smtClean="0">
-                <a:solidFill>
-                  <a:srgbClr val="FF0000"/>
-                </a:solidFill>
-              </a:rPr>
-              <a:t>(1)</a:t>
-            </a:r>
-            <a:r>
-              <a:rPr lang="fr-FR" dirty="0" smtClean="0"/>
-              <a:t>. </a:t>
-            </a:r>
-            <a:r>
-              <a:rPr lang="fr-FR" dirty="0" smtClean="0"/>
-              <a:t>Une fenêtre vous demandera d’entrer votre question </a:t>
-            </a:r>
-            <a:r>
-              <a:rPr lang="fr-FR" dirty="0" smtClean="0">
-                <a:solidFill>
-                  <a:srgbClr val="FF0000"/>
-                </a:solidFill>
-              </a:rPr>
-              <a:t>(2)</a:t>
-            </a:r>
-            <a:r>
-              <a:rPr lang="fr-FR" dirty="0" smtClean="0"/>
-              <a:t>.</a:t>
-            </a:r>
-            <a:endParaRPr lang="fr-FR" dirty="0" smtClean="0"/>
-          </a:p>
-          <a:p>
-            <a:r>
-              <a:rPr lang="fr-FR" dirty="0" smtClean="0"/>
-              <a:t>Une fois validée, votre question apparait dans le tableau de gestion.</a:t>
-            </a:r>
-          </a:p>
-        </p:txBody>
-      </p:sp>
-      <p:sp>
-        <p:nvSpPr>
-          <p:cNvPr id="23" name="ZoneTexte 22"/>
-          <p:cNvSpPr txBox="1"/>
-          <p:nvPr/>
-        </p:nvSpPr>
-        <p:spPr>
-          <a:xfrm>
-            <a:off x="949816" y="1375098"/>
-            <a:ext cx="2686185" cy="523220"/>
-          </a:xfrm>
-          <a:prstGeom prst="rect">
-            <a:avLst/>
-          </a:prstGeom>
-          <a:noFill/>
-        </p:spPr>
-        <p:txBody>
-          <a:bodyPr wrap="none" rtlCol="0">
-            <a:spAutoFit/>
-          </a:bodyPr>
-          <a:lstStyle/>
-          <a:p>
-            <a:r>
-              <a:rPr lang="fr-FR" sz="2800" dirty="0" smtClean="0"/>
-              <a:t>Gérer questions :</a:t>
-            </a:r>
-            <a:endParaRPr lang="fr-FR" sz="2800" dirty="0"/>
-          </a:p>
-        </p:txBody>
-      </p:sp>
-      <p:sp>
-        <p:nvSpPr>
-          <p:cNvPr id="30" name="Rectangle 29"/>
+          <p:cNvPr id="18" name="Rectangle 17"/>
           <p:cNvSpPr/>
           <p:nvPr/>
         </p:nvSpPr>
         <p:spPr>
           <a:xfrm>
-            <a:off x="2931787" y="3158206"/>
-            <a:ext cx="615600" cy="144000"/>
+            <a:off x="957600" y="7358400"/>
+            <a:ext cx="1051200" cy="216024"/>
           </a:xfrm>
           <a:prstGeom prst="rect">
             <a:avLst/>
@@ -12173,106 +12323,16 @@
           </a:p>
         </p:txBody>
       </p:sp>
-      <p:pic>
-        <p:nvPicPr>
-          <p:cNvPr id="33" name="Image 32" descr="Creation Quiz"/>
-          <p:cNvPicPr>
-            <a:picLocks noChangeAspect="1"/>
-          </p:cNvPicPr>
-          <p:nvPr/>
-        </p:nvPicPr>
-        <p:blipFill>
-          <a:blip r:embed="rId3">
-            <a:extLst>
-              <a:ext uri="{28A0092B-C50C-407E-A947-70E740481C1C}">
-                <a14:useLocalDpi xmlns:a14="http://schemas.microsoft.com/office/drawing/2010/main" val="0"/>
-              </a:ext>
-            </a:extLst>
-          </a:blip>
-          <a:stretch>
-            <a:fillRect/>
-          </a:stretch>
-        </p:blipFill>
-        <p:spPr>
-          <a:xfrm>
-            <a:off x="738507" y="3099959"/>
-            <a:ext cx="1824829" cy="761882"/>
-          </a:xfrm>
-          <a:prstGeom prst="rect">
-            <a:avLst/>
-          </a:prstGeom>
-        </p:spPr>
-      </p:pic>
-      <p:sp>
-        <p:nvSpPr>
-          <p:cNvPr id="35" name="ZoneTexte 34"/>
-          <p:cNvSpPr txBox="1"/>
-          <p:nvPr/>
-        </p:nvSpPr>
-        <p:spPr>
-          <a:xfrm>
-            <a:off x="462179" y="4274582"/>
-            <a:ext cx="5963744" cy="923330"/>
-          </a:xfrm>
-          <a:prstGeom prst="rect">
-            <a:avLst/>
-          </a:prstGeom>
-          <a:noFill/>
-        </p:spPr>
-        <p:txBody>
-          <a:bodyPr wrap="square" rtlCol="0">
-            <a:spAutoFit/>
-          </a:bodyPr>
-          <a:lstStyle/>
-          <a:p>
-            <a:r>
-              <a:rPr lang="fr-FR" dirty="0" smtClean="0"/>
-              <a:t>Vous pouvez ainsi supprimer une question en cliquant sur la croix ou ajouter des réponses à une question en cliquant sur celle-ci.</a:t>
-            </a:r>
-            <a:endParaRPr lang="fr-FR" dirty="0"/>
-          </a:p>
-        </p:txBody>
-      </p:sp>
-      <p:pic>
-        <p:nvPicPr>
-          <p:cNvPr id="4" name="Image 3" descr="(&gt; o _ o )&gt;          --[__W  A  R___Q  U  I  Z__]--          &lt;[ x _ x &lt;]"/>
-          <p:cNvPicPr>
-            <a:picLocks noChangeAspect="1"/>
-          </p:cNvPicPr>
-          <p:nvPr/>
-        </p:nvPicPr>
-        <p:blipFill>
-          <a:blip r:embed="rId4" cstate="print">
-            <a:extLst>
-              <a:ext uri="{28A0092B-C50C-407E-A947-70E740481C1C}">
-                <a14:useLocalDpi xmlns:a14="http://schemas.microsoft.com/office/drawing/2010/main" val="0"/>
-              </a:ext>
-            </a:extLst>
-          </a:blip>
-          <a:stretch>
-            <a:fillRect/>
-          </a:stretch>
-        </p:blipFill>
-        <p:spPr>
-          <a:xfrm>
-            <a:off x="561600" y="5573271"/>
-            <a:ext cx="3091595" cy="2389232"/>
-          </a:xfrm>
-          <a:prstGeom prst="rect">
-            <a:avLst/>
-          </a:prstGeom>
-        </p:spPr>
-      </p:pic>
-      <p:sp>
-        <p:nvSpPr>
-          <p:cNvPr id="5" name="Rectangle 4"/>
+      <p:sp>
+        <p:nvSpPr>
+          <p:cNvPr id="19" name="Rectangle 18"/>
           <p:cNvSpPr/>
           <p:nvPr/>
         </p:nvSpPr>
         <p:spPr>
           <a:xfrm>
-            <a:off x="727200" y="3099959"/>
-            <a:ext cx="1836136" cy="761882"/>
+            <a:off x="957600" y="7041600"/>
+            <a:ext cx="1051200" cy="216024"/>
           </a:xfrm>
           <a:prstGeom prst="rect">
             <a:avLst/>
@@ -12311,14 +12371,314 @@
       </p:sp>
       <p:sp>
         <p:nvSpPr>
-          <p:cNvPr id="8" name="Rectangle 7"/>
+          <p:cNvPr id="20" name="ZoneTexte 19"/>
+          <p:cNvSpPr txBox="1"/>
+          <p:nvPr/>
+        </p:nvSpPr>
+        <p:spPr>
+          <a:xfrm>
+            <a:off x="1988840" y="6421207"/>
+            <a:ext cx="256802" cy="261610"/>
+          </a:xfrm>
+          <a:prstGeom prst="rect">
+            <a:avLst/>
+          </a:prstGeom>
+          <a:noFill/>
+        </p:spPr>
+        <p:txBody>
+          <a:bodyPr wrap="none" rtlCol="0">
+            <a:spAutoFit/>
+          </a:bodyPr>
+          <a:lstStyle/>
+          <a:p>
+            <a:r>
+              <a:rPr lang="fr-FR" sz="1100" dirty="0" smtClean="0">
+                <a:solidFill>
+                  <a:srgbClr val="FF0000"/>
+                </a:solidFill>
+              </a:rPr>
+              <a:t>1</a:t>
+            </a:r>
+            <a:endParaRPr lang="fr-FR" sz="1100" dirty="0">
+              <a:solidFill>
+                <a:srgbClr val="FF0000"/>
+              </a:solidFill>
+            </a:endParaRPr>
+          </a:p>
+        </p:txBody>
+      </p:sp>
+      <p:sp>
+        <p:nvSpPr>
+          <p:cNvPr id="21" name="ZoneTexte 20"/>
+          <p:cNvSpPr txBox="1"/>
+          <p:nvPr/>
+        </p:nvSpPr>
+        <p:spPr>
+          <a:xfrm>
+            <a:off x="2012839" y="6720007"/>
+            <a:ext cx="256802" cy="261610"/>
+          </a:xfrm>
+          <a:prstGeom prst="rect">
+            <a:avLst/>
+          </a:prstGeom>
+          <a:noFill/>
+        </p:spPr>
+        <p:txBody>
+          <a:bodyPr wrap="none" rtlCol="0">
+            <a:spAutoFit/>
+          </a:bodyPr>
+          <a:lstStyle/>
+          <a:p>
+            <a:r>
+              <a:rPr lang="fr-FR" sz="1100" dirty="0" smtClean="0">
+                <a:solidFill>
+                  <a:srgbClr val="FF0000"/>
+                </a:solidFill>
+              </a:rPr>
+              <a:t>2</a:t>
+            </a:r>
+            <a:endParaRPr lang="fr-FR" sz="1100" dirty="0">
+              <a:solidFill>
+                <a:srgbClr val="FF0000"/>
+              </a:solidFill>
+            </a:endParaRPr>
+          </a:p>
+        </p:txBody>
+      </p:sp>
+      <p:sp>
+        <p:nvSpPr>
+          <p:cNvPr id="22" name="ZoneTexte 21"/>
+          <p:cNvSpPr txBox="1"/>
+          <p:nvPr/>
+        </p:nvSpPr>
+        <p:spPr>
+          <a:xfrm>
+            <a:off x="2014409" y="7018807"/>
+            <a:ext cx="256802" cy="261610"/>
+          </a:xfrm>
+          <a:prstGeom prst="rect">
+            <a:avLst/>
+          </a:prstGeom>
+          <a:noFill/>
+        </p:spPr>
+        <p:txBody>
+          <a:bodyPr wrap="none" rtlCol="0">
+            <a:spAutoFit/>
+          </a:bodyPr>
+          <a:lstStyle/>
+          <a:p>
+            <a:r>
+              <a:rPr lang="fr-FR" sz="1100" dirty="0" smtClean="0">
+                <a:solidFill>
+                  <a:srgbClr val="FF0000"/>
+                </a:solidFill>
+              </a:rPr>
+              <a:t>3</a:t>
+            </a:r>
+            <a:endParaRPr lang="fr-FR" sz="1100" dirty="0">
+              <a:solidFill>
+                <a:srgbClr val="FF0000"/>
+              </a:solidFill>
+            </a:endParaRPr>
+          </a:p>
+        </p:txBody>
+      </p:sp>
+      <p:sp>
+        <p:nvSpPr>
+          <p:cNvPr id="23" name="ZoneTexte 22"/>
+          <p:cNvSpPr txBox="1"/>
+          <p:nvPr/>
+        </p:nvSpPr>
+        <p:spPr>
+          <a:xfrm>
+            <a:off x="2019482" y="7335607"/>
+            <a:ext cx="256802" cy="261610"/>
+          </a:xfrm>
+          <a:prstGeom prst="rect">
+            <a:avLst/>
+          </a:prstGeom>
+          <a:noFill/>
+        </p:spPr>
+        <p:txBody>
+          <a:bodyPr wrap="none" rtlCol="0">
+            <a:spAutoFit/>
+          </a:bodyPr>
+          <a:lstStyle/>
+          <a:p>
+            <a:r>
+              <a:rPr lang="fr-FR" sz="1100" dirty="0" smtClean="0">
+                <a:solidFill>
+                  <a:srgbClr val="FF0000"/>
+                </a:solidFill>
+              </a:rPr>
+              <a:t>4</a:t>
+            </a:r>
+            <a:endParaRPr lang="fr-FR" sz="1100" dirty="0">
+              <a:solidFill>
+                <a:srgbClr val="FF0000"/>
+              </a:solidFill>
+            </a:endParaRPr>
+          </a:p>
+        </p:txBody>
+      </p:sp>
+      <p:sp>
+        <p:nvSpPr>
+          <p:cNvPr id="24" name="ZoneTexte 23"/>
+          <p:cNvSpPr txBox="1"/>
+          <p:nvPr/>
+        </p:nvSpPr>
+        <p:spPr>
+          <a:xfrm>
+            <a:off x="3672408" y="5508104"/>
+            <a:ext cx="2852936" cy="2862322"/>
+          </a:xfrm>
+          <a:prstGeom prst="rect">
+            <a:avLst/>
+          </a:prstGeom>
+          <a:noFill/>
+        </p:spPr>
+        <p:txBody>
+          <a:bodyPr wrap="square" rtlCol="0">
+            <a:spAutoFit/>
+          </a:bodyPr>
+          <a:lstStyle/>
+          <a:p>
+            <a:pPr algn="just"/>
+            <a:r>
+              <a:rPr lang="fr-FR" dirty="0" smtClean="0"/>
+              <a:t>Après avoir cliqué sur GERER, vous devez choisir un quiz pour le modifier ou le supprimer. Vous pouvez aussi en créer un nouveau. </a:t>
+            </a:r>
+          </a:p>
+          <a:p>
+            <a:r>
+              <a:rPr lang="fr-FR" dirty="0" smtClean="0">
+                <a:solidFill>
+                  <a:srgbClr val="FF0000"/>
+                </a:solidFill>
+              </a:rPr>
+              <a:t>1</a:t>
+            </a:r>
+            <a:r>
+              <a:rPr lang="fr-FR" dirty="0" smtClean="0"/>
+              <a:t> : Sélectionnez le quiz à modifier ou supprimer</a:t>
+            </a:r>
+          </a:p>
+          <a:p>
+            <a:r>
+              <a:rPr lang="fr-FR" dirty="0" smtClean="0">
+                <a:solidFill>
+                  <a:srgbClr val="00B050"/>
+                </a:solidFill>
+              </a:rPr>
+              <a:t>2</a:t>
+            </a:r>
+            <a:r>
+              <a:rPr lang="fr-FR" dirty="0" smtClean="0"/>
+              <a:t> : Créer un quiz ou sélectionnez un quiz puis éditez ou supprimez le.</a:t>
+            </a:r>
+          </a:p>
+        </p:txBody>
+      </p:sp>
+      <p:sp>
+        <p:nvSpPr>
+          <p:cNvPr id="25" name="ZoneTexte 24"/>
+          <p:cNvSpPr txBox="1"/>
+          <p:nvPr/>
+        </p:nvSpPr>
+        <p:spPr>
+          <a:xfrm>
+            <a:off x="476672" y="421958"/>
+            <a:ext cx="2969724" cy="523220"/>
+          </a:xfrm>
+          <a:prstGeom prst="rect">
+            <a:avLst/>
+          </a:prstGeom>
+          <a:noFill/>
+        </p:spPr>
+        <p:txBody>
+          <a:bodyPr wrap="none" rtlCol="0">
+            <a:spAutoFit/>
+          </a:bodyPr>
+          <a:lstStyle/>
+          <a:p>
+            <a:r>
+              <a:rPr lang="fr-FR" sz="2800" dirty="0" smtClean="0"/>
+              <a:t>IV / Administrateur</a:t>
+            </a:r>
+            <a:endParaRPr lang="fr-FR" sz="2800" dirty="0"/>
+          </a:p>
+        </p:txBody>
+      </p:sp>
+      <p:sp>
+        <p:nvSpPr>
+          <p:cNvPr id="26" name="ZoneTexte 25"/>
+          <p:cNvSpPr txBox="1"/>
+          <p:nvPr/>
+        </p:nvSpPr>
+        <p:spPr>
+          <a:xfrm>
+            <a:off x="977229" y="1384484"/>
+            <a:ext cx="1228221" cy="523220"/>
+          </a:xfrm>
+          <a:prstGeom prst="rect">
+            <a:avLst/>
+          </a:prstGeom>
+          <a:noFill/>
+        </p:spPr>
+        <p:txBody>
+          <a:bodyPr wrap="none" rtlCol="0">
+            <a:spAutoFit/>
+          </a:bodyPr>
+          <a:lstStyle/>
+          <a:p>
+            <a:r>
+              <a:rPr lang="fr-FR" sz="2800" dirty="0" smtClean="0"/>
+              <a:t>Accueil</a:t>
+            </a:r>
+            <a:endParaRPr lang="fr-FR" sz="2800" dirty="0"/>
+          </a:p>
+        </p:txBody>
+      </p:sp>
+      <p:sp>
+        <p:nvSpPr>
+          <p:cNvPr id="27" name="ZoneTexte 26"/>
+          <p:cNvSpPr txBox="1"/>
+          <p:nvPr/>
+        </p:nvSpPr>
+        <p:spPr>
+          <a:xfrm>
+            <a:off x="977229" y="5056892"/>
+            <a:ext cx="3332964" cy="523220"/>
+          </a:xfrm>
+          <a:prstGeom prst="rect">
+            <a:avLst/>
+          </a:prstGeom>
+          <a:noFill/>
+        </p:spPr>
+        <p:txBody>
+          <a:bodyPr wrap="none" rtlCol="0">
+            <a:spAutoFit/>
+          </a:bodyPr>
+          <a:lstStyle/>
+          <a:p>
+            <a:r>
+              <a:rPr lang="fr-FR" sz="2800" dirty="0" smtClean="0"/>
+              <a:t>Sélectionner un quiz :</a:t>
+            </a:r>
+            <a:endParaRPr lang="fr-FR" sz="2800" dirty="0"/>
+          </a:p>
+        </p:txBody>
+      </p:sp>
+      <p:sp>
+        <p:nvSpPr>
+          <p:cNvPr id="3" name="Rectangle 2"/>
           <p:cNvSpPr/>
           <p:nvPr/>
         </p:nvSpPr>
         <p:spPr>
           <a:xfrm>
-            <a:off x="2952000" y="6840000"/>
-            <a:ext cx="612000" cy="144000"/>
+            <a:off x="727200" y="2822400"/>
+            <a:ext cx="1501200" cy="1090800"/>
           </a:xfrm>
           <a:prstGeom prst="rect">
             <a:avLst/>
@@ -12357,14 +12717,14 @@
       </p:sp>
       <p:sp>
         <p:nvSpPr>
-          <p:cNvPr id="15" name="Rectangle 14"/>
+          <p:cNvPr id="7" name="Rectangle 6"/>
           <p:cNvSpPr/>
           <p:nvPr/>
         </p:nvSpPr>
         <p:spPr>
           <a:xfrm>
-            <a:off x="561599" y="6513972"/>
-            <a:ext cx="1026423" cy="260756"/>
+            <a:off x="3114000" y="3477600"/>
+            <a:ext cx="385200" cy="133200"/>
           </a:xfrm>
           <a:prstGeom prst="rect">
             <a:avLst/>
@@ -12403,68 +12763,13 @@
       </p:sp>
       <p:sp>
         <p:nvSpPr>
-          <p:cNvPr id="16" name="ZoneTexte 15"/>
+          <p:cNvPr id="28" name="ZoneTexte 27"/>
           <p:cNvSpPr txBox="1"/>
           <p:nvPr/>
         </p:nvSpPr>
         <p:spPr>
           <a:xfrm>
-            <a:off x="476672" y="7956376"/>
-            <a:ext cx="5936332" cy="1631216"/>
-          </a:xfrm>
-          <a:prstGeom prst="rect">
-            <a:avLst/>
-          </a:prstGeom>
-          <a:noFill/>
-        </p:spPr>
-        <p:txBody>
-          <a:bodyPr wrap="square" rtlCol="0">
-            <a:spAutoFit/>
-          </a:bodyPr>
-          <a:lstStyle/>
-          <a:p>
-            <a:r>
-              <a:rPr lang="fr-FR" dirty="0"/>
-              <a:t>gauche de celle-ci. Vous pouvez supprimer une réponse en cliquant sur la croix</a:t>
-            </a:r>
-            <a:r>
-              <a:rPr lang="fr-FR" dirty="0" smtClean="0"/>
-              <a:t>.</a:t>
-            </a:r>
-          </a:p>
-          <a:p>
-            <a:r>
-              <a:rPr lang="fr-FR" dirty="0" smtClean="0"/>
-              <a:t>Cliquez sur « Retour au quiz » </a:t>
-            </a:r>
-            <a:r>
-              <a:rPr lang="fr-FR" dirty="0" smtClean="0">
-                <a:solidFill>
-                  <a:srgbClr val="FF0000"/>
-                </a:solidFill>
-              </a:rPr>
-              <a:t>(3)</a:t>
-            </a:r>
-            <a:r>
-              <a:rPr lang="fr-FR" dirty="0" smtClean="0"/>
-              <a:t> pour revenir à la vue des questions. Vos réponses seront sauvegardées.</a:t>
-            </a:r>
-            <a:endParaRPr lang="fr-FR" dirty="0"/>
-          </a:p>
-          <a:p>
-            <a:endParaRPr lang="fr-FR" sz="2800" dirty="0"/>
-          </a:p>
-        </p:txBody>
-      </p:sp>
-      <p:sp>
-        <p:nvSpPr>
-          <p:cNvPr id="24" name="ZoneTexte 23"/>
-          <p:cNvSpPr txBox="1"/>
-          <p:nvPr/>
-        </p:nvSpPr>
-        <p:spPr>
-          <a:xfrm>
-            <a:off x="3125295" y="6930352"/>
+            <a:off x="1961873" y="3651590"/>
             <a:ext cx="256802" cy="261610"/>
           </a:xfrm>
           <a:prstGeom prst="rect">
@@ -12496,13 +12801,13 @@
       </p:sp>
       <p:sp>
         <p:nvSpPr>
-          <p:cNvPr id="27" name="ZoneTexte 26"/>
+          <p:cNvPr id="29" name="ZoneTexte 28"/>
           <p:cNvSpPr txBox="1"/>
           <p:nvPr/>
         </p:nvSpPr>
         <p:spPr>
           <a:xfrm>
-            <a:off x="915536" y="6759226"/>
+            <a:off x="3306600" y="3413395"/>
             <a:ext cx="256802" cy="261610"/>
           </a:xfrm>
           <a:prstGeom prst="rect">
@@ -12532,54 +12837,46 @@
           </a:p>
         </p:txBody>
       </p:sp>
-      <p:sp>
-        <p:nvSpPr>
-          <p:cNvPr id="31" name="ZoneTexte 30"/>
-          <p:cNvSpPr txBox="1"/>
-          <p:nvPr/>
-        </p:nvSpPr>
-        <p:spPr>
-          <a:xfrm>
-            <a:off x="2784059" y="7300481"/>
-            <a:ext cx="256802" cy="261610"/>
-          </a:xfrm>
-          <a:prstGeom prst="rect">
-            <a:avLst/>
-          </a:prstGeom>
-          <a:noFill/>
-        </p:spPr>
-        <p:txBody>
-          <a:bodyPr wrap="none" rtlCol="0">
-            <a:spAutoFit/>
-          </a:bodyPr>
-          <a:lstStyle/>
-          <a:p>
-            <a:r>
-              <a:rPr lang="fr-FR" sz="1100" dirty="0" smtClean="0">
-                <a:solidFill>
-                  <a:srgbClr val="FF0000"/>
-                </a:solidFill>
-              </a:rPr>
-              <a:t>3</a:t>
-            </a:r>
-            <a:endParaRPr lang="fr-FR" sz="1100" dirty="0">
-              <a:solidFill>
-                <a:srgbClr val="FF0000"/>
-              </a:solidFill>
-            </a:endParaRPr>
-          </a:p>
-        </p:txBody>
-      </p:sp>
-      <p:sp>
-        <p:nvSpPr>
-          <p:cNvPr id="2" name="Rectangle 1"/>
+      <p:pic>
+        <p:nvPicPr>
+          <p:cNvPr id="4" name="Image 3" descr="(&gt; o _ o )&gt;          --[__W  A  R___Q  U  I  Z__]--          &lt;[ x _ x &lt;]"/>
+          <p:cNvPicPr>
+            <a:picLocks noChangeAspect="1"/>
+          </p:cNvPicPr>
+          <p:nvPr/>
+        </p:nvPicPr>
+        <p:blipFill>
+          <a:blip r:embed="rId2" cstate="print">
+            <a:extLst>
+              <a:ext uri="{28A0092B-C50C-407E-A947-70E740481C1C}">
+                <a14:useLocalDpi xmlns:a14="http://schemas.microsoft.com/office/drawing/2010/main" val="0"/>
+              </a:ext>
+            </a:extLst>
+          </a:blip>
+          <a:stretch>
+            <a:fillRect/>
+          </a:stretch>
+        </p:blipFill>
+        <p:spPr>
+          <a:xfrm>
+            <a:off x="543052" y="1907704"/>
+            <a:ext cx="3101972" cy="2397252"/>
+          </a:xfrm>
+          <a:prstGeom prst="rect">
+            <a:avLst/>
+          </a:prstGeom>
+        </p:spPr>
+      </p:pic>
+      <p:sp>
+        <p:nvSpPr>
+          <p:cNvPr id="5" name="Rectangle 4"/>
           <p:cNvSpPr/>
           <p:nvPr/>
         </p:nvSpPr>
         <p:spPr>
           <a:xfrm>
-            <a:off x="3114000" y="7343162"/>
-            <a:ext cx="433387" cy="130805"/>
+            <a:off x="908720" y="2771800"/>
+            <a:ext cx="1110762" cy="216024"/>
           </a:xfrm>
           <a:prstGeom prst="rect">
             <a:avLst/>
@@ -12618,13 +12915,13 @@
       </p:sp>
       <p:sp>
         <p:nvSpPr>
-          <p:cNvPr id="32" name="ZoneTexte 31"/>
+          <p:cNvPr id="30" name="ZoneTexte 29"/>
           <p:cNvSpPr txBox="1"/>
           <p:nvPr/>
         </p:nvSpPr>
         <p:spPr>
           <a:xfrm>
-            <a:off x="3006154" y="3297332"/>
+            <a:off x="2019482" y="2749007"/>
             <a:ext cx="256802" cy="261610"/>
           </a:xfrm>
           <a:prstGeom prst="rect">
@@ -12654,15 +12951,137 @@
           </a:p>
         </p:txBody>
       </p:sp>
-      <p:sp>
-        <p:nvSpPr>
-          <p:cNvPr id="34" name="ZoneTexte 33"/>
+      <p:pic>
+        <p:nvPicPr>
+          <p:cNvPr id="6" name="Image 5" descr="(&gt; o _ o )&gt;          --[__W  A  R___Q  U  I  Z__]--          &lt;[ x _ x &lt;]"/>
+          <p:cNvPicPr>
+            <a:picLocks noChangeAspect="1"/>
+          </p:cNvPicPr>
+          <p:nvPr/>
+        </p:nvPicPr>
+        <p:blipFill>
+          <a:blip r:embed="rId3" cstate="print">
+            <a:extLst>
+              <a:ext uri="{28A0092B-C50C-407E-A947-70E740481C1C}">
+                <a14:useLocalDpi xmlns:a14="http://schemas.microsoft.com/office/drawing/2010/main" val="0"/>
+              </a:ext>
+            </a:extLst>
+          </a:blip>
+          <a:stretch>
+            <a:fillRect/>
+          </a:stretch>
+        </p:blipFill>
+        <p:spPr>
+          <a:xfrm>
+            <a:off x="561600" y="5580112"/>
+            <a:ext cx="3110808" cy="2404081"/>
+          </a:xfrm>
+          <a:prstGeom prst="rect">
+            <a:avLst/>
+          </a:prstGeom>
+        </p:spPr>
+      </p:pic>
+      <p:sp>
+        <p:nvSpPr>
+          <p:cNvPr id="8" name="Rectangle 7"/>
+          <p:cNvSpPr/>
+          <p:nvPr/>
+        </p:nvSpPr>
+        <p:spPr>
+          <a:xfrm>
+            <a:off x="813600" y="6480000"/>
+            <a:ext cx="1368000" cy="1242000"/>
+          </a:xfrm>
+          <a:prstGeom prst="rect">
+            <a:avLst/>
+          </a:prstGeom>
+          <a:noFill/>
+          <a:ln>
+            <a:solidFill>
+              <a:srgbClr val="FF0000"/>
+            </a:solidFill>
+          </a:ln>
+        </p:spPr>
+        <p:style>
+          <a:lnRef idx="2">
+            <a:schemeClr val="accent1">
+              <a:shade val="50000"/>
+            </a:schemeClr>
+          </a:lnRef>
+          <a:fillRef idx="1">
+            <a:schemeClr val="accent1"/>
+          </a:fillRef>
+          <a:effectRef idx="0">
+            <a:schemeClr val="accent1"/>
+          </a:effectRef>
+          <a:fontRef idx="minor">
+            <a:schemeClr val="lt1"/>
+          </a:fontRef>
+        </p:style>
+        <p:txBody>
+          <a:bodyPr rtlCol="0" anchor="ctr"/>
+          <a:lstStyle/>
+          <a:p>
+            <a:pPr algn="ctr"/>
+            <a:endParaRPr lang="fr-FR" sz="2800"/>
+          </a:p>
+        </p:txBody>
+      </p:sp>
+      <p:sp>
+        <p:nvSpPr>
+          <p:cNvPr id="31" name="Rectangle 30"/>
+          <p:cNvSpPr/>
+          <p:nvPr/>
+        </p:nvSpPr>
+        <p:spPr>
+          <a:xfrm>
+            <a:off x="3139200" y="6786000"/>
+            <a:ext cx="388800" cy="406800"/>
+          </a:xfrm>
+          <a:prstGeom prst="rect">
+            <a:avLst/>
+          </a:prstGeom>
+          <a:noFill/>
+          <a:ln>
+            <a:solidFill>
+              <a:srgbClr val="00B050"/>
+            </a:solidFill>
+          </a:ln>
+        </p:spPr>
+        <p:style>
+          <a:lnRef idx="2">
+            <a:schemeClr val="accent1">
+              <a:shade val="50000"/>
+            </a:schemeClr>
+          </a:lnRef>
+          <a:fillRef idx="1">
+            <a:schemeClr val="accent1"/>
+          </a:fillRef>
+          <a:effectRef idx="0">
+            <a:schemeClr val="accent1"/>
+          </a:effectRef>
+          <a:fontRef idx="minor">
+            <a:schemeClr val="lt1"/>
+          </a:fontRef>
+        </p:style>
+        <p:txBody>
+          <a:bodyPr rtlCol="0" anchor="ctr"/>
+          <a:lstStyle/>
+          <a:p>
+            <a:pPr algn="ctr"/>
+            <a:endParaRPr lang="fr-FR" sz="2800"/>
+          </a:p>
+        </p:txBody>
+      </p:sp>
+      <p:sp>
+        <p:nvSpPr>
+          <p:cNvPr id="32" name="ZoneTexte 31"/>
           <p:cNvSpPr txBox="1"/>
           <p:nvPr/>
         </p:nvSpPr>
         <p:spPr>
           <a:xfrm>
-            <a:off x="2226711" y="2870694"/>
+            <a:off x="1904627" y="7460390"/>
             <a:ext cx="256802" cy="261610"/>
           </a:xfrm>
           <a:prstGeom prst="rect">
@@ -12682,7 +13101,7 @@
                   <a:srgbClr val="FF0000"/>
                 </a:solidFill>
               </a:rPr>
-              <a:t>2</a:t>
+              <a:t>1</a:t>
             </a:r>
             <a:endParaRPr lang="fr-FR" sz="1100" dirty="0">
               <a:solidFill>
@@ -12692,10 +13111,48 @@
           </a:p>
         </p:txBody>
       </p:sp>
+      <p:sp>
+        <p:nvSpPr>
+          <p:cNvPr id="33" name="ZoneTexte 32"/>
+          <p:cNvSpPr txBox="1"/>
+          <p:nvPr/>
+        </p:nvSpPr>
+        <p:spPr>
+          <a:xfrm>
+            <a:off x="3205199" y="7215044"/>
+            <a:ext cx="256802" cy="261610"/>
+          </a:xfrm>
+          <a:prstGeom prst="rect">
+            <a:avLst/>
+          </a:prstGeom>
+          <a:noFill/>
+        </p:spPr>
+        <p:txBody>
+          <a:bodyPr wrap="none" rtlCol="0">
+            <a:spAutoFit/>
+          </a:bodyPr>
+          <a:lstStyle/>
+          <a:p>
+            <a:r>
+              <a:rPr lang="fr-FR" sz="1100" dirty="0" smtClean="0">
+                <a:solidFill>
+                  <a:srgbClr val="00B050"/>
+                </a:solidFill>
+              </a:rPr>
+              <a:t>2</a:t>
+            </a:r>
+            <a:endParaRPr lang="fr-FR" sz="1100" dirty="0">
+              <a:solidFill>
+                <a:srgbClr val="00B050"/>
+              </a:solidFill>
+            </a:endParaRPr>
+          </a:p>
+        </p:txBody>
+      </p:sp>
     </p:spTree>
     <p:extLst>
       <p:ext uri="{BB962C8B-B14F-4D97-AF65-F5344CB8AC3E}">
-        <p14:creationId xmlns:p14="http://schemas.microsoft.com/office/powerpoint/2010/main" val="3082716381"/>
+        <p14:creationId xmlns:p14="http://schemas.microsoft.com/office/powerpoint/2010/main" val="2246658219"/>
       </p:ext>
     </p:extLst>
   </p:cSld>

--- a/Docs/manuel utilisateur WQ.pptx
+++ b/Docs/manuel utilisateur WQ.pptx
@@ -1,6 +1,6 @@
 
 <file path=ppt/presentation.xml><?xml version="1.0" encoding="utf-8"?>
-<p:presentation xmlns:a="http://schemas.openxmlformats.org/drawingml/2006/main" xmlns:r="http://schemas.openxmlformats.org/officeDocument/2006/relationships" xmlns:p="http://schemas.openxmlformats.org/presentationml/2006/main" saveSubsetFonts="1">
+<p:presentation xmlns:a="http://schemas.openxmlformats.org/drawingml/2006/main" xmlns:r="http://schemas.openxmlformats.org/officeDocument/2006/relationships" xmlns:p="http://schemas.openxmlformats.org/presentationml/2006/main" firstSlideNum="0" showSpecialPlsOnTitleSld="0" saveSubsetFonts="1">
   <p:sldMasterIdLst>
     <p:sldMasterId id="2147483704" r:id="rId1"/>
   </p:sldMasterIdLst>
@@ -120,6 +120,31 @@
     </a:lvl9pPr>
   </p:defaultTextStyle>
   <p:extLst>
+    <p:ext uri="{521415D9-36F7-43E2-AB2F-B90AF26B5E84}">
+      <p14:sectionLst xmlns:p14="http://schemas.microsoft.com/office/powerpoint/2010/main">
+        <p14:section name="Section par défaut" id="{8581AE0F-5438-4367-B4ED-C7E19F76289A}">
+          <p14:sldIdLst>
+            <p14:sldId id="256"/>
+            <p14:sldId id="268"/>
+          </p14:sldIdLst>
+        </p14:section>
+        <p14:section name="Section sans titre" id="{138F0A0E-DAC4-40BF-BFC0-9E93AC411BA1}">
+          <p14:sldIdLst>
+            <p14:sldId id="257"/>
+            <p14:sldId id="258"/>
+            <p14:sldId id="259"/>
+            <p14:sldId id="265"/>
+            <p14:sldId id="260"/>
+            <p14:sldId id="264"/>
+            <p14:sldId id="266"/>
+            <p14:sldId id="261"/>
+            <p14:sldId id="262"/>
+            <p14:sldId id="267"/>
+            <p14:sldId id="263"/>
+          </p14:sldIdLst>
+        </p14:section>
+      </p14:sectionLst>
+    </p:ext>
     <p:ext uri="{EFAFB233-063F-42B5-8137-9DF3F51BA10A}">
       <p15:sldGuideLst xmlns="" xmlns:p15="http://schemas.microsoft.com/office/powerpoint/2012/main">
         <p15:guide id="1" orient="horz" pos="2880">
@@ -553,7 +578,7 @@
           <a:p>
             <a:fld id="{B811CE1A-2F1A-46A9-A6A1-64CE8EB1BDA2}" type="slidenum">
               <a:rPr lang="fr-FR" smtClean="0"/>
-              <a:t>1</a:t>
+              <a:t>0</a:t>
             </a:fld>
             <a:endParaRPr lang="fr-FR"/>
           </a:p>
@@ -1326,7 +1351,7 @@
           <a:bodyPr/>
           <a:lstStyle/>
           <a:p>
-            <a:fld id="{52688793-2A6C-4843-979C-4CC0E7B75642}" type="datetime1">
+            <a:fld id="{314032B5-ABDF-491F-911F-75E334C4574A}" type="datetime1">
               <a:rPr lang="fr-FR" smtClean="0"/>
               <a:t>19/05/2014</a:t>
             </a:fld>
@@ -1531,7 +1556,7 @@
           <a:bodyPr/>
           <a:lstStyle/>
           <a:p>
-            <a:fld id="{73CF981A-116D-4671-B530-41421E749CE2}" type="datetime1">
+            <a:fld id="{BFF3E064-8DF0-4B12-AC31-D7DCE1745E20}" type="datetime1">
               <a:rPr lang="fr-FR" smtClean="0"/>
               <a:t>19/05/2014</a:t>
             </a:fld>
@@ -1746,7 +1771,7 @@
           <a:bodyPr/>
           <a:lstStyle/>
           <a:p>
-            <a:fld id="{70DF1976-6BDC-477C-BE69-BACB587E9E09}" type="datetime1">
+            <a:fld id="{EEF34ECB-0B4A-4064-A83F-3B57AE3942CB}" type="datetime1">
               <a:rPr lang="fr-FR" smtClean="0"/>
               <a:t>19/05/2014</a:t>
             </a:fld>
@@ -1951,7 +1976,7 @@
           <a:bodyPr/>
           <a:lstStyle/>
           <a:p>
-            <a:fld id="{405B989A-5944-48FB-9C93-F445CC612450}" type="datetime1">
+            <a:fld id="{2B43D74F-813A-4168-AB24-490C8163CC9D}" type="datetime1">
               <a:rPr lang="fr-FR" smtClean="0"/>
               <a:t>19/05/2014</a:t>
             </a:fld>
@@ -2221,7 +2246,7 @@
           <a:bodyPr/>
           <a:lstStyle/>
           <a:p>
-            <a:fld id="{0AB16DD0-AEA9-4B4C-A911-E7A57445B85C}" type="datetime1">
+            <a:fld id="{1E2837FB-B026-496B-A69F-CAA0483D2CA0}" type="datetime1">
               <a:rPr lang="fr-FR" smtClean="0"/>
               <a:t>19/05/2014</a:t>
             </a:fld>
@@ -2706,7 +2731,7 @@
           <a:bodyPr/>
           <a:lstStyle/>
           <a:p>
-            <a:fld id="{3A34066E-1162-4E3D-9659-DCC4D1E4FDEE}" type="datetime1">
+            <a:fld id="{655463F3-E2A3-4E89-9257-97BCCF48B164}" type="datetime1">
               <a:rPr lang="fr-FR" smtClean="0"/>
               <a:t>19/05/2014</a:t>
             </a:fld>
@@ -3174,7 +3199,7 @@
           <a:bodyPr/>
           <a:lstStyle/>
           <a:p>
-            <a:fld id="{31E68760-8BA6-4BD5-8A89-30F57401D00C}" type="datetime1">
+            <a:fld id="{5067F7F1-2BC2-4BAB-B6AA-C6FE788CDEC8}" type="datetime1">
               <a:rPr lang="fr-FR" smtClean="0"/>
               <a:t>19/05/2014</a:t>
             </a:fld>
@@ -3311,7 +3336,7 @@
           <a:bodyPr/>
           <a:lstStyle/>
           <a:p>
-            <a:fld id="{7D1A06CA-86B6-4E36-8E89-08EA96D29BD1}" type="datetime1">
+            <a:fld id="{2CE658A7-CECE-48EF-B0F0-3D40690EF136}" type="datetime1">
               <a:rPr lang="fr-FR" smtClean="0"/>
               <a:t>19/05/2014</a:t>
             </a:fld>
@@ -3425,7 +3450,7 @@
           <a:bodyPr/>
           <a:lstStyle/>
           <a:p>
-            <a:fld id="{CF729E85-E668-4FDD-AC5E-2D0233FB7495}" type="datetime1">
+            <a:fld id="{65BCB9E0-23A5-4A29-A149-2EB47BB7C54D}" type="datetime1">
               <a:rPr lang="fr-FR" smtClean="0"/>
               <a:t>19/05/2014</a:t>
             </a:fld>
@@ -3731,7 +3756,7 @@
           <a:bodyPr/>
           <a:lstStyle/>
           <a:p>
-            <a:fld id="{C3B0FC01-6A44-453F-84E8-74998EE41BF0}" type="datetime1">
+            <a:fld id="{E0D1B5DB-7376-4068-A42E-C6A4794597F1}" type="datetime1">
               <a:rPr lang="fr-FR" smtClean="0"/>
               <a:t>19/05/2014</a:t>
             </a:fld>
@@ -4026,7 +4051,7 @@
           <a:bodyPr/>
           <a:lstStyle/>
           <a:p>
-            <a:fld id="{4E6DA898-B0A6-4AF9-82BE-A77920A03BDA}" type="datetime1">
+            <a:fld id="{FB772C60-CC44-4750-AED5-52425BDCDB87}" type="datetime1">
               <a:rPr lang="fr-FR" smtClean="0"/>
               <a:t>19/05/2014</a:t>
             </a:fld>
@@ -4655,7 +4680,7 @@
             </a:lvl1pPr>
           </a:lstStyle>
           <a:p>
-            <a:fld id="{64CC840D-3D95-4143-8C79-9E3186E4073A}" type="datetime1">
+            <a:fld id="{820AE4E3-E037-48B9-BC78-0FF987843998}" type="datetime1">
               <a:rPr lang="fr-FR" smtClean="0"/>
               <a:t>19/05/2014</a:t>
             </a:fld>
@@ -5477,29 +5502,6 @@
           </a:extLst>
         </p:spPr>
       </p:pic>
-      <p:sp>
-        <p:nvSpPr>
-          <p:cNvPr id="3" name="Espace réservé du numéro de diapositive 2"/>
-          <p:cNvSpPr>
-            <a:spLocks noGrp="1"/>
-          </p:cNvSpPr>
-          <p:nvPr>
-            <p:ph type="sldNum" sz="quarter" idx="12"/>
-          </p:nvPr>
-        </p:nvSpPr>
-        <p:spPr/>
-        <p:txBody>
-          <a:bodyPr/>
-          <a:lstStyle/>
-          <a:p>
-            <a:fld id="{AC916569-586E-4B40-A7D8-F6D3AC97D59F}" type="slidenum">
-              <a:rPr lang="fr-FR" smtClean="0"/>
-              <a:t>1</a:t>
-            </a:fld>
-            <a:endParaRPr lang="fr-FR"/>
-          </a:p>
-        </p:txBody>
-      </p:sp>
     </p:spTree>
     <p:extLst>
       <p:ext uri="{BB962C8B-B14F-4D97-AF65-F5344CB8AC3E}">
@@ -6628,11 +6630,11 @@
           <a:bodyPr/>
           <a:lstStyle/>
           <a:p>
-            <a:fld id="{AC916569-586E-4B40-A7D8-F6D3AC97D59F}" type="slidenum">
-              <a:rPr lang="fr-FR" smtClean="0"/>
-              <a:t>10</a:t>
-            </a:fld>
-            <a:endParaRPr lang="fr-FR"/>
+            <a:r>
+              <a:rPr lang="fr-FR" dirty="0" smtClean="0"/>
+              <a:t>8</a:t>
+            </a:r>
+            <a:endParaRPr lang="fr-FR" dirty="0"/>
           </a:p>
         </p:txBody>
       </p:sp>
@@ -7571,11 +7573,11 @@
           <a:bodyPr/>
           <a:lstStyle/>
           <a:p>
-            <a:fld id="{AC916569-586E-4B40-A7D8-F6D3AC97D59F}" type="slidenum">
-              <a:rPr lang="fr-FR" smtClean="0"/>
-              <a:t>11</a:t>
-            </a:fld>
-            <a:endParaRPr lang="fr-FR"/>
+            <a:r>
+              <a:rPr lang="fr-FR" dirty="0" smtClean="0"/>
+              <a:t>9</a:t>
+            </a:r>
+            <a:endParaRPr lang="fr-FR" dirty="0"/>
           </a:p>
         </p:txBody>
       </p:sp>
@@ -8085,11 +8087,11 @@
           <a:bodyPr/>
           <a:lstStyle/>
           <a:p>
-            <a:fld id="{AC916569-586E-4B40-A7D8-F6D3AC97D59F}" type="slidenum">
-              <a:rPr lang="fr-FR" smtClean="0"/>
-              <a:t>12</a:t>
-            </a:fld>
-            <a:endParaRPr lang="fr-FR"/>
+            <a:r>
+              <a:rPr lang="fr-FR" dirty="0" smtClean="0"/>
+              <a:t>10</a:t>
+            </a:r>
+            <a:endParaRPr lang="fr-FR" dirty="0"/>
           </a:p>
         </p:txBody>
       </p:sp>
@@ -8749,7 +8751,14 @@
             <a:pPr algn="just"/>
             <a:r>
               <a:rPr lang="fr-FR" dirty="0" smtClean="0"/>
-              <a:t>La gestion des question et réponse est identique à la création d’un quiz si ce n’est que lorsque vous validerez, le quiz sera modifié et non créé.</a:t>
+              <a:t>La gestion des question et réponse est identique à la création d’un quiz si ce n’est que lorsque vous validerez, le quiz </a:t>
+            </a:r>
+          </a:p>
+          <a:p>
+            <a:pPr algn="just"/>
+            <a:r>
+              <a:rPr lang="fr-FR" dirty="0" smtClean="0"/>
+              <a:t>sera modifié et non créé.</a:t>
             </a:r>
             <a:endParaRPr lang="fr-FR" dirty="0"/>
           </a:p>
@@ -8770,11 +8779,11 @@
           <a:bodyPr/>
           <a:lstStyle/>
           <a:p>
-            <a:fld id="{AC916569-586E-4B40-A7D8-F6D3AC97D59F}" type="slidenum">
-              <a:rPr lang="fr-FR" smtClean="0"/>
-              <a:t>13</a:t>
-            </a:fld>
-            <a:endParaRPr lang="fr-FR"/>
+            <a:r>
+              <a:rPr lang="fr-FR" dirty="0" smtClean="0"/>
+              <a:t>11</a:t>
+            </a:r>
+            <a:endParaRPr lang="fr-FR" dirty="0"/>
           </a:p>
         </p:txBody>
       </p:sp>
@@ -8829,29 +8838,6 @@
       </p:grpSpPr>
       <p:sp>
         <p:nvSpPr>
-          <p:cNvPr id="4" name="Espace réservé du numéro de diapositive 3"/>
-          <p:cNvSpPr>
-            <a:spLocks noGrp="1"/>
-          </p:cNvSpPr>
-          <p:nvPr>
-            <p:ph type="sldNum" sz="quarter" idx="12"/>
-          </p:nvPr>
-        </p:nvSpPr>
-        <p:spPr/>
-        <p:txBody>
-          <a:bodyPr/>
-          <a:lstStyle/>
-          <a:p>
-            <a:fld id="{AC916569-586E-4B40-A7D8-F6D3AC97D59F}" type="slidenum">
-              <a:rPr lang="fr-FR" smtClean="0"/>
-              <a:t>2</a:t>
-            </a:fld>
-            <a:endParaRPr lang="fr-FR"/>
-          </a:p>
-        </p:txBody>
-      </p:sp>
-      <p:sp>
-        <p:nvSpPr>
           <p:cNvPr id="5" name="ZoneTexte 4"/>
           <p:cNvSpPr txBox="1"/>
           <p:nvPr/>
@@ -8859,7 +8845,7 @@
         <p:spPr>
           <a:xfrm>
             <a:off x="620688" y="1195949"/>
-            <a:ext cx="6237312" cy="7325082"/>
+            <a:ext cx="6237312" cy="7602081"/>
           </a:xfrm>
           <a:prstGeom prst="rect">
             <a:avLst/>
@@ -8874,7 +8860,7 @@
           <a:p>
             <a:r>
               <a:rPr lang="fr-FR" sz="3200" dirty="0" smtClean="0"/>
-              <a:t>I / Connexion</a:t>
+              <a:t>I / Connexion………………………..…..…1</a:t>
             </a:r>
           </a:p>
           <a:p>
@@ -8883,7 +8869,7 @@
             </a:pPr>
             <a:r>
               <a:rPr lang="fr-FR" dirty="0" smtClean="0"/>
-              <a:t>Connexion…………………………………………………………………………</a:t>
+              <a:t>Connexion…………………………………………………………………………1</a:t>
             </a:r>
           </a:p>
           <a:p>
@@ -8892,13 +8878,13 @@
             </a:pPr>
             <a:r>
               <a:rPr lang="fr-FR" dirty="0" smtClean="0"/>
-              <a:t>Inscription…………………………………………………………………………</a:t>
+              <a:t>Inscription…………………………………………………………………………1</a:t>
             </a:r>
           </a:p>
           <a:p>
             <a:r>
               <a:rPr lang="fr-FR" sz="3200" dirty="0" smtClean="0"/>
-              <a:t>II/ Utilisateur</a:t>
+              <a:t>II/ Utilisateur………………………………..2</a:t>
             </a:r>
           </a:p>
           <a:p>
@@ -8911,7 +8897,7 @@
             </a:r>
             <a:r>
               <a:rPr lang="fr-FR" dirty="0" smtClean="0"/>
-              <a:t>header…………………………………………………………………………</a:t>
+              <a:t>header………………………………………………………………………….2</a:t>
             </a:r>
             <a:endParaRPr lang="fr-FR" dirty="0" smtClean="0"/>
           </a:p>
@@ -8929,7 +8915,7 @@
             </a:r>
             <a:r>
               <a:rPr lang="fr-FR" dirty="0" smtClean="0"/>
-              <a:t>………………………………………………………………………</a:t>
+              <a:t>………………………………………………………………………2</a:t>
             </a:r>
           </a:p>
           <a:p>
@@ -8938,7 +8924,11 @@
             </a:pPr>
             <a:r>
               <a:rPr lang="fr-FR" dirty="0"/>
-              <a:t>Les crédits …………………………………………………………………………</a:t>
+              <a:t>Les crédits </a:t>
+            </a:r>
+            <a:r>
+              <a:rPr lang="fr-FR" dirty="0" smtClean="0"/>
+              <a:t>……………………………………………………………………..…3</a:t>
             </a:r>
             <a:endParaRPr lang="fr-FR" dirty="0" smtClean="0"/>
           </a:p>
@@ -8948,7 +8938,7 @@
             </a:pPr>
             <a:r>
               <a:rPr lang="fr-FR" dirty="0" smtClean="0"/>
-              <a:t>Les statistiques………………………………………………………………</a:t>
+              <a:t>Les statistiques……………………………………………………………….…3</a:t>
             </a:r>
           </a:p>
           <a:p>
@@ -8957,14 +8947,18 @@
             </a:pPr>
             <a:r>
               <a:rPr lang="fr-FR" dirty="0"/>
-              <a:t>Les thèmes …………………………………………………………………………</a:t>
+              <a:t>Les thèmes </a:t>
+            </a:r>
+            <a:r>
+              <a:rPr lang="fr-FR" dirty="0" smtClean="0"/>
+              <a:t>…………………………………………………………………….…4</a:t>
             </a:r>
             <a:endParaRPr lang="fr-FR" dirty="0" smtClean="0"/>
           </a:p>
           <a:p>
             <a:r>
               <a:rPr lang="fr-FR" sz="3200" dirty="0" smtClean="0"/>
-              <a:t>III / Jouer une partie</a:t>
+              <a:t>III / Jouer une partie……………………..5</a:t>
             </a:r>
           </a:p>
           <a:p>
@@ -8981,7 +8975,7 @@
             </a:r>
             <a:r>
               <a:rPr lang="fr-FR" dirty="0" smtClean="0"/>
-              <a:t>……………………………………………………………</a:t>
+              <a:t>………………………………………………………………5</a:t>
             </a:r>
             <a:endParaRPr lang="fr-FR" dirty="0" smtClean="0"/>
           </a:p>
@@ -9004,7 +8998,7 @@
             </a:r>
             <a:r>
               <a:rPr lang="fr-FR" dirty="0" smtClean="0"/>
-              <a:t>…………………………………………………………………</a:t>
+              <a:t>……………………………………………………………………5</a:t>
             </a:r>
           </a:p>
           <a:p>
@@ -9026,13 +9020,13 @@
             </a:r>
             <a:r>
               <a:rPr lang="fr-FR" dirty="0" smtClean="0"/>
-              <a:t>…………………………………………………………</a:t>
+              <a:t>……………………………………………………..……6</a:t>
             </a:r>
           </a:p>
           <a:p>
             <a:r>
               <a:rPr lang="fr-FR" sz="3200" dirty="0" smtClean="0"/>
-              <a:t>IV/ Administrateur</a:t>
+              <a:t>IV/ Administrateur8</a:t>
             </a:r>
           </a:p>
           <a:p>
@@ -9045,9 +9039,12 @@
             </a:r>
             <a:r>
               <a:rPr lang="fr-FR" dirty="0"/>
-              <a:t> …………………………………………………………………………</a:t>
-            </a:r>
-            <a:endParaRPr lang="fr-FR" dirty="0" smtClean="0"/>
+              <a:t> </a:t>
+            </a:r>
+            <a:r>
+              <a:rPr lang="fr-FR" dirty="0" smtClean="0"/>
+              <a:t>………………………………………………………………………..……8</a:t>
+            </a:r>
           </a:p>
           <a:p>
             <a:pPr marL="514350" indent="-514350">
@@ -9071,7 +9068,7 @@
             </a:r>
             <a:r>
               <a:rPr lang="fr-FR" dirty="0" smtClean="0"/>
-              <a:t>…………………………………………………………</a:t>
+              <a:t>…………………………………………………………8</a:t>
             </a:r>
             <a:endParaRPr lang="fr-FR" dirty="0"/>
           </a:p>
@@ -9093,7 +9090,7 @@
             </a:r>
             <a:r>
               <a:rPr lang="fr-FR" dirty="0" smtClean="0"/>
-              <a:t>…………………………………………………………………</a:t>
+              <a:t>……………………………………………………………………9</a:t>
             </a:r>
             <a:endParaRPr lang="fr-FR" dirty="0"/>
           </a:p>
@@ -9115,7 +9112,7 @@
             </a:r>
             <a:r>
               <a:rPr lang="fr-FR" dirty="0" smtClean="0"/>
-              <a:t>………………………………………………………………</a:t>
+              <a:t>……………………………………………………….…….….…9</a:t>
             </a:r>
             <a:endParaRPr lang="fr-FR" dirty="0"/>
           </a:p>
@@ -9137,7 +9134,7 @@
             </a:r>
             <a:r>
               <a:rPr lang="fr-FR" dirty="0" smtClean="0"/>
-              <a:t>………………………………………………………………</a:t>
+              <a:t>……………………………………………………….………10</a:t>
             </a:r>
             <a:endParaRPr lang="fr-FR" dirty="0"/>
           </a:p>
@@ -9159,7 +9156,7 @@
             </a:r>
             <a:r>
               <a:rPr lang="fr-FR" dirty="0" smtClean="0"/>
-              <a:t>………………………………………………………………</a:t>
+              <a:t>…………………………………………………………..……11</a:t>
             </a:r>
             <a:endParaRPr lang="fr-FR" dirty="0"/>
           </a:p>
@@ -9181,7 +9178,11 @@
             </a:r>
             <a:r>
               <a:rPr lang="fr-FR" smtClean="0"/>
-              <a:t>………………………………………………………………</a:t>
+              <a:t>………………………………………………………….…</a:t>
+            </a:r>
+            <a:r>
+              <a:rPr lang="fr-FR" dirty="0" smtClean="0"/>
+              <a:t>11</a:t>
             </a:r>
             <a:endParaRPr lang="fr-FR" dirty="0"/>
           </a:p>
@@ -10128,11 +10129,11 @@
           <a:bodyPr/>
           <a:lstStyle/>
           <a:p>
-            <a:fld id="{AC916569-586E-4B40-A7D8-F6D3AC97D59F}" type="slidenum">
-              <a:rPr lang="fr-FR" smtClean="0"/>
-              <a:t>3</a:t>
-            </a:fld>
-            <a:endParaRPr lang="fr-FR"/>
+            <a:r>
+              <a:rPr lang="fr-FR" dirty="0" smtClean="0"/>
+              <a:t>1</a:t>
+            </a:r>
+            <a:endParaRPr lang="fr-FR" dirty="0"/>
           </a:p>
         </p:txBody>
       </p:sp>
@@ -11281,11 +11282,11 @@
           <a:bodyPr/>
           <a:lstStyle/>
           <a:p>
-            <a:fld id="{AC916569-586E-4B40-A7D8-F6D3AC97D59F}" type="slidenum">
-              <a:rPr lang="fr-FR" smtClean="0"/>
-              <a:t>4</a:t>
-            </a:fld>
-            <a:endParaRPr lang="fr-FR"/>
+            <a:r>
+              <a:rPr lang="fr-FR" dirty="0" smtClean="0"/>
+              <a:t>2</a:t>
+            </a:r>
+            <a:endParaRPr lang="fr-FR" dirty="0"/>
           </a:p>
         </p:txBody>
       </p:sp>
@@ -11873,11 +11874,11 @@
           <a:bodyPr/>
           <a:lstStyle/>
           <a:p>
-            <a:fld id="{AC916569-586E-4B40-A7D8-F6D3AC97D59F}" type="slidenum">
-              <a:rPr lang="fr-FR" smtClean="0"/>
-              <a:t>5</a:t>
-            </a:fld>
-            <a:endParaRPr lang="fr-FR"/>
+            <a:r>
+              <a:rPr lang="fr-FR" dirty="0" smtClean="0"/>
+              <a:t>3</a:t>
+            </a:r>
+            <a:endParaRPr lang="fr-FR" dirty="0"/>
           </a:p>
         </p:txBody>
       </p:sp>
@@ -12114,11 +12115,11 @@
           <a:bodyPr/>
           <a:lstStyle/>
           <a:p>
-            <a:fld id="{AC916569-586E-4B40-A7D8-F6D3AC97D59F}" type="slidenum">
-              <a:rPr lang="fr-FR" smtClean="0"/>
-              <a:t>6</a:t>
-            </a:fld>
-            <a:endParaRPr lang="fr-FR"/>
+            <a:r>
+              <a:rPr lang="fr-FR" dirty="0" smtClean="0"/>
+              <a:t>4</a:t>
+            </a:r>
+            <a:endParaRPr lang="fr-FR" dirty="0"/>
           </a:p>
         </p:txBody>
       </p:sp>
@@ -13356,11 +13357,11 @@
           <a:bodyPr/>
           <a:lstStyle/>
           <a:p>
-            <a:fld id="{AC916569-586E-4B40-A7D8-F6D3AC97D59F}" type="slidenum">
-              <a:rPr lang="fr-FR" smtClean="0"/>
-              <a:t>7</a:t>
-            </a:fld>
-            <a:endParaRPr lang="fr-FR"/>
+            <a:r>
+              <a:rPr lang="fr-FR" dirty="0" smtClean="0"/>
+              <a:t>5</a:t>
+            </a:r>
+            <a:endParaRPr lang="fr-FR" dirty="0"/>
           </a:p>
         </p:txBody>
       </p:sp>
@@ -14106,11 +14107,11 @@
           <a:bodyPr/>
           <a:lstStyle/>
           <a:p>
-            <a:fld id="{AC916569-586E-4B40-A7D8-F6D3AC97D59F}" type="slidenum">
-              <a:rPr lang="fr-FR" smtClean="0"/>
-              <a:t>8</a:t>
-            </a:fld>
-            <a:endParaRPr lang="fr-FR"/>
+            <a:r>
+              <a:rPr lang="fr-FR" dirty="0"/>
+              <a:t>6</a:t>
+            </a:r>
+            <a:endParaRPr lang="fr-FR" dirty="0"/>
           </a:p>
         </p:txBody>
       </p:sp>
@@ -14239,11 +14240,11 @@
           <a:bodyPr/>
           <a:lstStyle/>
           <a:p>
-            <a:fld id="{AC916569-586E-4B40-A7D8-F6D3AC97D59F}" type="slidenum">
-              <a:rPr lang="fr-FR" smtClean="0"/>
-              <a:t>9</a:t>
-            </a:fld>
-            <a:endParaRPr lang="fr-FR"/>
+            <a:r>
+              <a:rPr lang="fr-FR" dirty="0" smtClean="0"/>
+              <a:t>7</a:t>
+            </a:r>
+            <a:endParaRPr lang="fr-FR" dirty="0"/>
           </a:p>
         </p:txBody>
       </p:sp>

--- a/Docs/manuel utilisateur WQ.pptx
+++ b/Docs/manuel utilisateur WQ.pptx
@@ -6036,7 +6036,15 @@
             </a:r>
             <a:r>
               <a:rPr lang="fr-FR" dirty="0" smtClean="0"/>
-              <a:t> : Créer un quiz ou sélectionnez un quiz puis éditez ou supprimez le.</a:t>
+              <a:t> : </a:t>
+            </a:r>
+            <a:r>
+              <a:rPr lang="fr-FR" dirty="0" smtClean="0"/>
+              <a:t>Créez </a:t>
+            </a:r>
+            <a:r>
+              <a:rPr lang="fr-FR" dirty="0" smtClean="0"/>
+              <a:t>un quiz ou sélectionnez un quiz puis éditez ou supprimez le.</a:t>
             </a:r>
           </a:p>
         </p:txBody>
@@ -8248,7 +8256,27 @@
             </a:r>
             <a:r>
               <a:rPr lang="fr-FR" dirty="0" smtClean="0"/>
-              <a:t> puis renseigner le champs de réponse qui a apparu </a:t>
+              <a:t> puis </a:t>
+            </a:r>
+            <a:r>
+              <a:rPr lang="fr-FR" dirty="0" smtClean="0"/>
+              <a:t>renseignez </a:t>
+            </a:r>
+            <a:r>
+              <a:rPr lang="fr-FR" dirty="0" smtClean="0"/>
+              <a:t>le champs de réponse qui </a:t>
+            </a:r>
+            <a:r>
+              <a:rPr lang="fr-FR" dirty="0" smtClean="0"/>
+              <a:t>est</a:t>
+            </a:r>
+            <a:r>
+              <a:rPr lang="fr-FR" dirty="0" smtClean="0"/>
+              <a:t> </a:t>
+            </a:r>
+            <a:r>
+              <a:rPr lang="fr-FR" dirty="0" smtClean="0"/>
+              <a:t>apparu </a:t>
             </a:r>
             <a:r>
               <a:rPr lang="fr-FR" dirty="0" smtClean="0">
@@ -8751,14 +8779,14 @@
             <a:pPr algn="just"/>
             <a:r>
               <a:rPr lang="fr-FR" dirty="0" smtClean="0"/>
-              <a:t>La gestion des question et réponse est identique à la création d’un quiz si ce n’est que lorsque vous validerez, le quiz </a:t>
+              <a:t>La gestion des questions et réponses est identique à la création d’un quiz si ce n’est que lorsque vous validerez, </a:t>
             </a:r>
           </a:p>
           <a:p>
             <a:pPr algn="just"/>
             <a:r>
               <a:rPr lang="fr-FR" dirty="0" smtClean="0"/>
-              <a:t>sera modifié et non créé.</a:t>
+              <a:t>le quiz sera modifié et non créé.</a:t>
             </a:r>
             <a:endParaRPr lang="fr-FR" dirty="0"/>
           </a:p>
@@ -8845,7 +8873,7 @@
         <p:spPr>
           <a:xfrm>
             <a:off x="620688" y="1195949"/>
-            <a:ext cx="6237312" cy="7602081"/>
+            <a:ext cx="6237312" cy="7325082"/>
           </a:xfrm>
           <a:prstGeom prst="rect">
             <a:avLst/>
@@ -9026,7 +9054,7 @@
           <a:p>
             <a:r>
               <a:rPr lang="fr-FR" sz="3200" dirty="0" smtClean="0"/>
-              <a:t>IV/ Administrateur8</a:t>
+              <a:t>IV/ Administrateur………………………..8</a:t>
             </a:r>
           </a:p>
           <a:p>
@@ -9169,20 +9197,16 @@
               <a:t>Modifier un </a:t>
             </a:r>
             <a:r>
-              <a:rPr lang="fr-FR" smtClean="0"/>
+              <a:rPr lang="fr-FR" dirty="0" smtClean="0"/>
               <a:t>quiz</a:t>
             </a:r>
             <a:r>
-              <a:rPr lang="fr-FR"/>
+              <a:rPr lang="fr-FR" dirty="0"/>
               <a:t> </a:t>
             </a:r>
             <a:r>
-              <a:rPr lang="fr-FR" smtClean="0"/>
-              <a:t>………………………………………………………….…</a:t>
-            </a:r>
-            <a:r>
               <a:rPr lang="fr-FR" dirty="0" smtClean="0"/>
-              <a:t>11</a:t>
+              <a:t>………………………………………………………….…11</a:t>
             </a:r>
             <a:endParaRPr lang="fr-FR" dirty="0"/>
           </a:p>
@@ -11474,7 +11498,15 @@
             </a:r>
             <a:r>
               <a:rPr lang="fr-FR" dirty="0" smtClean="0"/>
-              <a:t> : Une fois un quiz sélectionné dans la liste, consultez les statistiques ce celui-ci.</a:t>
+              <a:t> : Une fois un quiz sélectionné dans la liste, consultez les statistiques </a:t>
+            </a:r>
+            <a:r>
+              <a:rPr lang="fr-FR" dirty="0" smtClean="0"/>
+              <a:t>de </a:t>
+            </a:r>
+            <a:r>
+              <a:rPr lang="fr-FR" dirty="0" smtClean="0"/>
+              <a:t>celui-ci.</a:t>
             </a:r>
           </a:p>
         </p:txBody>
@@ -12273,7 +12305,11 @@
             </a:r>
             <a:r>
               <a:rPr lang="fr-FR" dirty="0" smtClean="0"/>
-              <a:t>Jouer au quiz sélectionné.</a:t>
+              <a:t>Jouez </a:t>
+            </a:r>
+            <a:r>
+              <a:rPr lang="fr-FR" dirty="0" smtClean="0"/>
+              <a:t>au quiz sélectionné.</a:t>
             </a:r>
             <a:endParaRPr lang="fr-FR" dirty="0"/>
           </a:p>
@@ -12350,7 +12386,15 @@
             </a:r>
             <a:r>
               <a:rPr lang="fr-FR" sz="1700" dirty="0" smtClean="0"/>
-              <a:t>la partie, vous avez le temps imparti pour répondre au questions et valider le quiz.</a:t>
+              <a:t>la partie, vous avez le temps imparti pour répondre </a:t>
+            </a:r>
+            <a:r>
+              <a:rPr lang="fr-FR" sz="1700" dirty="0" smtClean="0"/>
+              <a:t>aux </a:t>
+            </a:r>
+            <a:r>
+              <a:rPr lang="fr-FR" sz="1700" dirty="0" smtClean="0"/>
+              <a:t>questions et valider le quiz.</a:t>
             </a:r>
           </a:p>
           <a:p>
@@ -12367,12 +12411,24 @@
               <a:t> : </a:t>
             </a:r>
             <a:r>
+              <a:rPr lang="fr-FR" sz="1700" dirty="0"/>
+              <a:t>C</a:t>
+            </a:r>
+            <a:r>
               <a:rPr lang="fr-FR" sz="1700" dirty="0" smtClean="0"/>
-              <a:t>changez </a:t>
+              <a:t>hangez </a:t>
             </a:r>
             <a:r>
               <a:rPr lang="fr-FR" sz="1700" dirty="0" smtClean="0"/>
-              <a:t>de questions comme vous </a:t>
+              <a:t>de </a:t>
+            </a:r>
+            <a:r>
+              <a:rPr lang="fr-FR" sz="1700" dirty="0" smtClean="0"/>
+              <a:t>question </a:t>
+            </a:r>
+            <a:r>
+              <a:rPr lang="fr-FR" sz="1700" dirty="0" smtClean="0"/>
+              <a:t>comme vous </a:t>
             </a:r>
             <a:r>
               <a:rPr lang="fr-FR" sz="1700" dirty="0" smtClean="0"/>
@@ -13976,7 +14032,15 @@
             </a:r>
             <a:r>
               <a:rPr lang="fr-FR" dirty="0" smtClean="0"/>
-              <a:t> : Consultez les réponses que vous avez cochés pour chaque question. Le rouge signifie qu’il fallait la </a:t>
+              <a:t> : Consultez les réponses que vous avez </a:t>
+            </a:r>
+            <a:r>
+              <a:rPr lang="fr-FR" dirty="0" smtClean="0"/>
+              <a:t>cochées </a:t>
+            </a:r>
+            <a:r>
+              <a:rPr lang="fr-FR" dirty="0" smtClean="0"/>
+              <a:t>pour chaque question. Le rouge signifie qu’il fallait la </a:t>
             </a:r>
             <a:r>
               <a:rPr lang="fr-FR" dirty="0" smtClean="0"/>
@@ -14196,7 +14260,15 @@
             </a:r>
             <a:r>
               <a:rPr lang="fr-FR" dirty="0" smtClean="0"/>
-              <a:t>Consultez votre score.  Pour chaque question, si vous avez toutes les réponses de juste, vous avez 1 point. Une seule réponse fausse à une question vous  fera tomber à 0 point pour cette question. </a:t>
+              <a:t>Consultez votre score.  Pour chaque question, si </a:t>
+            </a:r>
+            <a:r>
+              <a:rPr lang="fr-FR" dirty="0" smtClean="0"/>
+              <a:t>toutes vos réponses sont correctes, </a:t>
+            </a:r>
+            <a:r>
+              <a:rPr lang="fr-FR" dirty="0" smtClean="0"/>
+              <a:t>vous avez 1 point. Une seule réponse fausse à une question vous  fera tomber à 0 point pour cette question. </a:t>
             </a:r>
           </a:p>
           <a:p>
@@ -14220,8 +14292,13 @@
             </a:r>
             <a:r>
               <a:rPr lang="fr-FR" dirty="0"/>
-              <a:t>: Revenez à l’accueil</a:t>
-            </a:r>
+              <a:t>: Revenez à </a:t>
+            </a:r>
+            <a:r>
+              <a:rPr lang="fr-FR" dirty="0" smtClean="0"/>
+              <a:t>l’accueil.</a:t>
+            </a:r>
+            <a:endParaRPr lang="fr-FR" dirty="0"/>
           </a:p>
         </p:txBody>
       </p:sp>

--- a/Docs/manuel utilisateur WQ.pptx
+++ b/Docs/manuel utilisateur WQ.pptx
@@ -5299,8 +5299,8 @@
         </p:nvSpPr>
         <p:spPr>
           <a:xfrm>
-            <a:off x="2119585" y="5148064"/>
-            <a:ext cx="4045719" cy="923330"/>
+            <a:off x="1932102" y="5148064"/>
+            <a:ext cx="3153082" cy="923330"/>
           </a:xfrm>
           <a:prstGeom prst="rect">
             <a:avLst/>
@@ -5502,6 +5502,36 @@
           </a:extLst>
         </p:spPr>
       </p:pic>
+      <p:sp>
+        <p:nvSpPr>
+          <p:cNvPr id="5" name="ZoneTexte 4"/>
+          <p:cNvSpPr txBox="1"/>
+          <p:nvPr/>
+        </p:nvSpPr>
+        <p:spPr>
+          <a:xfrm>
+            <a:off x="1941049" y="5796136"/>
+            <a:ext cx="2856103" cy="523220"/>
+          </a:xfrm>
+          <a:prstGeom prst="rect">
+            <a:avLst/>
+          </a:prstGeom>
+          <a:noFill/>
+        </p:spPr>
+        <p:txBody>
+          <a:bodyPr wrap="none" rtlCol="0">
+            <a:spAutoFit/>
+          </a:bodyPr>
+          <a:lstStyle/>
+          <a:p>
+            <a:r>
+              <a:rPr lang="fr-FR" sz="2800" dirty="0" smtClean="0"/>
+              <a:t>Manuel utilisateur</a:t>
+            </a:r>
+            <a:endParaRPr lang="fr-FR" sz="2800" dirty="0"/>
+          </a:p>
+        </p:txBody>
+      </p:sp>
     </p:spTree>
     <p:extLst>
       <p:ext uri="{BB962C8B-B14F-4D97-AF65-F5344CB8AC3E}">
